--- a/robprak1516-presentation.pptx
+++ b/robprak1516-presentation.pptx
@@ -10,10 +10,10 @@
   <p:sldIdLst>
     <p:sldId id="256" r:id="rId2"/>
     <p:sldId id="257" r:id="rId3"/>
-    <p:sldId id="258" r:id="rId4"/>
-    <p:sldId id="259" r:id="rId5"/>
-    <p:sldId id="260" r:id="rId6"/>
-    <p:sldId id="261" r:id="rId7"/>
+    <p:sldId id="263" r:id="rId4"/>
+    <p:sldId id="262" r:id="rId5"/>
+    <p:sldId id="258" r:id="rId6"/>
+    <p:sldId id="260" r:id="rId7"/>
   </p:sldIdLst>
   <p:sldSz cx="12192000" cy="6858000"/>
   <p:notesSz cx="6858000" cy="9144000"/>
@@ -202,7 +202,7 @@
           <a:p>
             <a:fld id="{500D174B-0307-42D4-8E15-5132B1132E4D}" type="datetimeFigureOut">
               <a:rPr lang="de-DE" smtClean="0"/>
-              <a:t>18.03.2016</a:t>
+              <a:t>23.03.2016</a:t>
             </a:fld>
             <a:endParaRPr lang="de-DE"/>
           </a:p>
@@ -468,6 +468,94 @@
     </a:lvl9pPr>
   </p:notesStyle>
 </p:notesMaster>
+</file>
+
+<file path=ppt/notesSlides/notesSlide1.xml><?xml version="1.0" encoding="utf-8"?>
+<p:notes xmlns:a="http://schemas.openxmlformats.org/drawingml/2006/main" xmlns:r="http://schemas.openxmlformats.org/officeDocument/2006/relationships" xmlns:p="http://schemas.openxmlformats.org/presentationml/2006/main">
+  <p:cSld>
+    <p:spTree>
+      <p:nvGrpSpPr>
+        <p:cNvPr id="1" name=""/>
+        <p:cNvGrpSpPr/>
+        <p:nvPr/>
+      </p:nvGrpSpPr>
+      <p:grpSpPr>
+        <a:xfrm>
+          <a:off x="0" y="0"/>
+          <a:ext cx="0" cy="0"/>
+          <a:chOff x="0" y="0"/>
+          <a:chExt cx="0" cy="0"/>
+        </a:xfrm>
+      </p:grpSpPr>
+      <p:sp>
+        <p:nvSpPr>
+          <p:cNvPr id="2" name="Folienbildplatzhalter 1"/>
+          <p:cNvSpPr>
+            <a:spLocks noGrp="1" noRot="1" noChangeAspect="1"/>
+          </p:cNvSpPr>
+          <p:nvPr>
+            <p:ph type="sldImg"/>
+          </p:nvPr>
+        </p:nvSpPr>
+        <p:spPr/>
+      </p:sp>
+      <p:sp>
+        <p:nvSpPr>
+          <p:cNvPr id="3" name="Notizenplatzhalter 2"/>
+          <p:cNvSpPr>
+            <a:spLocks noGrp="1"/>
+          </p:cNvSpPr>
+          <p:nvPr>
+            <p:ph type="body" idx="1"/>
+          </p:nvPr>
+        </p:nvSpPr>
+        <p:spPr/>
+        <p:txBody>
+          <a:bodyPr/>
+          <a:lstStyle/>
+          <a:p>
+            <a:r>
+              <a:rPr lang="de-DE" dirty="0" smtClean="0"/>
+              <a:t>Details von den Gruppen später</a:t>
+            </a:r>
+            <a:endParaRPr lang="de-DE" dirty="0"/>
+          </a:p>
+        </p:txBody>
+      </p:sp>
+      <p:sp>
+        <p:nvSpPr>
+          <p:cNvPr id="4" name="Foliennummernplatzhalter 3"/>
+          <p:cNvSpPr>
+            <a:spLocks noGrp="1"/>
+          </p:cNvSpPr>
+          <p:nvPr>
+            <p:ph type="sldNum" sz="quarter" idx="10"/>
+          </p:nvPr>
+        </p:nvSpPr>
+        <p:spPr/>
+        <p:txBody>
+          <a:bodyPr/>
+          <a:lstStyle/>
+          <a:p>
+            <a:fld id="{EC5D6A57-0462-4896-8270-C647D8407408}" type="slidenum">
+              <a:rPr lang="de-DE" smtClean="0"/>
+              <a:t>3</a:t>
+            </a:fld>
+            <a:endParaRPr lang="de-DE"/>
+          </a:p>
+        </p:txBody>
+      </p:sp>
+    </p:spTree>
+    <p:extLst>
+      <p:ext uri="{BB962C8B-B14F-4D97-AF65-F5344CB8AC3E}">
+        <p14:creationId xmlns:p14="http://schemas.microsoft.com/office/powerpoint/2010/main" val="2706214526"/>
+      </p:ext>
+    </p:extLst>
+  </p:cSld>
+  <p:clrMapOvr>
+    <a:masterClrMapping/>
+  </p:clrMapOvr>
+</p:notes>
 </file>
 
 <file path=ppt/slideLayouts/slideLayout1.xml><?xml version="1.0" encoding="utf-8"?>
@@ -2906,12 +2994,16 @@
               <a:buAutoNum type="arabicPeriod"/>
             </a:pPr>
             <a:r>
+              <a:rPr lang="en-US" sz="1600" dirty="0" err="1" smtClean="0"/>
+              <a:t>Gruppen</a:t>
+            </a:r>
+            <a:r>
               <a:rPr lang="en-US" sz="1600" dirty="0" smtClean="0"/>
-              <a:t>Vision </a:t>
+              <a:t> und </a:t>
             </a:r>
             <a:r>
               <a:rPr lang="en-US" sz="1600" dirty="0" err="1" smtClean="0"/>
-              <a:t>Gruppe</a:t>
+              <a:t>Systeminteraktion</a:t>
             </a:r>
             <a:endParaRPr lang="en-US" sz="1600" dirty="0" smtClean="0"/>
           </a:p>
@@ -2928,12 +3020,8 @@
               <a:buAutoNum type="arabicPeriod"/>
             </a:pPr>
             <a:r>
-              <a:rPr lang="en-US" sz="1600" dirty="0" err="1" smtClean="0"/>
-              <a:t>Kalman</a:t>
-            </a:r>
-            <a:r>
               <a:rPr lang="en-US" sz="1600" dirty="0" smtClean="0"/>
-              <a:t> </a:t>
+              <a:t>Vision </a:t>
             </a:r>
             <a:r>
               <a:rPr lang="en-US" sz="1600" dirty="0" err="1" smtClean="0"/>
@@ -2955,7 +3043,7 @@
             </a:pPr>
             <a:r>
               <a:rPr lang="en-US" sz="1600" dirty="0" err="1" smtClean="0"/>
-              <a:t>Highlevel</a:t>
+              <a:t>Kalman</a:t>
             </a:r>
             <a:r>
               <a:rPr lang="en-US" sz="1600" dirty="0" smtClean="0"/>
@@ -2981,7 +3069,15 @@
             </a:pPr>
             <a:r>
               <a:rPr lang="en-US" sz="1600" dirty="0" err="1" smtClean="0"/>
-              <a:t>Zusammenspiel</a:t>
+              <a:t>Highlevel</a:t>
+            </a:r>
+            <a:r>
+              <a:rPr lang="en-US" sz="1600" dirty="0" smtClean="0"/>
+              <a:t> </a:t>
+            </a:r>
+            <a:r>
+              <a:rPr lang="en-US" sz="1600" dirty="0" err="1" smtClean="0"/>
+              <a:t>Gruppe</a:t>
             </a:r>
             <a:endParaRPr lang="en-US" sz="1600" dirty="0" smtClean="0"/>
           </a:p>
@@ -2999,7 +3095,7 @@
             </a:pPr>
             <a:r>
               <a:rPr lang="en-US" sz="1600" dirty="0" err="1" smtClean="0"/>
-              <a:t>Kernproblematiken</a:t>
+              <a:t>Zusammenspiel</a:t>
             </a:r>
             <a:endParaRPr lang="en-US" sz="1600" dirty="0" smtClean="0"/>
           </a:p>
@@ -3274,26 +3370,11 @@
           <a:bodyPr/>
           <a:lstStyle/>
           <a:p>
-            <a:endParaRPr lang="de-DE"/>
-          </a:p>
-        </p:txBody>
-      </p:sp>
-      <p:sp>
-        <p:nvSpPr>
-          <p:cNvPr id="3" name="Inhaltsplatzhalter 2"/>
-          <p:cNvSpPr>
-            <a:spLocks noGrp="1"/>
-          </p:cNvSpPr>
-          <p:nvPr>
-            <p:ph idx="1"/>
-          </p:nvPr>
-        </p:nvSpPr>
-        <p:spPr/>
-        <p:txBody>
-          <a:bodyPr/>
-          <a:lstStyle/>
-          <a:p>
-            <a:endParaRPr lang="de-DE"/>
+            <a:r>
+              <a:rPr lang="de-DE" dirty="0" smtClean="0"/>
+              <a:t>Das Ziel des Praktikums ist es, festzustellen ob der Roboter ohne sein wissen bewegt worden ist</a:t>
+            </a:r>
+            <a:endParaRPr lang="de-DE" dirty="0"/>
           </a:p>
         </p:txBody>
       </p:sp>
@@ -3314,29 +3395,1570 @@
           <a:p>
             <a:fld id="{88051181-3DEF-484A-8434-F25831745C76}" type="slidenum">
               <a:rPr lang="de-DE" smtClean="0"/>
+              <a:pPr/>
               <a:t>3</a:t>
             </a:fld>
-            <a:endParaRPr lang="de-DE"/>
+            <a:endParaRPr lang="de-DE" dirty="0"/>
+          </a:p>
+        </p:txBody>
+      </p:sp>
+      <p:sp>
+        <p:nvSpPr>
+          <p:cNvPr id="5" name="Rectangle 3"/>
+          <p:cNvSpPr>
+            <a:spLocks noChangeArrowheads="1"/>
+          </p:cNvSpPr>
+          <p:nvPr/>
+        </p:nvSpPr>
+        <p:spPr bwMode="auto">
+          <a:xfrm>
+            <a:off x="411271" y="4731466"/>
+            <a:ext cx="1524000" cy="1371600"/>
+          </a:xfrm>
+          <a:prstGeom prst="rect">
+            <a:avLst/>
+          </a:prstGeom>
+          <a:solidFill>
+            <a:schemeClr val="accent3">
+              <a:lumMod val="50000"/>
+            </a:schemeClr>
+          </a:solidFill>
+          <a:ln w="19050">
+            <a:solidFill>
+              <a:schemeClr val="accent3">
+                <a:lumMod val="50000"/>
+              </a:schemeClr>
+            </a:solidFill>
+            <a:miter lim="800000"/>
+            <a:headEnd/>
+            <a:tailEnd/>
+          </a:ln>
+        </p:spPr>
+        <p:txBody>
+          <a:bodyPr anchor="ctr"/>
+          <a:lstStyle>
+            <a:defPPr>
+              <a:defRPr lang="de-DE"/>
+            </a:defPPr>
+            <a:lvl1pPr algn="l" rtl="0" fontAlgn="base">
+              <a:spcBef>
+                <a:spcPct val="0"/>
+              </a:spcBef>
+              <a:spcAft>
+                <a:spcPct val="0"/>
+              </a:spcAft>
+              <a:defRPr sz="2000" kern="1200">
+                <a:solidFill>
+                  <a:schemeClr val="tx1"/>
+                </a:solidFill>
+                <a:latin typeface="Arial" pitchFamily="34" charset="0"/>
+                <a:ea typeface="ヒラギノ角ゴ Pro W3"/>
+                <a:cs typeface="ヒラギノ角ゴ Pro W3"/>
+              </a:defRPr>
+            </a:lvl1pPr>
+            <a:lvl2pPr marL="457200" algn="l" rtl="0" fontAlgn="base">
+              <a:spcBef>
+                <a:spcPct val="0"/>
+              </a:spcBef>
+              <a:spcAft>
+                <a:spcPct val="0"/>
+              </a:spcAft>
+              <a:defRPr sz="2000" kern="1200">
+                <a:solidFill>
+                  <a:schemeClr val="tx1"/>
+                </a:solidFill>
+                <a:latin typeface="Arial" pitchFamily="34" charset="0"/>
+                <a:ea typeface="ヒラギノ角ゴ Pro W3"/>
+                <a:cs typeface="ヒラギノ角ゴ Pro W3"/>
+              </a:defRPr>
+            </a:lvl2pPr>
+            <a:lvl3pPr marL="914400" algn="l" rtl="0" fontAlgn="base">
+              <a:spcBef>
+                <a:spcPct val="0"/>
+              </a:spcBef>
+              <a:spcAft>
+                <a:spcPct val="0"/>
+              </a:spcAft>
+              <a:defRPr sz="2000" kern="1200">
+                <a:solidFill>
+                  <a:schemeClr val="tx1"/>
+                </a:solidFill>
+                <a:latin typeface="Arial" pitchFamily="34" charset="0"/>
+                <a:ea typeface="ヒラギノ角ゴ Pro W3"/>
+                <a:cs typeface="ヒラギノ角ゴ Pro W3"/>
+              </a:defRPr>
+            </a:lvl3pPr>
+            <a:lvl4pPr marL="1371600" algn="l" rtl="0" fontAlgn="base">
+              <a:spcBef>
+                <a:spcPct val="0"/>
+              </a:spcBef>
+              <a:spcAft>
+                <a:spcPct val="0"/>
+              </a:spcAft>
+              <a:defRPr sz="2000" kern="1200">
+                <a:solidFill>
+                  <a:schemeClr val="tx1"/>
+                </a:solidFill>
+                <a:latin typeface="Arial" pitchFamily="34" charset="0"/>
+                <a:ea typeface="ヒラギノ角ゴ Pro W3"/>
+                <a:cs typeface="ヒラギノ角ゴ Pro W3"/>
+              </a:defRPr>
+            </a:lvl4pPr>
+            <a:lvl5pPr marL="1828800" algn="l" rtl="0" fontAlgn="base">
+              <a:spcBef>
+                <a:spcPct val="0"/>
+              </a:spcBef>
+              <a:spcAft>
+                <a:spcPct val="0"/>
+              </a:spcAft>
+              <a:defRPr sz="2000" kern="1200">
+                <a:solidFill>
+                  <a:schemeClr val="tx1"/>
+                </a:solidFill>
+                <a:latin typeface="Arial" pitchFamily="34" charset="0"/>
+                <a:ea typeface="ヒラギノ角ゴ Pro W3"/>
+                <a:cs typeface="ヒラギノ角ゴ Pro W3"/>
+              </a:defRPr>
+            </a:lvl5pPr>
+            <a:lvl6pPr marL="2286000" algn="l" defTabSz="914400" rtl="0" eaLnBrk="1" latinLnBrk="0" hangingPunct="1">
+              <a:defRPr sz="2000" kern="1200">
+                <a:solidFill>
+                  <a:schemeClr val="tx1"/>
+                </a:solidFill>
+                <a:latin typeface="Arial" pitchFamily="34" charset="0"/>
+                <a:ea typeface="ヒラギノ角ゴ Pro W3"/>
+                <a:cs typeface="ヒラギノ角ゴ Pro W3"/>
+              </a:defRPr>
+            </a:lvl6pPr>
+            <a:lvl7pPr marL="2743200" algn="l" defTabSz="914400" rtl="0" eaLnBrk="1" latinLnBrk="0" hangingPunct="1">
+              <a:defRPr sz="2000" kern="1200">
+                <a:solidFill>
+                  <a:schemeClr val="tx1"/>
+                </a:solidFill>
+                <a:latin typeface="Arial" pitchFamily="34" charset="0"/>
+                <a:ea typeface="ヒラギノ角ゴ Pro W3"/>
+                <a:cs typeface="ヒラギノ角ゴ Pro W3"/>
+              </a:defRPr>
+            </a:lvl7pPr>
+            <a:lvl8pPr marL="3200400" algn="l" defTabSz="914400" rtl="0" eaLnBrk="1" latinLnBrk="0" hangingPunct="1">
+              <a:defRPr sz="2000" kern="1200">
+                <a:solidFill>
+                  <a:schemeClr val="tx1"/>
+                </a:solidFill>
+                <a:latin typeface="Arial" pitchFamily="34" charset="0"/>
+                <a:ea typeface="ヒラギノ角ゴ Pro W3"/>
+                <a:cs typeface="ヒラギノ角ゴ Pro W3"/>
+              </a:defRPr>
+            </a:lvl8pPr>
+            <a:lvl9pPr marL="3657600" algn="l" defTabSz="914400" rtl="0" eaLnBrk="1" latinLnBrk="0" hangingPunct="1">
+              <a:defRPr sz="2000" kern="1200">
+                <a:solidFill>
+                  <a:schemeClr val="tx1"/>
+                </a:solidFill>
+                <a:latin typeface="Arial" pitchFamily="34" charset="0"/>
+                <a:ea typeface="ヒラギノ角ゴ Pro W3"/>
+                <a:cs typeface="ヒラギノ角ゴ Pro W3"/>
+              </a:defRPr>
+            </a:lvl9pPr>
+          </a:lstStyle>
+          <a:p>
+            <a:pPr marL="12700" indent="-12700" algn="ctr" eaLnBrk="0" hangingPunct="0">
+              <a:buFont typeface="Webdings" pitchFamily="18" charset="2"/>
+              <a:buNone/>
+            </a:pPr>
+            <a:r>
+              <a:rPr lang="de-DE" sz="1600" dirty="0" smtClean="0">
+                <a:solidFill>
+                  <a:schemeClr val="bg1"/>
+                </a:solidFill>
+              </a:rPr>
+              <a:t>Zustand</a:t>
+            </a:r>
+          </a:p>
+          <a:p>
+            <a:pPr marL="12700" indent="-12700" algn="ctr" eaLnBrk="0" hangingPunct="0">
+              <a:buFont typeface="Webdings" pitchFamily="18" charset="2"/>
+              <a:buNone/>
+            </a:pPr>
+            <a:r>
+              <a:rPr lang="de-DE" sz="1600" dirty="0" smtClean="0">
+                <a:solidFill>
+                  <a:schemeClr val="bg1"/>
+                </a:solidFill>
+              </a:rPr>
+              <a:t>jetzt</a:t>
+            </a:r>
+            <a:endParaRPr lang="de-DE" sz="1400" dirty="0">
+              <a:solidFill>
+                <a:schemeClr val="bg1"/>
+              </a:solidFill>
+            </a:endParaRPr>
+          </a:p>
+        </p:txBody>
+      </p:sp>
+      <p:sp>
+        <p:nvSpPr>
+          <p:cNvPr id="6" name="Rectangle 4"/>
+          <p:cNvSpPr>
+            <a:spLocks noChangeArrowheads="1"/>
+          </p:cNvSpPr>
+          <p:nvPr/>
+        </p:nvSpPr>
+        <p:spPr bwMode="auto">
+          <a:xfrm>
+            <a:off x="2056828" y="1207216"/>
+            <a:ext cx="9594398" cy="1371600"/>
+          </a:xfrm>
+          <a:prstGeom prst="rect">
+            <a:avLst/>
+          </a:prstGeom>
+          <a:solidFill>
+            <a:schemeClr val="bg2"/>
+          </a:solidFill>
+          <a:ln w="19050">
+            <a:solidFill>
+              <a:schemeClr val="bg2"/>
+            </a:solidFill>
+            <a:miter lim="800000"/>
+            <a:headEnd/>
+            <a:tailEnd/>
+          </a:ln>
+        </p:spPr>
+        <p:txBody>
+          <a:bodyPr wrap="square" lIns="0" tIns="36000" rIns="0" bIns="36000" rtlCol="0" anchor="ctr">
+            <a:noAutofit/>
+          </a:bodyPr>
+          <a:lstStyle>
+            <a:defPPr>
+              <a:defRPr lang="de-DE"/>
+            </a:defPPr>
+            <a:lvl1pPr algn="l" rtl="0" fontAlgn="base">
+              <a:spcBef>
+                <a:spcPct val="0"/>
+              </a:spcBef>
+              <a:spcAft>
+                <a:spcPct val="0"/>
+              </a:spcAft>
+              <a:defRPr sz="2000" kern="1200">
+                <a:solidFill>
+                  <a:schemeClr val="tx1"/>
+                </a:solidFill>
+                <a:latin typeface="Arial" pitchFamily="34" charset="0"/>
+                <a:ea typeface="ヒラギノ角ゴ Pro W3"/>
+                <a:cs typeface="ヒラギノ角ゴ Pro W3"/>
+              </a:defRPr>
+            </a:lvl1pPr>
+            <a:lvl2pPr marL="457200" algn="l" rtl="0" fontAlgn="base">
+              <a:spcBef>
+                <a:spcPct val="0"/>
+              </a:spcBef>
+              <a:spcAft>
+                <a:spcPct val="0"/>
+              </a:spcAft>
+              <a:defRPr sz="2000" kern="1200">
+                <a:solidFill>
+                  <a:schemeClr val="tx1"/>
+                </a:solidFill>
+                <a:latin typeface="Arial" pitchFamily="34" charset="0"/>
+                <a:ea typeface="ヒラギノ角ゴ Pro W3"/>
+                <a:cs typeface="ヒラギノ角ゴ Pro W3"/>
+              </a:defRPr>
+            </a:lvl2pPr>
+            <a:lvl3pPr marL="914400" algn="l" rtl="0" fontAlgn="base">
+              <a:spcBef>
+                <a:spcPct val="0"/>
+              </a:spcBef>
+              <a:spcAft>
+                <a:spcPct val="0"/>
+              </a:spcAft>
+              <a:defRPr sz="2000" kern="1200">
+                <a:solidFill>
+                  <a:schemeClr val="tx1"/>
+                </a:solidFill>
+                <a:latin typeface="Arial" pitchFamily="34" charset="0"/>
+                <a:ea typeface="ヒラギノ角ゴ Pro W3"/>
+                <a:cs typeface="ヒラギノ角ゴ Pro W3"/>
+              </a:defRPr>
+            </a:lvl3pPr>
+            <a:lvl4pPr marL="1371600" algn="l" rtl="0" fontAlgn="base">
+              <a:spcBef>
+                <a:spcPct val="0"/>
+              </a:spcBef>
+              <a:spcAft>
+                <a:spcPct val="0"/>
+              </a:spcAft>
+              <a:defRPr sz="2000" kern="1200">
+                <a:solidFill>
+                  <a:schemeClr val="tx1"/>
+                </a:solidFill>
+                <a:latin typeface="Arial" pitchFamily="34" charset="0"/>
+                <a:ea typeface="ヒラギノ角ゴ Pro W3"/>
+                <a:cs typeface="ヒラギノ角ゴ Pro W3"/>
+              </a:defRPr>
+            </a:lvl4pPr>
+            <a:lvl5pPr marL="1828800" algn="l" rtl="0" fontAlgn="base">
+              <a:spcBef>
+                <a:spcPct val="0"/>
+              </a:spcBef>
+              <a:spcAft>
+                <a:spcPct val="0"/>
+              </a:spcAft>
+              <a:defRPr sz="2000" kern="1200">
+                <a:solidFill>
+                  <a:schemeClr val="tx1"/>
+                </a:solidFill>
+                <a:latin typeface="Arial" pitchFamily="34" charset="0"/>
+                <a:ea typeface="ヒラギノ角ゴ Pro W3"/>
+                <a:cs typeface="ヒラギノ角ゴ Pro W3"/>
+              </a:defRPr>
+            </a:lvl5pPr>
+            <a:lvl6pPr marL="2286000" algn="l" defTabSz="914400" rtl="0" eaLnBrk="1" latinLnBrk="0" hangingPunct="1">
+              <a:defRPr sz="2000" kern="1200">
+                <a:solidFill>
+                  <a:schemeClr val="tx1"/>
+                </a:solidFill>
+                <a:latin typeface="Arial" pitchFamily="34" charset="0"/>
+                <a:ea typeface="ヒラギノ角ゴ Pro W3"/>
+                <a:cs typeface="ヒラギノ角ゴ Pro W3"/>
+              </a:defRPr>
+            </a:lvl6pPr>
+            <a:lvl7pPr marL="2743200" algn="l" defTabSz="914400" rtl="0" eaLnBrk="1" latinLnBrk="0" hangingPunct="1">
+              <a:defRPr sz="2000" kern="1200">
+                <a:solidFill>
+                  <a:schemeClr val="tx1"/>
+                </a:solidFill>
+                <a:latin typeface="Arial" pitchFamily="34" charset="0"/>
+                <a:ea typeface="ヒラギノ角ゴ Pro W3"/>
+                <a:cs typeface="ヒラギノ角ゴ Pro W3"/>
+              </a:defRPr>
+            </a:lvl7pPr>
+            <a:lvl8pPr marL="3200400" algn="l" defTabSz="914400" rtl="0" eaLnBrk="1" latinLnBrk="0" hangingPunct="1">
+              <a:defRPr sz="2000" kern="1200">
+                <a:solidFill>
+                  <a:schemeClr val="tx1"/>
+                </a:solidFill>
+                <a:latin typeface="Arial" pitchFamily="34" charset="0"/>
+                <a:ea typeface="ヒラギノ角ゴ Pro W3"/>
+                <a:cs typeface="ヒラギノ角ゴ Pro W3"/>
+              </a:defRPr>
+            </a:lvl8pPr>
+            <a:lvl9pPr marL="3657600" algn="l" defTabSz="914400" rtl="0" eaLnBrk="1" latinLnBrk="0" hangingPunct="1">
+              <a:defRPr sz="2000" kern="1200">
+                <a:solidFill>
+                  <a:schemeClr val="tx1"/>
+                </a:solidFill>
+                <a:latin typeface="Arial" pitchFamily="34" charset="0"/>
+                <a:ea typeface="ヒラギノ角ゴ Pro W3"/>
+                <a:cs typeface="ヒラギノ角ゴ Pro W3"/>
+              </a:defRPr>
+            </a:lvl9pPr>
+          </a:lstStyle>
+          <a:p>
+            <a:pPr marL="252000" indent="-180000" eaLnBrk="0" hangingPunct="0">
+              <a:spcBef>
+                <a:spcPts val="200"/>
+              </a:spcBef>
+              <a:spcAft>
+                <a:spcPts val="200"/>
+              </a:spcAft>
+              <a:buClr>
+                <a:srgbClr val="007348"/>
+              </a:buClr>
+              <a:buFont typeface="Wingdings" pitchFamily="2" charset="2"/>
+              <a:buChar char="§"/>
+            </a:pPr>
+            <a:r>
+              <a:rPr lang="de-DE" sz="1400" dirty="0" smtClean="0"/>
+              <a:t>Roboter hat keine absolute Positionsbestimmung</a:t>
+            </a:r>
+            <a:endParaRPr lang="de-DE" sz="1400" dirty="0"/>
+          </a:p>
+          <a:p>
+            <a:pPr marL="252000" indent="-180000" eaLnBrk="0" hangingPunct="0">
+              <a:spcBef>
+                <a:spcPts val="200"/>
+              </a:spcBef>
+              <a:spcAft>
+                <a:spcPts val="200"/>
+              </a:spcAft>
+              <a:buClr>
+                <a:srgbClr val="007348"/>
+              </a:buClr>
+              <a:buFont typeface="Wingdings" pitchFamily="2" charset="2"/>
+              <a:buChar char="§"/>
+            </a:pPr>
+            <a:r>
+              <a:rPr lang="de-DE" sz="1400" dirty="0" smtClean="0"/>
+              <a:t>Mapping Dienst startet beim Einschalten im Ursprung</a:t>
+            </a:r>
+            <a:endParaRPr lang="de-DE" sz="1400" dirty="0"/>
+          </a:p>
+        </p:txBody>
+      </p:sp>
+      <p:sp>
+        <p:nvSpPr>
+          <p:cNvPr id="7" name="Rectangle 5"/>
+          <p:cNvSpPr>
+            <a:spLocks noChangeArrowheads="1"/>
+          </p:cNvSpPr>
+          <p:nvPr/>
+        </p:nvSpPr>
+        <p:spPr bwMode="auto">
+          <a:xfrm>
+            <a:off x="2056828" y="2969341"/>
+            <a:ext cx="9594398" cy="1371600"/>
+          </a:xfrm>
+          <a:prstGeom prst="rect">
+            <a:avLst/>
+          </a:prstGeom>
+          <a:solidFill>
+            <a:schemeClr val="bg2"/>
+          </a:solidFill>
+          <a:ln w="19050">
+            <a:solidFill>
+              <a:schemeClr val="bg2"/>
+            </a:solidFill>
+            <a:miter lim="800000"/>
+            <a:headEnd/>
+            <a:tailEnd/>
+          </a:ln>
+        </p:spPr>
+        <p:txBody>
+          <a:bodyPr wrap="square" lIns="0" tIns="36000" rIns="0" bIns="36000" rtlCol="0" anchor="ctr">
+            <a:noAutofit/>
+          </a:bodyPr>
+          <a:lstStyle>
+            <a:defPPr>
+              <a:defRPr lang="de-DE"/>
+            </a:defPPr>
+            <a:lvl1pPr algn="l" rtl="0" fontAlgn="base">
+              <a:spcBef>
+                <a:spcPct val="0"/>
+              </a:spcBef>
+              <a:spcAft>
+                <a:spcPct val="0"/>
+              </a:spcAft>
+              <a:defRPr sz="2000" kern="1200">
+                <a:solidFill>
+                  <a:schemeClr val="tx1"/>
+                </a:solidFill>
+                <a:latin typeface="Arial" pitchFamily="34" charset="0"/>
+                <a:ea typeface="ヒラギノ角ゴ Pro W3"/>
+                <a:cs typeface="ヒラギノ角ゴ Pro W3"/>
+              </a:defRPr>
+            </a:lvl1pPr>
+            <a:lvl2pPr marL="457200" algn="l" rtl="0" fontAlgn="base">
+              <a:spcBef>
+                <a:spcPct val="0"/>
+              </a:spcBef>
+              <a:spcAft>
+                <a:spcPct val="0"/>
+              </a:spcAft>
+              <a:defRPr sz="2000" kern="1200">
+                <a:solidFill>
+                  <a:schemeClr val="tx1"/>
+                </a:solidFill>
+                <a:latin typeface="Arial" pitchFamily="34" charset="0"/>
+                <a:ea typeface="ヒラギノ角ゴ Pro W3"/>
+                <a:cs typeface="ヒラギノ角ゴ Pro W3"/>
+              </a:defRPr>
+            </a:lvl2pPr>
+            <a:lvl3pPr marL="914400" algn="l" rtl="0" fontAlgn="base">
+              <a:spcBef>
+                <a:spcPct val="0"/>
+              </a:spcBef>
+              <a:spcAft>
+                <a:spcPct val="0"/>
+              </a:spcAft>
+              <a:defRPr sz="2000" kern="1200">
+                <a:solidFill>
+                  <a:schemeClr val="tx1"/>
+                </a:solidFill>
+                <a:latin typeface="Arial" pitchFamily="34" charset="0"/>
+                <a:ea typeface="ヒラギノ角ゴ Pro W3"/>
+                <a:cs typeface="ヒラギノ角ゴ Pro W3"/>
+              </a:defRPr>
+            </a:lvl3pPr>
+            <a:lvl4pPr marL="1371600" algn="l" rtl="0" fontAlgn="base">
+              <a:spcBef>
+                <a:spcPct val="0"/>
+              </a:spcBef>
+              <a:spcAft>
+                <a:spcPct val="0"/>
+              </a:spcAft>
+              <a:defRPr sz="2000" kern="1200">
+                <a:solidFill>
+                  <a:schemeClr val="tx1"/>
+                </a:solidFill>
+                <a:latin typeface="Arial" pitchFamily="34" charset="0"/>
+                <a:ea typeface="ヒラギノ角ゴ Pro W3"/>
+                <a:cs typeface="ヒラギノ角ゴ Pro W3"/>
+              </a:defRPr>
+            </a:lvl4pPr>
+            <a:lvl5pPr marL="1828800" algn="l" rtl="0" fontAlgn="base">
+              <a:spcBef>
+                <a:spcPct val="0"/>
+              </a:spcBef>
+              <a:spcAft>
+                <a:spcPct val="0"/>
+              </a:spcAft>
+              <a:defRPr sz="2000" kern="1200">
+                <a:solidFill>
+                  <a:schemeClr val="tx1"/>
+                </a:solidFill>
+                <a:latin typeface="Arial" pitchFamily="34" charset="0"/>
+                <a:ea typeface="ヒラギノ角ゴ Pro W3"/>
+                <a:cs typeface="ヒラギノ角ゴ Pro W3"/>
+              </a:defRPr>
+            </a:lvl5pPr>
+            <a:lvl6pPr marL="2286000" algn="l" defTabSz="914400" rtl="0" eaLnBrk="1" latinLnBrk="0" hangingPunct="1">
+              <a:defRPr sz="2000" kern="1200">
+                <a:solidFill>
+                  <a:schemeClr val="tx1"/>
+                </a:solidFill>
+                <a:latin typeface="Arial" pitchFamily="34" charset="0"/>
+                <a:ea typeface="ヒラギノ角ゴ Pro W3"/>
+                <a:cs typeface="ヒラギノ角ゴ Pro W3"/>
+              </a:defRPr>
+            </a:lvl6pPr>
+            <a:lvl7pPr marL="2743200" algn="l" defTabSz="914400" rtl="0" eaLnBrk="1" latinLnBrk="0" hangingPunct="1">
+              <a:defRPr sz="2000" kern="1200">
+                <a:solidFill>
+                  <a:schemeClr val="tx1"/>
+                </a:solidFill>
+                <a:latin typeface="Arial" pitchFamily="34" charset="0"/>
+                <a:ea typeface="ヒラギノ角ゴ Pro W3"/>
+                <a:cs typeface="ヒラギノ角ゴ Pro W3"/>
+              </a:defRPr>
+            </a:lvl7pPr>
+            <a:lvl8pPr marL="3200400" algn="l" defTabSz="914400" rtl="0" eaLnBrk="1" latinLnBrk="0" hangingPunct="1">
+              <a:defRPr sz="2000" kern="1200">
+                <a:solidFill>
+                  <a:schemeClr val="tx1"/>
+                </a:solidFill>
+                <a:latin typeface="Arial" pitchFamily="34" charset="0"/>
+                <a:ea typeface="ヒラギノ角ゴ Pro W3"/>
+                <a:cs typeface="ヒラギノ角ゴ Pro W3"/>
+              </a:defRPr>
+            </a:lvl8pPr>
+            <a:lvl9pPr marL="3657600" algn="l" defTabSz="914400" rtl="0" eaLnBrk="1" latinLnBrk="0" hangingPunct="1">
+              <a:defRPr sz="2000" kern="1200">
+                <a:solidFill>
+                  <a:schemeClr val="tx1"/>
+                </a:solidFill>
+                <a:latin typeface="Arial" pitchFamily="34" charset="0"/>
+                <a:ea typeface="ヒラギノ角ゴ Pro W3"/>
+                <a:cs typeface="ヒラギノ角ゴ Pro W3"/>
+              </a:defRPr>
+            </a:lvl9pPr>
+          </a:lstStyle>
+          <a:p>
+            <a:pPr marL="252000" indent="-180000" eaLnBrk="0" hangingPunct="0">
+              <a:spcBef>
+                <a:spcPts val="200"/>
+              </a:spcBef>
+              <a:spcAft>
+                <a:spcPts val="200"/>
+              </a:spcAft>
+              <a:buClr>
+                <a:srgbClr val="007348"/>
+              </a:buClr>
+              <a:buFont typeface="Wingdings" pitchFamily="2" charset="2"/>
+              <a:buChar char="§"/>
+            </a:pPr>
+            <a:r>
+              <a:rPr lang="de-DE" sz="1400" dirty="0" smtClean="0"/>
+              <a:t>Auswertung von Marker Positionen mit einer Kinect</a:t>
+            </a:r>
+            <a:endParaRPr lang="de-DE" sz="1400" dirty="0"/>
+          </a:p>
+          <a:p>
+            <a:pPr marL="252000" lvl="1" indent="-180000" eaLnBrk="0" hangingPunct="0">
+              <a:spcBef>
+                <a:spcPts val="200"/>
+              </a:spcBef>
+              <a:spcAft>
+                <a:spcPts val="200"/>
+              </a:spcAft>
+              <a:buClr>
+                <a:srgbClr val="007348"/>
+              </a:buClr>
+              <a:buFont typeface="Wingdings" pitchFamily="2" charset="2"/>
+              <a:buChar char="§"/>
+            </a:pPr>
+            <a:r>
+              <a:rPr lang="de-DE" sz="1400" dirty="0" smtClean="0"/>
+              <a:t>Fusion der Pose mit der vorhandenen Mapping Pose</a:t>
+            </a:r>
+            <a:endParaRPr lang="de-DE" sz="1400" dirty="0"/>
+          </a:p>
+          <a:p>
+            <a:pPr marL="252000" lvl="2" indent="-180000" eaLnBrk="0" hangingPunct="0">
+              <a:spcBef>
+                <a:spcPts val="200"/>
+              </a:spcBef>
+              <a:spcAft>
+                <a:spcPts val="200"/>
+              </a:spcAft>
+              <a:buClr>
+                <a:srgbClr val="007348"/>
+              </a:buClr>
+              <a:buFont typeface="Wingdings" pitchFamily="2" charset="2"/>
+              <a:buChar char="§"/>
+            </a:pPr>
+            <a:r>
+              <a:rPr lang="de-DE" sz="1400" dirty="0" smtClean="0"/>
+              <a:t>Logik zur Erkennung des Kidnappings und </a:t>
+            </a:r>
+            <a:r>
+              <a:rPr lang="de-DE" sz="1400" dirty="0" err="1" smtClean="0"/>
+              <a:t>Recovery</a:t>
+            </a:r>
+            <a:r>
+              <a:rPr lang="de-DE" sz="1400" dirty="0" smtClean="0"/>
+              <a:t> Logik</a:t>
+            </a:r>
+            <a:endParaRPr lang="de-DE" sz="1400" dirty="0"/>
+          </a:p>
+        </p:txBody>
+      </p:sp>
+      <p:sp>
+        <p:nvSpPr>
+          <p:cNvPr id="8" name="Rectangle 6"/>
+          <p:cNvSpPr>
+            <a:spLocks noChangeArrowheads="1"/>
+          </p:cNvSpPr>
+          <p:nvPr/>
+        </p:nvSpPr>
+        <p:spPr bwMode="auto">
+          <a:xfrm>
+            <a:off x="2056828" y="4731466"/>
+            <a:ext cx="9594398" cy="1371600"/>
+          </a:xfrm>
+          <a:prstGeom prst="rect">
+            <a:avLst/>
+          </a:prstGeom>
+          <a:solidFill>
+            <a:schemeClr val="bg2"/>
+          </a:solidFill>
+          <a:ln w="19050">
+            <a:solidFill>
+              <a:schemeClr val="bg2"/>
+            </a:solidFill>
+            <a:miter lim="800000"/>
+            <a:headEnd/>
+            <a:tailEnd/>
+          </a:ln>
+        </p:spPr>
+        <p:txBody>
+          <a:bodyPr wrap="square" lIns="0" tIns="36000" rIns="0" bIns="36000" rtlCol="0" anchor="ctr">
+            <a:noAutofit/>
+          </a:bodyPr>
+          <a:lstStyle>
+            <a:defPPr>
+              <a:defRPr lang="de-DE"/>
+            </a:defPPr>
+            <a:lvl1pPr algn="l" rtl="0" fontAlgn="base">
+              <a:spcBef>
+                <a:spcPct val="0"/>
+              </a:spcBef>
+              <a:spcAft>
+                <a:spcPct val="0"/>
+              </a:spcAft>
+              <a:defRPr sz="2000" kern="1200">
+                <a:solidFill>
+                  <a:schemeClr val="tx1"/>
+                </a:solidFill>
+                <a:latin typeface="Arial" pitchFamily="34" charset="0"/>
+                <a:ea typeface="ヒラギノ角ゴ Pro W3"/>
+                <a:cs typeface="ヒラギノ角ゴ Pro W3"/>
+              </a:defRPr>
+            </a:lvl1pPr>
+            <a:lvl2pPr marL="457200" algn="l" rtl="0" fontAlgn="base">
+              <a:spcBef>
+                <a:spcPct val="0"/>
+              </a:spcBef>
+              <a:spcAft>
+                <a:spcPct val="0"/>
+              </a:spcAft>
+              <a:defRPr sz="2000" kern="1200">
+                <a:solidFill>
+                  <a:schemeClr val="tx1"/>
+                </a:solidFill>
+                <a:latin typeface="Arial" pitchFamily="34" charset="0"/>
+                <a:ea typeface="ヒラギノ角ゴ Pro W3"/>
+                <a:cs typeface="ヒラギノ角ゴ Pro W3"/>
+              </a:defRPr>
+            </a:lvl2pPr>
+            <a:lvl3pPr marL="914400" algn="l" rtl="0" fontAlgn="base">
+              <a:spcBef>
+                <a:spcPct val="0"/>
+              </a:spcBef>
+              <a:spcAft>
+                <a:spcPct val="0"/>
+              </a:spcAft>
+              <a:defRPr sz="2000" kern="1200">
+                <a:solidFill>
+                  <a:schemeClr val="tx1"/>
+                </a:solidFill>
+                <a:latin typeface="Arial" pitchFamily="34" charset="0"/>
+                <a:ea typeface="ヒラギノ角ゴ Pro W3"/>
+                <a:cs typeface="ヒラギノ角ゴ Pro W3"/>
+              </a:defRPr>
+            </a:lvl3pPr>
+            <a:lvl4pPr marL="1371600" algn="l" rtl="0" fontAlgn="base">
+              <a:spcBef>
+                <a:spcPct val="0"/>
+              </a:spcBef>
+              <a:spcAft>
+                <a:spcPct val="0"/>
+              </a:spcAft>
+              <a:defRPr sz="2000" kern="1200">
+                <a:solidFill>
+                  <a:schemeClr val="tx1"/>
+                </a:solidFill>
+                <a:latin typeface="Arial" pitchFamily="34" charset="0"/>
+                <a:ea typeface="ヒラギノ角ゴ Pro W3"/>
+                <a:cs typeface="ヒラギノ角ゴ Pro W3"/>
+              </a:defRPr>
+            </a:lvl4pPr>
+            <a:lvl5pPr marL="1828800" algn="l" rtl="0" fontAlgn="base">
+              <a:spcBef>
+                <a:spcPct val="0"/>
+              </a:spcBef>
+              <a:spcAft>
+                <a:spcPct val="0"/>
+              </a:spcAft>
+              <a:defRPr sz="2000" kern="1200">
+                <a:solidFill>
+                  <a:schemeClr val="tx1"/>
+                </a:solidFill>
+                <a:latin typeface="Arial" pitchFamily="34" charset="0"/>
+                <a:ea typeface="ヒラギノ角ゴ Pro W3"/>
+                <a:cs typeface="ヒラギノ角ゴ Pro W3"/>
+              </a:defRPr>
+            </a:lvl5pPr>
+            <a:lvl6pPr marL="2286000" algn="l" defTabSz="914400" rtl="0" eaLnBrk="1" latinLnBrk="0" hangingPunct="1">
+              <a:defRPr sz="2000" kern="1200">
+                <a:solidFill>
+                  <a:schemeClr val="tx1"/>
+                </a:solidFill>
+                <a:latin typeface="Arial" pitchFamily="34" charset="0"/>
+                <a:ea typeface="ヒラギノ角ゴ Pro W3"/>
+                <a:cs typeface="ヒラギノ角ゴ Pro W3"/>
+              </a:defRPr>
+            </a:lvl6pPr>
+            <a:lvl7pPr marL="2743200" algn="l" defTabSz="914400" rtl="0" eaLnBrk="1" latinLnBrk="0" hangingPunct="1">
+              <a:defRPr sz="2000" kern="1200">
+                <a:solidFill>
+                  <a:schemeClr val="tx1"/>
+                </a:solidFill>
+                <a:latin typeface="Arial" pitchFamily="34" charset="0"/>
+                <a:ea typeface="ヒラギノ角ゴ Pro W3"/>
+                <a:cs typeface="ヒラギノ角ゴ Pro W3"/>
+              </a:defRPr>
+            </a:lvl7pPr>
+            <a:lvl8pPr marL="3200400" algn="l" defTabSz="914400" rtl="0" eaLnBrk="1" latinLnBrk="0" hangingPunct="1">
+              <a:defRPr sz="2000" kern="1200">
+                <a:solidFill>
+                  <a:schemeClr val="tx1"/>
+                </a:solidFill>
+                <a:latin typeface="Arial" pitchFamily="34" charset="0"/>
+                <a:ea typeface="ヒラギノ角ゴ Pro W3"/>
+                <a:cs typeface="ヒラギノ角ゴ Pro W3"/>
+              </a:defRPr>
+            </a:lvl8pPr>
+            <a:lvl9pPr marL="3657600" algn="l" defTabSz="914400" rtl="0" eaLnBrk="1" latinLnBrk="0" hangingPunct="1">
+              <a:defRPr sz="2000" kern="1200">
+                <a:solidFill>
+                  <a:schemeClr val="tx1"/>
+                </a:solidFill>
+                <a:latin typeface="Arial" pitchFamily="34" charset="0"/>
+                <a:ea typeface="ヒラギノ角ゴ Pro W3"/>
+                <a:cs typeface="ヒラギノ角ゴ Pro W3"/>
+              </a:defRPr>
+            </a:lvl9pPr>
+          </a:lstStyle>
+          <a:p>
+            <a:pPr marL="252000" indent="-180000" eaLnBrk="0" hangingPunct="0">
+              <a:spcBef>
+                <a:spcPts val="200"/>
+              </a:spcBef>
+              <a:spcAft>
+                <a:spcPts val="200"/>
+              </a:spcAft>
+              <a:buClr>
+                <a:srgbClr val="007348"/>
+              </a:buClr>
+              <a:buFont typeface="Wingdings" pitchFamily="2" charset="2"/>
+              <a:buChar char="§"/>
+            </a:pPr>
+            <a:r>
+              <a:rPr lang="de-DE" sz="1400" dirty="0" smtClean="0"/>
+              <a:t>Roboter hat 3 Möglichkeiten </a:t>
+            </a:r>
+            <a:r>
+              <a:rPr lang="de-DE" sz="1400" dirty="0" err="1" smtClean="0"/>
+              <a:t>Kidnapped</a:t>
+            </a:r>
+            <a:r>
+              <a:rPr lang="de-DE" sz="1400" dirty="0" smtClean="0"/>
+              <a:t>-Situation zu erkennen</a:t>
+            </a:r>
+            <a:endParaRPr lang="de-DE" sz="1400" dirty="0"/>
+          </a:p>
+          <a:p>
+            <a:pPr marL="252000" lvl="1" indent="-180000" eaLnBrk="0" hangingPunct="0">
+              <a:spcBef>
+                <a:spcPts val="200"/>
+              </a:spcBef>
+              <a:spcAft>
+                <a:spcPts val="200"/>
+              </a:spcAft>
+              <a:buClr>
+                <a:srgbClr val="007348"/>
+              </a:buClr>
+              <a:buFont typeface="Wingdings" pitchFamily="2" charset="2"/>
+              <a:buChar char="§"/>
+            </a:pPr>
+            <a:r>
+              <a:rPr lang="de-DE" sz="1400" dirty="0" smtClean="0"/>
+              <a:t>Gezielte Suche von Markern zur </a:t>
+            </a:r>
+            <a:r>
+              <a:rPr lang="de-DE" sz="1400" dirty="0" err="1" smtClean="0"/>
+              <a:t>Recovery</a:t>
+            </a:r>
+            <a:endParaRPr lang="de-DE" sz="1400" dirty="0"/>
+          </a:p>
+        </p:txBody>
+      </p:sp>
+      <p:sp>
+        <p:nvSpPr>
+          <p:cNvPr id="9" name="Rectangle 7"/>
+          <p:cNvSpPr>
+            <a:spLocks noChangeArrowheads="1"/>
+          </p:cNvSpPr>
+          <p:nvPr/>
+        </p:nvSpPr>
+        <p:spPr bwMode="auto">
+          <a:xfrm>
+            <a:off x="411271" y="1207216"/>
+            <a:ext cx="1524000" cy="1371600"/>
+          </a:xfrm>
+          <a:prstGeom prst="rect">
+            <a:avLst/>
+          </a:prstGeom>
+          <a:solidFill>
+            <a:schemeClr val="accent3">
+              <a:lumMod val="50000"/>
+            </a:schemeClr>
+          </a:solidFill>
+          <a:ln w="19050">
+            <a:solidFill>
+              <a:schemeClr val="accent3">
+                <a:lumMod val="50000"/>
+              </a:schemeClr>
+            </a:solidFill>
+            <a:miter lim="800000"/>
+            <a:headEnd/>
+            <a:tailEnd/>
+          </a:ln>
+        </p:spPr>
+        <p:txBody>
+          <a:bodyPr anchor="ctr"/>
+          <a:lstStyle>
+            <a:defPPr>
+              <a:defRPr lang="de-DE"/>
+            </a:defPPr>
+            <a:lvl1pPr algn="l" rtl="0" fontAlgn="base">
+              <a:spcBef>
+                <a:spcPct val="0"/>
+              </a:spcBef>
+              <a:spcAft>
+                <a:spcPct val="0"/>
+              </a:spcAft>
+              <a:defRPr sz="2000" kern="1200">
+                <a:solidFill>
+                  <a:schemeClr val="tx1"/>
+                </a:solidFill>
+                <a:latin typeface="Arial" pitchFamily="34" charset="0"/>
+                <a:ea typeface="ヒラギノ角ゴ Pro W3"/>
+                <a:cs typeface="ヒラギノ角ゴ Pro W3"/>
+              </a:defRPr>
+            </a:lvl1pPr>
+            <a:lvl2pPr marL="457200" algn="l" rtl="0" fontAlgn="base">
+              <a:spcBef>
+                <a:spcPct val="0"/>
+              </a:spcBef>
+              <a:spcAft>
+                <a:spcPct val="0"/>
+              </a:spcAft>
+              <a:defRPr sz="2000" kern="1200">
+                <a:solidFill>
+                  <a:schemeClr val="tx1"/>
+                </a:solidFill>
+                <a:latin typeface="Arial" pitchFamily="34" charset="0"/>
+                <a:ea typeface="ヒラギノ角ゴ Pro W3"/>
+                <a:cs typeface="ヒラギノ角ゴ Pro W3"/>
+              </a:defRPr>
+            </a:lvl2pPr>
+            <a:lvl3pPr marL="914400" algn="l" rtl="0" fontAlgn="base">
+              <a:spcBef>
+                <a:spcPct val="0"/>
+              </a:spcBef>
+              <a:spcAft>
+                <a:spcPct val="0"/>
+              </a:spcAft>
+              <a:defRPr sz="2000" kern="1200">
+                <a:solidFill>
+                  <a:schemeClr val="tx1"/>
+                </a:solidFill>
+                <a:latin typeface="Arial" pitchFamily="34" charset="0"/>
+                <a:ea typeface="ヒラギノ角ゴ Pro W3"/>
+                <a:cs typeface="ヒラギノ角ゴ Pro W3"/>
+              </a:defRPr>
+            </a:lvl3pPr>
+            <a:lvl4pPr marL="1371600" algn="l" rtl="0" fontAlgn="base">
+              <a:spcBef>
+                <a:spcPct val="0"/>
+              </a:spcBef>
+              <a:spcAft>
+                <a:spcPct val="0"/>
+              </a:spcAft>
+              <a:defRPr sz="2000" kern="1200">
+                <a:solidFill>
+                  <a:schemeClr val="tx1"/>
+                </a:solidFill>
+                <a:latin typeface="Arial" pitchFamily="34" charset="0"/>
+                <a:ea typeface="ヒラギノ角ゴ Pro W3"/>
+                <a:cs typeface="ヒラギノ角ゴ Pro W3"/>
+              </a:defRPr>
+            </a:lvl4pPr>
+            <a:lvl5pPr marL="1828800" algn="l" rtl="0" fontAlgn="base">
+              <a:spcBef>
+                <a:spcPct val="0"/>
+              </a:spcBef>
+              <a:spcAft>
+                <a:spcPct val="0"/>
+              </a:spcAft>
+              <a:defRPr sz="2000" kern="1200">
+                <a:solidFill>
+                  <a:schemeClr val="tx1"/>
+                </a:solidFill>
+                <a:latin typeface="Arial" pitchFamily="34" charset="0"/>
+                <a:ea typeface="ヒラギノ角ゴ Pro W3"/>
+                <a:cs typeface="ヒラギノ角ゴ Pro W3"/>
+              </a:defRPr>
+            </a:lvl5pPr>
+            <a:lvl6pPr marL="2286000" algn="l" defTabSz="914400" rtl="0" eaLnBrk="1" latinLnBrk="0" hangingPunct="1">
+              <a:defRPr sz="2000" kern="1200">
+                <a:solidFill>
+                  <a:schemeClr val="tx1"/>
+                </a:solidFill>
+                <a:latin typeface="Arial" pitchFamily="34" charset="0"/>
+                <a:ea typeface="ヒラギノ角ゴ Pro W3"/>
+                <a:cs typeface="ヒラギノ角ゴ Pro W3"/>
+              </a:defRPr>
+            </a:lvl6pPr>
+            <a:lvl7pPr marL="2743200" algn="l" defTabSz="914400" rtl="0" eaLnBrk="1" latinLnBrk="0" hangingPunct="1">
+              <a:defRPr sz="2000" kern="1200">
+                <a:solidFill>
+                  <a:schemeClr val="tx1"/>
+                </a:solidFill>
+                <a:latin typeface="Arial" pitchFamily="34" charset="0"/>
+                <a:ea typeface="ヒラギノ角ゴ Pro W3"/>
+                <a:cs typeface="ヒラギノ角ゴ Pro W3"/>
+              </a:defRPr>
+            </a:lvl7pPr>
+            <a:lvl8pPr marL="3200400" algn="l" defTabSz="914400" rtl="0" eaLnBrk="1" latinLnBrk="0" hangingPunct="1">
+              <a:defRPr sz="2000" kern="1200">
+                <a:solidFill>
+                  <a:schemeClr val="tx1"/>
+                </a:solidFill>
+                <a:latin typeface="Arial" pitchFamily="34" charset="0"/>
+                <a:ea typeface="ヒラギノ角ゴ Pro W3"/>
+                <a:cs typeface="ヒラギノ角ゴ Pro W3"/>
+              </a:defRPr>
+            </a:lvl8pPr>
+            <a:lvl9pPr marL="3657600" algn="l" defTabSz="914400" rtl="0" eaLnBrk="1" latinLnBrk="0" hangingPunct="1">
+              <a:defRPr sz="2000" kern="1200">
+                <a:solidFill>
+                  <a:schemeClr val="tx1"/>
+                </a:solidFill>
+                <a:latin typeface="Arial" pitchFamily="34" charset="0"/>
+                <a:ea typeface="ヒラギノ角ゴ Pro W3"/>
+                <a:cs typeface="ヒラギノ角ゴ Pro W3"/>
+              </a:defRPr>
+            </a:lvl9pPr>
+          </a:lstStyle>
+          <a:p>
+            <a:pPr marL="12700" indent="-12700" algn="ctr" eaLnBrk="0" hangingPunct="0">
+              <a:buFont typeface="Webdings" pitchFamily="18" charset="2"/>
+              <a:buNone/>
+            </a:pPr>
+            <a:r>
+              <a:rPr lang="de-DE" sz="1600" dirty="0" smtClean="0">
+                <a:solidFill>
+                  <a:schemeClr val="bg1"/>
+                </a:solidFill>
+              </a:rPr>
+              <a:t>Zustand vorher</a:t>
+            </a:r>
+            <a:endParaRPr lang="de-DE" sz="1400" dirty="0">
+              <a:solidFill>
+                <a:schemeClr val="bg1"/>
+              </a:solidFill>
+            </a:endParaRPr>
+          </a:p>
+        </p:txBody>
+      </p:sp>
+      <p:sp>
+        <p:nvSpPr>
+          <p:cNvPr id="10" name="Rectangle 8"/>
+          <p:cNvSpPr>
+            <a:spLocks noChangeArrowheads="1"/>
+          </p:cNvSpPr>
+          <p:nvPr/>
+        </p:nvSpPr>
+        <p:spPr bwMode="auto">
+          <a:xfrm>
+            <a:off x="411271" y="2969341"/>
+            <a:ext cx="1524000" cy="1371600"/>
+          </a:xfrm>
+          <a:prstGeom prst="rect">
+            <a:avLst/>
+          </a:prstGeom>
+          <a:solidFill>
+            <a:srgbClr val="007348"/>
+          </a:solidFill>
+          <a:ln w="19050">
+            <a:solidFill>
+              <a:srgbClr val="007348"/>
+            </a:solidFill>
+            <a:miter lim="800000"/>
+            <a:headEnd/>
+            <a:tailEnd/>
+          </a:ln>
+        </p:spPr>
+        <p:txBody>
+          <a:bodyPr anchor="ctr"/>
+          <a:lstStyle>
+            <a:defPPr>
+              <a:defRPr lang="de-DE"/>
+            </a:defPPr>
+            <a:lvl1pPr algn="l" rtl="0" fontAlgn="base">
+              <a:spcBef>
+                <a:spcPct val="0"/>
+              </a:spcBef>
+              <a:spcAft>
+                <a:spcPct val="0"/>
+              </a:spcAft>
+              <a:defRPr sz="2000" kern="1200">
+                <a:solidFill>
+                  <a:schemeClr val="tx1"/>
+                </a:solidFill>
+                <a:latin typeface="Arial" pitchFamily="34" charset="0"/>
+                <a:ea typeface="ヒラギノ角ゴ Pro W3"/>
+                <a:cs typeface="ヒラギノ角ゴ Pro W3"/>
+              </a:defRPr>
+            </a:lvl1pPr>
+            <a:lvl2pPr marL="457200" algn="l" rtl="0" fontAlgn="base">
+              <a:spcBef>
+                <a:spcPct val="0"/>
+              </a:spcBef>
+              <a:spcAft>
+                <a:spcPct val="0"/>
+              </a:spcAft>
+              <a:defRPr sz="2000" kern="1200">
+                <a:solidFill>
+                  <a:schemeClr val="tx1"/>
+                </a:solidFill>
+                <a:latin typeface="Arial" pitchFamily="34" charset="0"/>
+                <a:ea typeface="ヒラギノ角ゴ Pro W3"/>
+                <a:cs typeface="ヒラギノ角ゴ Pro W3"/>
+              </a:defRPr>
+            </a:lvl2pPr>
+            <a:lvl3pPr marL="914400" algn="l" rtl="0" fontAlgn="base">
+              <a:spcBef>
+                <a:spcPct val="0"/>
+              </a:spcBef>
+              <a:spcAft>
+                <a:spcPct val="0"/>
+              </a:spcAft>
+              <a:defRPr sz="2000" kern="1200">
+                <a:solidFill>
+                  <a:schemeClr val="tx1"/>
+                </a:solidFill>
+                <a:latin typeface="Arial" pitchFamily="34" charset="0"/>
+                <a:ea typeface="ヒラギノ角ゴ Pro W3"/>
+                <a:cs typeface="ヒラギノ角ゴ Pro W3"/>
+              </a:defRPr>
+            </a:lvl3pPr>
+            <a:lvl4pPr marL="1371600" algn="l" rtl="0" fontAlgn="base">
+              <a:spcBef>
+                <a:spcPct val="0"/>
+              </a:spcBef>
+              <a:spcAft>
+                <a:spcPct val="0"/>
+              </a:spcAft>
+              <a:defRPr sz="2000" kern="1200">
+                <a:solidFill>
+                  <a:schemeClr val="tx1"/>
+                </a:solidFill>
+                <a:latin typeface="Arial" pitchFamily="34" charset="0"/>
+                <a:ea typeface="ヒラギノ角ゴ Pro W3"/>
+                <a:cs typeface="ヒラギノ角ゴ Pro W3"/>
+              </a:defRPr>
+            </a:lvl4pPr>
+            <a:lvl5pPr marL="1828800" algn="l" rtl="0" fontAlgn="base">
+              <a:spcBef>
+                <a:spcPct val="0"/>
+              </a:spcBef>
+              <a:spcAft>
+                <a:spcPct val="0"/>
+              </a:spcAft>
+              <a:defRPr sz="2000" kern="1200">
+                <a:solidFill>
+                  <a:schemeClr val="tx1"/>
+                </a:solidFill>
+                <a:latin typeface="Arial" pitchFamily="34" charset="0"/>
+                <a:ea typeface="ヒラギノ角ゴ Pro W3"/>
+                <a:cs typeface="ヒラギノ角ゴ Pro W3"/>
+              </a:defRPr>
+            </a:lvl5pPr>
+            <a:lvl6pPr marL="2286000" algn="l" defTabSz="914400" rtl="0" eaLnBrk="1" latinLnBrk="0" hangingPunct="1">
+              <a:defRPr sz="2000" kern="1200">
+                <a:solidFill>
+                  <a:schemeClr val="tx1"/>
+                </a:solidFill>
+                <a:latin typeface="Arial" pitchFamily="34" charset="0"/>
+                <a:ea typeface="ヒラギノ角ゴ Pro W3"/>
+                <a:cs typeface="ヒラギノ角ゴ Pro W3"/>
+              </a:defRPr>
+            </a:lvl6pPr>
+            <a:lvl7pPr marL="2743200" algn="l" defTabSz="914400" rtl="0" eaLnBrk="1" latinLnBrk="0" hangingPunct="1">
+              <a:defRPr sz="2000" kern="1200">
+                <a:solidFill>
+                  <a:schemeClr val="tx1"/>
+                </a:solidFill>
+                <a:latin typeface="Arial" pitchFamily="34" charset="0"/>
+                <a:ea typeface="ヒラギノ角ゴ Pro W3"/>
+                <a:cs typeface="ヒラギノ角ゴ Pro W3"/>
+              </a:defRPr>
+            </a:lvl7pPr>
+            <a:lvl8pPr marL="3200400" algn="l" defTabSz="914400" rtl="0" eaLnBrk="1" latinLnBrk="0" hangingPunct="1">
+              <a:defRPr sz="2000" kern="1200">
+                <a:solidFill>
+                  <a:schemeClr val="tx1"/>
+                </a:solidFill>
+                <a:latin typeface="Arial" pitchFamily="34" charset="0"/>
+                <a:ea typeface="ヒラギノ角ゴ Pro W3"/>
+                <a:cs typeface="ヒラギノ角ゴ Pro W3"/>
+              </a:defRPr>
+            </a:lvl8pPr>
+            <a:lvl9pPr marL="3657600" algn="l" defTabSz="914400" rtl="0" eaLnBrk="1" latinLnBrk="0" hangingPunct="1">
+              <a:defRPr sz="2000" kern="1200">
+                <a:solidFill>
+                  <a:schemeClr val="tx1"/>
+                </a:solidFill>
+                <a:latin typeface="Arial" pitchFamily="34" charset="0"/>
+                <a:ea typeface="ヒラギノ角ゴ Pro W3"/>
+                <a:cs typeface="ヒラギノ角ゴ Pro W3"/>
+              </a:defRPr>
+            </a:lvl9pPr>
+          </a:lstStyle>
+          <a:p>
+            <a:pPr marL="12700" indent="-12700" algn="ctr" eaLnBrk="0" hangingPunct="0">
+              <a:buFont typeface="Webdings" pitchFamily="18" charset="2"/>
+              <a:buNone/>
+            </a:pPr>
+            <a:r>
+              <a:rPr lang="de-DE" sz="1600" dirty="0" smtClean="0">
+                <a:solidFill>
+                  <a:schemeClr val="bg1"/>
+                </a:solidFill>
+              </a:rPr>
+              <a:t>Anpassungen</a:t>
+            </a:r>
+            <a:endParaRPr lang="de-DE" sz="1400" b="1" dirty="0">
+              <a:solidFill>
+                <a:schemeClr val="bg1"/>
+              </a:solidFill>
+            </a:endParaRPr>
+          </a:p>
+        </p:txBody>
+      </p:sp>
+      <p:sp>
+        <p:nvSpPr>
+          <p:cNvPr id="11" name="AutoShape 8"/>
+          <p:cNvSpPr>
+            <a:spLocks noChangeArrowheads="1"/>
+          </p:cNvSpPr>
+          <p:nvPr/>
+        </p:nvSpPr>
+        <p:spPr bwMode="auto">
+          <a:xfrm rot="5400000">
+            <a:off x="1051597" y="2616063"/>
+            <a:ext cx="243348" cy="297892"/>
+          </a:xfrm>
+          <a:prstGeom prst="chevron">
+            <a:avLst>
+              <a:gd name="adj" fmla="val 41584"/>
+            </a:avLst>
+          </a:prstGeom>
+          <a:solidFill>
+            <a:srgbClr val="007348"/>
+          </a:solidFill>
+          <a:ln w="19050" algn="ctr">
+            <a:solidFill>
+              <a:srgbClr val="007348"/>
+            </a:solidFill>
+            <a:miter lim="800000"/>
+            <a:headEnd/>
+            <a:tailEnd/>
+          </a:ln>
+        </p:spPr>
+        <p:txBody>
+          <a:bodyPr wrap="square" lIns="0" tIns="0" rIns="0" bIns="0" anchor="ctr">
+            <a:noAutofit/>
+          </a:bodyPr>
+          <a:lstStyle>
+            <a:defPPr>
+              <a:defRPr lang="de-DE"/>
+            </a:defPPr>
+            <a:lvl1pPr algn="l" rtl="0" fontAlgn="base">
+              <a:spcBef>
+                <a:spcPct val="0"/>
+              </a:spcBef>
+              <a:spcAft>
+                <a:spcPct val="0"/>
+              </a:spcAft>
+              <a:defRPr sz="2000" kern="1200">
+                <a:solidFill>
+                  <a:schemeClr val="tx1"/>
+                </a:solidFill>
+                <a:latin typeface="Arial" pitchFamily="34" charset="0"/>
+                <a:ea typeface="ヒラギノ角ゴ Pro W3"/>
+                <a:cs typeface="ヒラギノ角ゴ Pro W3"/>
+              </a:defRPr>
+            </a:lvl1pPr>
+            <a:lvl2pPr marL="457200" algn="l" rtl="0" fontAlgn="base">
+              <a:spcBef>
+                <a:spcPct val="0"/>
+              </a:spcBef>
+              <a:spcAft>
+                <a:spcPct val="0"/>
+              </a:spcAft>
+              <a:defRPr sz="2000" kern="1200">
+                <a:solidFill>
+                  <a:schemeClr val="tx1"/>
+                </a:solidFill>
+                <a:latin typeface="Arial" pitchFamily="34" charset="0"/>
+                <a:ea typeface="ヒラギノ角ゴ Pro W3"/>
+                <a:cs typeface="ヒラギノ角ゴ Pro W3"/>
+              </a:defRPr>
+            </a:lvl2pPr>
+            <a:lvl3pPr marL="914400" algn="l" rtl="0" fontAlgn="base">
+              <a:spcBef>
+                <a:spcPct val="0"/>
+              </a:spcBef>
+              <a:spcAft>
+                <a:spcPct val="0"/>
+              </a:spcAft>
+              <a:defRPr sz="2000" kern="1200">
+                <a:solidFill>
+                  <a:schemeClr val="tx1"/>
+                </a:solidFill>
+                <a:latin typeface="Arial" pitchFamily="34" charset="0"/>
+                <a:ea typeface="ヒラギノ角ゴ Pro W3"/>
+                <a:cs typeface="ヒラギノ角ゴ Pro W3"/>
+              </a:defRPr>
+            </a:lvl3pPr>
+            <a:lvl4pPr marL="1371600" algn="l" rtl="0" fontAlgn="base">
+              <a:spcBef>
+                <a:spcPct val="0"/>
+              </a:spcBef>
+              <a:spcAft>
+                <a:spcPct val="0"/>
+              </a:spcAft>
+              <a:defRPr sz="2000" kern="1200">
+                <a:solidFill>
+                  <a:schemeClr val="tx1"/>
+                </a:solidFill>
+                <a:latin typeface="Arial" pitchFamily="34" charset="0"/>
+                <a:ea typeface="ヒラギノ角ゴ Pro W3"/>
+                <a:cs typeface="ヒラギノ角ゴ Pro W3"/>
+              </a:defRPr>
+            </a:lvl4pPr>
+            <a:lvl5pPr marL="1828800" algn="l" rtl="0" fontAlgn="base">
+              <a:spcBef>
+                <a:spcPct val="0"/>
+              </a:spcBef>
+              <a:spcAft>
+                <a:spcPct val="0"/>
+              </a:spcAft>
+              <a:defRPr sz="2000" kern="1200">
+                <a:solidFill>
+                  <a:schemeClr val="tx1"/>
+                </a:solidFill>
+                <a:latin typeface="Arial" pitchFamily="34" charset="0"/>
+                <a:ea typeface="ヒラギノ角ゴ Pro W3"/>
+                <a:cs typeface="ヒラギノ角ゴ Pro W3"/>
+              </a:defRPr>
+            </a:lvl5pPr>
+            <a:lvl6pPr marL="2286000" algn="l" defTabSz="914400" rtl="0" eaLnBrk="1" latinLnBrk="0" hangingPunct="1">
+              <a:defRPr sz="2000" kern="1200">
+                <a:solidFill>
+                  <a:schemeClr val="tx1"/>
+                </a:solidFill>
+                <a:latin typeface="Arial" pitchFamily="34" charset="0"/>
+                <a:ea typeface="ヒラギノ角ゴ Pro W3"/>
+                <a:cs typeface="ヒラギノ角ゴ Pro W3"/>
+              </a:defRPr>
+            </a:lvl6pPr>
+            <a:lvl7pPr marL="2743200" algn="l" defTabSz="914400" rtl="0" eaLnBrk="1" latinLnBrk="0" hangingPunct="1">
+              <a:defRPr sz="2000" kern="1200">
+                <a:solidFill>
+                  <a:schemeClr val="tx1"/>
+                </a:solidFill>
+                <a:latin typeface="Arial" pitchFamily="34" charset="0"/>
+                <a:ea typeface="ヒラギノ角ゴ Pro W3"/>
+                <a:cs typeface="ヒラギノ角ゴ Pro W3"/>
+              </a:defRPr>
+            </a:lvl7pPr>
+            <a:lvl8pPr marL="3200400" algn="l" defTabSz="914400" rtl="0" eaLnBrk="1" latinLnBrk="0" hangingPunct="1">
+              <a:defRPr sz="2000" kern="1200">
+                <a:solidFill>
+                  <a:schemeClr val="tx1"/>
+                </a:solidFill>
+                <a:latin typeface="Arial" pitchFamily="34" charset="0"/>
+                <a:ea typeface="ヒラギノ角ゴ Pro W3"/>
+                <a:cs typeface="ヒラギノ角ゴ Pro W3"/>
+              </a:defRPr>
+            </a:lvl8pPr>
+            <a:lvl9pPr marL="3657600" algn="l" defTabSz="914400" rtl="0" eaLnBrk="1" latinLnBrk="0" hangingPunct="1">
+              <a:defRPr sz="2000" kern="1200">
+                <a:solidFill>
+                  <a:schemeClr val="tx1"/>
+                </a:solidFill>
+                <a:latin typeface="Arial" pitchFamily="34" charset="0"/>
+                <a:ea typeface="ヒラギノ角ゴ Pro W3"/>
+                <a:cs typeface="ヒラギノ角ゴ Pro W3"/>
+              </a:defRPr>
+            </a:lvl9pPr>
+          </a:lstStyle>
+          <a:p>
+            <a:pPr algn="ctr">
+              <a:spcBef>
+                <a:spcPct val="20000"/>
+              </a:spcBef>
+              <a:buClr>
+                <a:schemeClr val="bg1"/>
+              </a:buClr>
+              <a:buSzPct val="150000"/>
+              <a:buFont typeface="Wingdings" charset="2"/>
+              <a:buChar char="§"/>
+              <a:defRPr/>
+            </a:pPr>
+            <a:endParaRPr lang="de-DE">
+              <a:latin typeface="Arial" charset="0"/>
+              <a:ea typeface="ヒラギノ角ゴ Pro W3" charset="-128"/>
+              <a:cs typeface="+mn-cs"/>
+            </a:endParaRPr>
+          </a:p>
+        </p:txBody>
+      </p:sp>
+      <p:sp>
+        <p:nvSpPr>
+          <p:cNvPr id="12" name="AutoShape 8"/>
+          <p:cNvSpPr>
+            <a:spLocks noChangeArrowheads="1"/>
+          </p:cNvSpPr>
+          <p:nvPr/>
+        </p:nvSpPr>
+        <p:spPr bwMode="auto">
+          <a:xfrm rot="5400000">
+            <a:off x="1051597" y="4397065"/>
+            <a:ext cx="243348" cy="297892"/>
+          </a:xfrm>
+          <a:prstGeom prst="chevron">
+            <a:avLst>
+              <a:gd name="adj" fmla="val 41584"/>
+            </a:avLst>
+          </a:prstGeom>
+          <a:solidFill>
+            <a:srgbClr val="007348"/>
+          </a:solidFill>
+          <a:ln w="19050" algn="ctr">
+            <a:solidFill>
+              <a:srgbClr val="007348"/>
+            </a:solidFill>
+            <a:miter lim="800000"/>
+            <a:headEnd/>
+            <a:tailEnd/>
+          </a:ln>
+        </p:spPr>
+        <p:txBody>
+          <a:bodyPr wrap="square" lIns="0" tIns="0" rIns="0" bIns="0" anchor="ctr">
+            <a:noAutofit/>
+          </a:bodyPr>
+          <a:lstStyle>
+            <a:defPPr>
+              <a:defRPr lang="de-DE"/>
+            </a:defPPr>
+            <a:lvl1pPr algn="l" rtl="0" fontAlgn="base">
+              <a:spcBef>
+                <a:spcPct val="0"/>
+              </a:spcBef>
+              <a:spcAft>
+                <a:spcPct val="0"/>
+              </a:spcAft>
+              <a:defRPr sz="2000" kern="1200">
+                <a:solidFill>
+                  <a:schemeClr val="tx1"/>
+                </a:solidFill>
+                <a:latin typeface="Arial" pitchFamily="34" charset="0"/>
+                <a:ea typeface="ヒラギノ角ゴ Pro W3"/>
+                <a:cs typeface="ヒラギノ角ゴ Pro W3"/>
+              </a:defRPr>
+            </a:lvl1pPr>
+            <a:lvl2pPr marL="457200" algn="l" rtl="0" fontAlgn="base">
+              <a:spcBef>
+                <a:spcPct val="0"/>
+              </a:spcBef>
+              <a:spcAft>
+                <a:spcPct val="0"/>
+              </a:spcAft>
+              <a:defRPr sz="2000" kern="1200">
+                <a:solidFill>
+                  <a:schemeClr val="tx1"/>
+                </a:solidFill>
+                <a:latin typeface="Arial" pitchFamily="34" charset="0"/>
+                <a:ea typeface="ヒラギノ角ゴ Pro W3"/>
+                <a:cs typeface="ヒラギノ角ゴ Pro W3"/>
+              </a:defRPr>
+            </a:lvl2pPr>
+            <a:lvl3pPr marL="914400" algn="l" rtl="0" fontAlgn="base">
+              <a:spcBef>
+                <a:spcPct val="0"/>
+              </a:spcBef>
+              <a:spcAft>
+                <a:spcPct val="0"/>
+              </a:spcAft>
+              <a:defRPr sz="2000" kern="1200">
+                <a:solidFill>
+                  <a:schemeClr val="tx1"/>
+                </a:solidFill>
+                <a:latin typeface="Arial" pitchFamily="34" charset="0"/>
+                <a:ea typeface="ヒラギノ角ゴ Pro W3"/>
+                <a:cs typeface="ヒラギノ角ゴ Pro W3"/>
+              </a:defRPr>
+            </a:lvl3pPr>
+            <a:lvl4pPr marL="1371600" algn="l" rtl="0" fontAlgn="base">
+              <a:spcBef>
+                <a:spcPct val="0"/>
+              </a:spcBef>
+              <a:spcAft>
+                <a:spcPct val="0"/>
+              </a:spcAft>
+              <a:defRPr sz="2000" kern="1200">
+                <a:solidFill>
+                  <a:schemeClr val="tx1"/>
+                </a:solidFill>
+                <a:latin typeface="Arial" pitchFamily="34" charset="0"/>
+                <a:ea typeface="ヒラギノ角ゴ Pro W3"/>
+                <a:cs typeface="ヒラギノ角ゴ Pro W3"/>
+              </a:defRPr>
+            </a:lvl4pPr>
+            <a:lvl5pPr marL="1828800" algn="l" rtl="0" fontAlgn="base">
+              <a:spcBef>
+                <a:spcPct val="0"/>
+              </a:spcBef>
+              <a:spcAft>
+                <a:spcPct val="0"/>
+              </a:spcAft>
+              <a:defRPr sz="2000" kern="1200">
+                <a:solidFill>
+                  <a:schemeClr val="tx1"/>
+                </a:solidFill>
+                <a:latin typeface="Arial" pitchFamily="34" charset="0"/>
+                <a:ea typeface="ヒラギノ角ゴ Pro W3"/>
+                <a:cs typeface="ヒラギノ角ゴ Pro W3"/>
+              </a:defRPr>
+            </a:lvl5pPr>
+            <a:lvl6pPr marL="2286000" algn="l" defTabSz="914400" rtl="0" eaLnBrk="1" latinLnBrk="0" hangingPunct="1">
+              <a:defRPr sz="2000" kern="1200">
+                <a:solidFill>
+                  <a:schemeClr val="tx1"/>
+                </a:solidFill>
+                <a:latin typeface="Arial" pitchFamily="34" charset="0"/>
+                <a:ea typeface="ヒラギノ角ゴ Pro W3"/>
+                <a:cs typeface="ヒラギノ角ゴ Pro W3"/>
+              </a:defRPr>
+            </a:lvl6pPr>
+            <a:lvl7pPr marL="2743200" algn="l" defTabSz="914400" rtl="0" eaLnBrk="1" latinLnBrk="0" hangingPunct="1">
+              <a:defRPr sz="2000" kern="1200">
+                <a:solidFill>
+                  <a:schemeClr val="tx1"/>
+                </a:solidFill>
+                <a:latin typeface="Arial" pitchFamily="34" charset="0"/>
+                <a:ea typeface="ヒラギノ角ゴ Pro W3"/>
+                <a:cs typeface="ヒラギノ角ゴ Pro W3"/>
+              </a:defRPr>
+            </a:lvl7pPr>
+            <a:lvl8pPr marL="3200400" algn="l" defTabSz="914400" rtl="0" eaLnBrk="1" latinLnBrk="0" hangingPunct="1">
+              <a:defRPr sz="2000" kern="1200">
+                <a:solidFill>
+                  <a:schemeClr val="tx1"/>
+                </a:solidFill>
+                <a:latin typeface="Arial" pitchFamily="34" charset="0"/>
+                <a:ea typeface="ヒラギノ角ゴ Pro W3"/>
+                <a:cs typeface="ヒラギノ角ゴ Pro W3"/>
+              </a:defRPr>
+            </a:lvl8pPr>
+            <a:lvl9pPr marL="3657600" algn="l" defTabSz="914400" rtl="0" eaLnBrk="1" latinLnBrk="0" hangingPunct="1">
+              <a:defRPr sz="2000" kern="1200">
+                <a:solidFill>
+                  <a:schemeClr val="tx1"/>
+                </a:solidFill>
+                <a:latin typeface="Arial" pitchFamily="34" charset="0"/>
+                <a:ea typeface="ヒラギノ角ゴ Pro W3"/>
+                <a:cs typeface="ヒラギノ角ゴ Pro W3"/>
+              </a:defRPr>
+            </a:lvl9pPr>
+          </a:lstStyle>
+          <a:p>
+            <a:pPr algn="ctr">
+              <a:spcBef>
+                <a:spcPct val="20000"/>
+              </a:spcBef>
+              <a:buClr>
+                <a:schemeClr val="bg1"/>
+              </a:buClr>
+              <a:buSzPct val="150000"/>
+              <a:buFont typeface="Wingdings" charset="2"/>
+              <a:buChar char="§"/>
+              <a:defRPr/>
+            </a:pPr>
+            <a:endParaRPr lang="de-DE">
+              <a:latin typeface="Arial" charset="0"/>
+              <a:ea typeface="ヒラギノ角ゴ Pro W3" charset="-128"/>
+              <a:cs typeface="+mn-cs"/>
+            </a:endParaRPr>
           </a:p>
         </p:txBody>
       </p:sp>
     </p:spTree>
     <p:extLst>
       <p:ext uri="{BB962C8B-B14F-4D97-AF65-F5344CB8AC3E}">
-        <p14:creationId xmlns:p14="http://schemas.microsoft.com/office/powerpoint/2010/main" val="4244542195"/>
+        <p14:creationId xmlns:p14="http://schemas.microsoft.com/office/powerpoint/2010/main" val="2368455650"/>
       </p:ext>
     </p:extLst>
   </p:cSld>
   <p:clrMapOvr>
     <a:masterClrMapping/>
   </p:clrMapOvr>
-  <p:timing>
-    <p:tnLst>
-      <p:par>
-        <p:cTn id="1" dur="indefinite" restart="never" nodeType="tmRoot"/>
-      </p:par>
-    </p:tnLst>
-  </p:timing>
 </p:sld>
 </file>
 
@@ -3584,7 +5206,7 @@
         </p:nvSpPr>
         <p:spPr bwMode="auto">
           <a:xfrm>
-            <a:off x="895359" y="3914843"/>
+            <a:off x="895359" y="2681038"/>
             <a:ext cx="4054765" cy="393700"/>
           </a:xfrm>
           <a:prstGeom prst="rect">
@@ -3982,86 +5604,28 @@
               <a:buAutoNum type="arabicPeriod"/>
             </a:pPr>
             <a:r>
-              <a:rPr lang="en-US" sz="1600" dirty="0" smtClean="0"/>
-              <a:t>Vision </a:t>
-            </a:r>
-            <a:r>
-              <a:rPr lang="en-US" sz="1600" dirty="0" err="1" smtClean="0"/>
-              <a:t>Gruppe</a:t>
-            </a:r>
-            <a:endParaRPr lang="en-US" sz="1600" dirty="0" smtClean="0"/>
-          </a:p>
-          <a:p>
-            <a:pPr marL="342900" indent="-342900" algn="l" eaLnBrk="0" hangingPunct="0">
-              <a:lnSpc>
-                <a:spcPct val="120000"/>
-              </a:lnSpc>
-              <a:spcBef>
-                <a:spcPct val="50000"/>
-              </a:spcBef>
-              <a:buSzTx/>
-              <a:buFont typeface="+mj-lt"/>
-              <a:buAutoNum type="arabicPeriod"/>
-            </a:pPr>
-            <a:r>
-              <a:rPr lang="en-US" sz="1600" dirty="0" err="1" smtClean="0"/>
-              <a:t>Kalman</a:t>
-            </a:r>
-            <a:r>
-              <a:rPr lang="en-US" sz="1600" dirty="0" smtClean="0"/>
-              <a:t> </a:t>
-            </a:r>
-            <a:r>
-              <a:rPr lang="en-US" sz="1600" dirty="0" err="1" smtClean="0"/>
-              <a:t>Gruppe</a:t>
-            </a:r>
-            <a:endParaRPr lang="en-US" sz="1600" dirty="0" smtClean="0"/>
-          </a:p>
-          <a:p>
-            <a:pPr marL="342900" indent="-342900" algn="l" eaLnBrk="0" hangingPunct="0">
-              <a:lnSpc>
-                <a:spcPct val="120000"/>
-              </a:lnSpc>
-              <a:spcBef>
-                <a:spcPct val="50000"/>
-              </a:spcBef>
-              <a:buSzTx/>
-              <a:buFont typeface="+mj-lt"/>
-              <a:buAutoNum type="arabicPeriod"/>
-            </a:pPr>
-            <a:r>
-              <a:rPr lang="en-US" sz="1600" dirty="0" err="1" smtClean="0"/>
-              <a:t>Highlevel</a:t>
-            </a:r>
-            <a:r>
-              <a:rPr lang="en-US" sz="1600" dirty="0" smtClean="0"/>
-              <a:t> </a:t>
-            </a:r>
-            <a:r>
-              <a:rPr lang="en-US" sz="1600" dirty="0" err="1" smtClean="0"/>
-              <a:t>Gruppe</a:t>
-            </a:r>
-            <a:endParaRPr lang="en-US" sz="1600" dirty="0" smtClean="0"/>
-          </a:p>
-          <a:p>
-            <a:pPr marL="342900" indent="-342900" algn="l" eaLnBrk="0" hangingPunct="0">
-              <a:lnSpc>
-                <a:spcPct val="120000"/>
-              </a:lnSpc>
-              <a:spcBef>
-                <a:spcPct val="50000"/>
-              </a:spcBef>
-              <a:buSzTx/>
-              <a:buFont typeface="+mj-lt"/>
-              <a:buAutoNum type="arabicPeriod"/>
-            </a:pPr>
-            <a:r>
               <a:rPr lang="en-US" sz="1600" dirty="0" err="1" smtClean="0">
                 <a:solidFill>
                   <a:schemeClr val="bg1"/>
                 </a:solidFill>
               </a:rPr>
-              <a:t>Zusammenspiel</a:t>
+              <a:t>Gruppen</a:t>
+            </a:r>
+            <a:r>
+              <a:rPr lang="en-US" sz="1600" dirty="0" smtClean="0">
+                <a:solidFill>
+                  <a:schemeClr val="bg1"/>
+                </a:solidFill>
+              </a:rPr>
+              <a:t> und </a:t>
+            </a:r>
+            <a:r>
+              <a:rPr lang="en-US" sz="1600" dirty="0" err="1" smtClean="0">
+                <a:solidFill>
+                  <a:schemeClr val="bg1"/>
+                </a:solidFill>
+              </a:rPr>
+              <a:t>Systeminteraktion</a:t>
             </a:r>
             <a:endParaRPr lang="en-US" sz="1600" dirty="0" smtClean="0">
               <a:solidFill>
@@ -4082,8 +5646,82 @@
               <a:buAutoNum type="arabicPeriod"/>
             </a:pPr>
             <a:r>
+              <a:rPr lang="en-US" sz="1600" dirty="0" smtClean="0"/>
+              <a:t>Vision </a:t>
+            </a:r>
+            <a:r>
               <a:rPr lang="en-US" sz="1600" dirty="0" err="1" smtClean="0"/>
-              <a:t>Kernproblematiken</a:t>
+              <a:t>Gruppe</a:t>
+            </a:r>
+            <a:endParaRPr lang="en-US" sz="1600" dirty="0" smtClean="0"/>
+          </a:p>
+          <a:p>
+            <a:pPr marL="342900" indent="-342900" algn="l" eaLnBrk="0" hangingPunct="0">
+              <a:lnSpc>
+                <a:spcPct val="120000"/>
+              </a:lnSpc>
+              <a:spcBef>
+                <a:spcPct val="50000"/>
+              </a:spcBef>
+              <a:buSzTx/>
+              <a:buFont typeface="+mj-lt"/>
+              <a:buAutoNum type="arabicPeriod"/>
+            </a:pPr>
+            <a:r>
+              <a:rPr lang="en-US" sz="1600" dirty="0" err="1" smtClean="0"/>
+              <a:t>Kalman</a:t>
+            </a:r>
+            <a:r>
+              <a:rPr lang="en-US" sz="1600" dirty="0" smtClean="0"/>
+              <a:t> </a:t>
+            </a:r>
+            <a:r>
+              <a:rPr lang="en-US" sz="1600" dirty="0" err="1" smtClean="0"/>
+              <a:t>Gruppe</a:t>
+            </a:r>
+            <a:endParaRPr lang="en-US" sz="1600" dirty="0" smtClean="0"/>
+          </a:p>
+          <a:p>
+            <a:pPr marL="342900" indent="-342900" algn="l" eaLnBrk="0" hangingPunct="0">
+              <a:lnSpc>
+                <a:spcPct val="120000"/>
+              </a:lnSpc>
+              <a:spcBef>
+                <a:spcPct val="50000"/>
+              </a:spcBef>
+              <a:buSzTx/>
+              <a:buFont typeface="+mj-lt"/>
+              <a:buAutoNum type="arabicPeriod"/>
+            </a:pPr>
+            <a:r>
+              <a:rPr lang="en-US" sz="1600" dirty="0" err="1" smtClean="0"/>
+              <a:t>Highlevel</a:t>
+            </a:r>
+            <a:r>
+              <a:rPr lang="en-US" sz="1600" dirty="0" smtClean="0"/>
+              <a:t> </a:t>
+            </a:r>
+            <a:r>
+              <a:rPr lang="en-US" sz="1600" dirty="0" err="1" smtClean="0"/>
+              <a:t>Gruppe</a:t>
+            </a:r>
+            <a:endParaRPr lang="en-US" sz="1600" dirty="0" smtClean="0"/>
+          </a:p>
+          <a:p>
+            <a:pPr marL="342900" indent="-342900" algn="l" eaLnBrk="0" hangingPunct="0">
+              <a:lnSpc>
+                <a:spcPct val="120000"/>
+              </a:lnSpc>
+              <a:spcBef>
+                <a:spcPct val="50000"/>
+              </a:spcBef>
+              <a:buSzTx/>
+              <a:buFont typeface="+mj-lt"/>
+              <a:buAutoNum type="arabicPeriod"/>
+            </a:pPr>
+            <a:r>
+              <a:rPr lang="en-US" sz="1600" dirty="0" err="1" smtClean="0"/>
+              <a:t>Zusammenspiel</a:t>
             </a:r>
             <a:endParaRPr lang="en-US" sz="1600" dirty="0" smtClean="0"/>
           </a:p>
@@ -4309,7 +5947,7 @@
     </p:spTree>
     <p:extLst>
       <p:ext uri="{BB962C8B-B14F-4D97-AF65-F5344CB8AC3E}">
-        <p14:creationId xmlns:p14="http://schemas.microsoft.com/office/powerpoint/2010/main" val="2314943990"/>
+        <p14:creationId xmlns:p14="http://schemas.microsoft.com/office/powerpoint/2010/main" val="2834001869"/>
       </p:ext>
     </p:extLst>
   </p:cSld>
@@ -4360,7 +5998,7 @@
           <a:p>
             <a:r>
               <a:rPr lang="de-DE" dirty="0" smtClean="0"/>
-              <a:t>Agenda</a:t>
+              <a:t>Die Aufgabenstellung wurde in 3 Teile aufgeteilt um eine bessere Arbeitsverteilung zu ermöglichen</a:t>
             </a:r>
             <a:endParaRPr lang="de-DE" dirty="0"/>
           </a:p>
@@ -4384,6 +6022,2006 @@
             <a:fld id="{88051181-3DEF-484A-8434-F25831745C76}" type="slidenum">
               <a:rPr lang="de-DE" smtClean="0"/>
               <a:t>5</a:t>
+            </a:fld>
+            <a:endParaRPr lang="de-DE"/>
+          </a:p>
+        </p:txBody>
+      </p:sp>
+      <p:sp>
+        <p:nvSpPr>
+          <p:cNvPr id="5" name="Rectangle 8"/>
+          <p:cNvSpPr>
+            <a:spLocks noChangeArrowheads="1"/>
+          </p:cNvSpPr>
+          <p:nvPr/>
+        </p:nvSpPr>
+        <p:spPr bwMode="auto">
+          <a:xfrm>
+            <a:off x="4629785" y="1460500"/>
+            <a:ext cx="2819400" cy="1219200"/>
+          </a:xfrm>
+          <a:prstGeom prst="rect">
+            <a:avLst/>
+          </a:prstGeom>
+          <a:solidFill>
+            <a:schemeClr val="bg2"/>
+          </a:solidFill>
+          <a:ln w="19050">
+            <a:solidFill>
+              <a:schemeClr val="bg2"/>
+            </a:solidFill>
+            <a:miter lim="800000"/>
+            <a:headEnd/>
+            <a:tailEnd/>
+          </a:ln>
+        </p:spPr>
+        <p:txBody>
+          <a:bodyPr wrap="square" lIns="0" tIns="36000" rIns="0" bIns="36000" rtlCol="0" anchor="ctr" anchorCtr="0">
+            <a:noAutofit/>
+          </a:bodyPr>
+          <a:lstStyle>
+            <a:defPPr>
+              <a:defRPr lang="de-DE"/>
+            </a:defPPr>
+            <a:lvl1pPr algn="l" rtl="0" fontAlgn="base">
+              <a:spcBef>
+                <a:spcPct val="0"/>
+              </a:spcBef>
+              <a:spcAft>
+                <a:spcPct val="0"/>
+              </a:spcAft>
+              <a:defRPr sz="2000" kern="1200">
+                <a:solidFill>
+                  <a:schemeClr val="tx1"/>
+                </a:solidFill>
+                <a:latin typeface="Arial" pitchFamily="34" charset="0"/>
+                <a:ea typeface="ヒラギノ角ゴ Pro W3"/>
+                <a:cs typeface="ヒラギノ角ゴ Pro W3"/>
+              </a:defRPr>
+            </a:lvl1pPr>
+            <a:lvl2pPr marL="457200" algn="l" rtl="0" fontAlgn="base">
+              <a:spcBef>
+                <a:spcPct val="0"/>
+              </a:spcBef>
+              <a:spcAft>
+                <a:spcPct val="0"/>
+              </a:spcAft>
+              <a:defRPr sz="2000" kern="1200">
+                <a:solidFill>
+                  <a:schemeClr val="tx1"/>
+                </a:solidFill>
+                <a:latin typeface="Arial" pitchFamily="34" charset="0"/>
+                <a:ea typeface="ヒラギノ角ゴ Pro W3"/>
+                <a:cs typeface="ヒラギノ角ゴ Pro W3"/>
+              </a:defRPr>
+            </a:lvl2pPr>
+            <a:lvl3pPr marL="914400" algn="l" rtl="0" fontAlgn="base">
+              <a:spcBef>
+                <a:spcPct val="0"/>
+              </a:spcBef>
+              <a:spcAft>
+                <a:spcPct val="0"/>
+              </a:spcAft>
+              <a:defRPr sz="2000" kern="1200">
+                <a:solidFill>
+                  <a:schemeClr val="tx1"/>
+                </a:solidFill>
+                <a:latin typeface="Arial" pitchFamily="34" charset="0"/>
+                <a:ea typeface="ヒラギノ角ゴ Pro W3"/>
+                <a:cs typeface="ヒラギノ角ゴ Pro W3"/>
+              </a:defRPr>
+            </a:lvl3pPr>
+            <a:lvl4pPr marL="1371600" algn="l" rtl="0" fontAlgn="base">
+              <a:spcBef>
+                <a:spcPct val="0"/>
+              </a:spcBef>
+              <a:spcAft>
+                <a:spcPct val="0"/>
+              </a:spcAft>
+              <a:defRPr sz="2000" kern="1200">
+                <a:solidFill>
+                  <a:schemeClr val="tx1"/>
+                </a:solidFill>
+                <a:latin typeface="Arial" pitchFamily="34" charset="0"/>
+                <a:ea typeface="ヒラギノ角ゴ Pro W3"/>
+                <a:cs typeface="ヒラギノ角ゴ Pro W3"/>
+              </a:defRPr>
+            </a:lvl4pPr>
+            <a:lvl5pPr marL="1828800" algn="l" rtl="0" fontAlgn="base">
+              <a:spcBef>
+                <a:spcPct val="0"/>
+              </a:spcBef>
+              <a:spcAft>
+                <a:spcPct val="0"/>
+              </a:spcAft>
+              <a:defRPr sz="2000" kern="1200">
+                <a:solidFill>
+                  <a:schemeClr val="tx1"/>
+                </a:solidFill>
+                <a:latin typeface="Arial" pitchFamily="34" charset="0"/>
+                <a:ea typeface="ヒラギノ角ゴ Pro W3"/>
+                <a:cs typeface="ヒラギノ角ゴ Pro W3"/>
+              </a:defRPr>
+            </a:lvl5pPr>
+            <a:lvl6pPr marL="2286000" algn="l" defTabSz="914400" rtl="0" eaLnBrk="1" latinLnBrk="0" hangingPunct="1">
+              <a:defRPr sz="2000" kern="1200">
+                <a:solidFill>
+                  <a:schemeClr val="tx1"/>
+                </a:solidFill>
+                <a:latin typeface="Arial" pitchFamily="34" charset="0"/>
+                <a:ea typeface="ヒラギノ角ゴ Pro W3"/>
+                <a:cs typeface="ヒラギノ角ゴ Pro W3"/>
+              </a:defRPr>
+            </a:lvl6pPr>
+            <a:lvl7pPr marL="2743200" algn="l" defTabSz="914400" rtl="0" eaLnBrk="1" latinLnBrk="0" hangingPunct="1">
+              <a:defRPr sz="2000" kern="1200">
+                <a:solidFill>
+                  <a:schemeClr val="tx1"/>
+                </a:solidFill>
+                <a:latin typeface="Arial" pitchFamily="34" charset="0"/>
+                <a:ea typeface="ヒラギノ角ゴ Pro W3"/>
+                <a:cs typeface="ヒラギノ角ゴ Pro W3"/>
+              </a:defRPr>
+            </a:lvl7pPr>
+            <a:lvl8pPr marL="3200400" algn="l" defTabSz="914400" rtl="0" eaLnBrk="1" latinLnBrk="0" hangingPunct="1">
+              <a:defRPr sz="2000" kern="1200">
+                <a:solidFill>
+                  <a:schemeClr val="tx1"/>
+                </a:solidFill>
+                <a:latin typeface="Arial" pitchFamily="34" charset="0"/>
+                <a:ea typeface="ヒラギノ角ゴ Pro W3"/>
+                <a:cs typeface="ヒラギノ角ゴ Pro W3"/>
+              </a:defRPr>
+            </a:lvl8pPr>
+            <a:lvl9pPr marL="3657600" algn="l" defTabSz="914400" rtl="0" eaLnBrk="1" latinLnBrk="0" hangingPunct="1">
+              <a:defRPr sz="2000" kern="1200">
+                <a:solidFill>
+                  <a:schemeClr val="tx1"/>
+                </a:solidFill>
+                <a:latin typeface="Arial" pitchFamily="34" charset="0"/>
+                <a:ea typeface="ヒラギノ角ゴ Pro W3"/>
+                <a:cs typeface="ヒラギノ角ゴ Pro W3"/>
+              </a:defRPr>
+            </a:lvl9pPr>
+          </a:lstStyle>
+          <a:p>
+            <a:pPr marL="252000" indent="-180000" eaLnBrk="0" hangingPunct="0">
+              <a:spcBef>
+                <a:spcPts val="200"/>
+              </a:spcBef>
+              <a:spcAft>
+                <a:spcPts val="200"/>
+              </a:spcAft>
+              <a:buClr>
+                <a:srgbClr val="007348"/>
+              </a:buClr>
+              <a:buFont typeface="Wingdings" pitchFamily="2" charset="2"/>
+              <a:buChar char="§"/>
+              <a:defRPr/>
+            </a:pPr>
+            <a:r>
+              <a:rPr lang="de-DE" sz="1400" dirty="0" err="1" smtClean="0"/>
+              <a:t>Kidnap</a:t>
+            </a:r>
+            <a:r>
+              <a:rPr lang="de-DE" sz="1400" dirty="0" smtClean="0"/>
+              <a:t>-</a:t>
+            </a:r>
+            <a:r>
+              <a:rPr lang="de-DE" sz="1400" dirty="0" err="1" smtClean="0"/>
+              <a:t>Detection</a:t>
+            </a:r>
+            <a:r>
+              <a:rPr lang="de-DE" sz="1400" dirty="0" smtClean="0"/>
+              <a:t>-Logik</a:t>
+            </a:r>
+            <a:endParaRPr lang="de-DE" sz="1400" dirty="0"/>
+          </a:p>
+          <a:p>
+            <a:pPr marL="252000" indent="-180000" eaLnBrk="0" hangingPunct="0">
+              <a:spcBef>
+                <a:spcPts val="200"/>
+              </a:spcBef>
+              <a:spcAft>
+                <a:spcPts val="200"/>
+              </a:spcAft>
+              <a:buClr>
+                <a:srgbClr val="007348"/>
+              </a:buClr>
+              <a:buFont typeface="Wingdings" pitchFamily="2" charset="2"/>
+              <a:buChar char="§"/>
+              <a:defRPr/>
+            </a:pPr>
+            <a:r>
+              <a:rPr lang="de-DE" sz="1400" dirty="0" err="1" smtClean="0"/>
+              <a:t>Recovery</a:t>
+            </a:r>
+            <a:r>
+              <a:rPr lang="de-DE" sz="1400" dirty="0" smtClean="0"/>
+              <a:t>-Bewegungs-Logik</a:t>
+            </a:r>
+            <a:endParaRPr lang="de-DE" sz="1400" dirty="0"/>
+          </a:p>
+        </p:txBody>
+      </p:sp>
+      <p:sp>
+        <p:nvSpPr>
+          <p:cNvPr id="6" name="Rectangle 11"/>
+          <p:cNvSpPr>
+            <a:spLocks noChangeArrowheads="1"/>
+          </p:cNvSpPr>
+          <p:nvPr/>
+        </p:nvSpPr>
+        <p:spPr bwMode="auto">
+          <a:xfrm>
+            <a:off x="6330315" y="1018540"/>
+            <a:ext cx="1524000" cy="533400"/>
+          </a:xfrm>
+          <a:prstGeom prst="rect">
+            <a:avLst/>
+          </a:prstGeom>
+          <a:solidFill>
+            <a:srgbClr val="007348"/>
+          </a:solidFill>
+          <a:ln w="19050">
+            <a:solidFill>
+              <a:srgbClr val="007348"/>
+            </a:solidFill>
+            <a:miter lim="800000"/>
+            <a:headEnd/>
+            <a:tailEnd/>
+          </a:ln>
+        </p:spPr>
+        <p:txBody>
+          <a:bodyPr anchor="ctr"/>
+          <a:lstStyle>
+            <a:defPPr>
+              <a:defRPr lang="de-DE"/>
+            </a:defPPr>
+            <a:lvl1pPr algn="l" rtl="0" fontAlgn="base">
+              <a:spcBef>
+                <a:spcPct val="0"/>
+              </a:spcBef>
+              <a:spcAft>
+                <a:spcPct val="0"/>
+              </a:spcAft>
+              <a:defRPr sz="2000" kern="1200">
+                <a:solidFill>
+                  <a:schemeClr val="tx1"/>
+                </a:solidFill>
+                <a:latin typeface="Arial" pitchFamily="34" charset="0"/>
+                <a:ea typeface="ヒラギノ角ゴ Pro W3"/>
+                <a:cs typeface="ヒラギノ角ゴ Pro W3"/>
+              </a:defRPr>
+            </a:lvl1pPr>
+            <a:lvl2pPr marL="457200" algn="l" rtl="0" fontAlgn="base">
+              <a:spcBef>
+                <a:spcPct val="0"/>
+              </a:spcBef>
+              <a:spcAft>
+                <a:spcPct val="0"/>
+              </a:spcAft>
+              <a:defRPr sz="2000" kern="1200">
+                <a:solidFill>
+                  <a:schemeClr val="tx1"/>
+                </a:solidFill>
+                <a:latin typeface="Arial" pitchFamily="34" charset="0"/>
+                <a:ea typeface="ヒラギノ角ゴ Pro W3"/>
+                <a:cs typeface="ヒラギノ角ゴ Pro W3"/>
+              </a:defRPr>
+            </a:lvl2pPr>
+            <a:lvl3pPr marL="914400" algn="l" rtl="0" fontAlgn="base">
+              <a:spcBef>
+                <a:spcPct val="0"/>
+              </a:spcBef>
+              <a:spcAft>
+                <a:spcPct val="0"/>
+              </a:spcAft>
+              <a:defRPr sz="2000" kern="1200">
+                <a:solidFill>
+                  <a:schemeClr val="tx1"/>
+                </a:solidFill>
+                <a:latin typeface="Arial" pitchFamily="34" charset="0"/>
+                <a:ea typeface="ヒラギノ角ゴ Pro W3"/>
+                <a:cs typeface="ヒラギノ角ゴ Pro W3"/>
+              </a:defRPr>
+            </a:lvl3pPr>
+            <a:lvl4pPr marL="1371600" algn="l" rtl="0" fontAlgn="base">
+              <a:spcBef>
+                <a:spcPct val="0"/>
+              </a:spcBef>
+              <a:spcAft>
+                <a:spcPct val="0"/>
+              </a:spcAft>
+              <a:defRPr sz="2000" kern="1200">
+                <a:solidFill>
+                  <a:schemeClr val="tx1"/>
+                </a:solidFill>
+                <a:latin typeface="Arial" pitchFamily="34" charset="0"/>
+                <a:ea typeface="ヒラギノ角ゴ Pro W3"/>
+                <a:cs typeface="ヒラギノ角ゴ Pro W3"/>
+              </a:defRPr>
+            </a:lvl4pPr>
+            <a:lvl5pPr marL="1828800" algn="l" rtl="0" fontAlgn="base">
+              <a:spcBef>
+                <a:spcPct val="0"/>
+              </a:spcBef>
+              <a:spcAft>
+                <a:spcPct val="0"/>
+              </a:spcAft>
+              <a:defRPr sz="2000" kern="1200">
+                <a:solidFill>
+                  <a:schemeClr val="tx1"/>
+                </a:solidFill>
+                <a:latin typeface="Arial" pitchFamily="34" charset="0"/>
+                <a:ea typeface="ヒラギノ角ゴ Pro W3"/>
+                <a:cs typeface="ヒラギノ角ゴ Pro W3"/>
+              </a:defRPr>
+            </a:lvl5pPr>
+            <a:lvl6pPr marL="2286000" algn="l" defTabSz="914400" rtl="0" eaLnBrk="1" latinLnBrk="0" hangingPunct="1">
+              <a:defRPr sz="2000" kern="1200">
+                <a:solidFill>
+                  <a:schemeClr val="tx1"/>
+                </a:solidFill>
+                <a:latin typeface="Arial" pitchFamily="34" charset="0"/>
+                <a:ea typeface="ヒラギノ角ゴ Pro W3"/>
+                <a:cs typeface="ヒラギノ角ゴ Pro W3"/>
+              </a:defRPr>
+            </a:lvl6pPr>
+            <a:lvl7pPr marL="2743200" algn="l" defTabSz="914400" rtl="0" eaLnBrk="1" latinLnBrk="0" hangingPunct="1">
+              <a:defRPr sz="2000" kern="1200">
+                <a:solidFill>
+                  <a:schemeClr val="tx1"/>
+                </a:solidFill>
+                <a:latin typeface="Arial" pitchFamily="34" charset="0"/>
+                <a:ea typeface="ヒラギノ角ゴ Pro W3"/>
+                <a:cs typeface="ヒラギノ角ゴ Pro W3"/>
+              </a:defRPr>
+            </a:lvl7pPr>
+            <a:lvl8pPr marL="3200400" algn="l" defTabSz="914400" rtl="0" eaLnBrk="1" latinLnBrk="0" hangingPunct="1">
+              <a:defRPr sz="2000" kern="1200">
+                <a:solidFill>
+                  <a:schemeClr val="tx1"/>
+                </a:solidFill>
+                <a:latin typeface="Arial" pitchFamily="34" charset="0"/>
+                <a:ea typeface="ヒラギノ角ゴ Pro W3"/>
+                <a:cs typeface="ヒラギノ角ゴ Pro W3"/>
+              </a:defRPr>
+            </a:lvl8pPr>
+            <a:lvl9pPr marL="3657600" algn="l" defTabSz="914400" rtl="0" eaLnBrk="1" latinLnBrk="0" hangingPunct="1">
+              <a:defRPr sz="2000" kern="1200">
+                <a:solidFill>
+                  <a:schemeClr val="tx1"/>
+                </a:solidFill>
+                <a:latin typeface="Arial" pitchFamily="34" charset="0"/>
+                <a:ea typeface="ヒラギノ角ゴ Pro W3"/>
+                <a:cs typeface="ヒラギノ角ゴ Pro W3"/>
+              </a:defRPr>
+            </a:lvl9pPr>
+          </a:lstStyle>
+          <a:p>
+            <a:pPr algn="ctr" eaLnBrk="0" hangingPunct="0">
+              <a:buFont typeface="Webdings" pitchFamily="18" charset="2"/>
+              <a:buNone/>
+            </a:pPr>
+            <a:r>
+              <a:rPr lang="de-DE" sz="1600" dirty="0" err="1" smtClean="0">
+                <a:solidFill>
+                  <a:schemeClr val="bg1"/>
+                </a:solidFill>
+              </a:rPr>
+              <a:t>Highlevel</a:t>
+            </a:r>
+            <a:r>
+              <a:rPr lang="de-DE" sz="1600" dirty="0" smtClean="0">
+                <a:solidFill>
+                  <a:schemeClr val="bg1"/>
+                </a:solidFill>
+              </a:rPr>
+              <a:t> Gruppe</a:t>
+            </a:r>
+            <a:endParaRPr lang="de-DE" sz="1600" dirty="0">
+              <a:solidFill>
+                <a:schemeClr val="bg1"/>
+              </a:solidFill>
+            </a:endParaRPr>
+          </a:p>
+        </p:txBody>
+      </p:sp>
+      <p:sp>
+        <p:nvSpPr>
+          <p:cNvPr id="7" name="Rectangle 8"/>
+          <p:cNvSpPr>
+            <a:spLocks noChangeArrowheads="1"/>
+          </p:cNvSpPr>
+          <p:nvPr/>
+        </p:nvSpPr>
+        <p:spPr bwMode="auto">
+          <a:xfrm>
+            <a:off x="871855" y="5240594"/>
+            <a:ext cx="2819400" cy="1219200"/>
+          </a:xfrm>
+          <a:prstGeom prst="rect">
+            <a:avLst/>
+          </a:prstGeom>
+          <a:solidFill>
+            <a:schemeClr val="bg2"/>
+          </a:solidFill>
+          <a:ln w="19050">
+            <a:solidFill>
+              <a:schemeClr val="bg2"/>
+            </a:solidFill>
+            <a:miter lim="800000"/>
+            <a:headEnd/>
+            <a:tailEnd/>
+          </a:ln>
+        </p:spPr>
+        <p:txBody>
+          <a:bodyPr wrap="square" lIns="0" tIns="36000" rIns="0" bIns="36000" rtlCol="0" anchor="ctr" anchorCtr="0">
+            <a:noAutofit/>
+          </a:bodyPr>
+          <a:lstStyle>
+            <a:defPPr>
+              <a:defRPr lang="de-DE"/>
+            </a:defPPr>
+            <a:lvl1pPr algn="l" rtl="0" fontAlgn="base">
+              <a:spcBef>
+                <a:spcPct val="0"/>
+              </a:spcBef>
+              <a:spcAft>
+                <a:spcPct val="0"/>
+              </a:spcAft>
+              <a:defRPr sz="2000" kern="1200">
+                <a:solidFill>
+                  <a:schemeClr val="tx1"/>
+                </a:solidFill>
+                <a:latin typeface="Arial" pitchFamily="34" charset="0"/>
+                <a:ea typeface="ヒラギノ角ゴ Pro W3"/>
+                <a:cs typeface="ヒラギノ角ゴ Pro W3"/>
+              </a:defRPr>
+            </a:lvl1pPr>
+            <a:lvl2pPr marL="457200" algn="l" rtl="0" fontAlgn="base">
+              <a:spcBef>
+                <a:spcPct val="0"/>
+              </a:spcBef>
+              <a:spcAft>
+                <a:spcPct val="0"/>
+              </a:spcAft>
+              <a:defRPr sz="2000" kern="1200">
+                <a:solidFill>
+                  <a:schemeClr val="tx1"/>
+                </a:solidFill>
+                <a:latin typeface="Arial" pitchFamily="34" charset="0"/>
+                <a:ea typeface="ヒラギノ角ゴ Pro W3"/>
+                <a:cs typeface="ヒラギノ角ゴ Pro W3"/>
+              </a:defRPr>
+            </a:lvl2pPr>
+            <a:lvl3pPr marL="914400" algn="l" rtl="0" fontAlgn="base">
+              <a:spcBef>
+                <a:spcPct val="0"/>
+              </a:spcBef>
+              <a:spcAft>
+                <a:spcPct val="0"/>
+              </a:spcAft>
+              <a:defRPr sz="2000" kern="1200">
+                <a:solidFill>
+                  <a:schemeClr val="tx1"/>
+                </a:solidFill>
+                <a:latin typeface="Arial" pitchFamily="34" charset="0"/>
+                <a:ea typeface="ヒラギノ角ゴ Pro W3"/>
+                <a:cs typeface="ヒラギノ角ゴ Pro W3"/>
+              </a:defRPr>
+            </a:lvl3pPr>
+            <a:lvl4pPr marL="1371600" algn="l" rtl="0" fontAlgn="base">
+              <a:spcBef>
+                <a:spcPct val="0"/>
+              </a:spcBef>
+              <a:spcAft>
+                <a:spcPct val="0"/>
+              </a:spcAft>
+              <a:defRPr sz="2000" kern="1200">
+                <a:solidFill>
+                  <a:schemeClr val="tx1"/>
+                </a:solidFill>
+                <a:latin typeface="Arial" pitchFamily="34" charset="0"/>
+                <a:ea typeface="ヒラギノ角ゴ Pro W3"/>
+                <a:cs typeface="ヒラギノ角ゴ Pro W3"/>
+              </a:defRPr>
+            </a:lvl4pPr>
+            <a:lvl5pPr marL="1828800" algn="l" rtl="0" fontAlgn="base">
+              <a:spcBef>
+                <a:spcPct val="0"/>
+              </a:spcBef>
+              <a:spcAft>
+                <a:spcPct val="0"/>
+              </a:spcAft>
+              <a:defRPr sz="2000" kern="1200">
+                <a:solidFill>
+                  <a:schemeClr val="tx1"/>
+                </a:solidFill>
+                <a:latin typeface="Arial" pitchFamily="34" charset="0"/>
+                <a:ea typeface="ヒラギノ角ゴ Pro W3"/>
+                <a:cs typeface="ヒラギノ角ゴ Pro W3"/>
+              </a:defRPr>
+            </a:lvl5pPr>
+            <a:lvl6pPr marL="2286000" algn="l" defTabSz="914400" rtl="0" eaLnBrk="1" latinLnBrk="0" hangingPunct="1">
+              <a:defRPr sz="2000" kern="1200">
+                <a:solidFill>
+                  <a:schemeClr val="tx1"/>
+                </a:solidFill>
+                <a:latin typeface="Arial" pitchFamily="34" charset="0"/>
+                <a:ea typeface="ヒラギノ角ゴ Pro W3"/>
+                <a:cs typeface="ヒラギノ角ゴ Pro W3"/>
+              </a:defRPr>
+            </a:lvl6pPr>
+            <a:lvl7pPr marL="2743200" algn="l" defTabSz="914400" rtl="0" eaLnBrk="1" latinLnBrk="0" hangingPunct="1">
+              <a:defRPr sz="2000" kern="1200">
+                <a:solidFill>
+                  <a:schemeClr val="tx1"/>
+                </a:solidFill>
+                <a:latin typeface="Arial" pitchFamily="34" charset="0"/>
+                <a:ea typeface="ヒラギノ角ゴ Pro W3"/>
+                <a:cs typeface="ヒラギノ角ゴ Pro W3"/>
+              </a:defRPr>
+            </a:lvl7pPr>
+            <a:lvl8pPr marL="3200400" algn="l" defTabSz="914400" rtl="0" eaLnBrk="1" latinLnBrk="0" hangingPunct="1">
+              <a:defRPr sz="2000" kern="1200">
+                <a:solidFill>
+                  <a:schemeClr val="tx1"/>
+                </a:solidFill>
+                <a:latin typeface="Arial" pitchFamily="34" charset="0"/>
+                <a:ea typeface="ヒラギノ角ゴ Pro W3"/>
+                <a:cs typeface="ヒラギノ角ゴ Pro W3"/>
+              </a:defRPr>
+            </a:lvl8pPr>
+            <a:lvl9pPr marL="3657600" algn="l" defTabSz="914400" rtl="0" eaLnBrk="1" latinLnBrk="0" hangingPunct="1">
+              <a:defRPr sz="2000" kern="1200">
+                <a:solidFill>
+                  <a:schemeClr val="tx1"/>
+                </a:solidFill>
+                <a:latin typeface="Arial" pitchFamily="34" charset="0"/>
+                <a:ea typeface="ヒラギノ角ゴ Pro W3"/>
+                <a:cs typeface="ヒラギノ角ゴ Pro W3"/>
+              </a:defRPr>
+            </a:lvl9pPr>
+          </a:lstStyle>
+          <a:p>
+            <a:pPr marL="252000" indent="-180000" eaLnBrk="0" hangingPunct="0">
+              <a:spcBef>
+                <a:spcPts val="200"/>
+              </a:spcBef>
+              <a:spcAft>
+                <a:spcPts val="200"/>
+              </a:spcAft>
+              <a:buClr>
+                <a:srgbClr val="007348"/>
+              </a:buClr>
+              <a:buFont typeface="Wingdings" pitchFamily="2" charset="2"/>
+              <a:buChar char="§"/>
+              <a:defRPr/>
+            </a:pPr>
+            <a:r>
+              <a:rPr lang="de-DE" sz="1400" dirty="0" smtClean="0"/>
+              <a:t>Laser-Scan-Sensoren</a:t>
+            </a:r>
+            <a:endParaRPr lang="de-DE" sz="1400" dirty="0"/>
+          </a:p>
+          <a:p>
+            <a:pPr marL="252000" indent="-180000" eaLnBrk="0" hangingPunct="0">
+              <a:spcBef>
+                <a:spcPts val="200"/>
+              </a:spcBef>
+              <a:spcAft>
+                <a:spcPts val="200"/>
+              </a:spcAft>
+              <a:buClr>
+                <a:srgbClr val="007348"/>
+              </a:buClr>
+              <a:buFont typeface="Wingdings" pitchFamily="2" charset="2"/>
+              <a:buChar char="§"/>
+              <a:defRPr/>
+            </a:pPr>
+            <a:r>
+              <a:rPr lang="de-DE" sz="1400" dirty="0" smtClean="0"/>
+              <a:t>Kinect</a:t>
+            </a:r>
+          </a:p>
+          <a:p>
+            <a:pPr marL="252000" indent="-180000" eaLnBrk="0" hangingPunct="0">
+              <a:spcBef>
+                <a:spcPts val="200"/>
+              </a:spcBef>
+              <a:spcAft>
+                <a:spcPts val="200"/>
+              </a:spcAft>
+              <a:buClr>
+                <a:srgbClr val="007348"/>
+              </a:buClr>
+              <a:buFont typeface="Wingdings" pitchFamily="2" charset="2"/>
+              <a:buChar char="§"/>
+              <a:defRPr/>
+            </a:pPr>
+            <a:r>
+              <a:rPr lang="de-DE" sz="1400" dirty="0" smtClean="0"/>
+              <a:t>Mapping Dienst</a:t>
+            </a:r>
+            <a:endParaRPr lang="de-DE" sz="1400" dirty="0"/>
+          </a:p>
+        </p:txBody>
+      </p:sp>
+      <p:sp>
+        <p:nvSpPr>
+          <p:cNvPr id="8" name="Rectangle 11"/>
+          <p:cNvSpPr>
+            <a:spLocks noChangeArrowheads="1"/>
+          </p:cNvSpPr>
+          <p:nvPr/>
+        </p:nvSpPr>
+        <p:spPr bwMode="auto">
+          <a:xfrm>
+            <a:off x="2572385" y="4798634"/>
+            <a:ext cx="1524000" cy="533400"/>
+          </a:xfrm>
+          <a:prstGeom prst="rect">
+            <a:avLst/>
+          </a:prstGeom>
+          <a:solidFill>
+            <a:schemeClr val="accent3">
+              <a:lumMod val="50000"/>
+            </a:schemeClr>
+          </a:solidFill>
+          <a:ln w="19050">
+            <a:solidFill>
+              <a:schemeClr val="accent3">
+                <a:lumMod val="50000"/>
+              </a:schemeClr>
+            </a:solidFill>
+            <a:miter lim="800000"/>
+            <a:headEnd/>
+            <a:tailEnd/>
+          </a:ln>
+        </p:spPr>
+        <p:txBody>
+          <a:bodyPr anchor="ctr"/>
+          <a:lstStyle>
+            <a:defPPr>
+              <a:defRPr lang="de-DE"/>
+            </a:defPPr>
+            <a:lvl1pPr algn="l" rtl="0" fontAlgn="base">
+              <a:spcBef>
+                <a:spcPct val="0"/>
+              </a:spcBef>
+              <a:spcAft>
+                <a:spcPct val="0"/>
+              </a:spcAft>
+              <a:defRPr sz="2000" kern="1200">
+                <a:solidFill>
+                  <a:schemeClr val="tx1"/>
+                </a:solidFill>
+                <a:latin typeface="Arial" pitchFamily="34" charset="0"/>
+                <a:ea typeface="ヒラギノ角ゴ Pro W3"/>
+                <a:cs typeface="ヒラギノ角ゴ Pro W3"/>
+              </a:defRPr>
+            </a:lvl1pPr>
+            <a:lvl2pPr marL="457200" algn="l" rtl="0" fontAlgn="base">
+              <a:spcBef>
+                <a:spcPct val="0"/>
+              </a:spcBef>
+              <a:spcAft>
+                <a:spcPct val="0"/>
+              </a:spcAft>
+              <a:defRPr sz="2000" kern="1200">
+                <a:solidFill>
+                  <a:schemeClr val="tx1"/>
+                </a:solidFill>
+                <a:latin typeface="Arial" pitchFamily="34" charset="0"/>
+                <a:ea typeface="ヒラギノ角ゴ Pro W3"/>
+                <a:cs typeface="ヒラギノ角ゴ Pro W3"/>
+              </a:defRPr>
+            </a:lvl2pPr>
+            <a:lvl3pPr marL="914400" algn="l" rtl="0" fontAlgn="base">
+              <a:spcBef>
+                <a:spcPct val="0"/>
+              </a:spcBef>
+              <a:spcAft>
+                <a:spcPct val="0"/>
+              </a:spcAft>
+              <a:defRPr sz="2000" kern="1200">
+                <a:solidFill>
+                  <a:schemeClr val="tx1"/>
+                </a:solidFill>
+                <a:latin typeface="Arial" pitchFamily="34" charset="0"/>
+                <a:ea typeface="ヒラギノ角ゴ Pro W3"/>
+                <a:cs typeface="ヒラギノ角ゴ Pro W3"/>
+              </a:defRPr>
+            </a:lvl3pPr>
+            <a:lvl4pPr marL="1371600" algn="l" rtl="0" fontAlgn="base">
+              <a:spcBef>
+                <a:spcPct val="0"/>
+              </a:spcBef>
+              <a:spcAft>
+                <a:spcPct val="0"/>
+              </a:spcAft>
+              <a:defRPr sz="2000" kern="1200">
+                <a:solidFill>
+                  <a:schemeClr val="tx1"/>
+                </a:solidFill>
+                <a:latin typeface="Arial" pitchFamily="34" charset="0"/>
+                <a:ea typeface="ヒラギノ角ゴ Pro W3"/>
+                <a:cs typeface="ヒラギノ角ゴ Pro W3"/>
+              </a:defRPr>
+            </a:lvl4pPr>
+            <a:lvl5pPr marL="1828800" algn="l" rtl="0" fontAlgn="base">
+              <a:spcBef>
+                <a:spcPct val="0"/>
+              </a:spcBef>
+              <a:spcAft>
+                <a:spcPct val="0"/>
+              </a:spcAft>
+              <a:defRPr sz="2000" kern="1200">
+                <a:solidFill>
+                  <a:schemeClr val="tx1"/>
+                </a:solidFill>
+                <a:latin typeface="Arial" pitchFamily="34" charset="0"/>
+                <a:ea typeface="ヒラギノ角ゴ Pro W3"/>
+                <a:cs typeface="ヒラギノ角ゴ Pro W3"/>
+              </a:defRPr>
+            </a:lvl5pPr>
+            <a:lvl6pPr marL="2286000" algn="l" defTabSz="914400" rtl="0" eaLnBrk="1" latinLnBrk="0" hangingPunct="1">
+              <a:defRPr sz="2000" kern="1200">
+                <a:solidFill>
+                  <a:schemeClr val="tx1"/>
+                </a:solidFill>
+                <a:latin typeface="Arial" pitchFamily="34" charset="0"/>
+                <a:ea typeface="ヒラギノ角ゴ Pro W3"/>
+                <a:cs typeface="ヒラギノ角ゴ Pro W3"/>
+              </a:defRPr>
+            </a:lvl6pPr>
+            <a:lvl7pPr marL="2743200" algn="l" defTabSz="914400" rtl="0" eaLnBrk="1" latinLnBrk="0" hangingPunct="1">
+              <a:defRPr sz="2000" kern="1200">
+                <a:solidFill>
+                  <a:schemeClr val="tx1"/>
+                </a:solidFill>
+                <a:latin typeface="Arial" pitchFamily="34" charset="0"/>
+                <a:ea typeface="ヒラギノ角ゴ Pro W3"/>
+                <a:cs typeface="ヒラギノ角ゴ Pro W3"/>
+              </a:defRPr>
+            </a:lvl7pPr>
+            <a:lvl8pPr marL="3200400" algn="l" defTabSz="914400" rtl="0" eaLnBrk="1" latinLnBrk="0" hangingPunct="1">
+              <a:defRPr sz="2000" kern="1200">
+                <a:solidFill>
+                  <a:schemeClr val="tx1"/>
+                </a:solidFill>
+                <a:latin typeface="Arial" pitchFamily="34" charset="0"/>
+                <a:ea typeface="ヒラギノ角ゴ Pro W3"/>
+                <a:cs typeface="ヒラギノ角ゴ Pro W3"/>
+              </a:defRPr>
+            </a:lvl8pPr>
+            <a:lvl9pPr marL="3657600" algn="l" defTabSz="914400" rtl="0" eaLnBrk="1" latinLnBrk="0" hangingPunct="1">
+              <a:defRPr sz="2000" kern="1200">
+                <a:solidFill>
+                  <a:schemeClr val="tx1"/>
+                </a:solidFill>
+                <a:latin typeface="Arial" pitchFamily="34" charset="0"/>
+                <a:ea typeface="ヒラギノ角ゴ Pro W3"/>
+                <a:cs typeface="ヒラギノ角ゴ Pro W3"/>
+              </a:defRPr>
+            </a:lvl9pPr>
+          </a:lstStyle>
+          <a:p>
+            <a:pPr algn="ctr" eaLnBrk="0" hangingPunct="0">
+              <a:buFont typeface="Webdings" pitchFamily="18" charset="2"/>
+              <a:buNone/>
+            </a:pPr>
+            <a:r>
+              <a:rPr lang="de-DE" sz="1600" dirty="0" smtClean="0">
+                <a:solidFill>
+                  <a:schemeClr val="bg1"/>
+                </a:solidFill>
+              </a:rPr>
+              <a:t>Pfosten</a:t>
+            </a:r>
+            <a:endParaRPr lang="de-DE" sz="1600" dirty="0">
+              <a:solidFill>
+                <a:schemeClr val="bg1"/>
+              </a:solidFill>
+            </a:endParaRPr>
+          </a:p>
+        </p:txBody>
+      </p:sp>
+      <p:sp>
+        <p:nvSpPr>
+          <p:cNvPr id="9" name="Rectangle 8"/>
+          <p:cNvSpPr>
+            <a:spLocks noChangeArrowheads="1"/>
+          </p:cNvSpPr>
+          <p:nvPr/>
+        </p:nvSpPr>
+        <p:spPr bwMode="auto">
+          <a:xfrm>
+            <a:off x="8077835" y="5240594"/>
+            <a:ext cx="2819400" cy="1219200"/>
+          </a:xfrm>
+          <a:prstGeom prst="rect">
+            <a:avLst/>
+          </a:prstGeom>
+          <a:solidFill>
+            <a:schemeClr val="bg2"/>
+          </a:solidFill>
+          <a:ln w="19050">
+            <a:solidFill>
+              <a:schemeClr val="bg2"/>
+            </a:solidFill>
+            <a:miter lim="800000"/>
+            <a:headEnd/>
+            <a:tailEnd/>
+          </a:ln>
+        </p:spPr>
+        <p:txBody>
+          <a:bodyPr wrap="square" lIns="0" tIns="36000" rIns="0" bIns="36000" rtlCol="0" anchor="ctr" anchorCtr="0">
+            <a:noAutofit/>
+          </a:bodyPr>
+          <a:lstStyle>
+            <a:defPPr>
+              <a:defRPr lang="de-DE"/>
+            </a:defPPr>
+            <a:lvl1pPr algn="l" rtl="0" fontAlgn="base">
+              <a:spcBef>
+                <a:spcPct val="0"/>
+              </a:spcBef>
+              <a:spcAft>
+                <a:spcPct val="0"/>
+              </a:spcAft>
+              <a:defRPr sz="2000" kern="1200">
+                <a:solidFill>
+                  <a:schemeClr val="tx1"/>
+                </a:solidFill>
+                <a:latin typeface="Arial" pitchFamily="34" charset="0"/>
+                <a:ea typeface="ヒラギノ角ゴ Pro W3"/>
+                <a:cs typeface="ヒラギノ角ゴ Pro W3"/>
+              </a:defRPr>
+            </a:lvl1pPr>
+            <a:lvl2pPr marL="457200" algn="l" rtl="0" fontAlgn="base">
+              <a:spcBef>
+                <a:spcPct val="0"/>
+              </a:spcBef>
+              <a:spcAft>
+                <a:spcPct val="0"/>
+              </a:spcAft>
+              <a:defRPr sz="2000" kern="1200">
+                <a:solidFill>
+                  <a:schemeClr val="tx1"/>
+                </a:solidFill>
+                <a:latin typeface="Arial" pitchFamily="34" charset="0"/>
+                <a:ea typeface="ヒラギノ角ゴ Pro W3"/>
+                <a:cs typeface="ヒラギノ角ゴ Pro W3"/>
+              </a:defRPr>
+            </a:lvl2pPr>
+            <a:lvl3pPr marL="914400" algn="l" rtl="0" fontAlgn="base">
+              <a:spcBef>
+                <a:spcPct val="0"/>
+              </a:spcBef>
+              <a:spcAft>
+                <a:spcPct val="0"/>
+              </a:spcAft>
+              <a:defRPr sz="2000" kern="1200">
+                <a:solidFill>
+                  <a:schemeClr val="tx1"/>
+                </a:solidFill>
+                <a:latin typeface="Arial" pitchFamily="34" charset="0"/>
+                <a:ea typeface="ヒラギノ角ゴ Pro W3"/>
+                <a:cs typeface="ヒラギノ角ゴ Pro W3"/>
+              </a:defRPr>
+            </a:lvl3pPr>
+            <a:lvl4pPr marL="1371600" algn="l" rtl="0" fontAlgn="base">
+              <a:spcBef>
+                <a:spcPct val="0"/>
+              </a:spcBef>
+              <a:spcAft>
+                <a:spcPct val="0"/>
+              </a:spcAft>
+              <a:defRPr sz="2000" kern="1200">
+                <a:solidFill>
+                  <a:schemeClr val="tx1"/>
+                </a:solidFill>
+                <a:latin typeface="Arial" pitchFamily="34" charset="0"/>
+                <a:ea typeface="ヒラギノ角ゴ Pro W3"/>
+                <a:cs typeface="ヒラギノ角ゴ Pro W3"/>
+              </a:defRPr>
+            </a:lvl4pPr>
+            <a:lvl5pPr marL="1828800" algn="l" rtl="0" fontAlgn="base">
+              <a:spcBef>
+                <a:spcPct val="0"/>
+              </a:spcBef>
+              <a:spcAft>
+                <a:spcPct val="0"/>
+              </a:spcAft>
+              <a:defRPr sz="2000" kern="1200">
+                <a:solidFill>
+                  <a:schemeClr val="tx1"/>
+                </a:solidFill>
+                <a:latin typeface="Arial" pitchFamily="34" charset="0"/>
+                <a:ea typeface="ヒラギノ角ゴ Pro W3"/>
+                <a:cs typeface="ヒラギノ角ゴ Pro W3"/>
+              </a:defRPr>
+            </a:lvl5pPr>
+            <a:lvl6pPr marL="2286000" algn="l" defTabSz="914400" rtl="0" eaLnBrk="1" latinLnBrk="0" hangingPunct="1">
+              <a:defRPr sz="2000" kern="1200">
+                <a:solidFill>
+                  <a:schemeClr val="tx1"/>
+                </a:solidFill>
+                <a:latin typeface="Arial" pitchFamily="34" charset="0"/>
+                <a:ea typeface="ヒラギノ角ゴ Pro W3"/>
+                <a:cs typeface="ヒラギノ角ゴ Pro W3"/>
+              </a:defRPr>
+            </a:lvl6pPr>
+            <a:lvl7pPr marL="2743200" algn="l" defTabSz="914400" rtl="0" eaLnBrk="1" latinLnBrk="0" hangingPunct="1">
+              <a:defRPr sz="2000" kern="1200">
+                <a:solidFill>
+                  <a:schemeClr val="tx1"/>
+                </a:solidFill>
+                <a:latin typeface="Arial" pitchFamily="34" charset="0"/>
+                <a:ea typeface="ヒラギノ角ゴ Pro W3"/>
+                <a:cs typeface="ヒラギノ角ゴ Pro W3"/>
+              </a:defRPr>
+            </a:lvl7pPr>
+            <a:lvl8pPr marL="3200400" algn="l" defTabSz="914400" rtl="0" eaLnBrk="1" latinLnBrk="0" hangingPunct="1">
+              <a:defRPr sz="2000" kern="1200">
+                <a:solidFill>
+                  <a:schemeClr val="tx1"/>
+                </a:solidFill>
+                <a:latin typeface="Arial" pitchFamily="34" charset="0"/>
+                <a:ea typeface="ヒラギノ角ゴ Pro W3"/>
+                <a:cs typeface="ヒラギノ角ゴ Pro W3"/>
+              </a:defRPr>
+            </a:lvl8pPr>
+            <a:lvl9pPr marL="3657600" algn="l" defTabSz="914400" rtl="0" eaLnBrk="1" latinLnBrk="0" hangingPunct="1">
+              <a:defRPr sz="2000" kern="1200">
+                <a:solidFill>
+                  <a:schemeClr val="tx1"/>
+                </a:solidFill>
+                <a:latin typeface="Arial" pitchFamily="34" charset="0"/>
+                <a:ea typeface="ヒラギノ角ゴ Pro W3"/>
+                <a:cs typeface="ヒラギノ角ゴ Pro W3"/>
+              </a:defRPr>
+            </a:lvl9pPr>
+          </a:lstStyle>
+          <a:p>
+            <a:pPr marL="252000" indent="-180000" eaLnBrk="0" hangingPunct="0">
+              <a:spcBef>
+                <a:spcPts val="200"/>
+              </a:spcBef>
+              <a:spcAft>
+                <a:spcPts val="200"/>
+              </a:spcAft>
+              <a:buClr>
+                <a:srgbClr val="007348"/>
+              </a:buClr>
+              <a:buFont typeface="Wingdings" pitchFamily="2" charset="2"/>
+              <a:buChar char="§"/>
+              <a:defRPr/>
+            </a:pPr>
+            <a:r>
+              <a:rPr lang="de-DE" sz="1400" dirty="0" smtClean="0"/>
+              <a:t>Finden von Markern</a:t>
+            </a:r>
+            <a:endParaRPr lang="de-DE" sz="1400" dirty="0"/>
+          </a:p>
+          <a:p>
+            <a:pPr marL="252000" indent="-180000" eaLnBrk="0" hangingPunct="0">
+              <a:spcBef>
+                <a:spcPts val="200"/>
+              </a:spcBef>
+              <a:spcAft>
+                <a:spcPts val="200"/>
+              </a:spcAft>
+              <a:buClr>
+                <a:srgbClr val="007348"/>
+              </a:buClr>
+              <a:buFont typeface="Wingdings" pitchFamily="2" charset="2"/>
+              <a:buChar char="§"/>
+              <a:defRPr/>
+            </a:pPr>
+            <a:r>
+              <a:rPr lang="de-DE" sz="1400" dirty="0" smtClean="0"/>
+              <a:t>Kamera folgt </a:t>
+            </a:r>
+            <a:r>
+              <a:rPr lang="de-DE" sz="1400" dirty="0" err="1" smtClean="0"/>
+              <a:t>Markerposition</a:t>
+            </a:r>
+            <a:endParaRPr lang="de-DE" sz="1400" dirty="0" smtClean="0"/>
+          </a:p>
+          <a:p>
+            <a:pPr marL="252000" indent="-180000" eaLnBrk="0" hangingPunct="0">
+              <a:spcBef>
+                <a:spcPts val="200"/>
+              </a:spcBef>
+              <a:spcAft>
+                <a:spcPts val="200"/>
+              </a:spcAft>
+              <a:buClr>
+                <a:srgbClr val="007348"/>
+              </a:buClr>
+              <a:buFont typeface="Wingdings" pitchFamily="2" charset="2"/>
+              <a:buChar char="§"/>
+              <a:defRPr/>
+            </a:pPr>
+            <a:r>
+              <a:rPr lang="de-DE" sz="1400" dirty="0" smtClean="0"/>
+              <a:t>Berechnung der Position des Roboters</a:t>
+            </a:r>
+            <a:endParaRPr lang="de-DE" sz="1400" dirty="0"/>
+          </a:p>
+        </p:txBody>
+      </p:sp>
+      <p:sp>
+        <p:nvSpPr>
+          <p:cNvPr id="10" name="Rectangle 11"/>
+          <p:cNvSpPr>
+            <a:spLocks noChangeArrowheads="1"/>
+          </p:cNvSpPr>
+          <p:nvPr/>
+        </p:nvSpPr>
+        <p:spPr bwMode="auto">
+          <a:xfrm>
+            <a:off x="9778365" y="4798634"/>
+            <a:ext cx="1524000" cy="533400"/>
+          </a:xfrm>
+          <a:prstGeom prst="rect">
+            <a:avLst/>
+          </a:prstGeom>
+          <a:solidFill>
+            <a:srgbClr val="007348"/>
+          </a:solidFill>
+          <a:ln w="19050">
+            <a:solidFill>
+              <a:srgbClr val="007348"/>
+            </a:solidFill>
+            <a:miter lim="800000"/>
+            <a:headEnd/>
+            <a:tailEnd/>
+          </a:ln>
+        </p:spPr>
+        <p:txBody>
+          <a:bodyPr anchor="ctr"/>
+          <a:lstStyle>
+            <a:defPPr>
+              <a:defRPr lang="de-DE"/>
+            </a:defPPr>
+            <a:lvl1pPr algn="l" rtl="0" fontAlgn="base">
+              <a:spcBef>
+                <a:spcPct val="0"/>
+              </a:spcBef>
+              <a:spcAft>
+                <a:spcPct val="0"/>
+              </a:spcAft>
+              <a:defRPr sz="2000" kern="1200">
+                <a:solidFill>
+                  <a:schemeClr val="tx1"/>
+                </a:solidFill>
+                <a:latin typeface="Arial" pitchFamily="34" charset="0"/>
+                <a:ea typeface="ヒラギノ角ゴ Pro W3"/>
+                <a:cs typeface="ヒラギノ角ゴ Pro W3"/>
+              </a:defRPr>
+            </a:lvl1pPr>
+            <a:lvl2pPr marL="457200" algn="l" rtl="0" fontAlgn="base">
+              <a:spcBef>
+                <a:spcPct val="0"/>
+              </a:spcBef>
+              <a:spcAft>
+                <a:spcPct val="0"/>
+              </a:spcAft>
+              <a:defRPr sz="2000" kern="1200">
+                <a:solidFill>
+                  <a:schemeClr val="tx1"/>
+                </a:solidFill>
+                <a:latin typeface="Arial" pitchFamily="34" charset="0"/>
+                <a:ea typeface="ヒラギノ角ゴ Pro W3"/>
+                <a:cs typeface="ヒラギノ角ゴ Pro W3"/>
+              </a:defRPr>
+            </a:lvl2pPr>
+            <a:lvl3pPr marL="914400" algn="l" rtl="0" fontAlgn="base">
+              <a:spcBef>
+                <a:spcPct val="0"/>
+              </a:spcBef>
+              <a:spcAft>
+                <a:spcPct val="0"/>
+              </a:spcAft>
+              <a:defRPr sz="2000" kern="1200">
+                <a:solidFill>
+                  <a:schemeClr val="tx1"/>
+                </a:solidFill>
+                <a:latin typeface="Arial" pitchFamily="34" charset="0"/>
+                <a:ea typeface="ヒラギノ角ゴ Pro W3"/>
+                <a:cs typeface="ヒラギノ角ゴ Pro W3"/>
+              </a:defRPr>
+            </a:lvl3pPr>
+            <a:lvl4pPr marL="1371600" algn="l" rtl="0" fontAlgn="base">
+              <a:spcBef>
+                <a:spcPct val="0"/>
+              </a:spcBef>
+              <a:spcAft>
+                <a:spcPct val="0"/>
+              </a:spcAft>
+              <a:defRPr sz="2000" kern="1200">
+                <a:solidFill>
+                  <a:schemeClr val="tx1"/>
+                </a:solidFill>
+                <a:latin typeface="Arial" pitchFamily="34" charset="0"/>
+                <a:ea typeface="ヒラギノ角ゴ Pro W3"/>
+                <a:cs typeface="ヒラギノ角ゴ Pro W3"/>
+              </a:defRPr>
+            </a:lvl4pPr>
+            <a:lvl5pPr marL="1828800" algn="l" rtl="0" fontAlgn="base">
+              <a:spcBef>
+                <a:spcPct val="0"/>
+              </a:spcBef>
+              <a:spcAft>
+                <a:spcPct val="0"/>
+              </a:spcAft>
+              <a:defRPr sz="2000" kern="1200">
+                <a:solidFill>
+                  <a:schemeClr val="tx1"/>
+                </a:solidFill>
+                <a:latin typeface="Arial" pitchFamily="34" charset="0"/>
+                <a:ea typeface="ヒラギノ角ゴ Pro W3"/>
+                <a:cs typeface="ヒラギノ角ゴ Pro W3"/>
+              </a:defRPr>
+            </a:lvl5pPr>
+            <a:lvl6pPr marL="2286000" algn="l" defTabSz="914400" rtl="0" eaLnBrk="1" latinLnBrk="0" hangingPunct="1">
+              <a:defRPr sz="2000" kern="1200">
+                <a:solidFill>
+                  <a:schemeClr val="tx1"/>
+                </a:solidFill>
+                <a:latin typeface="Arial" pitchFamily="34" charset="0"/>
+                <a:ea typeface="ヒラギノ角ゴ Pro W3"/>
+                <a:cs typeface="ヒラギノ角ゴ Pro W3"/>
+              </a:defRPr>
+            </a:lvl6pPr>
+            <a:lvl7pPr marL="2743200" algn="l" defTabSz="914400" rtl="0" eaLnBrk="1" latinLnBrk="0" hangingPunct="1">
+              <a:defRPr sz="2000" kern="1200">
+                <a:solidFill>
+                  <a:schemeClr val="tx1"/>
+                </a:solidFill>
+                <a:latin typeface="Arial" pitchFamily="34" charset="0"/>
+                <a:ea typeface="ヒラギノ角ゴ Pro W3"/>
+                <a:cs typeface="ヒラギノ角ゴ Pro W3"/>
+              </a:defRPr>
+            </a:lvl7pPr>
+            <a:lvl8pPr marL="3200400" algn="l" defTabSz="914400" rtl="0" eaLnBrk="1" latinLnBrk="0" hangingPunct="1">
+              <a:defRPr sz="2000" kern="1200">
+                <a:solidFill>
+                  <a:schemeClr val="tx1"/>
+                </a:solidFill>
+                <a:latin typeface="Arial" pitchFamily="34" charset="0"/>
+                <a:ea typeface="ヒラギノ角ゴ Pro W3"/>
+                <a:cs typeface="ヒラギノ角ゴ Pro W3"/>
+              </a:defRPr>
+            </a:lvl8pPr>
+            <a:lvl9pPr marL="3657600" algn="l" defTabSz="914400" rtl="0" eaLnBrk="1" latinLnBrk="0" hangingPunct="1">
+              <a:defRPr sz="2000" kern="1200">
+                <a:solidFill>
+                  <a:schemeClr val="tx1"/>
+                </a:solidFill>
+                <a:latin typeface="Arial" pitchFamily="34" charset="0"/>
+                <a:ea typeface="ヒラギノ角ゴ Pro W3"/>
+                <a:cs typeface="ヒラギノ角ゴ Pro W3"/>
+              </a:defRPr>
+            </a:lvl9pPr>
+          </a:lstStyle>
+          <a:p>
+            <a:pPr algn="ctr" eaLnBrk="0" hangingPunct="0">
+              <a:buFont typeface="Webdings" pitchFamily="18" charset="2"/>
+              <a:buNone/>
+            </a:pPr>
+            <a:r>
+              <a:rPr lang="de-DE" sz="1600" dirty="0" smtClean="0">
+                <a:solidFill>
+                  <a:schemeClr val="bg1"/>
+                </a:solidFill>
+              </a:rPr>
+              <a:t>Vision</a:t>
+            </a:r>
+          </a:p>
+          <a:p>
+            <a:pPr algn="ctr" eaLnBrk="0" hangingPunct="0">
+              <a:buFont typeface="Webdings" pitchFamily="18" charset="2"/>
+              <a:buNone/>
+            </a:pPr>
+            <a:r>
+              <a:rPr lang="de-DE" sz="1600" dirty="0" smtClean="0">
+                <a:solidFill>
+                  <a:schemeClr val="bg1"/>
+                </a:solidFill>
+              </a:rPr>
+              <a:t>Gruppe</a:t>
+            </a:r>
+            <a:endParaRPr lang="de-DE" sz="1600" dirty="0">
+              <a:solidFill>
+                <a:schemeClr val="bg1"/>
+              </a:solidFill>
+            </a:endParaRPr>
+          </a:p>
+        </p:txBody>
+      </p:sp>
+      <p:sp>
+        <p:nvSpPr>
+          <p:cNvPr id="11" name="Rectangle 8"/>
+          <p:cNvSpPr>
+            <a:spLocks noChangeArrowheads="1"/>
+          </p:cNvSpPr>
+          <p:nvPr/>
+        </p:nvSpPr>
+        <p:spPr bwMode="auto">
+          <a:xfrm>
+            <a:off x="4629785" y="3320545"/>
+            <a:ext cx="2819400" cy="1219200"/>
+          </a:xfrm>
+          <a:prstGeom prst="rect">
+            <a:avLst/>
+          </a:prstGeom>
+          <a:solidFill>
+            <a:schemeClr val="bg2"/>
+          </a:solidFill>
+          <a:ln w="19050">
+            <a:solidFill>
+              <a:schemeClr val="bg2"/>
+            </a:solidFill>
+            <a:miter lim="800000"/>
+            <a:headEnd/>
+            <a:tailEnd/>
+          </a:ln>
+        </p:spPr>
+        <p:txBody>
+          <a:bodyPr wrap="square" lIns="0" tIns="36000" rIns="0" bIns="36000" rtlCol="0" anchor="ctr" anchorCtr="0">
+            <a:noAutofit/>
+          </a:bodyPr>
+          <a:lstStyle>
+            <a:defPPr>
+              <a:defRPr lang="de-DE"/>
+            </a:defPPr>
+            <a:lvl1pPr algn="l" rtl="0" fontAlgn="base">
+              <a:spcBef>
+                <a:spcPct val="0"/>
+              </a:spcBef>
+              <a:spcAft>
+                <a:spcPct val="0"/>
+              </a:spcAft>
+              <a:defRPr sz="2000" kern="1200">
+                <a:solidFill>
+                  <a:schemeClr val="tx1"/>
+                </a:solidFill>
+                <a:latin typeface="Arial" pitchFamily="34" charset="0"/>
+                <a:ea typeface="ヒラギノ角ゴ Pro W3"/>
+                <a:cs typeface="ヒラギノ角ゴ Pro W3"/>
+              </a:defRPr>
+            </a:lvl1pPr>
+            <a:lvl2pPr marL="457200" algn="l" rtl="0" fontAlgn="base">
+              <a:spcBef>
+                <a:spcPct val="0"/>
+              </a:spcBef>
+              <a:spcAft>
+                <a:spcPct val="0"/>
+              </a:spcAft>
+              <a:defRPr sz="2000" kern="1200">
+                <a:solidFill>
+                  <a:schemeClr val="tx1"/>
+                </a:solidFill>
+                <a:latin typeface="Arial" pitchFamily="34" charset="0"/>
+                <a:ea typeface="ヒラギノ角ゴ Pro W3"/>
+                <a:cs typeface="ヒラギノ角ゴ Pro W3"/>
+              </a:defRPr>
+            </a:lvl2pPr>
+            <a:lvl3pPr marL="914400" algn="l" rtl="0" fontAlgn="base">
+              <a:spcBef>
+                <a:spcPct val="0"/>
+              </a:spcBef>
+              <a:spcAft>
+                <a:spcPct val="0"/>
+              </a:spcAft>
+              <a:defRPr sz="2000" kern="1200">
+                <a:solidFill>
+                  <a:schemeClr val="tx1"/>
+                </a:solidFill>
+                <a:latin typeface="Arial" pitchFamily="34" charset="0"/>
+                <a:ea typeface="ヒラギノ角ゴ Pro W3"/>
+                <a:cs typeface="ヒラギノ角ゴ Pro W3"/>
+              </a:defRPr>
+            </a:lvl3pPr>
+            <a:lvl4pPr marL="1371600" algn="l" rtl="0" fontAlgn="base">
+              <a:spcBef>
+                <a:spcPct val="0"/>
+              </a:spcBef>
+              <a:spcAft>
+                <a:spcPct val="0"/>
+              </a:spcAft>
+              <a:defRPr sz="2000" kern="1200">
+                <a:solidFill>
+                  <a:schemeClr val="tx1"/>
+                </a:solidFill>
+                <a:latin typeface="Arial" pitchFamily="34" charset="0"/>
+                <a:ea typeface="ヒラギノ角ゴ Pro W3"/>
+                <a:cs typeface="ヒラギノ角ゴ Pro W3"/>
+              </a:defRPr>
+            </a:lvl4pPr>
+            <a:lvl5pPr marL="1828800" algn="l" rtl="0" fontAlgn="base">
+              <a:spcBef>
+                <a:spcPct val="0"/>
+              </a:spcBef>
+              <a:spcAft>
+                <a:spcPct val="0"/>
+              </a:spcAft>
+              <a:defRPr sz="2000" kern="1200">
+                <a:solidFill>
+                  <a:schemeClr val="tx1"/>
+                </a:solidFill>
+                <a:latin typeface="Arial" pitchFamily="34" charset="0"/>
+                <a:ea typeface="ヒラギノ角ゴ Pro W3"/>
+                <a:cs typeface="ヒラギノ角ゴ Pro W3"/>
+              </a:defRPr>
+            </a:lvl5pPr>
+            <a:lvl6pPr marL="2286000" algn="l" defTabSz="914400" rtl="0" eaLnBrk="1" latinLnBrk="0" hangingPunct="1">
+              <a:defRPr sz="2000" kern="1200">
+                <a:solidFill>
+                  <a:schemeClr val="tx1"/>
+                </a:solidFill>
+                <a:latin typeface="Arial" pitchFamily="34" charset="0"/>
+                <a:ea typeface="ヒラギノ角ゴ Pro W3"/>
+                <a:cs typeface="ヒラギノ角ゴ Pro W3"/>
+              </a:defRPr>
+            </a:lvl6pPr>
+            <a:lvl7pPr marL="2743200" algn="l" defTabSz="914400" rtl="0" eaLnBrk="1" latinLnBrk="0" hangingPunct="1">
+              <a:defRPr sz="2000" kern="1200">
+                <a:solidFill>
+                  <a:schemeClr val="tx1"/>
+                </a:solidFill>
+                <a:latin typeface="Arial" pitchFamily="34" charset="0"/>
+                <a:ea typeface="ヒラギノ角ゴ Pro W3"/>
+                <a:cs typeface="ヒラギノ角ゴ Pro W3"/>
+              </a:defRPr>
+            </a:lvl7pPr>
+            <a:lvl8pPr marL="3200400" algn="l" defTabSz="914400" rtl="0" eaLnBrk="1" latinLnBrk="0" hangingPunct="1">
+              <a:defRPr sz="2000" kern="1200">
+                <a:solidFill>
+                  <a:schemeClr val="tx1"/>
+                </a:solidFill>
+                <a:latin typeface="Arial" pitchFamily="34" charset="0"/>
+                <a:ea typeface="ヒラギノ角ゴ Pro W3"/>
+                <a:cs typeface="ヒラギノ角ゴ Pro W3"/>
+              </a:defRPr>
+            </a:lvl8pPr>
+            <a:lvl9pPr marL="3657600" algn="l" defTabSz="914400" rtl="0" eaLnBrk="1" latinLnBrk="0" hangingPunct="1">
+              <a:defRPr sz="2000" kern="1200">
+                <a:solidFill>
+                  <a:schemeClr val="tx1"/>
+                </a:solidFill>
+                <a:latin typeface="Arial" pitchFamily="34" charset="0"/>
+                <a:ea typeface="ヒラギノ角ゴ Pro W3"/>
+                <a:cs typeface="ヒラギノ角ゴ Pro W3"/>
+              </a:defRPr>
+            </a:lvl9pPr>
+          </a:lstStyle>
+          <a:p>
+            <a:pPr marL="252000" indent="-180000" eaLnBrk="0" hangingPunct="0">
+              <a:spcBef>
+                <a:spcPts val="200"/>
+              </a:spcBef>
+              <a:spcAft>
+                <a:spcPts val="200"/>
+              </a:spcAft>
+              <a:buClr>
+                <a:srgbClr val="007348"/>
+              </a:buClr>
+              <a:buFont typeface="Wingdings" pitchFamily="2" charset="2"/>
+              <a:buChar char="§"/>
+              <a:defRPr/>
+            </a:pPr>
+            <a:r>
+              <a:rPr lang="de-DE" sz="1400" dirty="0" smtClean="0"/>
+              <a:t>Fusion der Pose</a:t>
+            </a:r>
+            <a:endParaRPr lang="de-DE" sz="1400" dirty="0"/>
+          </a:p>
+          <a:p>
+            <a:pPr marL="252000" indent="-180000" eaLnBrk="0" hangingPunct="0">
+              <a:spcBef>
+                <a:spcPts val="200"/>
+              </a:spcBef>
+              <a:spcAft>
+                <a:spcPts val="200"/>
+              </a:spcAft>
+              <a:buClr>
+                <a:srgbClr val="007348"/>
+              </a:buClr>
+              <a:buFont typeface="Wingdings" pitchFamily="2" charset="2"/>
+              <a:buChar char="§"/>
+              <a:defRPr/>
+            </a:pPr>
+            <a:r>
+              <a:rPr lang="de-DE" sz="1400" dirty="0" smtClean="0"/>
+              <a:t>Spezielle Datenfilterung für den </a:t>
+            </a:r>
+            <a:r>
+              <a:rPr lang="de-DE" sz="1400" dirty="0" err="1" smtClean="0"/>
+              <a:t>Kidnapped</a:t>
+            </a:r>
+            <a:r>
+              <a:rPr lang="de-DE" sz="1400" dirty="0" smtClean="0"/>
+              <a:t> Zustand</a:t>
+            </a:r>
+          </a:p>
+          <a:p>
+            <a:pPr marL="252000" indent="-180000" eaLnBrk="0" hangingPunct="0">
+              <a:spcBef>
+                <a:spcPts val="200"/>
+              </a:spcBef>
+              <a:spcAft>
+                <a:spcPts val="200"/>
+              </a:spcAft>
+              <a:buClr>
+                <a:srgbClr val="007348"/>
+              </a:buClr>
+              <a:buFont typeface="Wingdings" pitchFamily="2" charset="2"/>
+              <a:buChar char="§"/>
+              <a:defRPr/>
+            </a:pPr>
+            <a:r>
+              <a:rPr lang="de-DE" sz="1400" dirty="0" smtClean="0"/>
+              <a:t>Konvertierung der Daten in die richtigen Formate</a:t>
+            </a:r>
+            <a:endParaRPr lang="de-DE" sz="1400" dirty="0"/>
+          </a:p>
+        </p:txBody>
+      </p:sp>
+      <p:sp>
+        <p:nvSpPr>
+          <p:cNvPr id="12" name="Rectangle 11"/>
+          <p:cNvSpPr>
+            <a:spLocks noChangeArrowheads="1"/>
+          </p:cNvSpPr>
+          <p:nvPr/>
+        </p:nvSpPr>
+        <p:spPr bwMode="auto">
+          <a:xfrm>
+            <a:off x="6330315" y="2878585"/>
+            <a:ext cx="1524000" cy="533400"/>
+          </a:xfrm>
+          <a:prstGeom prst="rect">
+            <a:avLst/>
+          </a:prstGeom>
+          <a:solidFill>
+            <a:srgbClr val="007348"/>
+          </a:solidFill>
+          <a:ln w="19050">
+            <a:solidFill>
+              <a:srgbClr val="007348"/>
+            </a:solidFill>
+            <a:miter lim="800000"/>
+            <a:headEnd/>
+            <a:tailEnd/>
+          </a:ln>
+        </p:spPr>
+        <p:txBody>
+          <a:bodyPr anchor="ctr"/>
+          <a:lstStyle>
+            <a:defPPr>
+              <a:defRPr lang="de-DE"/>
+            </a:defPPr>
+            <a:lvl1pPr algn="l" rtl="0" fontAlgn="base">
+              <a:spcBef>
+                <a:spcPct val="0"/>
+              </a:spcBef>
+              <a:spcAft>
+                <a:spcPct val="0"/>
+              </a:spcAft>
+              <a:defRPr sz="2000" kern="1200">
+                <a:solidFill>
+                  <a:schemeClr val="tx1"/>
+                </a:solidFill>
+                <a:latin typeface="Arial" pitchFamily="34" charset="0"/>
+                <a:ea typeface="ヒラギノ角ゴ Pro W3"/>
+                <a:cs typeface="ヒラギノ角ゴ Pro W3"/>
+              </a:defRPr>
+            </a:lvl1pPr>
+            <a:lvl2pPr marL="457200" algn="l" rtl="0" fontAlgn="base">
+              <a:spcBef>
+                <a:spcPct val="0"/>
+              </a:spcBef>
+              <a:spcAft>
+                <a:spcPct val="0"/>
+              </a:spcAft>
+              <a:defRPr sz="2000" kern="1200">
+                <a:solidFill>
+                  <a:schemeClr val="tx1"/>
+                </a:solidFill>
+                <a:latin typeface="Arial" pitchFamily="34" charset="0"/>
+                <a:ea typeface="ヒラギノ角ゴ Pro W3"/>
+                <a:cs typeface="ヒラギノ角ゴ Pro W3"/>
+              </a:defRPr>
+            </a:lvl2pPr>
+            <a:lvl3pPr marL="914400" algn="l" rtl="0" fontAlgn="base">
+              <a:spcBef>
+                <a:spcPct val="0"/>
+              </a:spcBef>
+              <a:spcAft>
+                <a:spcPct val="0"/>
+              </a:spcAft>
+              <a:defRPr sz="2000" kern="1200">
+                <a:solidFill>
+                  <a:schemeClr val="tx1"/>
+                </a:solidFill>
+                <a:latin typeface="Arial" pitchFamily="34" charset="0"/>
+                <a:ea typeface="ヒラギノ角ゴ Pro W3"/>
+                <a:cs typeface="ヒラギノ角ゴ Pro W3"/>
+              </a:defRPr>
+            </a:lvl3pPr>
+            <a:lvl4pPr marL="1371600" algn="l" rtl="0" fontAlgn="base">
+              <a:spcBef>
+                <a:spcPct val="0"/>
+              </a:spcBef>
+              <a:spcAft>
+                <a:spcPct val="0"/>
+              </a:spcAft>
+              <a:defRPr sz="2000" kern="1200">
+                <a:solidFill>
+                  <a:schemeClr val="tx1"/>
+                </a:solidFill>
+                <a:latin typeface="Arial" pitchFamily="34" charset="0"/>
+                <a:ea typeface="ヒラギノ角ゴ Pro W3"/>
+                <a:cs typeface="ヒラギノ角ゴ Pro W3"/>
+              </a:defRPr>
+            </a:lvl4pPr>
+            <a:lvl5pPr marL="1828800" algn="l" rtl="0" fontAlgn="base">
+              <a:spcBef>
+                <a:spcPct val="0"/>
+              </a:spcBef>
+              <a:spcAft>
+                <a:spcPct val="0"/>
+              </a:spcAft>
+              <a:defRPr sz="2000" kern="1200">
+                <a:solidFill>
+                  <a:schemeClr val="tx1"/>
+                </a:solidFill>
+                <a:latin typeface="Arial" pitchFamily="34" charset="0"/>
+                <a:ea typeface="ヒラギノ角ゴ Pro W3"/>
+                <a:cs typeface="ヒラギノ角ゴ Pro W3"/>
+              </a:defRPr>
+            </a:lvl5pPr>
+            <a:lvl6pPr marL="2286000" algn="l" defTabSz="914400" rtl="0" eaLnBrk="1" latinLnBrk="0" hangingPunct="1">
+              <a:defRPr sz="2000" kern="1200">
+                <a:solidFill>
+                  <a:schemeClr val="tx1"/>
+                </a:solidFill>
+                <a:latin typeface="Arial" pitchFamily="34" charset="0"/>
+                <a:ea typeface="ヒラギノ角ゴ Pro W3"/>
+                <a:cs typeface="ヒラギノ角ゴ Pro W3"/>
+              </a:defRPr>
+            </a:lvl6pPr>
+            <a:lvl7pPr marL="2743200" algn="l" defTabSz="914400" rtl="0" eaLnBrk="1" latinLnBrk="0" hangingPunct="1">
+              <a:defRPr sz="2000" kern="1200">
+                <a:solidFill>
+                  <a:schemeClr val="tx1"/>
+                </a:solidFill>
+                <a:latin typeface="Arial" pitchFamily="34" charset="0"/>
+                <a:ea typeface="ヒラギノ角ゴ Pro W3"/>
+                <a:cs typeface="ヒラギノ角ゴ Pro W3"/>
+              </a:defRPr>
+            </a:lvl7pPr>
+            <a:lvl8pPr marL="3200400" algn="l" defTabSz="914400" rtl="0" eaLnBrk="1" latinLnBrk="0" hangingPunct="1">
+              <a:defRPr sz="2000" kern="1200">
+                <a:solidFill>
+                  <a:schemeClr val="tx1"/>
+                </a:solidFill>
+                <a:latin typeface="Arial" pitchFamily="34" charset="0"/>
+                <a:ea typeface="ヒラギノ角ゴ Pro W3"/>
+                <a:cs typeface="ヒラギノ角ゴ Pro W3"/>
+              </a:defRPr>
+            </a:lvl8pPr>
+            <a:lvl9pPr marL="3657600" algn="l" defTabSz="914400" rtl="0" eaLnBrk="1" latinLnBrk="0" hangingPunct="1">
+              <a:defRPr sz="2000" kern="1200">
+                <a:solidFill>
+                  <a:schemeClr val="tx1"/>
+                </a:solidFill>
+                <a:latin typeface="Arial" pitchFamily="34" charset="0"/>
+                <a:ea typeface="ヒラギノ角ゴ Pro W3"/>
+                <a:cs typeface="ヒラギノ角ゴ Pro W3"/>
+              </a:defRPr>
+            </a:lvl9pPr>
+          </a:lstStyle>
+          <a:p>
+            <a:pPr algn="ctr" eaLnBrk="0" hangingPunct="0">
+              <a:buFont typeface="Webdings" pitchFamily="18" charset="2"/>
+              <a:buNone/>
+            </a:pPr>
+            <a:r>
+              <a:rPr lang="de-DE" sz="1600" dirty="0" smtClean="0">
+                <a:solidFill>
+                  <a:schemeClr val="bg1"/>
+                </a:solidFill>
+              </a:rPr>
+              <a:t>Kalman Gruppe</a:t>
+            </a:r>
+            <a:endParaRPr lang="de-DE" sz="1600" dirty="0">
+              <a:solidFill>
+                <a:schemeClr val="bg1"/>
+              </a:solidFill>
+            </a:endParaRPr>
+          </a:p>
+        </p:txBody>
+      </p:sp>
+      <p:sp>
+        <p:nvSpPr>
+          <p:cNvPr id="13" name="Pfeil nach links und rechts 12"/>
+          <p:cNvSpPr/>
+          <p:nvPr/>
+        </p:nvSpPr>
+        <p:spPr>
+          <a:xfrm rot="16200000">
+            <a:off x="5123497" y="2849187"/>
+            <a:ext cx="465585" cy="247521"/>
+          </a:xfrm>
+          <a:prstGeom prst="leftRightArrow">
+            <a:avLst/>
+          </a:prstGeom>
+          <a:solidFill>
+            <a:srgbClr val="007348"/>
+          </a:solidFill>
+          <a:ln>
+            <a:solidFill>
+              <a:srgbClr val="007348"/>
+            </a:solidFill>
+          </a:ln>
+          <a:effectLst/>
+        </p:spPr>
+        <p:style>
+          <a:lnRef idx="2">
+            <a:schemeClr val="accent1">
+              <a:shade val="50000"/>
+            </a:schemeClr>
+          </a:lnRef>
+          <a:fillRef idx="1">
+            <a:schemeClr val="accent1"/>
+          </a:fillRef>
+          <a:effectRef idx="0">
+            <a:schemeClr val="accent1"/>
+          </a:effectRef>
+          <a:fontRef idx="minor">
+            <a:schemeClr val="lt1"/>
+          </a:fontRef>
+        </p:style>
+        <p:txBody>
+          <a:bodyPr rtlCol="0" anchor="ctr"/>
+          <a:lstStyle/>
+          <a:p>
+            <a:pPr algn="ctr"/>
+            <a:endParaRPr lang="de-DE"/>
+          </a:p>
+        </p:txBody>
+      </p:sp>
+      <p:sp>
+        <p:nvSpPr>
+          <p:cNvPr id="14" name="Pfeil nach rechts 13"/>
+          <p:cNvSpPr/>
+          <p:nvPr/>
+        </p:nvSpPr>
+        <p:spPr>
+          <a:xfrm>
+            <a:off x="5455285" y="5716844"/>
+            <a:ext cx="1168400" cy="266700"/>
+          </a:xfrm>
+          <a:prstGeom prst="rightArrow">
+            <a:avLst/>
+          </a:prstGeom>
+          <a:solidFill>
+            <a:srgbClr val="007348"/>
+          </a:solidFill>
+          <a:ln>
+            <a:solidFill>
+              <a:srgbClr val="007348"/>
+            </a:solidFill>
+          </a:ln>
+          <a:effectLst/>
+        </p:spPr>
+        <p:style>
+          <a:lnRef idx="2">
+            <a:schemeClr val="accent1">
+              <a:shade val="50000"/>
+            </a:schemeClr>
+          </a:lnRef>
+          <a:fillRef idx="1">
+            <a:schemeClr val="accent1"/>
+          </a:fillRef>
+          <a:effectRef idx="0">
+            <a:schemeClr val="accent1"/>
+          </a:effectRef>
+          <a:fontRef idx="minor">
+            <a:schemeClr val="lt1"/>
+          </a:fontRef>
+        </p:style>
+        <p:txBody>
+          <a:bodyPr rtlCol="0" anchor="ctr"/>
+          <a:lstStyle/>
+          <a:p>
+            <a:pPr algn="ctr"/>
+            <a:endParaRPr lang="de-DE"/>
+          </a:p>
+        </p:txBody>
+      </p:sp>
+      <p:sp>
+        <p:nvSpPr>
+          <p:cNvPr id="15" name="Pfeil nach rechts 14"/>
+          <p:cNvSpPr/>
+          <p:nvPr/>
+        </p:nvSpPr>
+        <p:spPr>
+          <a:xfrm rot="13200000">
+            <a:off x="7493635" y="4440921"/>
+            <a:ext cx="1168400" cy="266700"/>
+          </a:xfrm>
+          <a:prstGeom prst="rightArrow">
+            <a:avLst/>
+          </a:prstGeom>
+          <a:solidFill>
+            <a:srgbClr val="007348"/>
+          </a:solidFill>
+          <a:ln>
+            <a:solidFill>
+              <a:srgbClr val="007348"/>
+            </a:solidFill>
+          </a:ln>
+          <a:effectLst/>
+        </p:spPr>
+        <p:style>
+          <a:lnRef idx="2">
+            <a:schemeClr val="accent1">
+              <a:shade val="50000"/>
+            </a:schemeClr>
+          </a:lnRef>
+          <a:fillRef idx="1">
+            <a:schemeClr val="accent1"/>
+          </a:fillRef>
+          <a:effectRef idx="0">
+            <a:schemeClr val="accent1"/>
+          </a:effectRef>
+          <a:fontRef idx="minor">
+            <a:schemeClr val="lt1"/>
+          </a:fontRef>
+        </p:style>
+        <p:txBody>
+          <a:bodyPr rtlCol="0" anchor="ctr"/>
+          <a:lstStyle/>
+          <a:p>
+            <a:pPr algn="ctr"/>
+            <a:endParaRPr lang="de-DE"/>
+          </a:p>
+        </p:txBody>
+      </p:sp>
+      <p:sp>
+        <p:nvSpPr>
+          <p:cNvPr id="16" name="Pfeil nach rechts 15"/>
+          <p:cNvSpPr/>
+          <p:nvPr/>
+        </p:nvSpPr>
+        <p:spPr>
+          <a:xfrm rot="19200000">
+            <a:off x="3413589" y="4048705"/>
+            <a:ext cx="1168400" cy="266700"/>
+          </a:xfrm>
+          <a:prstGeom prst="rightArrow">
+            <a:avLst/>
+          </a:prstGeom>
+          <a:solidFill>
+            <a:srgbClr val="007348"/>
+          </a:solidFill>
+          <a:ln>
+            <a:solidFill>
+              <a:srgbClr val="007348"/>
+            </a:solidFill>
+          </a:ln>
+          <a:effectLst/>
+        </p:spPr>
+        <p:style>
+          <a:lnRef idx="2">
+            <a:schemeClr val="accent1">
+              <a:shade val="50000"/>
+            </a:schemeClr>
+          </a:lnRef>
+          <a:fillRef idx="1">
+            <a:schemeClr val="accent1"/>
+          </a:fillRef>
+          <a:effectRef idx="0">
+            <a:schemeClr val="accent1"/>
+          </a:effectRef>
+          <a:fontRef idx="minor">
+            <a:schemeClr val="lt1"/>
+          </a:fontRef>
+        </p:style>
+        <p:txBody>
+          <a:bodyPr rtlCol="0" anchor="ctr"/>
+          <a:lstStyle/>
+          <a:p>
+            <a:pPr algn="ctr"/>
+            <a:endParaRPr lang="de-DE"/>
+          </a:p>
+        </p:txBody>
+      </p:sp>
+      <p:sp>
+        <p:nvSpPr>
+          <p:cNvPr id="17" name="Pfeil nach rechts 16"/>
+          <p:cNvSpPr/>
+          <p:nvPr/>
+        </p:nvSpPr>
+        <p:spPr>
+          <a:xfrm rot="19200000">
+            <a:off x="1149049" y="3501155"/>
+            <a:ext cx="3423481" cy="266700"/>
+          </a:xfrm>
+          <a:prstGeom prst="rightArrow">
+            <a:avLst/>
+          </a:prstGeom>
+          <a:solidFill>
+            <a:srgbClr val="007348"/>
+          </a:solidFill>
+          <a:ln>
+            <a:solidFill>
+              <a:srgbClr val="007348"/>
+            </a:solidFill>
+          </a:ln>
+          <a:effectLst/>
+        </p:spPr>
+        <p:style>
+          <a:lnRef idx="2">
+            <a:schemeClr val="accent1">
+              <a:shade val="50000"/>
+            </a:schemeClr>
+          </a:lnRef>
+          <a:fillRef idx="1">
+            <a:schemeClr val="accent1"/>
+          </a:fillRef>
+          <a:effectRef idx="0">
+            <a:schemeClr val="accent1"/>
+          </a:effectRef>
+          <a:fontRef idx="minor">
+            <a:schemeClr val="lt1"/>
+          </a:fontRef>
+        </p:style>
+        <p:txBody>
+          <a:bodyPr rtlCol="0" anchor="ctr"/>
+          <a:lstStyle/>
+          <a:p>
+            <a:pPr algn="ctr"/>
+            <a:endParaRPr lang="de-DE"/>
+          </a:p>
+        </p:txBody>
+      </p:sp>
+      <p:sp>
+        <p:nvSpPr>
+          <p:cNvPr id="19" name="Pfeil nach links und rechts 18"/>
+          <p:cNvSpPr/>
+          <p:nvPr/>
+        </p:nvSpPr>
+        <p:spPr>
+          <a:xfrm rot="13200000">
+            <a:off x="7224208" y="3163387"/>
+            <a:ext cx="3881798" cy="261620"/>
+          </a:xfrm>
+          <a:prstGeom prst="leftRightArrow">
+            <a:avLst/>
+          </a:prstGeom>
+          <a:solidFill>
+            <a:srgbClr val="007348"/>
+          </a:solidFill>
+          <a:ln>
+            <a:solidFill>
+              <a:srgbClr val="007348"/>
+            </a:solidFill>
+          </a:ln>
+          <a:effectLst/>
+        </p:spPr>
+        <p:style>
+          <a:lnRef idx="2">
+            <a:schemeClr val="accent1">
+              <a:shade val="50000"/>
+            </a:schemeClr>
+          </a:lnRef>
+          <a:fillRef idx="1">
+            <a:schemeClr val="accent1"/>
+          </a:fillRef>
+          <a:effectRef idx="0">
+            <a:schemeClr val="accent1"/>
+          </a:effectRef>
+          <a:fontRef idx="minor">
+            <a:schemeClr val="lt1"/>
+          </a:fontRef>
+        </p:style>
+        <p:txBody>
+          <a:bodyPr rtlCol="0" anchor="ctr"/>
+          <a:lstStyle/>
+          <a:p>
+            <a:pPr algn="ctr"/>
+            <a:endParaRPr lang="de-DE"/>
+          </a:p>
+        </p:txBody>
+      </p:sp>
+    </p:spTree>
+    <p:extLst>
+      <p:ext uri="{BB962C8B-B14F-4D97-AF65-F5344CB8AC3E}">
+        <p14:creationId xmlns:p14="http://schemas.microsoft.com/office/powerpoint/2010/main" val="4244542195"/>
+      </p:ext>
+    </p:extLst>
+  </p:cSld>
+  <p:clrMapOvr>
+    <a:masterClrMapping/>
+  </p:clrMapOvr>
+  <p:timing>
+    <p:tnLst>
+      <p:par>
+        <p:cTn id="1" dur="indefinite" restart="never" nodeType="tmRoot"/>
+      </p:par>
+    </p:tnLst>
+  </p:timing>
+</p:sld>
+</file>
+
+<file path=ppt/slides/slide6.xml><?xml version="1.0" encoding="utf-8"?>
+<p:sld xmlns:a="http://schemas.openxmlformats.org/drawingml/2006/main" xmlns:r="http://schemas.openxmlformats.org/officeDocument/2006/relationships" xmlns:p="http://schemas.openxmlformats.org/presentationml/2006/main">
+  <p:cSld>
+    <p:spTree>
+      <p:nvGrpSpPr>
+        <p:cNvPr id="1" name=""/>
+        <p:cNvGrpSpPr/>
+        <p:nvPr/>
+      </p:nvGrpSpPr>
+      <p:grpSpPr>
+        <a:xfrm>
+          <a:off x="0" y="0"/>
+          <a:ext cx="0" cy="0"/>
+          <a:chOff x="0" y="0"/>
+          <a:chExt cx="0" cy="0"/>
+        </a:xfrm>
+      </p:grpSpPr>
+      <p:sp>
+        <p:nvSpPr>
+          <p:cNvPr id="2" name="Titel 1"/>
+          <p:cNvSpPr>
+            <a:spLocks noGrp="1"/>
+          </p:cNvSpPr>
+          <p:nvPr>
+            <p:ph type="title"/>
+          </p:nvPr>
+        </p:nvSpPr>
+        <p:spPr/>
+        <p:txBody>
+          <a:bodyPr/>
+          <a:lstStyle/>
+          <a:p>
+            <a:r>
+              <a:rPr lang="de-DE" dirty="0" smtClean="0"/>
+              <a:t>Agenda</a:t>
+            </a:r>
+            <a:endParaRPr lang="de-DE" dirty="0"/>
+          </a:p>
+        </p:txBody>
+      </p:sp>
+      <p:sp>
+        <p:nvSpPr>
+          <p:cNvPr id="4" name="Foliennummernplatzhalter 3"/>
+          <p:cNvSpPr>
+            <a:spLocks noGrp="1"/>
+          </p:cNvSpPr>
+          <p:nvPr>
+            <p:ph type="sldNum" sz="quarter" idx="12"/>
+          </p:nvPr>
+        </p:nvSpPr>
+        <p:spPr/>
+        <p:txBody>
+          <a:bodyPr/>
+          <a:lstStyle/>
+          <a:p>
+            <a:fld id="{88051181-3DEF-484A-8434-F25831745C76}" type="slidenum">
+              <a:rPr lang="de-DE" smtClean="0"/>
+              <a:t>6</a:t>
             </a:fld>
             <a:endParaRPr lang="de-DE"/>
           </a:p>
@@ -4795,7 +8433,7 @@
         <p:spPr bwMode="auto">
           <a:xfrm>
             <a:off x="1017468" y="2294400"/>
-            <a:ext cx="4115035" cy="3240887"/>
+            <a:ext cx="4115035" cy="2797689"/>
           </a:xfrm>
           <a:prstGeom prst="rect">
             <a:avLst/>
@@ -4958,7 +8596,7 @@
           <a:p>
             <a:pPr marL="342900" indent="-342900" algn="l" eaLnBrk="0" hangingPunct="0">
               <a:lnSpc>
-                <a:spcPct val="120000"/>
+                <a:spcPct val="110000"/>
               </a:lnSpc>
               <a:spcBef>
                 <a:spcPct val="50000"/>
@@ -4968,12 +8606,16 @@
               <a:buAutoNum type="arabicPeriod"/>
             </a:pPr>
             <a:r>
+              <a:rPr lang="en-US" sz="1600" dirty="0" err="1" smtClean="0"/>
+              <a:t>Gruppen</a:t>
+            </a:r>
+            <a:r>
               <a:rPr lang="en-US" sz="1600" dirty="0" smtClean="0"/>
-              <a:t>Vision </a:t>
+              <a:t> und </a:t>
             </a:r>
             <a:r>
               <a:rPr lang="en-US" sz="1600" dirty="0" err="1" smtClean="0"/>
-              <a:t>Gruppe</a:t>
+              <a:t>Systeminteraktion</a:t>
             </a:r>
             <a:endParaRPr lang="en-US" sz="1600" dirty="0" smtClean="0"/>
           </a:p>
@@ -4990,12 +8632,8 @@
               <a:buAutoNum type="arabicPeriod"/>
             </a:pPr>
             <a:r>
-              <a:rPr lang="en-US" sz="1600" dirty="0" err="1" smtClean="0"/>
-              <a:t>Kalman</a:t>
-            </a:r>
-            <a:r>
               <a:rPr lang="en-US" sz="1600" dirty="0" smtClean="0"/>
-              <a:t> </a:t>
+              <a:t>Vision </a:t>
             </a:r>
             <a:r>
               <a:rPr lang="en-US" sz="1600" dirty="0" err="1" smtClean="0"/>
@@ -5017,7 +8655,7 @@
             </a:pPr>
             <a:r>
               <a:rPr lang="en-US" sz="1600" dirty="0" err="1" smtClean="0"/>
-              <a:t>Highlevel</a:t>
+              <a:t>Kalman</a:t>
             </a:r>
             <a:r>
               <a:rPr lang="en-US" sz="1600" dirty="0" smtClean="0"/>
@@ -5043,7 +8681,15 @@
             </a:pPr>
             <a:r>
               <a:rPr lang="en-US" sz="1600" dirty="0" err="1" smtClean="0"/>
-              <a:t>Zusammenspiel</a:t>
+              <a:t>Highlevel</a:t>
+            </a:r>
+            <a:r>
+              <a:rPr lang="en-US" sz="1600" dirty="0" smtClean="0"/>
+              <a:t> </a:t>
+            </a:r>
+            <a:r>
+              <a:rPr lang="en-US" sz="1600" dirty="0" err="1" smtClean="0"/>
+              <a:t>Gruppe</a:t>
             </a:r>
             <a:endParaRPr lang="en-US" sz="1600" dirty="0" smtClean="0"/>
           </a:p>
@@ -5065,31 +8711,13 @@
                   <a:schemeClr val="bg1"/>
                 </a:solidFill>
               </a:rPr>
-              <a:t>Kernproblematiken</a:t>
+              <a:t>Ausblick</a:t>
             </a:r>
             <a:endParaRPr lang="en-US" sz="1600" dirty="0" smtClean="0">
               <a:solidFill>
                 <a:schemeClr val="bg1"/>
               </a:solidFill>
             </a:endParaRPr>
-          </a:p>
-          <a:p>
-            <a:pPr marL="342900" indent="-342900" algn="l" eaLnBrk="0" hangingPunct="0">
-              <a:lnSpc>
-                <a:spcPct val="120000"/>
-              </a:lnSpc>
-              <a:spcBef>
-                <a:spcPct val="50000"/>
-              </a:spcBef>
-              <a:buSzTx/>
-              <a:buFont typeface="+mj-lt"/>
-              <a:buAutoNum type="arabicPeriod"/>
-            </a:pPr>
-            <a:r>
-              <a:rPr lang="en-US" sz="1600" dirty="0" err="1" smtClean="0"/>
-              <a:t>Ausblick</a:t>
-            </a:r>
-            <a:endParaRPr lang="en-US" sz="1600" dirty="0" smtClean="0"/>
           </a:p>
           <a:p>
             <a:pPr marL="725488" lvl="1" indent="-268288" eaLnBrk="0" hangingPunct="0">
@@ -5296,992 +8924,6 @@
     <p:extLst>
       <p:ext uri="{BB962C8B-B14F-4D97-AF65-F5344CB8AC3E}">
         <p14:creationId xmlns:p14="http://schemas.microsoft.com/office/powerpoint/2010/main" val="1572623295"/>
-      </p:ext>
-    </p:extLst>
-  </p:cSld>
-  <p:clrMapOvr>
-    <a:masterClrMapping/>
-  </p:clrMapOvr>
-  <p:timing>
-    <p:tnLst>
-      <p:par>
-        <p:cTn id="1" dur="indefinite" restart="never" nodeType="tmRoot"/>
-      </p:par>
-    </p:tnLst>
-  </p:timing>
-</p:sld>
-</file>
-
-<file path=ppt/slides/slide6.xml><?xml version="1.0" encoding="utf-8"?>
-<p:sld xmlns:a="http://schemas.openxmlformats.org/drawingml/2006/main" xmlns:r="http://schemas.openxmlformats.org/officeDocument/2006/relationships" xmlns:p="http://schemas.openxmlformats.org/presentationml/2006/main">
-  <p:cSld>
-    <p:spTree>
-      <p:nvGrpSpPr>
-        <p:cNvPr id="1" name=""/>
-        <p:cNvGrpSpPr/>
-        <p:nvPr/>
-      </p:nvGrpSpPr>
-      <p:grpSpPr>
-        <a:xfrm>
-          <a:off x="0" y="0"/>
-          <a:ext cx="0" cy="0"/>
-          <a:chOff x="0" y="0"/>
-          <a:chExt cx="0" cy="0"/>
-        </a:xfrm>
-      </p:grpSpPr>
-      <p:sp>
-        <p:nvSpPr>
-          <p:cNvPr id="2" name="Titel 1"/>
-          <p:cNvSpPr>
-            <a:spLocks noGrp="1"/>
-          </p:cNvSpPr>
-          <p:nvPr>
-            <p:ph type="title"/>
-          </p:nvPr>
-        </p:nvSpPr>
-        <p:spPr/>
-        <p:txBody>
-          <a:bodyPr/>
-          <a:lstStyle/>
-          <a:p>
-            <a:r>
-              <a:rPr lang="de-DE" dirty="0" smtClean="0"/>
-              <a:t>Agenda</a:t>
-            </a:r>
-            <a:endParaRPr lang="de-DE" dirty="0"/>
-          </a:p>
-        </p:txBody>
-      </p:sp>
-      <p:sp>
-        <p:nvSpPr>
-          <p:cNvPr id="4" name="Foliennummernplatzhalter 3"/>
-          <p:cNvSpPr>
-            <a:spLocks noGrp="1"/>
-          </p:cNvSpPr>
-          <p:nvPr>
-            <p:ph type="sldNum" sz="quarter" idx="12"/>
-          </p:nvPr>
-        </p:nvSpPr>
-        <p:spPr/>
-        <p:txBody>
-          <a:bodyPr/>
-          <a:lstStyle/>
-          <a:p>
-            <a:fld id="{88051181-3DEF-484A-8434-F25831745C76}" type="slidenum">
-              <a:rPr lang="de-DE" smtClean="0"/>
-              <a:t>6</a:t>
-            </a:fld>
-            <a:endParaRPr lang="de-DE"/>
-          </a:p>
-        </p:txBody>
-      </p:sp>
-      <p:sp>
-        <p:nvSpPr>
-          <p:cNvPr id="5" name="Rechteck 4"/>
-          <p:cNvSpPr>
-            <a:spLocks noChangeArrowheads="1"/>
-          </p:cNvSpPr>
-          <p:nvPr/>
-        </p:nvSpPr>
-        <p:spPr bwMode="auto">
-          <a:xfrm>
-            <a:off x="690861" y="2084276"/>
-            <a:ext cx="10783383" cy="3548630"/>
-          </a:xfrm>
-          <a:prstGeom prst="rect">
-            <a:avLst/>
-          </a:prstGeom>
-          <a:solidFill>
-            <a:schemeClr val="bg2"/>
-          </a:solidFill>
-          <a:ln w="19050" algn="ctr">
-            <a:solidFill>
-              <a:schemeClr val="bg2"/>
-            </a:solidFill>
-            <a:round/>
-            <a:headEnd/>
-            <a:tailEnd/>
-          </a:ln>
-        </p:spPr>
-        <p:txBody>
-          <a:bodyPr wrap="none" lIns="90000" tIns="46800" rIns="90000" bIns="46800" anchor="ctr"/>
-          <a:lstStyle>
-            <a:defPPr>
-              <a:defRPr lang="de-DE"/>
-            </a:defPPr>
-            <a:lvl1pPr algn="l" rtl="0" fontAlgn="base">
-              <a:spcBef>
-                <a:spcPct val="0"/>
-              </a:spcBef>
-              <a:spcAft>
-                <a:spcPct val="0"/>
-              </a:spcAft>
-              <a:defRPr sz="2000" kern="1200">
-                <a:solidFill>
-                  <a:schemeClr val="tx1"/>
-                </a:solidFill>
-                <a:latin typeface="Arial" pitchFamily="34" charset="0"/>
-                <a:ea typeface="ヒラギノ角ゴ Pro W3"/>
-                <a:cs typeface="ヒラギノ角ゴ Pro W3"/>
-              </a:defRPr>
-            </a:lvl1pPr>
-            <a:lvl2pPr marL="457200" algn="l" rtl="0" fontAlgn="base">
-              <a:spcBef>
-                <a:spcPct val="0"/>
-              </a:spcBef>
-              <a:spcAft>
-                <a:spcPct val="0"/>
-              </a:spcAft>
-              <a:defRPr sz="2000" kern="1200">
-                <a:solidFill>
-                  <a:schemeClr val="tx1"/>
-                </a:solidFill>
-                <a:latin typeface="Arial" pitchFamily="34" charset="0"/>
-                <a:ea typeface="ヒラギノ角ゴ Pro W3"/>
-                <a:cs typeface="ヒラギノ角ゴ Pro W3"/>
-              </a:defRPr>
-            </a:lvl2pPr>
-            <a:lvl3pPr marL="914400" algn="l" rtl="0" fontAlgn="base">
-              <a:spcBef>
-                <a:spcPct val="0"/>
-              </a:spcBef>
-              <a:spcAft>
-                <a:spcPct val="0"/>
-              </a:spcAft>
-              <a:defRPr sz="2000" kern="1200">
-                <a:solidFill>
-                  <a:schemeClr val="tx1"/>
-                </a:solidFill>
-                <a:latin typeface="Arial" pitchFamily="34" charset="0"/>
-                <a:ea typeface="ヒラギノ角ゴ Pro W3"/>
-                <a:cs typeface="ヒラギノ角ゴ Pro W3"/>
-              </a:defRPr>
-            </a:lvl3pPr>
-            <a:lvl4pPr marL="1371600" algn="l" rtl="0" fontAlgn="base">
-              <a:spcBef>
-                <a:spcPct val="0"/>
-              </a:spcBef>
-              <a:spcAft>
-                <a:spcPct val="0"/>
-              </a:spcAft>
-              <a:defRPr sz="2000" kern="1200">
-                <a:solidFill>
-                  <a:schemeClr val="tx1"/>
-                </a:solidFill>
-                <a:latin typeface="Arial" pitchFamily="34" charset="0"/>
-                <a:ea typeface="ヒラギノ角ゴ Pro W3"/>
-                <a:cs typeface="ヒラギノ角ゴ Pro W3"/>
-              </a:defRPr>
-            </a:lvl4pPr>
-            <a:lvl5pPr marL="1828800" algn="l" rtl="0" fontAlgn="base">
-              <a:spcBef>
-                <a:spcPct val="0"/>
-              </a:spcBef>
-              <a:spcAft>
-                <a:spcPct val="0"/>
-              </a:spcAft>
-              <a:defRPr sz="2000" kern="1200">
-                <a:solidFill>
-                  <a:schemeClr val="tx1"/>
-                </a:solidFill>
-                <a:latin typeface="Arial" pitchFamily="34" charset="0"/>
-                <a:ea typeface="ヒラギノ角ゴ Pro W3"/>
-                <a:cs typeface="ヒラギノ角ゴ Pro W3"/>
-              </a:defRPr>
-            </a:lvl5pPr>
-            <a:lvl6pPr marL="2286000" algn="l" defTabSz="914400" rtl="0" eaLnBrk="1" latinLnBrk="0" hangingPunct="1">
-              <a:defRPr sz="2000" kern="1200">
-                <a:solidFill>
-                  <a:schemeClr val="tx1"/>
-                </a:solidFill>
-                <a:latin typeface="Arial" pitchFamily="34" charset="0"/>
-                <a:ea typeface="ヒラギノ角ゴ Pro W3"/>
-                <a:cs typeface="ヒラギノ角ゴ Pro W3"/>
-              </a:defRPr>
-            </a:lvl6pPr>
-            <a:lvl7pPr marL="2743200" algn="l" defTabSz="914400" rtl="0" eaLnBrk="1" latinLnBrk="0" hangingPunct="1">
-              <a:defRPr sz="2000" kern="1200">
-                <a:solidFill>
-                  <a:schemeClr val="tx1"/>
-                </a:solidFill>
-                <a:latin typeface="Arial" pitchFamily="34" charset="0"/>
-                <a:ea typeface="ヒラギノ角ゴ Pro W3"/>
-                <a:cs typeface="ヒラギノ角ゴ Pro W3"/>
-              </a:defRPr>
-            </a:lvl7pPr>
-            <a:lvl8pPr marL="3200400" algn="l" defTabSz="914400" rtl="0" eaLnBrk="1" latinLnBrk="0" hangingPunct="1">
-              <a:defRPr sz="2000" kern="1200">
-                <a:solidFill>
-                  <a:schemeClr val="tx1"/>
-                </a:solidFill>
-                <a:latin typeface="Arial" pitchFamily="34" charset="0"/>
-                <a:ea typeface="ヒラギノ角ゴ Pro W3"/>
-                <a:cs typeface="ヒラギノ角ゴ Pro W3"/>
-              </a:defRPr>
-            </a:lvl8pPr>
-            <a:lvl9pPr marL="3657600" algn="l" defTabSz="914400" rtl="0" eaLnBrk="1" latinLnBrk="0" hangingPunct="1">
-              <a:defRPr sz="2000" kern="1200">
-                <a:solidFill>
-                  <a:schemeClr val="tx1"/>
-                </a:solidFill>
-                <a:latin typeface="Arial" pitchFamily="34" charset="0"/>
-                <a:ea typeface="ヒラギノ角ゴ Pro W3"/>
-                <a:cs typeface="ヒラギノ角ゴ Pro W3"/>
-              </a:defRPr>
-            </a:lvl9pPr>
-          </a:lstStyle>
-          <a:p>
-            <a:pPr algn="ctr">
-              <a:spcBef>
-                <a:spcPct val="20000"/>
-              </a:spcBef>
-              <a:buClr>
-                <a:schemeClr val="bg1"/>
-              </a:buClr>
-              <a:buSzPct val="150000"/>
-              <a:buFont typeface="Wingdings" pitchFamily="2" charset="2"/>
-              <a:buChar char="§"/>
-            </a:pPr>
-            <a:endParaRPr lang="de-DE"/>
-          </a:p>
-        </p:txBody>
-      </p:sp>
-      <p:sp>
-        <p:nvSpPr>
-          <p:cNvPr id="6" name="Rectangle 10"/>
-          <p:cNvSpPr>
-            <a:spLocks noChangeArrowheads="1"/>
-          </p:cNvSpPr>
-          <p:nvPr/>
-        </p:nvSpPr>
-        <p:spPr bwMode="auto">
-          <a:xfrm>
-            <a:off x="895359" y="4756815"/>
-            <a:ext cx="4054765" cy="393700"/>
-          </a:xfrm>
-          <a:prstGeom prst="rect">
-            <a:avLst/>
-          </a:prstGeom>
-          <a:solidFill>
-            <a:srgbClr val="007348"/>
-          </a:solidFill>
-          <a:ln w="19050">
-            <a:solidFill>
-              <a:srgbClr val="007348"/>
-            </a:solidFill>
-            <a:headEnd/>
-            <a:tailEnd/>
-          </a:ln>
-        </p:spPr>
-        <p:style>
-          <a:lnRef idx="2">
-            <a:schemeClr val="accent5"/>
-          </a:lnRef>
-          <a:fillRef idx="1">
-            <a:schemeClr val="lt1"/>
-          </a:fillRef>
-          <a:effectRef idx="0">
-            <a:schemeClr val="accent5"/>
-          </a:effectRef>
-          <a:fontRef idx="minor">
-            <a:schemeClr val="dk1"/>
-          </a:fontRef>
-        </p:style>
-        <p:txBody>
-          <a:bodyPr anchor="ctr"/>
-          <a:lstStyle>
-            <a:defPPr>
-              <a:defRPr lang="de-DE"/>
-            </a:defPPr>
-            <a:lvl1pPr algn="l" rtl="0" fontAlgn="base">
-              <a:spcBef>
-                <a:spcPct val="0"/>
-              </a:spcBef>
-              <a:spcAft>
-                <a:spcPct val="0"/>
-              </a:spcAft>
-              <a:defRPr sz="2000" kern="1200">
-                <a:solidFill>
-                  <a:schemeClr val="dk1"/>
-                </a:solidFill>
-                <a:latin typeface="+mn-lt"/>
-                <a:ea typeface="+mn-ea"/>
-                <a:cs typeface="+mn-cs"/>
-              </a:defRPr>
-            </a:lvl1pPr>
-            <a:lvl2pPr marL="457200" algn="l" rtl="0" fontAlgn="base">
-              <a:spcBef>
-                <a:spcPct val="0"/>
-              </a:spcBef>
-              <a:spcAft>
-                <a:spcPct val="0"/>
-              </a:spcAft>
-              <a:defRPr sz="2000" kern="1200">
-                <a:solidFill>
-                  <a:schemeClr val="dk1"/>
-                </a:solidFill>
-                <a:latin typeface="+mn-lt"/>
-                <a:ea typeface="+mn-ea"/>
-                <a:cs typeface="+mn-cs"/>
-              </a:defRPr>
-            </a:lvl2pPr>
-            <a:lvl3pPr marL="914400" algn="l" rtl="0" fontAlgn="base">
-              <a:spcBef>
-                <a:spcPct val="0"/>
-              </a:spcBef>
-              <a:spcAft>
-                <a:spcPct val="0"/>
-              </a:spcAft>
-              <a:defRPr sz="2000" kern="1200">
-                <a:solidFill>
-                  <a:schemeClr val="dk1"/>
-                </a:solidFill>
-                <a:latin typeface="+mn-lt"/>
-                <a:ea typeface="+mn-ea"/>
-                <a:cs typeface="+mn-cs"/>
-              </a:defRPr>
-            </a:lvl3pPr>
-            <a:lvl4pPr marL="1371600" algn="l" rtl="0" fontAlgn="base">
-              <a:spcBef>
-                <a:spcPct val="0"/>
-              </a:spcBef>
-              <a:spcAft>
-                <a:spcPct val="0"/>
-              </a:spcAft>
-              <a:defRPr sz="2000" kern="1200">
-                <a:solidFill>
-                  <a:schemeClr val="dk1"/>
-                </a:solidFill>
-                <a:latin typeface="+mn-lt"/>
-                <a:ea typeface="+mn-ea"/>
-                <a:cs typeface="+mn-cs"/>
-              </a:defRPr>
-            </a:lvl4pPr>
-            <a:lvl5pPr marL="1828800" algn="l" rtl="0" fontAlgn="base">
-              <a:spcBef>
-                <a:spcPct val="0"/>
-              </a:spcBef>
-              <a:spcAft>
-                <a:spcPct val="0"/>
-              </a:spcAft>
-              <a:defRPr sz="2000" kern="1200">
-                <a:solidFill>
-                  <a:schemeClr val="dk1"/>
-                </a:solidFill>
-                <a:latin typeface="+mn-lt"/>
-                <a:ea typeface="+mn-ea"/>
-                <a:cs typeface="+mn-cs"/>
-              </a:defRPr>
-            </a:lvl5pPr>
-            <a:lvl6pPr marL="2286000" algn="l" defTabSz="914400" rtl="0" eaLnBrk="1" latinLnBrk="0" hangingPunct="1">
-              <a:defRPr sz="2000" kern="1200">
-                <a:solidFill>
-                  <a:schemeClr val="dk1"/>
-                </a:solidFill>
-                <a:latin typeface="+mn-lt"/>
-                <a:ea typeface="+mn-ea"/>
-                <a:cs typeface="+mn-cs"/>
-              </a:defRPr>
-            </a:lvl6pPr>
-            <a:lvl7pPr marL="2743200" algn="l" defTabSz="914400" rtl="0" eaLnBrk="1" latinLnBrk="0" hangingPunct="1">
-              <a:defRPr sz="2000" kern="1200">
-                <a:solidFill>
-                  <a:schemeClr val="dk1"/>
-                </a:solidFill>
-                <a:latin typeface="+mn-lt"/>
-                <a:ea typeface="+mn-ea"/>
-                <a:cs typeface="+mn-cs"/>
-              </a:defRPr>
-            </a:lvl7pPr>
-            <a:lvl8pPr marL="3200400" algn="l" defTabSz="914400" rtl="0" eaLnBrk="1" latinLnBrk="0" hangingPunct="1">
-              <a:defRPr sz="2000" kern="1200">
-                <a:solidFill>
-                  <a:schemeClr val="dk1"/>
-                </a:solidFill>
-                <a:latin typeface="+mn-lt"/>
-                <a:ea typeface="+mn-ea"/>
-                <a:cs typeface="+mn-cs"/>
-              </a:defRPr>
-            </a:lvl8pPr>
-            <a:lvl9pPr marL="3657600" algn="l" defTabSz="914400" rtl="0" eaLnBrk="1" latinLnBrk="0" hangingPunct="1">
-              <a:defRPr sz="2000" kern="1200">
-                <a:solidFill>
-                  <a:schemeClr val="dk1"/>
-                </a:solidFill>
-                <a:latin typeface="+mn-lt"/>
-                <a:ea typeface="+mn-ea"/>
-                <a:cs typeface="+mn-cs"/>
-              </a:defRPr>
-            </a:lvl9pPr>
-          </a:lstStyle>
-          <a:p>
-            <a:pPr marL="268288" indent="-268288" eaLnBrk="0" hangingPunct="0">
-              <a:spcBef>
-                <a:spcPct val="50000"/>
-              </a:spcBef>
-              <a:buClr>
-                <a:schemeClr val="folHlink"/>
-              </a:buClr>
-              <a:defRPr/>
-            </a:pPr>
-            <a:endParaRPr lang="de-DE" sz="1800" dirty="0">
-              <a:solidFill>
-                <a:schemeClr val="bg1"/>
-              </a:solidFill>
-              <a:latin typeface="Arial" charset="0"/>
-              <a:ea typeface="ヒラギノ角ゴ Pro W3" charset="-128"/>
-              <a:cs typeface="+mn-cs"/>
-            </a:endParaRPr>
-          </a:p>
-        </p:txBody>
-      </p:sp>
-      <p:pic>
-        <p:nvPicPr>
-          <p:cNvPr id="7" name="Picture 2"/>
-          <p:cNvPicPr>
-            <a:picLocks noChangeAspect="1" noChangeArrowheads="1"/>
-          </p:cNvPicPr>
-          <p:nvPr/>
-        </p:nvPicPr>
-        <p:blipFill>
-          <a:blip r:embed="rId2" cstate="print">
-            <a:extLst>
-              <a:ext uri="{28A0092B-C50C-407E-A947-70E740481C1C}">
-                <a14:useLocalDpi xmlns:a14="http://schemas.microsoft.com/office/drawing/2010/main" val="0"/>
-              </a:ext>
-            </a:extLst>
-          </a:blip>
-          <a:stretch>
-            <a:fillRect/>
-          </a:stretch>
-        </p:blipFill>
-        <p:spPr bwMode="auto">
-          <a:xfrm>
-            <a:off x="7344857" y="2069226"/>
-            <a:ext cx="2684046" cy="3578729"/>
-          </a:xfrm>
-          <a:prstGeom prst="rect">
-            <a:avLst/>
-          </a:prstGeom>
-          <a:noFill/>
-          <a:ln w="19050">
-            <a:noFill/>
-            <a:miter lim="800000"/>
-            <a:headEnd/>
-            <a:tailEnd/>
-          </a:ln>
-        </p:spPr>
-      </p:pic>
-      <p:sp>
-        <p:nvSpPr>
-          <p:cNvPr id="8" name="TextBox 4"/>
-          <p:cNvSpPr txBox="1"/>
-          <p:nvPr/>
-        </p:nvSpPr>
-        <p:spPr bwMode="auto">
-          <a:xfrm>
-            <a:off x="1017468" y="2294400"/>
-            <a:ext cx="4115035" cy="3240887"/>
-          </a:xfrm>
-          <a:prstGeom prst="rect">
-            <a:avLst/>
-          </a:prstGeom>
-          <a:noFill/>
-          <a:ln w="19050">
-            <a:noFill/>
-            <a:miter lim="800000"/>
-            <a:headEnd/>
-            <a:tailEnd/>
-          </a:ln>
-        </p:spPr>
-        <p:txBody>
-          <a:bodyPr wrap="square" lIns="0" rIns="0" rtlCol="0">
-            <a:spAutoFit/>
-          </a:bodyPr>
-          <a:lstStyle>
-            <a:defPPr>
-              <a:defRPr lang="de-DE"/>
-            </a:defPPr>
-            <a:lvl1pPr algn="l" rtl="0" fontAlgn="base">
-              <a:spcBef>
-                <a:spcPct val="0"/>
-              </a:spcBef>
-              <a:spcAft>
-                <a:spcPct val="0"/>
-              </a:spcAft>
-              <a:defRPr sz="2000" kern="1200">
-                <a:solidFill>
-                  <a:schemeClr val="tx1"/>
-                </a:solidFill>
-                <a:latin typeface="Arial" pitchFamily="34" charset="0"/>
-                <a:ea typeface="ヒラギノ角ゴ Pro W3"/>
-                <a:cs typeface="ヒラギノ角ゴ Pro W3"/>
-              </a:defRPr>
-            </a:lvl1pPr>
-            <a:lvl2pPr marL="457200" algn="l" rtl="0" fontAlgn="base">
-              <a:spcBef>
-                <a:spcPct val="0"/>
-              </a:spcBef>
-              <a:spcAft>
-                <a:spcPct val="0"/>
-              </a:spcAft>
-              <a:defRPr sz="2000" kern="1200">
-                <a:solidFill>
-                  <a:schemeClr val="tx1"/>
-                </a:solidFill>
-                <a:latin typeface="Arial" pitchFamily="34" charset="0"/>
-                <a:ea typeface="ヒラギノ角ゴ Pro W3"/>
-                <a:cs typeface="ヒラギノ角ゴ Pro W3"/>
-              </a:defRPr>
-            </a:lvl2pPr>
-            <a:lvl3pPr marL="914400" algn="l" rtl="0" fontAlgn="base">
-              <a:spcBef>
-                <a:spcPct val="0"/>
-              </a:spcBef>
-              <a:spcAft>
-                <a:spcPct val="0"/>
-              </a:spcAft>
-              <a:defRPr sz="2000" kern="1200">
-                <a:solidFill>
-                  <a:schemeClr val="tx1"/>
-                </a:solidFill>
-                <a:latin typeface="Arial" pitchFamily="34" charset="0"/>
-                <a:ea typeface="ヒラギノ角ゴ Pro W3"/>
-                <a:cs typeface="ヒラギノ角ゴ Pro W3"/>
-              </a:defRPr>
-            </a:lvl3pPr>
-            <a:lvl4pPr marL="1371600" algn="l" rtl="0" fontAlgn="base">
-              <a:spcBef>
-                <a:spcPct val="0"/>
-              </a:spcBef>
-              <a:spcAft>
-                <a:spcPct val="0"/>
-              </a:spcAft>
-              <a:defRPr sz="2000" kern="1200">
-                <a:solidFill>
-                  <a:schemeClr val="tx1"/>
-                </a:solidFill>
-                <a:latin typeface="Arial" pitchFamily="34" charset="0"/>
-                <a:ea typeface="ヒラギノ角ゴ Pro W3"/>
-                <a:cs typeface="ヒラギノ角ゴ Pro W3"/>
-              </a:defRPr>
-            </a:lvl4pPr>
-            <a:lvl5pPr marL="1828800" algn="l" rtl="0" fontAlgn="base">
-              <a:spcBef>
-                <a:spcPct val="0"/>
-              </a:spcBef>
-              <a:spcAft>
-                <a:spcPct val="0"/>
-              </a:spcAft>
-              <a:defRPr sz="2000" kern="1200">
-                <a:solidFill>
-                  <a:schemeClr val="tx1"/>
-                </a:solidFill>
-                <a:latin typeface="Arial" pitchFamily="34" charset="0"/>
-                <a:ea typeface="ヒラギノ角ゴ Pro W3"/>
-                <a:cs typeface="ヒラギノ角ゴ Pro W3"/>
-              </a:defRPr>
-            </a:lvl5pPr>
-            <a:lvl6pPr marL="2286000" algn="l" defTabSz="914400" rtl="0" eaLnBrk="1" latinLnBrk="0" hangingPunct="1">
-              <a:defRPr sz="2000" kern="1200">
-                <a:solidFill>
-                  <a:schemeClr val="tx1"/>
-                </a:solidFill>
-                <a:latin typeface="Arial" pitchFamily="34" charset="0"/>
-                <a:ea typeface="ヒラギノ角ゴ Pro W3"/>
-                <a:cs typeface="ヒラギノ角ゴ Pro W3"/>
-              </a:defRPr>
-            </a:lvl6pPr>
-            <a:lvl7pPr marL="2743200" algn="l" defTabSz="914400" rtl="0" eaLnBrk="1" latinLnBrk="0" hangingPunct="1">
-              <a:defRPr sz="2000" kern="1200">
-                <a:solidFill>
-                  <a:schemeClr val="tx1"/>
-                </a:solidFill>
-                <a:latin typeface="Arial" pitchFamily="34" charset="0"/>
-                <a:ea typeface="ヒラギノ角ゴ Pro W3"/>
-                <a:cs typeface="ヒラギノ角ゴ Pro W3"/>
-              </a:defRPr>
-            </a:lvl7pPr>
-            <a:lvl8pPr marL="3200400" algn="l" defTabSz="914400" rtl="0" eaLnBrk="1" latinLnBrk="0" hangingPunct="1">
-              <a:defRPr sz="2000" kern="1200">
-                <a:solidFill>
-                  <a:schemeClr val="tx1"/>
-                </a:solidFill>
-                <a:latin typeface="Arial" pitchFamily="34" charset="0"/>
-                <a:ea typeface="ヒラギノ角ゴ Pro W3"/>
-                <a:cs typeface="ヒラギノ角ゴ Pro W3"/>
-              </a:defRPr>
-            </a:lvl8pPr>
-            <a:lvl9pPr marL="3657600" algn="l" defTabSz="914400" rtl="0" eaLnBrk="1" latinLnBrk="0" hangingPunct="1">
-              <a:defRPr sz="2000" kern="1200">
-                <a:solidFill>
-                  <a:schemeClr val="tx1"/>
-                </a:solidFill>
-                <a:latin typeface="Arial" pitchFamily="34" charset="0"/>
-                <a:ea typeface="ヒラギノ角ゴ Pro W3"/>
-                <a:cs typeface="ヒラギノ角ゴ Pro W3"/>
-              </a:defRPr>
-            </a:lvl9pPr>
-          </a:lstStyle>
-          <a:p>
-            <a:pPr marL="342900" indent="-342900" algn="l" eaLnBrk="0" hangingPunct="0">
-              <a:lnSpc>
-                <a:spcPct val="110000"/>
-              </a:lnSpc>
-              <a:spcBef>
-                <a:spcPct val="50000"/>
-              </a:spcBef>
-              <a:buSzTx/>
-              <a:buFont typeface="+mj-lt"/>
-              <a:buAutoNum type="arabicPeriod"/>
-            </a:pPr>
-            <a:r>
-              <a:rPr lang="en-US" sz="1600" dirty="0" err="1" smtClean="0"/>
-              <a:t>Aufgabenstellung</a:t>
-            </a:r>
-            <a:endParaRPr lang="en-US" sz="1600" dirty="0" smtClean="0"/>
-          </a:p>
-          <a:p>
-            <a:pPr marL="342900" indent="-342900" algn="l" eaLnBrk="0" hangingPunct="0">
-              <a:lnSpc>
-                <a:spcPct val="120000"/>
-              </a:lnSpc>
-              <a:spcBef>
-                <a:spcPct val="50000"/>
-              </a:spcBef>
-              <a:buSzTx/>
-              <a:buFont typeface="+mj-lt"/>
-              <a:buAutoNum type="arabicPeriod"/>
-            </a:pPr>
-            <a:r>
-              <a:rPr lang="en-US" sz="1600" dirty="0" smtClean="0"/>
-              <a:t>Vision </a:t>
-            </a:r>
-            <a:r>
-              <a:rPr lang="en-US" sz="1600" dirty="0" err="1" smtClean="0"/>
-              <a:t>Gruppe</a:t>
-            </a:r>
-            <a:endParaRPr lang="en-US" sz="1600" dirty="0" smtClean="0"/>
-          </a:p>
-          <a:p>
-            <a:pPr marL="342900" indent="-342900" algn="l" eaLnBrk="0" hangingPunct="0">
-              <a:lnSpc>
-                <a:spcPct val="120000"/>
-              </a:lnSpc>
-              <a:spcBef>
-                <a:spcPct val="50000"/>
-              </a:spcBef>
-              <a:buSzTx/>
-              <a:buFont typeface="+mj-lt"/>
-              <a:buAutoNum type="arabicPeriod"/>
-            </a:pPr>
-            <a:r>
-              <a:rPr lang="en-US" sz="1600" dirty="0" err="1" smtClean="0"/>
-              <a:t>Kalman</a:t>
-            </a:r>
-            <a:r>
-              <a:rPr lang="en-US" sz="1600" dirty="0" smtClean="0"/>
-              <a:t> </a:t>
-            </a:r>
-            <a:r>
-              <a:rPr lang="en-US" sz="1600" dirty="0" err="1" smtClean="0"/>
-              <a:t>Gruppe</a:t>
-            </a:r>
-            <a:endParaRPr lang="en-US" sz="1600" dirty="0" smtClean="0"/>
-          </a:p>
-          <a:p>
-            <a:pPr marL="342900" indent="-342900" algn="l" eaLnBrk="0" hangingPunct="0">
-              <a:lnSpc>
-                <a:spcPct val="120000"/>
-              </a:lnSpc>
-              <a:spcBef>
-                <a:spcPct val="50000"/>
-              </a:spcBef>
-              <a:buSzTx/>
-              <a:buFont typeface="+mj-lt"/>
-              <a:buAutoNum type="arabicPeriod"/>
-            </a:pPr>
-            <a:r>
-              <a:rPr lang="en-US" sz="1600" dirty="0" err="1" smtClean="0"/>
-              <a:t>Highlevel</a:t>
-            </a:r>
-            <a:r>
-              <a:rPr lang="en-US" sz="1600" dirty="0" smtClean="0"/>
-              <a:t> </a:t>
-            </a:r>
-            <a:r>
-              <a:rPr lang="en-US" sz="1600" dirty="0" err="1" smtClean="0"/>
-              <a:t>Gruppe</a:t>
-            </a:r>
-            <a:endParaRPr lang="en-US" sz="1600" dirty="0" smtClean="0"/>
-          </a:p>
-          <a:p>
-            <a:pPr marL="342900" indent="-342900" algn="l" eaLnBrk="0" hangingPunct="0">
-              <a:lnSpc>
-                <a:spcPct val="120000"/>
-              </a:lnSpc>
-              <a:spcBef>
-                <a:spcPct val="50000"/>
-              </a:spcBef>
-              <a:buSzTx/>
-              <a:buFont typeface="+mj-lt"/>
-              <a:buAutoNum type="arabicPeriod"/>
-            </a:pPr>
-            <a:r>
-              <a:rPr lang="en-US" sz="1600" dirty="0" err="1" smtClean="0"/>
-              <a:t>Zusammenspiel</a:t>
-            </a:r>
-            <a:endParaRPr lang="en-US" sz="1600" dirty="0" smtClean="0"/>
-          </a:p>
-          <a:p>
-            <a:pPr marL="342900" indent="-342900" algn="l" eaLnBrk="0" hangingPunct="0">
-              <a:lnSpc>
-                <a:spcPct val="120000"/>
-              </a:lnSpc>
-              <a:spcBef>
-                <a:spcPct val="50000"/>
-              </a:spcBef>
-              <a:buSzTx/>
-              <a:buFont typeface="+mj-lt"/>
-              <a:buAutoNum type="arabicPeriod"/>
-            </a:pPr>
-            <a:r>
-              <a:rPr lang="en-US" sz="1600" dirty="0" err="1" smtClean="0"/>
-              <a:t>Kernproblematiken</a:t>
-            </a:r>
-            <a:endParaRPr lang="en-US" sz="1600" dirty="0" smtClean="0"/>
-          </a:p>
-          <a:p>
-            <a:pPr marL="342900" indent="-342900" algn="l" eaLnBrk="0" hangingPunct="0">
-              <a:lnSpc>
-                <a:spcPct val="120000"/>
-              </a:lnSpc>
-              <a:spcBef>
-                <a:spcPct val="50000"/>
-              </a:spcBef>
-              <a:buSzTx/>
-              <a:buFont typeface="+mj-lt"/>
-              <a:buAutoNum type="arabicPeriod"/>
-            </a:pPr>
-            <a:r>
-              <a:rPr lang="en-US" sz="1600" dirty="0" err="1" smtClean="0">
-                <a:solidFill>
-                  <a:schemeClr val="bg1"/>
-                </a:solidFill>
-              </a:rPr>
-              <a:t>Ausblick</a:t>
-            </a:r>
-            <a:endParaRPr lang="en-US" sz="1600" dirty="0" smtClean="0">
-              <a:solidFill>
-                <a:schemeClr val="bg1"/>
-              </a:solidFill>
-            </a:endParaRPr>
-          </a:p>
-          <a:p>
-            <a:pPr marL="725488" lvl="1" indent="-268288" eaLnBrk="0" hangingPunct="0">
-              <a:lnSpc>
-                <a:spcPct val="120000"/>
-              </a:lnSpc>
-              <a:spcBef>
-                <a:spcPct val="50000"/>
-              </a:spcBef>
-              <a:buFont typeface="Webdings" pitchFamily="18" charset="2"/>
-              <a:buChar char="4"/>
-            </a:pPr>
-            <a:endParaRPr lang="en-US" sz="1400" dirty="0"/>
-          </a:p>
-        </p:txBody>
-      </p:sp>
-      <p:sp>
-        <p:nvSpPr>
-          <p:cNvPr id="9" name="Rectangle 5"/>
-          <p:cNvSpPr>
-            <a:spLocks noChangeArrowheads="1"/>
-          </p:cNvSpPr>
-          <p:nvPr/>
-        </p:nvSpPr>
-        <p:spPr bwMode="auto">
-          <a:xfrm>
-            <a:off x="690861" y="1661650"/>
-            <a:ext cx="10783383" cy="396613"/>
-          </a:xfrm>
-          <a:prstGeom prst="rect">
-            <a:avLst/>
-          </a:prstGeom>
-          <a:solidFill>
-            <a:schemeClr val="bg1">
-              <a:lumMod val="50000"/>
-            </a:schemeClr>
-          </a:solidFill>
-          <a:ln w="12700">
-            <a:solidFill>
-              <a:schemeClr val="bg1">
-                <a:lumMod val="50000"/>
-              </a:schemeClr>
-            </a:solidFill>
-            <a:miter lim="800000"/>
-            <a:headEnd/>
-            <a:tailEnd/>
-          </a:ln>
-        </p:spPr>
-        <p:txBody>
-          <a:bodyPr wrap="square" lIns="0" tIns="0" rIns="0" bIns="0" anchor="ctr">
-            <a:noAutofit/>
-          </a:bodyPr>
-          <a:lstStyle>
-            <a:defPPr>
-              <a:defRPr lang="de-DE"/>
-            </a:defPPr>
-            <a:lvl1pPr algn="l" rtl="0" fontAlgn="base">
-              <a:spcBef>
-                <a:spcPct val="0"/>
-              </a:spcBef>
-              <a:spcAft>
-                <a:spcPct val="0"/>
-              </a:spcAft>
-              <a:defRPr sz="2000" kern="1200">
-                <a:solidFill>
-                  <a:schemeClr val="tx1"/>
-                </a:solidFill>
-                <a:latin typeface="Arial" pitchFamily="34" charset="0"/>
-                <a:ea typeface="ヒラギノ角ゴ Pro W3"/>
-                <a:cs typeface="ヒラギノ角ゴ Pro W3"/>
-              </a:defRPr>
-            </a:lvl1pPr>
-            <a:lvl2pPr marL="457200" algn="l" rtl="0" fontAlgn="base">
-              <a:spcBef>
-                <a:spcPct val="0"/>
-              </a:spcBef>
-              <a:spcAft>
-                <a:spcPct val="0"/>
-              </a:spcAft>
-              <a:defRPr sz="2000" kern="1200">
-                <a:solidFill>
-                  <a:schemeClr val="tx1"/>
-                </a:solidFill>
-                <a:latin typeface="Arial" pitchFamily="34" charset="0"/>
-                <a:ea typeface="ヒラギノ角ゴ Pro W3"/>
-                <a:cs typeface="ヒラギノ角ゴ Pro W3"/>
-              </a:defRPr>
-            </a:lvl2pPr>
-            <a:lvl3pPr marL="914400" algn="l" rtl="0" fontAlgn="base">
-              <a:spcBef>
-                <a:spcPct val="0"/>
-              </a:spcBef>
-              <a:spcAft>
-                <a:spcPct val="0"/>
-              </a:spcAft>
-              <a:defRPr sz="2000" kern="1200">
-                <a:solidFill>
-                  <a:schemeClr val="tx1"/>
-                </a:solidFill>
-                <a:latin typeface="Arial" pitchFamily="34" charset="0"/>
-                <a:ea typeface="ヒラギノ角ゴ Pro W3"/>
-                <a:cs typeface="ヒラギノ角ゴ Pro W3"/>
-              </a:defRPr>
-            </a:lvl3pPr>
-            <a:lvl4pPr marL="1371600" algn="l" rtl="0" fontAlgn="base">
-              <a:spcBef>
-                <a:spcPct val="0"/>
-              </a:spcBef>
-              <a:spcAft>
-                <a:spcPct val="0"/>
-              </a:spcAft>
-              <a:defRPr sz="2000" kern="1200">
-                <a:solidFill>
-                  <a:schemeClr val="tx1"/>
-                </a:solidFill>
-                <a:latin typeface="Arial" pitchFamily="34" charset="0"/>
-                <a:ea typeface="ヒラギノ角ゴ Pro W3"/>
-                <a:cs typeface="ヒラギノ角ゴ Pro W3"/>
-              </a:defRPr>
-            </a:lvl4pPr>
-            <a:lvl5pPr marL="1828800" algn="l" rtl="0" fontAlgn="base">
-              <a:spcBef>
-                <a:spcPct val="0"/>
-              </a:spcBef>
-              <a:spcAft>
-                <a:spcPct val="0"/>
-              </a:spcAft>
-              <a:defRPr sz="2000" kern="1200">
-                <a:solidFill>
-                  <a:schemeClr val="tx1"/>
-                </a:solidFill>
-                <a:latin typeface="Arial" pitchFamily="34" charset="0"/>
-                <a:ea typeface="ヒラギノ角ゴ Pro W3"/>
-                <a:cs typeface="ヒラギノ角ゴ Pro W3"/>
-              </a:defRPr>
-            </a:lvl5pPr>
-            <a:lvl6pPr marL="2286000" algn="l" defTabSz="914400" rtl="0" eaLnBrk="1" latinLnBrk="0" hangingPunct="1">
-              <a:defRPr sz="2000" kern="1200">
-                <a:solidFill>
-                  <a:schemeClr val="tx1"/>
-                </a:solidFill>
-                <a:latin typeface="Arial" pitchFamily="34" charset="0"/>
-                <a:ea typeface="ヒラギノ角ゴ Pro W3"/>
-                <a:cs typeface="ヒラギノ角ゴ Pro W3"/>
-              </a:defRPr>
-            </a:lvl6pPr>
-            <a:lvl7pPr marL="2743200" algn="l" defTabSz="914400" rtl="0" eaLnBrk="1" latinLnBrk="0" hangingPunct="1">
-              <a:defRPr sz="2000" kern="1200">
-                <a:solidFill>
-                  <a:schemeClr val="tx1"/>
-                </a:solidFill>
-                <a:latin typeface="Arial" pitchFamily="34" charset="0"/>
-                <a:ea typeface="ヒラギノ角ゴ Pro W3"/>
-                <a:cs typeface="ヒラギノ角ゴ Pro W3"/>
-              </a:defRPr>
-            </a:lvl7pPr>
-            <a:lvl8pPr marL="3200400" algn="l" defTabSz="914400" rtl="0" eaLnBrk="1" latinLnBrk="0" hangingPunct="1">
-              <a:defRPr sz="2000" kern="1200">
-                <a:solidFill>
-                  <a:schemeClr val="tx1"/>
-                </a:solidFill>
-                <a:latin typeface="Arial" pitchFamily="34" charset="0"/>
-                <a:ea typeface="ヒラギノ角ゴ Pro W3"/>
-                <a:cs typeface="ヒラギノ角ゴ Pro W3"/>
-              </a:defRPr>
-            </a:lvl8pPr>
-            <a:lvl9pPr marL="3657600" algn="l" defTabSz="914400" rtl="0" eaLnBrk="1" latinLnBrk="0" hangingPunct="1">
-              <a:defRPr sz="2000" kern="1200">
-                <a:solidFill>
-                  <a:schemeClr val="tx1"/>
-                </a:solidFill>
-                <a:latin typeface="Arial" pitchFamily="34" charset="0"/>
-                <a:ea typeface="ヒラギノ角ゴ Pro W3"/>
-                <a:cs typeface="ヒラギノ角ゴ Pro W3"/>
-              </a:defRPr>
-            </a:lvl9pPr>
-          </a:lstStyle>
-          <a:p>
-            <a:pPr marL="252000" defTabSz="762000" eaLnBrk="0" hangingPunct="0">
-              <a:lnSpc>
-                <a:spcPct val="90000"/>
-              </a:lnSpc>
-              <a:buClr>
-                <a:srgbClr val="FE6400"/>
-              </a:buClr>
-            </a:pPr>
-            <a:r>
-              <a:rPr lang="en-US" sz="1800" dirty="0" smtClean="0">
-                <a:solidFill>
-                  <a:schemeClr val="bg1"/>
-                </a:solidFill>
-              </a:rPr>
-              <a:t>Agenda</a:t>
-            </a:r>
-            <a:endParaRPr lang="en-US" sz="1800" dirty="0">
-              <a:solidFill>
-                <a:schemeClr val="bg1"/>
-              </a:solidFill>
-            </a:endParaRPr>
-          </a:p>
-        </p:txBody>
-      </p:sp>
-    </p:spTree>
-    <p:extLst>
-      <p:ext uri="{BB962C8B-B14F-4D97-AF65-F5344CB8AC3E}">
-        <p14:creationId xmlns:p14="http://schemas.microsoft.com/office/powerpoint/2010/main" val="4265745935"/>
       </p:ext>
     </p:extLst>
   </p:cSld>

--- a/robprak1516-presentation.pptx
+++ b/robprak1516-presentation.pptx
@@ -5,7 +5,7 @@
     <p:sldMasterId id="2147483648" r:id="rId1"/>
   </p:sldMasterIdLst>
   <p:notesMasterIdLst>
-    <p:notesMasterId r:id="rId23"/>
+    <p:notesMasterId r:id="rId25"/>
   </p:notesMasterIdLst>
   <p:sldIdLst>
     <p:sldId id="256" r:id="rId2"/>
@@ -29,6 +29,8 @@
     <p:sldId id="276" r:id="rId20"/>
     <p:sldId id="278" r:id="rId21"/>
     <p:sldId id="260" r:id="rId22"/>
+    <p:sldId id="279" r:id="rId23"/>
+    <p:sldId id="280" r:id="rId24"/>
   </p:sldIdLst>
   <p:sldSz cx="12192000" cy="6858000"/>
   <p:notesSz cx="6858000" cy="9144000"/>
@@ -564,6 +566,178 @@
     <p:extLst>
       <p:ext uri="{BB962C8B-B14F-4D97-AF65-F5344CB8AC3E}">
         <p14:creationId xmlns:p14="http://schemas.microsoft.com/office/powerpoint/2010/main" val="2706214526"/>
+      </p:ext>
+    </p:extLst>
+  </p:cSld>
+  <p:clrMapOvr>
+    <a:masterClrMapping/>
+  </p:clrMapOvr>
+</p:notes>
+</file>
+
+<file path=ppt/notesSlides/notesSlide10.xml><?xml version="1.0" encoding="utf-8"?>
+<p:notes xmlns:a="http://schemas.openxmlformats.org/drawingml/2006/main" xmlns:r="http://schemas.openxmlformats.org/officeDocument/2006/relationships" xmlns:p="http://schemas.openxmlformats.org/presentationml/2006/main">
+  <p:cSld>
+    <p:spTree>
+      <p:nvGrpSpPr>
+        <p:cNvPr id="1" name=""/>
+        <p:cNvGrpSpPr/>
+        <p:nvPr/>
+      </p:nvGrpSpPr>
+      <p:grpSpPr>
+        <a:xfrm>
+          <a:off x="0" y="0"/>
+          <a:ext cx="0" cy="0"/>
+          <a:chOff x="0" y="0"/>
+          <a:chExt cx="0" cy="0"/>
+        </a:xfrm>
+      </p:grpSpPr>
+      <p:sp>
+        <p:nvSpPr>
+          <p:cNvPr id="2" name="Folienbildplatzhalter 1"/>
+          <p:cNvSpPr>
+            <a:spLocks noGrp="1" noRot="1" noChangeAspect="1"/>
+          </p:cNvSpPr>
+          <p:nvPr>
+            <p:ph type="sldImg"/>
+          </p:nvPr>
+        </p:nvSpPr>
+        <p:spPr/>
+      </p:sp>
+      <p:sp>
+        <p:nvSpPr>
+          <p:cNvPr id="3" name="Notizenplatzhalter 2"/>
+          <p:cNvSpPr>
+            <a:spLocks noGrp="1"/>
+          </p:cNvSpPr>
+          <p:nvPr>
+            <p:ph type="body" idx="1"/>
+          </p:nvPr>
+        </p:nvSpPr>
+        <p:spPr/>
+        <p:txBody>
+          <a:bodyPr/>
+          <a:lstStyle/>
+          <a:p>
+            <a:endParaRPr lang="de-DE" dirty="0"/>
+          </a:p>
+        </p:txBody>
+      </p:sp>
+      <p:sp>
+        <p:nvSpPr>
+          <p:cNvPr id="4" name="Foliennummernplatzhalter 3"/>
+          <p:cNvSpPr>
+            <a:spLocks noGrp="1"/>
+          </p:cNvSpPr>
+          <p:nvPr>
+            <p:ph type="sldNum" sz="quarter" idx="10"/>
+          </p:nvPr>
+        </p:nvSpPr>
+        <p:spPr/>
+        <p:txBody>
+          <a:bodyPr/>
+          <a:lstStyle/>
+          <a:p>
+            <a:fld id="{EC5D6A57-0462-4896-8270-C647D8407408}" type="slidenum">
+              <a:rPr lang="de-DE" smtClean="0"/>
+              <a:t>22</a:t>
+            </a:fld>
+            <a:endParaRPr lang="de-DE"/>
+          </a:p>
+        </p:txBody>
+      </p:sp>
+    </p:spTree>
+    <p:extLst>
+      <p:ext uri="{BB962C8B-B14F-4D97-AF65-F5344CB8AC3E}">
+        <p14:creationId xmlns:p14="http://schemas.microsoft.com/office/powerpoint/2010/main" val="4256593379"/>
+      </p:ext>
+    </p:extLst>
+  </p:cSld>
+  <p:clrMapOvr>
+    <a:masterClrMapping/>
+  </p:clrMapOvr>
+</p:notes>
+</file>
+
+<file path=ppt/notesSlides/notesSlide11.xml><?xml version="1.0" encoding="utf-8"?>
+<p:notes xmlns:a="http://schemas.openxmlformats.org/drawingml/2006/main" xmlns:r="http://schemas.openxmlformats.org/officeDocument/2006/relationships" xmlns:p="http://schemas.openxmlformats.org/presentationml/2006/main">
+  <p:cSld>
+    <p:spTree>
+      <p:nvGrpSpPr>
+        <p:cNvPr id="1" name=""/>
+        <p:cNvGrpSpPr/>
+        <p:nvPr/>
+      </p:nvGrpSpPr>
+      <p:grpSpPr>
+        <a:xfrm>
+          <a:off x="0" y="0"/>
+          <a:ext cx="0" cy="0"/>
+          <a:chOff x="0" y="0"/>
+          <a:chExt cx="0" cy="0"/>
+        </a:xfrm>
+      </p:grpSpPr>
+      <p:sp>
+        <p:nvSpPr>
+          <p:cNvPr id="2" name="Folienbildplatzhalter 1"/>
+          <p:cNvSpPr>
+            <a:spLocks noGrp="1" noRot="1" noChangeAspect="1"/>
+          </p:cNvSpPr>
+          <p:nvPr>
+            <p:ph type="sldImg"/>
+          </p:nvPr>
+        </p:nvSpPr>
+        <p:spPr/>
+      </p:sp>
+      <p:sp>
+        <p:nvSpPr>
+          <p:cNvPr id="3" name="Notizenplatzhalter 2"/>
+          <p:cNvSpPr>
+            <a:spLocks noGrp="1"/>
+          </p:cNvSpPr>
+          <p:nvPr>
+            <p:ph type="body" idx="1"/>
+          </p:nvPr>
+        </p:nvSpPr>
+        <p:spPr/>
+        <p:txBody>
+          <a:bodyPr/>
+          <a:lstStyle/>
+          <a:p>
+            <a:r>
+              <a:rPr lang="de-DE" dirty="0" smtClean="0"/>
+              <a:t>Dankeschön Viel Spaß gemacht</a:t>
+            </a:r>
+            <a:endParaRPr lang="de-DE" dirty="0"/>
+          </a:p>
+        </p:txBody>
+      </p:sp>
+      <p:sp>
+        <p:nvSpPr>
+          <p:cNvPr id="4" name="Foliennummernplatzhalter 3"/>
+          <p:cNvSpPr>
+            <a:spLocks noGrp="1"/>
+          </p:cNvSpPr>
+          <p:nvPr>
+            <p:ph type="sldNum" sz="quarter" idx="10"/>
+          </p:nvPr>
+        </p:nvSpPr>
+        <p:spPr/>
+        <p:txBody>
+          <a:bodyPr/>
+          <a:lstStyle/>
+          <a:p>
+            <a:fld id="{EC5D6A57-0462-4896-8270-C647D8407408}" type="slidenum">
+              <a:rPr lang="de-DE" smtClean="0"/>
+              <a:t>23</a:t>
+            </a:fld>
+            <a:endParaRPr lang="de-DE"/>
+          </a:p>
+        </p:txBody>
+      </p:sp>
+    </p:spTree>
+    <p:extLst>
+      <p:ext uri="{BB962C8B-B14F-4D97-AF65-F5344CB8AC3E}">
+        <p14:creationId xmlns:p14="http://schemas.microsoft.com/office/powerpoint/2010/main" val="1726699443"/>
       </p:ext>
     </p:extLst>
   </p:cSld>
@@ -23500,6 +23674,6037 @@
 </p:sld>
 </file>
 
+<file path=ppt/slides/slide22.xml><?xml version="1.0" encoding="utf-8"?>
+<p:sld xmlns:a="http://schemas.openxmlformats.org/drawingml/2006/main" xmlns:r="http://schemas.openxmlformats.org/officeDocument/2006/relationships" xmlns:p="http://schemas.openxmlformats.org/presentationml/2006/main">
+  <p:cSld>
+    <p:spTree>
+      <p:nvGrpSpPr>
+        <p:cNvPr id="1" name=""/>
+        <p:cNvGrpSpPr/>
+        <p:nvPr/>
+      </p:nvGrpSpPr>
+      <p:grpSpPr>
+        <a:xfrm>
+          <a:off x="0" y="0"/>
+          <a:ext cx="0" cy="0"/>
+          <a:chOff x="0" y="0"/>
+          <a:chExt cx="0" cy="0"/>
+        </a:xfrm>
+      </p:grpSpPr>
+      <p:sp>
+        <p:nvSpPr>
+          <p:cNvPr id="2" name="Titel 1"/>
+          <p:cNvSpPr>
+            <a:spLocks noGrp="1"/>
+          </p:cNvSpPr>
+          <p:nvPr>
+            <p:ph type="title"/>
+          </p:nvPr>
+        </p:nvSpPr>
+        <p:spPr/>
+        <p:txBody>
+          <a:bodyPr/>
+          <a:lstStyle/>
+          <a:p>
+            <a:r>
+              <a:rPr lang="de-DE" dirty="0" smtClean="0"/>
+              <a:t>Der generelle Ablauf des Praktikums darf gerne etwas mehr Betreuerhilfe erhalten</a:t>
+            </a:r>
+            <a:endParaRPr lang="de-DE" dirty="0"/>
+          </a:p>
+        </p:txBody>
+      </p:sp>
+      <p:sp>
+        <p:nvSpPr>
+          <p:cNvPr id="4" name="Foliennummernplatzhalter 3"/>
+          <p:cNvSpPr>
+            <a:spLocks noGrp="1"/>
+          </p:cNvSpPr>
+          <p:nvPr>
+            <p:ph type="sldNum" sz="quarter" idx="12"/>
+          </p:nvPr>
+        </p:nvSpPr>
+        <p:spPr/>
+        <p:txBody>
+          <a:bodyPr/>
+          <a:lstStyle/>
+          <a:p>
+            <a:fld id="{88051181-3DEF-484A-8434-F25831745C76}" type="slidenum">
+              <a:rPr lang="de-DE" smtClean="0"/>
+              <a:pPr/>
+              <a:t>22</a:t>
+            </a:fld>
+            <a:endParaRPr lang="de-DE" dirty="0"/>
+          </a:p>
+        </p:txBody>
+      </p:sp>
+      <p:sp>
+        <p:nvSpPr>
+          <p:cNvPr id="13" name="Rectangle 3"/>
+          <p:cNvSpPr>
+            <a:spLocks noChangeArrowheads="1"/>
+          </p:cNvSpPr>
+          <p:nvPr/>
+        </p:nvSpPr>
+        <p:spPr bwMode="auto">
+          <a:xfrm>
+            <a:off x="5648105" y="981074"/>
+            <a:ext cx="5707466" cy="1762929"/>
+          </a:xfrm>
+          <a:prstGeom prst="rect">
+            <a:avLst/>
+          </a:prstGeom>
+          <a:solidFill>
+            <a:schemeClr val="bg2"/>
+          </a:solidFill>
+          <a:ln w="19050">
+            <a:solidFill>
+              <a:schemeClr val="bg2"/>
+            </a:solidFill>
+            <a:miter lim="800000"/>
+            <a:headEnd/>
+            <a:tailEnd/>
+          </a:ln>
+        </p:spPr>
+        <p:txBody>
+          <a:bodyPr wrap="square" lIns="0" tIns="36000" rIns="0" bIns="36000" rtlCol="0" anchor="t" anchorCtr="0">
+            <a:noAutofit/>
+          </a:bodyPr>
+          <a:lstStyle>
+            <a:defPPr>
+              <a:defRPr lang="de-DE"/>
+            </a:defPPr>
+            <a:lvl1pPr algn="l" rtl="0" fontAlgn="base">
+              <a:spcBef>
+                <a:spcPct val="0"/>
+              </a:spcBef>
+              <a:spcAft>
+                <a:spcPct val="0"/>
+              </a:spcAft>
+              <a:defRPr sz="2000" kern="1200">
+                <a:solidFill>
+                  <a:schemeClr val="tx1"/>
+                </a:solidFill>
+                <a:latin typeface="Arial" pitchFamily="34" charset="0"/>
+                <a:ea typeface="ヒラギノ角ゴ Pro W3"/>
+                <a:cs typeface="ヒラギノ角ゴ Pro W3"/>
+              </a:defRPr>
+            </a:lvl1pPr>
+            <a:lvl2pPr marL="457200" algn="l" rtl="0" fontAlgn="base">
+              <a:spcBef>
+                <a:spcPct val="0"/>
+              </a:spcBef>
+              <a:spcAft>
+                <a:spcPct val="0"/>
+              </a:spcAft>
+              <a:defRPr sz="2000" kern="1200">
+                <a:solidFill>
+                  <a:schemeClr val="tx1"/>
+                </a:solidFill>
+                <a:latin typeface="Arial" pitchFamily="34" charset="0"/>
+                <a:ea typeface="ヒラギノ角ゴ Pro W3"/>
+                <a:cs typeface="ヒラギノ角ゴ Pro W3"/>
+              </a:defRPr>
+            </a:lvl2pPr>
+            <a:lvl3pPr marL="914400" algn="l" rtl="0" fontAlgn="base">
+              <a:spcBef>
+                <a:spcPct val="0"/>
+              </a:spcBef>
+              <a:spcAft>
+                <a:spcPct val="0"/>
+              </a:spcAft>
+              <a:defRPr sz="2000" kern="1200">
+                <a:solidFill>
+                  <a:schemeClr val="tx1"/>
+                </a:solidFill>
+                <a:latin typeface="Arial" pitchFamily="34" charset="0"/>
+                <a:ea typeface="ヒラギノ角ゴ Pro W3"/>
+                <a:cs typeface="ヒラギノ角ゴ Pro W3"/>
+              </a:defRPr>
+            </a:lvl3pPr>
+            <a:lvl4pPr marL="1371600" algn="l" rtl="0" fontAlgn="base">
+              <a:spcBef>
+                <a:spcPct val="0"/>
+              </a:spcBef>
+              <a:spcAft>
+                <a:spcPct val="0"/>
+              </a:spcAft>
+              <a:defRPr sz="2000" kern="1200">
+                <a:solidFill>
+                  <a:schemeClr val="tx1"/>
+                </a:solidFill>
+                <a:latin typeface="Arial" pitchFamily="34" charset="0"/>
+                <a:ea typeface="ヒラギノ角ゴ Pro W3"/>
+                <a:cs typeface="ヒラギノ角ゴ Pro W3"/>
+              </a:defRPr>
+            </a:lvl4pPr>
+            <a:lvl5pPr marL="1828800" algn="l" rtl="0" fontAlgn="base">
+              <a:spcBef>
+                <a:spcPct val="0"/>
+              </a:spcBef>
+              <a:spcAft>
+                <a:spcPct val="0"/>
+              </a:spcAft>
+              <a:defRPr sz="2000" kern="1200">
+                <a:solidFill>
+                  <a:schemeClr val="tx1"/>
+                </a:solidFill>
+                <a:latin typeface="Arial" pitchFamily="34" charset="0"/>
+                <a:ea typeface="ヒラギノ角ゴ Pro W3"/>
+                <a:cs typeface="ヒラギノ角ゴ Pro W3"/>
+              </a:defRPr>
+            </a:lvl5pPr>
+            <a:lvl6pPr marL="2286000" algn="l" defTabSz="914400" rtl="0" eaLnBrk="1" latinLnBrk="0" hangingPunct="1">
+              <a:defRPr sz="2000" kern="1200">
+                <a:solidFill>
+                  <a:schemeClr val="tx1"/>
+                </a:solidFill>
+                <a:latin typeface="Arial" pitchFamily="34" charset="0"/>
+                <a:ea typeface="ヒラギノ角ゴ Pro W3"/>
+                <a:cs typeface="ヒラギノ角ゴ Pro W3"/>
+              </a:defRPr>
+            </a:lvl6pPr>
+            <a:lvl7pPr marL="2743200" algn="l" defTabSz="914400" rtl="0" eaLnBrk="1" latinLnBrk="0" hangingPunct="1">
+              <a:defRPr sz="2000" kern="1200">
+                <a:solidFill>
+                  <a:schemeClr val="tx1"/>
+                </a:solidFill>
+                <a:latin typeface="Arial" pitchFamily="34" charset="0"/>
+                <a:ea typeface="ヒラギノ角ゴ Pro W3"/>
+                <a:cs typeface="ヒラギノ角ゴ Pro W3"/>
+              </a:defRPr>
+            </a:lvl7pPr>
+            <a:lvl8pPr marL="3200400" algn="l" defTabSz="914400" rtl="0" eaLnBrk="1" latinLnBrk="0" hangingPunct="1">
+              <a:defRPr sz="2000" kern="1200">
+                <a:solidFill>
+                  <a:schemeClr val="tx1"/>
+                </a:solidFill>
+                <a:latin typeface="Arial" pitchFamily="34" charset="0"/>
+                <a:ea typeface="ヒラギノ角ゴ Pro W3"/>
+                <a:cs typeface="ヒラギノ角ゴ Pro W3"/>
+              </a:defRPr>
+            </a:lvl8pPr>
+            <a:lvl9pPr marL="3657600" algn="l" defTabSz="914400" rtl="0" eaLnBrk="1" latinLnBrk="0" hangingPunct="1">
+              <a:defRPr sz="2000" kern="1200">
+                <a:solidFill>
+                  <a:schemeClr val="tx1"/>
+                </a:solidFill>
+                <a:latin typeface="Arial" pitchFamily="34" charset="0"/>
+                <a:ea typeface="ヒラギノ角ゴ Pro W3"/>
+                <a:cs typeface="ヒラギノ角ゴ Pro W3"/>
+              </a:defRPr>
+            </a:lvl9pPr>
+          </a:lstStyle>
+          <a:p>
+            <a:pPr marL="72000" eaLnBrk="0" hangingPunct="0">
+              <a:spcBef>
+                <a:spcPts val="200"/>
+              </a:spcBef>
+              <a:spcAft>
+                <a:spcPts val="200"/>
+              </a:spcAft>
+              <a:buClr>
+                <a:schemeClr val="accent1"/>
+              </a:buClr>
+              <a:defRPr/>
+            </a:pPr>
+            <a:endParaRPr lang="de-DE" sz="1400" dirty="0"/>
+          </a:p>
+        </p:txBody>
+      </p:sp>
+      <p:sp>
+        <p:nvSpPr>
+          <p:cNvPr id="14" name="PubCross"/>
+          <p:cNvSpPr>
+            <a:spLocks noEditPoints="1" noChangeArrowheads="1"/>
+          </p:cNvSpPr>
+          <p:nvPr/>
+        </p:nvSpPr>
+        <p:spPr bwMode="auto">
+          <a:xfrm>
+            <a:off x="10002181" y="1322923"/>
+            <a:ext cx="1080000" cy="1079229"/>
+          </a:xfrm>
+          <a:custGeom>
+            <a:avLst/>
+            <a:gdLst>
+              <a:gd name="T0" fmla="*/ 2147483647 w 21600"/>
+              <a:gd name="T1" fmla="*/ 0 h 21600"/>
+              <a:gd name="T2" fmla="*/ 0 w 21600"/>
+              <a:gd name="T3" fmla="*/ 2147483647 h 21600"/>
+              <a:gd name="T4" fmla="*/ 2147483647 w 21600"/>
+              <a:gd name="T5" fmla="*/ 2147483647 h 21600"/>
+              <a:gd name="T6" fmla="*/ 2147483647 w 21600"/>
+              <a:gd name="T7" fmla="*/ 2147483647 h 21600"/>
+              <a:gd name="T8" fmla="*/ 0 60000 65536"/>
+              <a:gd name="T9" fmla="*/ 0 60000 65536"/>
+              <a:gd name="T10" fmla="*/ 0 60000 65536"/>
+              <a:gd name="T11" fmla="*/ 0 60000 65536"/>
+              <a:gd name="T12" fmla="*/ 8114 w 21600"/>
+              <a:gd name="T13" fmla="*/ 8114 h 21600"/>
+              <a:gd name="T14" fmla="*/ 13486 w 21600"/>
+              <a:gd name="T15" fmla="*/ 13486 h 21600"/>
+            </a:gdLst>
+            <a:ahLst/>
+            <a:cxnLst>
+              <a:cxn ang="T8">
+                <a:pos x="T0" y="T1"/>
+              </a:cxn>
+              <a:cxn ang="T9">
+                <a:pos x="T2" y="T3"/>
+              </a:cxn>
+              <a:cxn ang="T10">
+                <a:pos x="T4" y="T5"/>
+              </a:cxn>
+              <a:cxn ang="T11">
+                <a:pos x="T6" y="T7"/>
+              </a:cxn>
+            </a:cxnLst>
+            <a:rect l="T12" t="T13" r="T14" b="T15"/>
+            <a:pathLst>
+              <a:path w="21600" h="21600">
+                <a:moveTo>
+                  <a:pt x="8114" y="0"/>
+                </a:moveTo>
+                <a:lnTo>
+                  <a:pt x="8114" y="8114"/>
+                </a:lnTo>
+                <a:lnTo>
+                  <a:pt x="0" y="8114"/>
+                </a:lnTo>
+                <a:lnTo>
+                  <a:pt x="0" y="13486"/>
+                </a:lnTo>
+                <a:lnTo>
+                  <a:pt x="8114" y="13486"/>
+                </a:lnTo>
+                <a:lnTo>
+                  <a:pt x="8114" y="21600"/>
+                </a:lnTo>
+                <a:lnTo>
+                  <a:pt x="13486" y="21600"/>
+                </a:lnTo>
+                <a:lnTo>
+                  <a:pt x="13486" y="13486"/>
+                </a:lnTo>
+                <a:lnTo>
+                  <a:pt x="21600" y="13486"/>
+                </a:lnTo>
+                <a:lnTo>
+                  <a:pt x="21600" y="8114"/>
+                </a:lnTo>
+                <a:lnTo>
+                  <a:pt x="13486" y="8114"/>
+                </a:lnTo>
+                <a:lnTo>
+                  <a:pt x="13486" y="0"/>
+                </a:lnTo>
+                <a:close/>
+              </a:path>
+            </a:pathLst>
+          </a:custGeom>
+          <a:solidFill>
+            <a:schemeClr val="bg1"/>
+          </a:solidFill>
+          <a:ln w="9525">
+            <a:solidFill>
+              <a:schemeClr val="bg1"/>
+            </a:solidFill>
+            <a:miter lim="800000"/>
+            <a:headEnd/>
+            <a:tailEnd/>
+          </a:ln>
+        </p:spPr>
+        <p:txBody>
+          <a:bodyPr/>
+          <a:lstStyle>
+            <a:defPPr>
+              <a:defRPr lang="de-DE"/>
+            </a:defPPr>
+            <a:lvl1pPr algn="l" rtl="0" fontAlgn="base">
+              <a:spcBef>
+                <a:spcPct val="0"/>
+              </a:spcBef>
+              <a:spcAft>
+                <a:spcPct val="0"/>
+              </a:spcAft>
+              <a:defRPr sz="2000" kern="1200">
+                <a:solidFill>
+                  <a:schemeClr val="tx1"/>
+                </a:solidFill>
+                <a:latin typeface="Arial" pitchFamily="34" charset="0"/>
+                <a:ea typeface="ヒラギノ角ゴ Pro W3"/>
+                <a:cs typeface="ヒラギノ角ゴ Pro W3"/>
+              </a:defRPr>
+            </a:lvl1pPr>
+            <a:lvl2pPr marL="457200" algn="l" rtl="0" fontAlgn="base">
+              <a:spcBef>
+                <a:spcPct val="0"/>
+              </a:spcBef>
+              <a:spcAft>
+                <a:spcPct val="0"/>
+              </a:spcAft>
+              <a:defRPr sz="2000" kern="1200">
+                <a:solidFill>
+                  <a:schemeClr val="tx1"/>
+                </a:solidFill>
+                <a:latin typeface="Arial" pitchFamily="34" charset="0"/>
+                <a:ea typeface="ヒラギノ角ゴ Pro W3"/>
+                <a:cs typeface="ヒラギノ角ゴ Pro W3"/>
+              </a:defRPr>
+            </a:lvl2pPr>
+            <a:lvl3pPr marL="914400" algn="l" rtl="0" fontAlgn="base">
+              <a:spcBef>
+                <a:spcPct val="0"/>
+              </a:spcBef>
+              <a:spcAft>
+                <a:spcPct val="0"/>
+              </a:spcAft>
+              <a:defRPr sz="2000" kern="1200">
+                <a:solidFill>
+                  <a:schemeClr val="tx1"/>
+                </a:solidFill>
+                <a:latin typeface="Arial" pitchFamily="34" charset="0"/>
+                <a:ea typeface="ヒラギノ角ゴ Pro W3"/>
+                <a:cs typeface="ヒラギノ角ゴ Pro W3"/>
+              </a:defRPr>
+            </a:lvl3pPr>
+            <a:lvl4pPr marL="1371600" algn="l" rtl="0" fontAlgn="base">
+              <a:spcBef>
+                <a:spcPct val="0"/>
+              </a:spcBef>
+              <a:spcAft>
+                <a:spcPct val="0"/>
+              </a:spcAft>
+              <a:defRPr sz="2000" kern="1200">
+                <a:solidFill>
+                  <a:schemeClr val="tx1"/>
+                </a:solidFill>
+                <a:latin typeface="Arial" pitchFamily="34" charset="0"/>
+                <a:ea typeface="ヒラギノ角ゴ Pro W3"/>
+                <a:cs typeface="ヒラギノ角ゴ Pro W3"/>
+              </a:defRPr>
+            </a:lvl4pPr>
+            <a:lvl5pPr marL="1828800" algn="l" rtl="0" fontAlgn="base">
+              <a:spcBef>
+                <a:spcPct val="0"/>
+              </a:spcBef>
+              <a:spcAft>
+                <a:spcPct val="0"/>
+              </a:spcAft>
+              <a:defRPr sz="2000" kern="1200">
+                <a:solidFill>
+                  <a:schemeClr val="tx1"/>
+                </a:solidFill>
+                <a:latin typeface="Arial" pitchFamily="34" charset="0"/>
+                <a:ea typeface="ヒラギノ角ゴ Pro W3"/>
+                <a:cs typeface="ヒラギノ角ゴ Pro W3"/>
+              </a:defRPr>
+            </a:lvl5pPr>
+            <a:lvl6pPr marL="2286000" algn="l" defTabSz="914400" rtl="0" eaLnBrk="1" latinLnBrk="0" hangingPunct="1">
+              <a:defRPr sz="2000" kern="1200">
+                <a:solidFill>
+                  <a:schemeClr val="tx1"/>
+                </a:solidFill>
+                <a:latin typeface="Arial" pitchFamily="34" charset="0"/>
+                <a:ea typeface="ヒラギノ角ゴ Pro W3"/>
+                <a:cs typeface="ヒラギノ角ゴ Pro W3"/>
+              </a:defRPr>
+            </a:lvl6pPr>
+            <a:lvl7pPr marL="2743200" algn="l" defTabSz="914400" rtl="0" eaLnBrk="1" latinLnBrk="0" hangingPunct="1">
+              <a:defRPr sz="2000" kern="1200">
+                <a:solidFill>
+                  <a:schemeClr val="tx1"/>
+                </a:solidFill>
+                <a:latin typeface="Arial" pitchFamily="34" charset="0"/>
+                <a:ea typeface="ヒラギノ角ゴ Pro W3"/>
+                <a:cs typeface="ヒラギノ角ゴ Pro W3"/>
+              </a:defRPr>
+            </a:lvl7pPr>
+            <a:lvl8pPr marL="3200400" algn="l" defTabSz="914400" rtl="0" eaLnBrk="1" latinLnBrk="0" hangingPunct="1">
+              <a:defRPr sz="2000" kern="1200">
+                <a:solidFill>
+                  <a:schemeClr val="tx1"/>
+                </a:solidFill>
+                <a:latin typeface="Arial" pitchFamily="34" charset="0"/>
+                <a:ea typeface="ヒラギノ角ゴ Pro W3"/>
+                <a:cs typeface="ヒラギノ角ゴ Pro W3"/>
+              </a:defRPr>
+            </a:lvl8pPr>
+            <a:lvl9pPr marL="3657600" algn="l" defTabSz="914400" rtl="0" eaLnBrk="1" latinLnBrk="0" hangingPunct="1">
+              <a:defRPr sz="2000" kern="1200">
+                <a:solidFill>
+                  <a:schemeClr val="tx1"/>
+                </a:solidFill>
+                <a:latin typeface="Arial" pitchFamily="34" charset="0"/>
+                <a:ea typeface="ヒラギノ角ゴ Pro W3"/>
+                <a:cs typeface="ヒラギノ角ゴ Pro W3"/>
+              </a:defRPr>
+            </a:lvl9pPr>
+          </a:lstStyle>
+          <a:p>
+            <a:endParaRPr lang="de-DE">
+              <a:solidFill>
+                <a:schemeClr val="bg1"/>
+              </a:solidFill>
+            </a:endParaRPr>
+          </a:p>
+        </p:txBody>
+      </p:sp>
+      <p:sp>
+        <p:nvSpPr>
+          <p:cNvPr id="15" name="Rectangle 3"/>
+          <p:cNvSpPr>
+            <a:spLocks noChangeArrowheads="1"/>
+          </p:cNvSpPr>
+          <p:nvPr/>
+        </p:nvSpPr>
+        <p:spPr bwMode="auto">
+          <a:xfrm>
+            <a:off x="5648105" y="981074"/>
+            <a:ext cx="4080686" cy="1762929"/>
+          </a:xfrm>
+          <a:prstGeom prst="rect">
+            <a:avLst/>
+          </a:prstGeom>
+          <a:noFill/>
+          <a:ln w="19050">
+            <a:solidFill>
+              <a:schemeClr val="bg2"/>
+            </a:solidFill>
+            <a:miter lim="800000"/>
+            <a:headEnd/>
+            <a:tailEnd/>
+          </a:ln>
+        </p:spPr>
+        <p:txBody>
+          <a:bodyPr wrap="square" lIns="36000" tIns="72000" rIns="36000" bIns="72000" rtlCol="0" anchor="ctr" anchorCtr="0">
+            <a:noAutofit/>
+          </a:bodyPr>
+          <a:lstStyle>
+            <a:defPPr>
+              <a:defRPr lang="de-DE"/>
+            </a:defPPr>
+            <a:lvl1pPr algn="l" rtl="0" fontAlgn="base">
+              <a:spcBef>
+                <a:spcPct val="0"/>
+              </a:spcBef>
+              <a:spcAft>
+                <a:spcPct val="0"/>
+              </a:spcAft>
+              <a:defRPr sz="2000" kern="1200">
+                <a:solidFill>
+                  <a:schemeClr val="tx1"/>
+                </a:solidFill>
+                <a:latin typeface="Arial" pitchFamily="34" charset="0"/>
+                <a:ea typeface="ヒラギノ角ゴ Pro W3"/>
+                <a:cs typeface="ヒラギノ角ゴ Pro W3"/>
+              </a:defRPr>
+            </a:lvl1pPr>
+            <a:lvl2pPr marL="457200" algn="l" rtl="0" fontAlgn="base">
+              <a:spcBef>
+                <a:spcPct val="0"/>
+              </a:spcBef>
+              <a:spcAft>
+                <a:spcPct val="0"/>
+              </a:spcAft>
+              <a:defRPr sz="2000" kern="1200">
+                <a:solidFill>
+                  <a:schemeClr val="tx1"/>
+                </a:solidFill>
+                <a:latin typeface="Arial" pitchFamily="34" charset="0"/>
+                <a:ea typeface="ヒラギノ角ゴ Pro W3"/>
+                <a:cs typeface="ヒラギノ角ゴ Pro W3"/>
+              </a:defRPr>
+            </a:lvl2pPr>
+            <a:lvl3pPr marL="914400" algn="l" rtl="0" fontAlgn="base">
+              <a:spcBef>
+                <a:spcPct val="0"/>
+              </a:spcBef>
+              <a:spcAft>
+                <a:spcPct val="0"/>
+              </a:spcAft>
+              <a:defRPr sz="2000" kern="1200">
+                <a:solidFill>
+                  <a:schemeClr val="tx1"/>
+                </a:solidFill>
+                <a:latin typeface="Arial" pitchFamily="34" charset="0"/>
+                <a:ea typeface="ヒラギノ角ゴ Pro W3"/>
+                <a:cs typeface="ヒラギノ角ゴ Pro W3"/>
+              </a:defRPr>
+            </a:lvl3pPr>
+            <a:lvl4pPr marL="1371600" algn="l" rtl="0" fontAlgn="base">
+              <a:spcBef>
+                <a:spcPct val="0"/>
+              </a:spcBef>
+              <a:spcAft>
+                <a:spcPct val="0"/>
+              </a:spcAft>
+              <a:defRPr sz="2000" kern="1200">
+                <a:solidFill>
+                  <a:schemeClr val="tx1"/>
+                </a:solidFill>
+                <a:latin typeface="Arial" pitchFamily="34" charset="0"/>
+                <a:ea typeface="ヒラギノ角ゴ Pro W3"/>
+                <a:cs typeface="ヒラギノ角ゴ Pro W3"/>
+              </a:defRPr>
+            </a:lvl4pPr>
+            <a:lvl5pPr marL="1828800" algn="l" rtl="0" fontAlgn="base">
+              <a:spcBef>
+                <a:spcPct val="0"/>
+              </a:spcBef>
+              <a:spcAft>
+                <a:spcPct val="0"/>
+              </a:spcAft>
+              <a:defRPr sz="2000" kern="1200">
+                <a:solidFill>
+                  <a:schemeClr val="tx1"/>
+                </a:solidFill>
+                <a:latin typeface="Arial" pitchFamily="34" charset="0"/>
+                <a:ea typeface="ヒラギノ角ゴ Pro W3"/>
+                <a:cs typeface="ヒラギノ角ゴ Pro W3"/>
+              </a:defRPr>
+            </a:lvl5pPr>
+            <a:lvl6pPr marL="2286000" algn="l" defTabSz="914400" rtl="0" eaLnBrk="1" latinLnBrk="0" hangingPunct="1">
+              <a:defRPr sz="2000" kern="1200">
+                <a:solidFill>
+                  <a:schemeClr val="tx1"/>
+                </a:solidFill>
+                <a:latin typeface="Arial" pitchFamily="34" charset="0"/>
+                <a:ea typeface="ヒラギノ角ゴ Pro W3"/>
+                <a:cs typeface="ヒラギノ角ゴ Pro W3"/>
+              </a:defRPr>
+            </a:lvl6pPr>
+            <a:lvl7pPr marL="2743200" algn="l" defTabSz="914400" rtl="0" eaLnBrk="1" latinLnBrk="0" hangingPunct="1">
+              <a:defRPr sz="2000" kern="1200">
+                <a:solidFill>
+                  <a:schemeClr val="tx1"/>
+                </a:solidFill>
+                <a:latin typeface="Arial" pitchFamily="34" charset="0"/>
+                <a:ea typeface="ヒラギノ角ゴ Pro W3"/>
+                <a:cs typeface="ヒラギノ角ゴ Pro W3"/>
+              </a:defRPr>
+            </a:lvl7pPr>
+            <a:lvl8pPr marL="3200400" algn="l" defTabSz="914400" rtl="0" eaLnBrk="1" latinLnBrk="0" hangingPunct="1">
+              <a:defRPr sz="2000" kern="1200">
+                <a:solidFill>
+                  <a:schemeClr val="tx1"/>
+                </a:solidFill>
+                <a:latin typeface="Arial" pitchFamily="34" charset="0"/>
+                <a:ea typeface="ヒラギノ角ゴ Pro W3"/>
+                <a:cs typeface="ヒラギノ角ゴ Pro W3"/>
+              </a:defRPr>
+            </a:lvl8pPr>
+            <a:lvl9pPr marL="3657600" algn="l" defTabSz="914400" rtl="0" eaLnBrk="1" latinLnBrk="0" hangingPunct="1">
+              <a:defRPr sz="2000" kern="1200">
+                <a:solidFill>
+                  <a:schemeClr val="tx1"/>
+                </a:solidFill>
+                <a:latin typeface="Arial" pitchFamily="34" charset="0"/>
+                <a:ea typeface="ヒラギノ角ゴ Pro W3"/>
+                <a:cs typeface="ヒラギノ角ゴ Pro W3"/>
+              </a:defRPr>
+            </a:lvl9pPr>
+          </a:lstStyle>
+          <a:p>
+            <a:pPr marL="252000" indent="-180000" eaLnBrk="0" hangingPunct="0">
+              <a:spcBef>
+                <a:spcPts val="200"/>
+              </a:spcBef>
+              <a:spcAft>
+                <a:spcPts val="200"/>
+              </a:spcAft>
+              <a:buClr>
+                <a:srgbClr val="007348"/>
+              </a:buClr>
+              <a:buFont typeface="Wingdings" pitchFamily="2" charset="2"/>
+              <a:buChar char="§"/>
+              <a:defRPr/>
+            </a:pPr>
+            <a:r>
+              <a:rPr lang="de-DE" sz="1400" dirty="0" smtClean="0"/>
+              <a:t>Selbständiges Arbeiten wird gefördert</a:t>
+            </a:r>
+            <a:endParaRPr lang="de-DE" sz="1400" dirty="0"/>
+          </a:p>
+          <a:p>
+            <a:pPr marL="252000" indent="-180000" eaLnBrk="0" hangingPunct="0">
+              <a:spcBef>
+                <a:spcPts val="200"/>
+              </a:spcBef>
+              <a:spcAft>
+                <a:spcPts val="200"/>
+              </a:spcAft>
+              <a:buClr>
+                <a:srgbClr val="007348"/>
+              </a:buClr>
+              <a:buFont typeface="Wingdings" pitchFamily="2" charset="2"/>
+              <a:buChar char="§"/>
+              <a:defRPr/>
+            </a:pPr>
+            <a:r>
+              <a:rPr lang="de-DE" sz="1400" dirty="0" smtClean="0"/>
+              <a:t>Ergebnisse fühlen sich wirklich als selbst erbrachte Leistung an</a:t>
+            </a:r>
+            <a:endParaRPr lang="de-DE" sz="1400" dirty="0"/>
+          </a:p>
+          <a:p>
+            <a:pPr marL="252000" indent="-180000" eaLnBrk="0" hangingPunct="0">
+              <a:spcBef>
+                <a:spcPts val="200"/>
+              </a:spcBef>
+              <a:spcAft>
+                <a:spcPts val="200"/>
+              </a:spcAft>
+              <a:buClr>
+                <a:srgbClr val="007348"/>
+              </a:buClr>
+              <a:buFont typeface="Wingdings" pitchFamily="2" charset="2"/>
+              <a:buChar char="§"/>
+              <a:defRPr/>
+            </a:pPr>
+            <a:r>
+              <a:rPr lang="de-DE" sz="1400" dirty="0" smtClean="0"/>
+              <a:t>Praktikum war vor allem in der Endphase mit der Interaktion mit Roboter auch so schon sehr interessant</a:t>
+            </a:r>
+            <a:endParaRPr lang="de-DE" sz="1400" dirty="0"/>
+          </a:p>
+        </p:txBody>
+      </p:sp>
+      <p:sp>
+        <p:nvSpPr>
+          <p:cNvPr id="10" name="Rectangle 4"/>
+          <p:cNvSpPr>
+            <a:spLocks noChangeArrowheads="1"/>
+          </p:cNvSpPr>
+          <p:nvPr/>
+        </p:nvSpPr>
+        <p:spPr bwMode="auto">
+          <a:xfrm>
+            <a:off x="5648104" y="3574614"/>
+            <a:ext cx="5707466" cy="1762929"/>
+          </a:xfrm>
+          <a:prstGeom prst="rect">
+            <a:avLst/>
+          </a:prstGeom>
+          <a:solidFill>
+            <a:schemeClr val="bg2"/>
+          </a:solidFill>
+          <a:ln w="19050">
+            <a:solidFill>
+              <a:schemeClr val="bg2"/>
+            </a:solidFill>
+            <a:miter lim="800000"/>
+            <a:headEnd/>
+            <a:tailEnd/>
+          </a:ln>
+        </p:spPr>
+        <p:txBody>
+          <a:bodyPr vert="horz" wrap="square" lIns="0" tIns="36000" rIns="0" bIns="36000" rtlCol="0" anchor="b" anchorCtr="0">
+            <a:noAutofit/>
+          </a:bodyPr>
+          <a:lstStyle>
+            <a:defPPr>
+              <a:defRPr lang="de-DE"/>
+            </a:defPPr>
+            <a:lvl1pPr algn="l" rtl="0" fontAlgn="base">
+              <a:spcBef>
+                <a:spcPct val="0"/>
+              </a:spcBef>
+              <a:spcAft>
+                <a:spcPct val="0"/>
+              </a:spcAft>
+              <a:defRPr sz="2000" kern="1200">
+                <a:solidFill>
+                  <a:schemeClr val="tx1"/>
+                </a:solidFill>
+                <a:latin typeface="Arial" pitchFamily="34" charset="0"/>
+                <a:ea typeface="ヒラギノ角ゴ Pro W3"/>
+                <a:cs typeface="ヒラギノ角ゴ Pro W3"/>
+              </a:defRPr>
+            </a:lvl1pPr>
+            <a:lvl2pPr marL="457200" algn="l" rtl="0" fontAlgn="base">
+              <a:spcBef>
+                <a:spcPct val="0"/>
+              </a:spcBef>
+              <a:spcAft>
+                <a:spcPct val="0"/>
+              </a:spcAft>
+              <a:defRPr sz="2000" kern="1200">
+                <a:solidFill>
+                  <a:schemeClr val="tx1"/>
+                </a:solidFill>
+                <a:latin typeface="Arial" pitchFamily="34" charset="0"/>
+                <a:ea typeface="ヒラギノ角ゴ Pro W3"/>
+                <a:cs typeface="ヒラギノ角ゴ Pro W3"/>
+              </a:defRPr>
+            </a:lvl2pPr>
+            <a:lvl3pPr marL="914400" algn="l" rtl="0" fontAlgn="base">
+              <a:spcBef>
+                <a:spcPct val="0"/>
+              </a:spcBef>
+              <a:spcAft>
+                <a:spcPct val="0"/>
+              </a:spcAft>
+              <a:defRPr sz="2000" kern="1200">
+                <a:solidFill>
+                  <a:schemeClr val="tx1"/>
+                </a:solidFill>
+                <a:latin typeface="Arial" pitchFamily="34" charset="0"/>
+                <a:ea typeface="ヒラギノ角ゴ Pro W3"/>
+                <a:cs typeface="ヒラギノ角ゴ Pro W3"/>
+              </a:defRPr>
+            </a:lvl3pPr>
+            <a:lvl4pPr marL="1371600" algn="l" rtl="0" fontAlgn="base">
+              <a:spcBef>
+                <a:spcPct val="0"/>
+              </a:spcBef>
+              <a:spcAft>
+                <a:spcPct val="0"/>
+              </a:spcAft>
+              <a:defRPr sz="2000" kern="1200">
+                <a:solidFill>
+                  <a:schemeClr val="tx1"/>
+                </a:solidFill>
+                <a:latin typeface="Arial" pitchFamily="34" charset="0"/>
+                <a:ea typeface="ヒラギノ角ゴ Pro W3"/>
+                <a:cs typeface="ヒラギノ角ゴ Pro W3"/>
+              </a:defRPr>
+            </a:lvl4pPr>
+            <a:lvl5pPr marL="1828800" algn="l" rtl="0" fontAlgn="base">
+              <a:spcBef>
+                <a:spcPct val="0"/>
+              </a:spcBef>
+              <a:spcAft>
+                <a:spcPct val="0"/>
+              </a:spcAft>
+              <a:defRPr sz="2000" kern="1200">
+                <a:solidFill>
+                  <a:schemeClr val="tx1"/>
+                </a:solidFill>
+                <a:latin typeface="Arial" pitchFamily="34" charset="0"/>
+                <a:ea typeface="ヒラギノ角ゴ Pro W3"/>
+                <a:cs typeface="ヒラギノ角ゴ Pro W3"/>
+              </a:defRPr>
+            </a:lvl5pPr>
+            <a:lvl6pPr marL="2286000" algn="l" defTabSz="914400" rtl="0" eaLnBrk="1" latinLnBrk="0" hangingPunct="1">
+              <a:defRPr sz="2000" kern="1200">
+                <a:solidFill>
+                  <a:schemeClr val="tx1"/>
+                </a:solidFill>
+                <a:latin typeface="Arial" pitchFamily="34" charset="0"/>
+                <a:ea typeface="ヒラギノ角ゴ Pro W3"/>
+                <a:cs typeface="ヒラギノ角ゴ Pro W3"/>
+              </a:defRPr>
+            </a:lvl6pPr>
+            <a:lvl7pPr marL="2743200" algn="l" defTabSz="914400" rtl="0" eaLnBrk="1" latinLnBrk="0" hangingPunct="1">
+              <a:defRPr sz="2000" kern="1200">
+                <a:solidFill>
+                  <a:schemeClr val="tx1"/>
+                </a:solidFill>
+                <a:latin typeface="Arial" pitchFamily="34" charset="0"/>
+                <a:ea typeface="ヒラギノ角ゴ Pro W3"/>
+                <a:cs typeface="ヒラギノ角ゴ Pro W3"/>
+              </a:defRPr>
+            </a:lvl7pPr>
+            <a:lvl8pPr marL="3200400" algn="l" defTabSz="914400" rtl="0" eaLnBrk="1" latinLnBrk="0" hangingPunct="1">
+              <a:defRPr sz="2000" kern="1200">
+                <a:solidFill>
+                  <a:schemeClr val="tx1"/>
+                </a:solidFill>
+                <a:latin typeface="Arial" pitchFamily="34" charset="0"/>
+                <a:ea typeface="ヒラギノ角ゴ Pro W3"/>
+                <a:cs typeface="ヒラギノ角ゴ Pro W3"/>
+              </a:defRPr>
+            </a:lvl8pPr>
+            <a:lvl9pPr marL="3657600" algn="l" defTabSz="914400" rtl="0" eaLnBrk="1" latinLnBrk="0" hangingPunct="1">
+              <a:defRPr sz="2000" kern="1200">
+                <a:solidFill>
+                  <a:schemeClr val="tx1"/>
+                </a:solidFill>
+                <a:latin typeface="Arial" pitchFamily="34" charset="0"/>
+                <a:ea typeface="ヒラギノ角ゴ Pro W3"/>
+                <a:cs typeface="ヒラギノ角ゴ Pro W3"/>
+              </a:defRPr>
+            </a:lvl9pPr>
+          </a:lstStyle>
+          <a:p>
+            <a:pPr marL="72000" eaLnBrk="0" hangingPunct="0">
+              <a:spcBef>
+                <a:spcPts val="200"/>
+              </a:spcBef>
+              <a:spcAft>
+                <a:spcPts val="200"/>
+              </a:spcAft>
+              <a:buClr>
+                <a:schemeClr val="accent1"/>
+              </a:buClr>
+              <a:defRPr/>
+            </a:pPr>
+            <a:endParaRPr lang="de-DE" sz="1400" dirty="0"/>
+          </a:p>
+        </p:txBody>
+      </p:sp>
+      <p:sp>
+        <p:nvSpPr>
+          <p:cNvPr id="11" name="Rectangle 5"/>
+          <p:cNvSpPr>
+            <a:spLocks noChangeArrowheads="1"/>
+          </p:cNvSpPr>
+          <p:nvPr/>
+        </p:nvSpPr>
+        <p:spPr bwMode="auto">
+          <a:xfrm>
+            <a:off x="10002181" y="4320468"/>
+            <a:ext cx="1080000" cy="271220"/>
+          </a:xfrm>
+          <a:prstGeom prst="rect">
+            <a:avLst/>
+          </a:prstGeom>
+          <a:solidFill>
+            <a:schemeClr val="bg1"/>
+          </a:solidFill>
+          <a:ln w="9525">
+            <a:solidFill>
+              <a:schemeClr val="bg1"/>
+            </a:solidFill>
+            <a:miter lim="800000"/>
+            <a:headEnd/>
+            <a:tailEnd/>
+          </a:ln>
+        </p:spPr>
+        <p:txBody>
+          <a:bodyPr wrap="none" anchor="ctr">
+            <a:spAutoFit/>
+          </a:bodyPr>
+          <a:lstStyle>
+            <a:defPPr>
+              <a:defRPr lang="de-DE"/>
+            </a:defPPr>
+            <a:lvl1pPr algn="l" rtl="0" fontAlgn="base">
+              <a:spcBef>
+                <a:spcPct val="0"/>
+              </a:spcBef>
+              <a:spcAft>
+                <a:spcPct val="0"/>
+              </a:spcAft>
+              <a:defRPr sz="2000" kern="1200">
+                <a:solidFill>
+                  <a:schemeClr val="tx1"/>
+                </a:solidFill>
+                <a:latin typeface="Arial" pitchFamily="34" charset="0"/>
+                <a:ea typeface="ヒラギノ角ゴ Pro W3"/>
+                <a:cs typeface="ヒラギノ角ゴ Pro W3"/>
+              </a:defRPr>
+            </a:lvl1pPr>
+            <a:lvl2pPr marL="457200" algn="l" rtl="0" fontAlgn="base">
+              <a:spcBef>
+                <a:spcPct val="0"/>
+              </a:spcBef>
+              <a:spcAft>
+                <a:spcPct val="0"/>
+              </a:spcAft>
+              <a:defRPr sz="2000" kern="1200">
+                <a:solidFill>
+                  <a:schemeClr val="tx1"/>
+                </a:solidFill>
+                <a:latin typeface="Arial" pitchFamily="34" charset="0"/>
+                <a:ea typeface="ヒラギノ角ゴ Pro W3"/>
+                <a:cs typeface="ヒラギノ角ゴ Pro W3"/>
+              </a:defRPr>
+            </a:lvl2pPr>
+            <a:lvl3pPr marL="914400" algn="l" rtl="0" fontAlgn="base">
+              <a:spcBef>
+                <a:spcPct val="0"/>
+              </a:spcBef>
+              <a:spcAft>
+                <a:spcPct val="0"/>
+              </a:spcAft>
+              <a:defRPr sz="2000" kern="1200">
+                <a:solidFill>
+                  <a:schemeClr val="tx1"/>
+                </a:solidFill>
+                <a:latin typeface="Arial" pitchFamily="34" charset="0"/>
+                <a:ea typeface="ヒラギノ角ゴ Pro W3"/>
+                <a:cs typeface="ヒラギノ角ゴ Pro W3"/>
+              </a:defRPr>
+            </a:lvl3pPr>
+            <a:lvl4pPr marL="1371600" algn="l" rtl="0" fontAlgn="base">
+              <a:spcBef>
+                <a:spcPct val="0"/>
+              </a:spcBef>
+              <a:spcAft>
+                <a:spcPct val="0"/>
+              </a:spcAft>
+              <a:defRPr sz="2000" kern="1200">
+                <a:solidFill>
+                  <a:schemeClr val="tx1"/>
+                </a:solidFill>
+                <a:latin typeface="Arial" pitchFamily="34" charset="0"/>
+                <a:ea typeface="ヒラギノ角ゴ Pro W3"/>
+                <a:cs typeface="ヒラギノ角ゴ Pro W3"/>
+              </a:defRPr>
+            </a:lvl4pPr>
+            <a:lvl5pPr marL="1828800" algn="l" rtl="0" fontAlgn="base">
+              <a:spcBef>
+                <a:spcPct val="0"/>
+              </a:spcBef>
+              <a:spcAft>
+                <a:spcPct val="0"/>
+              </a:spcAft>
+              <a:defRPr sz="2000" kern="1200">
+                <a:solidFill>
+                  <a:schemeClr val="tx1"/>
+                </a:solidFill>
+                <a:latin typeface="Arial" pitchFamily="34" charset="0"/>
+                <a:ea typeface="ヒラギノ角ゴ Pro W3"/>
+                <a:cs typeface="ヒラギノ角ゴ Pro W3"/>
+              </a:defRPr>
+            </a:lvl5pPr>
+            <a:lvl6pPr marL="2286000" algn="l" defTabSz="914400" rtl="0" eaLnBrk="1" latinLnBrk="0" hangingPunct="1">
+              <a:defRPr sz="2000" kern="1200">
+                <a:solidFill>
+                  <a:schemeClr val="tx1"/>
+                </a:solidFill>
+                <a:latin typeface="Arial" pitchFamily="34" charset="0"/>
+                <a:ea typeface="ヒラギノ角ゴ Pro W3"/>
+                <a:cs typeface="ヒラギノ角ゴ Pro W3"/>
+              </a:defRPr>
+            </a:lvl6pPr>
+            <a:lvl7pPr marL="2743200" algn="l" defTabSz="914400" rtl="0" eaLnBrk="1" latinLnBrk="0" hangingPunct="1">
+              <a:defRPr sz="2000" kern="1200">
+                <a:solidFill>
+                  <a:schemeClr val="tx1"/>
+                </a:solidFill>
+                <a:latin typeface="Arial" pitchFamily="34" charset="0"/>
+                <a:ea typeface="ヒラギノ角ゴ Pro W3"/>
+                <a:cs typeface="ヒラギノ角ゴ Pro W3"/>
+              </a:defRPr>
+            </a:lvl7pPr>
+            <a:lvl8pPr marL="3200400" algn="l" defTabSz="914400" rtl="0" eaLnBrk="1" latinLnBrk="0" hangingPunct="1">
+              <a:defRPr sz="2000" kern="1200">
+                <a:solidFill>
+                  <a:schemeClr val="tx1"/>
+                </a:solidFill>
+                <a:latin typeface="Arial" pitchFamily="34" charset="0"/>
+                <a:ea typeface="ヒラギノ角ゴ Pro W3"/>
+                <a:cs typeface="ヒラギノ角ゴ Pro W3"/>
+              </a:defRPr>
+            </a:lvl8pPr>
+            <a:lvl9pPr marL="3657600" algn="l" defTabSz="914400" rtl="0" eaLnBrk="1" latinLnBrk="0" hangingPunct="1">
+              <a:defRPr sz="2000" kern="1200">
+                <a:solidFill>
+                  <a:schemeClr val="tx1"/>
+                </a:solidFill>
+                <a:latin typeface="Arial" pitchFamily="34" charset="0"/>
+                <a:ea typeface="ヒラギノ角ゴ Pro W3"/>
+                <a:cs typeface="ヒラギノ角ゴ Pro W3"/>
+              </a:defRPr>
+            </a:lvl9pPr>
+          </a:lstStyle>
+          <a:p>
+            <a:pPr algn="ctr">
+              <a:spcBef>
+                <a:spcPct val="20000"/>
+              </a:spcBef>
+              <a:buClr>
+                <a:schemeClr val="bg1"/>
+              </a:buClr>
+              <a:buSzPct val="150000"/>
+              <a:buFont typeface="Wingdings" pitchFamily="2" charset="2"/>
+              <a:buChar char="§"/>
+            </a:pPr>
+            <a:endParaRPr lang="de-DE"/>
+          </a:p>
+        </p:txBody>
+      </p:sp>
+      <p:sp>
+        <p:nvSpPr>
+          <p:cNvPr id="12" name="Rectangle 4"/>
+          <p:cNvSpPr>
+            <a:spLocks noChangeArrowheads="1"/>
+          </p:cNvSpPr>
+          <p:nvPr/>
+        </p:nvSpPr>
+        <p:spPr bwMode="auto">
+          <a:xfrm>
+            <a:off x="5648106" y="3574614"/>
+            <a:ext cx="4080686" cy="1762929"/>
+          </a:xfrm>
+          <a:prstGeom prst="rect">
+            <a:avLst/>
+          </a:prstGeom>
+          <a:noFill/>
+          <a:ln w="19050">
+            <a:noFill/>
+            <a:miter lim="800000"/>
+            <a:headEnd/>
+            <a:tailEnd/>
+          </a:ln>
+        </p:spPr>
+        <p:txBody>
+          <a:bodyPr wrap="square" lIns="36000" tIns="72000" rIns="36000" bIns="72000" rtlCol="0" anchor="ctr" anchorCtr="0">
+            <a:noAutofit/>
+          </a:bodyPr>
+          <a:lstStyle>
+            <a:defPPr>
+              <a:defRPr lang="de-DE"/>
+            </a:defPPr>
+            <a:lvl1pPr algn="l" rtl="0" fontAlgn="base">
+              <a:spcBef>
+                <a:spcPct val="0"/>
+              </a:spcBef>
+              <a:spcAft>
+                <a:spcPct val="0"/>
+              </a:spcAft>
+              <a:defRPr sz="2000" kern="1200">
+                <a:solidFill>
+                  <a:schemeClr val="tx1"/>
+                </a:solidFill>
+                <a:latin typeface="Arial" pitchFamily="34" charset="0"/>
+                <a:ea typeface="ヒラギノ角ゴ Pro W3"/>
+                <a:cs typeface="ヒラギノ角ゴ Pro W3"/>
+              </a:defRPr>
+            </a:lvl1pPr>
+            <a:lvl2pPr marL="457200" algn="l" rtl="0" fontAlgn="base">
+              <a:spcBef>
+                <a:spcPct val="0"/>
+              </a:spcBef>
+              <a:spcAft>
+                <a:spcPct val="0"/>
+              </a:spcAft>
+              <a:defRPr sz="2000" kern="1200">
+                <a:solidFill>
+                  <a:schemeClr val="tx1"/>
+                </a:solidFill>
+                <a:latin typeface="Arial" pitchFamily="34" charset="0"/>
+                <a:ea typeface="ヒラギノ角ゴ Pro W3"/>
+                <a:cs typeface="ヒラギノ角ゴ Pro W3"/>
+              </a:defRPr>
+            </a:lvl2pPr>
+            <a:lvl3pPr marL="914400" algn="l" rtl="0" fontAlgn="base">
+              <a:spcBef>
+                <a:spcPct val="0"/>
+              </a:spcBef>
+              <a:spcAft>
+                <a:spcPct val="0"/>
+              </a:spcAft>
+              <a:defRPr sz="2000" kern="1200">
+                <a:solidFill>
+                  <a:schemeClr val="tx1"/>
+                </a:solidFill>
+                <a:latin typeface="Arial" pitchFamily="34" charset="0"/>
+                <a:ea typeface="ヒラギノ角ゴ Pro W3"/>
+                <a:cs typeface="ヒラギノ角ゴ Pro W3"/>
+              </a:defRPr>
+            </a:lvl3pPr>
+            <a:lvl4pPr marL="1371600" algn="l" rtl="0" fontAlgn="base">
+              <a:spcBef>
+                <a:spcPct val="0"/>
+              </a:spcBef>
+              <a:spcAft>
+                <a:spcPct val="0"/>
+              </a:spcAft>
+              <a:defRPr sz="2000" kern="1200">
+                <a:solidFill>
+                  <a:schemeClr val="tx1"/>
+                </a:solidFill>
+                <a:latin typeface="Arial" pitchFamily="34" charset="0"/>
+                <a:ea typeface="ヒラギノ角ゴ Pro W3"/>
+                <a:cs typeface="ヒラギノ角ゴ Pro W3"/>
+              </a:defRPr>
+            </a:lvl4pPr>
+            <a:lvl5pPr marL="1828800" algn="l" rtl="0" fontAlgn="base">
+              <a:spcBef>
+                <a:spcPct val="0"/>
+              </a:spcBef>
+              <a:spcAft>
+                <a:spcPct val="0"/>
+              </a:spcAft>
+              <a:defRPr sz="2000" kern="1200">
+                <a:solidFill>
+                  <a:schemeClr val="tx1"/>
+                </a:solidFill>
+                <a:latin typeface="Arial" pitchFamily="34" charset="0"/>
+                <a:ea typeface="ヒラギノ角ゴ Pro W3"/>
+                <a:cs typeface="ヒラギノ角ゴ Pro W3"/>
+              </a:defRPr>
+            </a:lvl5pPr>
+            <a:lvl6pPr marL="2286000" algn="l" defTabSz="914400" rtl="0" eaLnBrk="1" latinLnBrk="0" hangingPunct="1">
+              <a:defRPr sz="2000" kern="1200">
+                <a:solidFill>
+                  <a:schemeClr val="tx1"/>
+                </a:solidFill>
+                <a:latin typeface="Arial" pitchFamily="34" charset="0"/>
+                <a:ea typeface="ヒラギノ角ゴ Pro W3"/>
+                <a:cs typeface="ヒラギノ角ゴ Pro W3"/>
+              </a:defRPr>
+            </a:lvl6pPr>
+            <a:lvl7pPr marL="2743200" algn="l" defTabSz="914400" rtl="0" eaLnBrk="1" latinLnBrk="0" hangingPunct="1">
+              <a:defRPr sz="2000" kern="1200">
+                <a:solidFill>
+                  <a:schemeClr val="tx1"/>
+                </a:solidFill>
+                <a:latin typeface="Arial" pitchFamily="34" charset="0"/>
+                <a:ea typeface="ヒラギノ角ゴ Pro W3"/>
+                <a:cs typeface="ヒラギノ角ゴ Pro W3"/>
+              </a:defRPr>
+            </a:lvl7pPr>
+            <a:lvl8pPr marL="3200400" algn="l" defTabSz="914400" rtl="0" eaLnBrk="1" latinLnBrk="0" hangingPunct="1">
+              <a:defRPr sz="2000" kern="1200">
+                <a:solidFill>
+                  <a:schemeClr val="tx1"/>
+                </a:solidFill>
+                <a:latin typeface="Arial" pitchFamily="34" charset="0"/>
+                <a:ea typeface="ヒラギノ角ゴ Pro W3"/>
+                <a:cs typeface="ヒラギノ角ゴ Pro W3"/>
+              </a:defRPr>
+            </a:lvl8pPr>
+            <a:lvl9pPr marL="3657600" algn="l" defTabSz="914400" rtl="0" eaLnBrk="1" latinLnBrk="0" hangingPunct="1">
+              <a:defRPr sz="2000" kern="1200">
+                <a:solidFill>
+                  <a:schemeClr val="tx1"/>
+                </a:solidFill>
+                <a:latin typeface="Arial" pitchFamily="34" charset="0"/>
+                <a:ea typeface="ヒラギノ角ゴ Pro W3"/>
+                <a:cs typeface="ヒラギノ角ゴ Pro W3"/>
+              </a:defRPr>
+            </a:lvl9pPr>
+          </a:lstStyle>
+          <a:p>
+            <a:pPr marL="252000" indent="-180000" eaLnBrk="0" hangingPunct="0">
+              <a:spcBef>
+                <a:spcPts val="200"/>
+              </a:spcBef>
+              <a:spcAft>
+                <a:spcPts val="200"/>
+              </a:spcAft>
+              <a:buClr>
+                <a:srgbClr val="007348"/>
+              </a:buClr>
+              <a:buFont typeface="Wingdings" pitchFamily="2" charset="2"/>
+              <a:buChar char="§"/>
+              <a:defRPr/>
+            </a:pPr>
+            <a:r>
+              <a:rPr lang="de-DE" sz="1400" dirty="0" smtClean="0"/>
+              <a:t>Gerade gegen Ende kamen noch einige Dinge auf, die angepasst werden mussten um die eigentliche Aufgabenstellung zu erfüllen</a:t>
+            </a:r>
+            <a:endParaRPr lang="de-DE" sz="1400" dirty="0"/>
+          </a:p>
+          <a:p>
+            <a:pPr marL="252000" indent="-180000" eaLnBrk="0" hangingPunct="0">
+              <a:spcBef>
+                <a:spcPts val="200"/>
+              </a:spcBef>
+              <a:spcAft>
+                <a:spcPts val="200"/>
+              </a:spcAft>
+              <a:buClr>
+                <a:srgbClr val="007348"/>
+              </a:buClr>
+              <a:buFont typeface="Wingdings" pitchFamily="2" charset="2"/>
+              <a:buChar char="§"/>
+              <a:defRPr/>
+            </a:pPr>
+            <a:r>
+              <a:rPr lang="de-DE" sz="1400" dirty="0" smtClean="0"/>
+              <a:t>Fortschritt kann durch Kontrolle beschleunigt werden</a:t>
+            </a:r>
+            <a:endParaRPr lang="de-DE" sz="1400" dirty="0"/>
+          </a:p>
+          <a:p>
+            <a:pPr marL="252000" indent="-180000" eaLnBrk="0" hangingPunct="0">
+              <a:spcBef>
+                <a:spcPts val="200"/>
+              </a:spcBef>
+              <a:spcAft>
+                <a:spcPts val="200"/>
+              </a:spcAft>
+              <a:buClr>
+                <a:srgbClr val="007348"/>
+              </a:buClr>
+              <a:buFont typeface="Wingdings" pitchFamily="2" charset="2"/>
+              <a:buChar char="§"/>
+              <a:defRPr/>
+            </a:pPr>
+            <a:r>
+              <a:rPr lang="de-DE" sz="1400" dirty="0" smtClean="0"/>
+              <a:t>Gesamtprojekt kann mehr umsetzen, da Fehler und Holzwege schneller überwunden werden</a:t>
+            </a:r>
+            <a:endParaRPr lang="de-DE" sz="1400" dirty="0" smtClean="0"/>
+          </a:p>
+        </p:txBody>
+      </p:sp>
+      <p:cxnSp>
+        <p:nvCxnSpPr>
+          <p:cNvPr id="8" name="AutoShape 8"/>
+          <p:cNvCxnSpPr>
+            <a:cxnSpLocks noChangeShapeType="1"/>
+          </p:cNvCxnSpPr>
+          <p:nvPr/>
+        </p:nvCxnSpPr>
+        <p:spPr bwMode="auto">
+          <a:xfrm flipV="1">
+            <a:off x="3264068" y="1862539"/>
+            <a:ext cx="2384037" cy="1245916"/>
+          </a:xfrm>
+          <a:prstGeom prst="bentConnector3">
+            <a:avLst>
+              <a:gd name="adj1" fmla="val 50000"/>
+            </a:avLst>
+          </a:prstGeom>
+          <a:noFill/>
+          <a:ln w="19050">
+            <a:solidFill>
+              <a:schemeClr val="accent3">
+                <a:lumMod val="50000"/>
+              </a:schemeClr>
+            </a:solidFill>
+            <a:miter lim="800000"/>
+            <a:headEnd/>
+            <a:tailEnd type="triangle" w="med" len="med"/>
+          </a:ln>
+        </p:spPr>
+      </p:cxnSp>
+      <p:cxnSp>
+        <p:nvCxnSpPr>
+          <p:cNvPr id="9" name="AutoShape 9"/>
+          <p:cNvCxnSpPr>
+            <a:cxnSpLocks noChangeShapeType="1"/>
+          </p:cNvCxnSpPr>
+          <p:nvPr/>
+        </p:nvCxnSpPr>
+        <p:spPr bwMode="auto">
+          <a:xfrm>
+            <a:off x="3264068" y="3108455"/>
+            <a:ext cx="2384037" cy="1347624"/>
+          </a:xfrm>
+          <a:prstGeom prst="bentConnector3">
+            <a:avLst>
+              <a:gd name="adj1" fmla="val 50000"/>
+            </a:avLst>
+          </a:prstGeom>
+          <a:noFill/>
+          <a:ln w="19050">
+            <a:solidFill>
+              <a:schemeClr val="accent3">
+                <a:lumMod val="50000"/>
+              </a:schemeClr>
+            </a:solidFill>
+            <a:miter lim="800000"/>
+            <a:headEnd/>
+            <a:tailEnd type="triangle" w="med" len="med"/>
+          </a:ln>
+        </p:spPr>
+      </p:cxnSp>
+      <p:sp>
+        <p:nvSpPr>
+          <p:cNvPr id="7" name="Rectangle 6"/>
+          <p:cNvSpPr>
+            <a:spLocks noChangeArrowheads="1"/>
+          </p:cNvSpPr>
+          <p:nvPr/>
+        </p:nvSpPr>
+        <p:spPr bwMode="auto">
+          <a:xfrm>
+            <a:off x="659218" y="2430405"/>
+            <a:ext cx="2604850" cy="1356099"/>
+          </a:xfrm>
+          <a:prstGeom prst="rect">
+            <a:avLst/>
+          </a:prstGeom>
+          <a:solidFill>
+            <a:schemeClr val="accent3">
+              <a:lumMod val="50000"/>
+            </a:schemeClr>
+          </a:solidFill>
+          <a:ln w="19050">
+            <a:solidFill>
+              <a:schemeClr val="accent3">
+                <a:lumMod val="50000"/>
+              </a:schemeClr>
+            </a:solidFill>
+            <a:miter lim="800000"/>
+            <a:headEnd/>
+            <a:tailEnd/>
+          </a:ln>
+          <a:effectLst/>
+        </p:spPr>
+        <p:txBody>
+          <a:bodyPr anchor="ctr"/>
+          <a:lstStyle>
+            <a:defPPr>
+              <a:defRPr lang="de-DE"/>
+            </a:defPPr>
+            <a:lvl1pPr algn="l" rtl="0" fontAlgn="base">
+              <a:spcBef>
+                <a:spcPct val="0"/>
+              </a:spcBef>
+              <a:spcAft>
+                <a:spcPct val="0"/>
+              </a:spcAft>
+              <a:defRPr sz="2000" kern="1200">
+                <a:solidFill>
+                  <a:schemeClr val="tx1"/>
+                </a:solidFill>
+                <a:latin typeface="Arial" pitchFamily="34" charset="0"/>
+                <a:ea typeface="ヒラギノ角ゴ Pro W3"/>
+                <a:cs typeface="ヒラギノ角ゴ Pro W3"/>
+              </a:defRPr>
+            </a:lvl1pPr>
+            <a:lvl2pPr marL="457200" algn="l" rtl="0" fontAlgn="base">
+              <a:spcBef>
+                <a:spcPct val="0"/>
+              </a:spcBef>
+              <a:spcAft>
+                <a:spcPct val="0"/>
+              </a:spcAft>
+              <a:defRPr sz="2000" kern="1200">
+                <a:solidFill>
+                  <a:schemeClr val="tx1"/>
+                </a:solidFill>
+                <a:latin typeface="Arial" pitchFamily="34" charset="0"/>
+                <a:ea typeface="ヒラギノ角ゴ Pro W3"/>
+                <a:cs typeface="ヒラギノ角ゴ Pro W3"/>
+              </a:defRPr>
+            </a:lvl2pPr>
+            <a:lvl3pPr marL="914400" algn="l" rtl="0" fontAlgn="base">
+              <a:spcBef>
+                <a:spcPct val="0"/>
+              </a:spcBef>
+              <a:spcAft>
+                <a:spcPct val="0"/>
+              </a:spcAft>
+              <a:defRPr sz="2000" kern="1200">
+                <a:solidFill>
+                  <a:schemeClr val="tx1"/>
+                </a:solidFill>
+                <a:latin typeface="Arial" pitchFamily="34" charset="0"/>
+                <a:ea typeface="ヒラギノ角ゴ Pro W3"/>
+                <a:cs typeface="ヒラギノ角ゴ Pro W3"/>
+              </a:defRPr>
+            </a:lvl3pPr>
+            <a:lvl4pPr marL="1371600" algn="l" rtl="0" fontAlgn="base">
+              <a:spcBef>
+                <a:spcPct val="0"/>
+              </a:spcBef>
+              <a:spcAft>
+                <a:spcPct val="0"/>
+              </a:spcAft>
+              <a:defRPr sz="2000" kern="1200">
+                <a:solidFill>
+                  <a:schemeClr val="tx1"/>
+                </a:solidFill>
+                <a:latin typeface="Arial" pitchFamily="34" charset="0"/>
+                <a:ea typeface="ヒラギノ角ゴ Pro W3"/>
+                <a:cs typeface="ヒラギノ角ゴ Pro W3"/>
+              </a:defRPr>
+            </a:lvl4pPr>
+            <a:lvl5pPr marL="1828800" algn="l" rtl="0" fontAlgn="base">
+              <a:spcBef>
+                <a:spcPct val="0"/>
+              </a:spcBef>
+              <a:spcAft>
+                <a:spcPct val="0"/>
+              </a:spcAft>
+              <a:defRPr sz="2000" kern="1200">
+                <a:solidFill>
+                  <a:schemeClr val="tx1"/>
+                </a:solidFill>
+                <a:latin typeface="Arial" pitchFamily="34" charset="0"/>
+                <a:ea typeface="ヒラギノ角ゴ Pro W3"/>
+                <a:cs typeface="ヒラギノ角ゴ Pro W3"/>
+              </a:defRPr>
+            </a:lvl5pPr>
+            <a:lvl6pPr marL="2286000" algn="l" defTabSz="914400" rtl="0" eaLnBrk="1" latinLnBrk="0" hangingPunct="1">
+              <a:defRPr sz="2000" kern="1200">
+                <a:solidFill>
+                  <a:schemeClr val="tx1"/>
+                </a:solidFill>
+                <a:latin typeface="Arial" pitchFamily="34" charset="0"/>
+                <a:ea typeface="ヒラギノ角ゴ Pro W3"/>
+                <a:cs typeface="ヒラギノ角ゴ Pro W3"/>
+              </a:defRPr>
+            </a:lvl6pPr>
+            <a:lvl7pPr marL="2743200" algn="l" defTabSz="914400" rtl="0" eaLnBrk="1" latinLnBrk="0" hangingPunct="1">
+              <a:defRPr sz="2000" kern="1200">
+                <a:solidFill>
+                  <a:schemeClr val="tx1"/>
+                </a:solidFill>
+                <a:latin typeface="Arial" pitchFamily="34" charset="0"/>
+                <a:ea typeface="ヒラギノ角ゴ Pro W3"/>
+                <a:cs typeface="ヒラギノ角ゴ Pro W3"/>
+              </a:defRPr>
+            </a:lvl7pPr>
+            <a:lvl8pPr marL="3200400" algn="l" defTabSz="914400" rtl="0" eaLnBrk="1" latinLnBrk="0" hangingPunct="1">
+              <a:defRPr sz="2000" kern="1200">
+                <a:solidFill>
+                  <a:schemeClr val="tx1"/>
+                </a:solidFill>
+                <a:latin typeface="Arial" pitchFamily="34" charset="0"/>
+                <a:ea typeface="ヒラギノ角ゴ Pro W3"/>
+                <a:cs typeface="ヒラギノ角ゴ Pro W3"/>
+              </a:defRPr>
+            </a:lvl8pPr>
+            <a:lvl9pPr marL="3657600" algn="l" defTabSz="914400" rtl="0" eaLnBrk="1" latinLnBrk="0" hangingPunct="1">
+              <a:defRPr sz="2000" kern="1200">
+                <a:solidFill>
+                  <a:schemeClr val="tx1"/>
+                </a:solidFill>
+                <a:latin typeface="Arial" pitchFamily="34" charset="0"/>
+                <a:ea typeface="ヒラギノ角ゴ Pro W3"/>
+                <a:cs typeface="ヒラギノ角ゴ Pro W3"/>
+              </a:defRPr>
+            </a:lvl9pPr>
+          </a:lstStyle>
+          <a:p>
+            <a:pPr algn="ctr" eaLnBrk="0" hangingPunct="0">
+              <a:buFont typeface="Webdings" charset="2"/>
+              <a:buNone/>
+              <a:defRPr/>
+            </a:pPr>
+            <a:r>
+              <a:rPr lang="de-DE" sz="1600" dirty="0" smtClean="0">
+                <a:solidFill>
+                  <a:schemeClr val="bg1"/>
+                </a:solidFill>
+                <a:latin typeface="Arial" charset="0"/>
+                <a:ea typeface="ヒラギノ角ゴ Pro W3" charset="-128"/>
+                <a:cs typeface="+mn-cs"/>
+              </a:rPr>
+              <a:t>Betreuungsverhältnis</a:t>
+            </a:r>
+            <a:endParaRPr lang="de-DE" sz="1600" dirty="0">
+              <a:solidFill>
+                <a:schemeClr val="bg1"/>
+              </a:solidFill>
+              <a:latin typeface="Arial" charset="0"/>
+              <a:ea typeface="ヒラギノ角ゴ Pro W3" charset="-128"/>
+              <a:cs typeface="+mn-cs"/>
+            </a:endParaRPr>
+          </a:p>
+        </p:txBody>
+      </p:sp>
+      <p:grpSp>
+        <p:nvGrpSpPr>
+          <p:cNvPr id="20" name="Gruppieren 19"/>
+          <p:cNvGrpSpPr/>
+          <p:nvPr/>
+        </p:nvGrpSpPr>
+        <p:grpSpPr>
+          <a:xfrm>
+            <a:off x="659218" y="5698839"/>
+            <a:ext cx="10696352" cy="610806"/>
+            <a:chOff x="350838" y="5319615"/>
+            <a:chExt cx="9064625" cy="603250"/>
+          </a:xfrm>
+        </p:grpSpPr>
+        <p:sp>
+          <p:nvSpPr>
+            <p:cNvPr id="21" name="Rectangle 13"/>
+            <p:cNvSpPr>
+              <a:spLocks noChangeArrowheads="1"/>
+            </p:cNvSpPr>
+            <p:nvPr/>
+          </p:nvSpPr>
+          <p:spPr bwMode="auto">
+            <a:xfrm>
+              <a:off x="350838" y="5319615"/>
+              <a:ext cx="9064625" cy="603250"/>
+            </a:xfrm>
+            <a:prstGeom prst="rect">
+              <a:avLst/>
+            </a:prstGeom>
+            <a:solidFill>
+              <a:srgbClr val="007348"/>
+            </a:solidFill>
+            <a:ln w="19050">
+              <a:solidFill>
+                <a:srgbClr val="007348"/>
+              </a:solidFill>
+              <a:miter lim="800000"/>
+              <a:headEnd/>
+              <a:tailEnd/>
+            </a:ln>
+            <a:effectLst/>
+          </p:spPr>
+          <p:txBody>
+            <a:bodyPr anchor="ctr"/>
+            <a:lstStyle>
+              <a:defPPr>
+                <a:defRPr lang="de-DE"/>
+              </a:defPPr>
+              <a:lvl1pPr algn="l" rtl="0" fontAlgn="base">
+                <a:spcBef>
+                  <a:spcPct val="0"/>
+                </a:spcBef>
+                <a:spcAft>
+                  <a:spcPct val="0"/>
+                </a:spcAft>
+                <a:defRPr sz="2000" kern="1200">
+                  <a:solidFill>
+                    <a:schemeClr val="tx1"/>
+                  </a:solidFill>
+                  <a:latin typeface="Arial" pitchFamily="34" charset="0"/>
+                  <a:ea typeface="ヒラギノ角ゴ Pro W3"/>
+                  <a:cs typeface="ヒラギノ角ゴ Pro W3"/>
+                </a:defRPr>
+              </a:lvl1pPr>
+              <a:lvl2pPr marL="457200" algn="l" rtl="0" fontAlgn="base">
+                <a:spcBef>
+                  <a:spcPct val="0"/>
+                </a:spcBef>
+                <a:spcAft>
+                  <a:spcPct val="0"/>
+                </a:spcAft>
+                <a:defRPr sz="2000" kern="1200">
+                  <a:solidFill>
+                    <a:schemeClr val="tx1"/>
+                  </a:solidFill>
+                  <a:latin typeface="Arial" pitchFamily="34" charset="0"/>
+                  <a:ea typeface="ヒラギノ角ゴ Pro W3"/>
+                  <a:cs typeface="ヒラギノ角ゴ Pro W3"/>
+                </a:defRPr>
+              </a:lvl2pPr>
+              <a:lvl3pPr marL="914400" algn="l" rtl="0" fontAlgn="base">
+                <a:spcBef>
+                  <a:spcPct val="0"/>
+                </a:spcBef>
+                <a:spcAft>
+                  <a:spcPct val="0"/>
+                </a:spcAft>
+                <a:defRPr sz="2000" kern="1200">
+                  <a:solidFill>
+                    <a:schemeClr val="tx1"/>
+                  </a:solidFill>
+                  <a:latin typeface="Arial" pitchFamily="34" charset="0"/>
+                  <a:ea typeface="ヒラギノ角ゴ Pro W3"/>
+                  <a:cs typeface="ヒラギノ角ゴ Pro W3"/>
+                </a:defRPr>
+              </a:lvl3pPr>
+              <a:lvl4pPr marL="1371600" algn="l" rtl="0" fontAlgn="base">
+                <a:spcBef>
+                  <a:spcPct val="0"/>
+                </a:spcBef>
+                <a:spcAft>
+                  <a:spcPct val="0"/>
+                </a:spcAft>
+                <a:defRPr sz="2000" kern="1200">
+                  <a:solidFill>
+                    <a:schemeClr val="tx1"/>
+                  </a:solidFill>
+                  <a:latin typeface="Arial" pitchFamily="34" charset="0"/>
+                  <a:ea typeface="ヒラギノ角ゴ Pro W3"/>
+                  <a:cs typeface="ヒラギノ角ゴ Pro W3"/>
+                </a:defRPr>
+              </a:lvl4pPr>
+              <a:lvl5pPr marL="1828800" algn="l" rtl="0" fontAlgn="base">
+                <a:spcBef>
+                  <a:spcPct val="0"/>
+                </a:spcBef>
+                <a:spcAft>
+                  <a:spcPct val="0"/>
+                </a:spcAft>
+                <a:defRPr sz="2000" kern="1200">
+                  <a:solidFill>
+                    <a:schemeClr val="tx1"/>
+                  </a:solidFill>
+                  <a:latin typeface="Arial" pitchFamily="34" charset="0"/>
+                  <a:ea typeface="ヒラギノ角ゴ Pro W3"/>
+                  <a:cs typeface="ヒラギノ角ゴ Pro W3"/>
+                </a:defRPr>
+              </a:lvl5pPr>
+              <a:lvl6pPr marL="2286000" algn="l" defTabSz="914400" rtl="0" eaLnBrk="1" latinLnBrk="0" hangingPunct="1">
+                <a:defRPr sz="2000" kern="1200">
+                  <a:solidFill>
+                    <a:schemeClr val="tx1"/>
+                  </a:solidFill>
+                  <a:latin typeface="Arial" pitchFamily="34" charset="0"/>
+                  <a:ea typeface="ヒラギノ角ゴ Pro W3"/>
+                  <a:cs typeface="ヒラギノ角ゴ Pro W3"/>
+                </a:defRPr>
+              </a:lvl6pPr>
+              <a:lvl7pPr marL="2743200" algn="l" defTabSz="914400" rtl="0" eaLnBrk="1" latinLnBrk="0" hangingPunct="1">
+                <a:defRPr sz="2000" kern="1200">
+                  <a:solidFill>
+                    <a:schemeClr val="tx1"/>
+                  </a:solidFill>
+                  <a:latin typeface="Arial" pitchFamily="34" charset="0"/>
+                  <a:ea typeface="ヒラギノ角ゴ Pro W3"/>
+                  <a:cs typeface="ヒラギノ角ゴ Pro W3"/>
+                </a:defRPr>
+              </a:lvl7pPr>
+              <a:lvl8pPr marL="3200400" algn="l" defTabSz="914400" rtl="0" eaLnBrk="1" latinLnBrk="0" hangingPunct="1">
+                <a:defRPr sz="2000" kern="1200">
+                  <a:solidFill>
+                    <a:schemeClr val="tx1"/>
+                  </a:solidFill>
+                  <a:latin typeface="Arial" pitchFamily="34" charset="0"/>
+                  <a:ea typeface="ヒラギノ角ゴ Pro W3"/>
+                  <a:cs typeface="ヒラギノ角ゴ Pro W3"/>
+                </a:defRPr>
+              </a:lvl8pPr>
+              <a:lvl9pPr marL="3657600" algn="l" defTabSz="914400" rtl="0" eaLnBrk="1" latinLnBrk="0" hangingPunct="1">
+                <a:defRPr sz="2000" kern="1200">
+                  <a:solidFill>
+                    <a:schemeClr val="tx1"/>
+                  </a:solidFill>
+                  <a:latin typeface="Arial" pitchFamily="34" charset="0"/>
+                  <a:ea typeface="ヒラギノ角ゴ Pro W3"/>
+                  <a:cs typeface="ヒラギノ角ゴ Pro W3"/>
+                </a:defRPr>
+              </a:lvl9pPr>
+            </a:lstStyle>
+            <a:p>
+              <a:pPr marL="723900" eaLnBrk="0" hangingPunct="0">
+                <a:defRPr/>
+              </a:pPr>
+              <a:r>
+                <a:rPr lang="de-DE" sz="1400" dirty="0" smtClean="0">
+                  <a:solidFill>
+                    <a:schemeClr val="bg1"/>
+                  </a:solidFill>
+                  <a:latin typeface="Arial" charset="0"/>
+                  <a:ea typeface="ヒラギノ角ゴ Pro W3" charset="-128"/>
+                  <a:cs typeface="+mn-cs"/>
+                </a:rPr>
+                <a:t>Für das nächste Praktikum sollte im Voraus für genügend Kapazitäten gesorgt werden</a:t>
+              </a:r>
+              <a:endParaRPr lang="de-DE" sz="1400" dirty="0">
+                <a:solidFill>
+                  <a:schemeClr val="bg1"/>
+                </a:solidFill>
+                <a:latin typeface="Arial" charset="0"/>
+                <a:ea typeface="ヒラギノ角ゴ Pro W3" charset="-128"/>
+                <a:cs typeface="+mn-cs"/>
+              </a:endParaRPr>
+            </a:p>
+          </p:txBody>
+        </p:sp>
+        <p:grpSp>
+          <p:nvGrpSpPr>
+            <p:cNvPr id="22" name="Gruppierung 13"/>
+            <p:cNvGrpSpPr/>
+            <p:nvPr/>
+          </p:nvGrpSpPr>
+          <p:grpSpPr>
+            <a:xfrm>
+              <a:off x="556902" y="5440661"/>
+              <a:ext cx="362341" cy="361157"/>
+              <a:chOff x="570784" y="4663421"/>
+              <a:chExt cx="362341" cy="361157"/>
+            </a:xfrm>
+          </p:grpSpPr>
+          <p:sp>
+            <p:nvSpPr>
+              <p:cNvPr id="23" name="Freeform 5"/>
+              <p:cNvSpPr>
+                <a:spLocks noEditPoints="1"/>
+              </p:cNvSpPr>
+              <p:nvPr/>
+            </p:nvSpPr>
+            <p:spPr bwMode="auto">
+              <a:xfrm>
+                <a:off x="570784" y="4663421"/>
+                <a:ext cx="362341" cy="361157"/>
+              </a:xfrm>
+              <a:custGeom>
+                <a:avLst/>
+                <a:gdLst>
+                  <a:gd name="T0" fmla="*/ 1008 w 2448"/>
+                  <a:gd name="T1" fmla="*/ 18 h 2440"/>
+                  <a:gd name="T2" fmla="*/ 748 w 2448"/>
+                  <a:gd name="T3" fmla="*/ 95 h 2440"/>
+                  <a:gd name="T4" fmla="*/ 516 w 2448"/>
+                  <a:gd name="T5" fmla="*/ 225 h 2440"/>
+                  <a:gd name="T6" fmla="*/ 319 w 2448"/>
+                  <a:gd name="T7" fmla="*/ 400 h 2440"/>
+                  <a:gd name="T8" fmla="*/ 162 w 2448"/>
+                  <a:gd name="T9" fmla="*/ 613 h 2440"/>
+                  <a:gd name="T10" fmla="*/ 55 w 2448"/>
+                  <a:gd name="T11" fmla="*/ 858 h 2440"/>
+                  <a:gd name="T12" fmla="*/ 4 w 2448"/>
+                  <a:gd name="T13" fmla="*/ 1126 h 2440"/>
+                  <a:gd name="T14" fmla="*/ 10 w 2448"/>
+                  <a:gd name="T15" fmla="*/ 1375 h 2440"/>
+                  <a:gd name="T16" fmla="*/ 75 w 2448"/>
+                  <a:gd name="T17" fmla="*/ 1639 h 2440"/>
+                  <a:gd name="T18" fmla="*/ 193 w 2448"/>
+                  <a:gd name="T19" fmla="*/ 1877 h 2440"/>
+                  <a:gd name="T20" fmla="*/ 360 w 2448"/>
+                  <a:gd name="T21" fmla="*/ 2082 h 2440"/>
+                  <a:gd name="T22" fmla="*/ 565 w 2448"/>
+                  <a:gd name="T23" fmla="*/ 2247 h 2440"/>
+                  <a:gd name="T24" fmla="*/ 804 w 2448"/>
+                  <a:gd name="T25" fmla="*/ 2366 h 2440"/>
+                  <a:gd name="T26" fmla="*/ 1069 w 2448"/>
+                  <a:gd name="T27" fmla="*/ 2430 h 2440"/>
+                  <a:gd name="T28" fmla="*/ 1318 w 2448"/>
+                  <a:gd name="T29" fmla="*/ 2436 h 2440"/>
+                  <a:gd name="T30" fmla="*/ 1588 w 2448"/>
+                  <a:gd name="T31" fmla="*/ 2385 h 2440"/>
+                  <a:gd name="T32" fmla="*/ 1832 w 2448"/>
+                  <a:gd name="T33" fmla="*/ 2278 h 2440"/>
+                  <a:gd name="T34" fmla="*/ 2046 w 2448"/>
+                  <a:gd name="T35" fmla="*/ 2122 h 2440"/>
+                  <a:gd name="T36" fmla="*/ 2222 w 2448"/>
+                  <a:gd name="T37" fmla="*/ 1926 h 2440"/>
+                  <a:gd name="T38" fmla="*/ 2351 w 2448"/>
+                  <a:gd name="T39" fmla="*/ 1694 h 2440"/>
+                  <a:gd name="T40" fmla="*/ 2428 w 2448"/>
+                  <a:gd name="T41" fmla="*/ 1436 h 2440"/>
+                  <a:gd name="T42" fmla="*/ 2447 w 2448"/>
+                  <a:gd name="T43" fmla="*/ 1189 h 2440"/>
+                  <a:gd name="T44" fmla="*/ 2409 w 2448"/>
+                  <a:gd name="T45" fmla="*/ 915 h 2440"/>
+                  <a:gd name="T46" fmla="*/ 2313 w 2448"/>
+                  <a:gd name="T47" fmla="*/ 665 h 2440"/>
+                  <a:gd name="T48" fmla="*/ 2167 w 2448"/>
+                  <a:gd name="T49" fmla="*/ 444 h 2440"/>
+                  <a:gd name="T50" fmla="*/ 1979 w 2448"/>
+                  <a:gd name="T51" fmla="*/ 260 h 2440"/>
+                  <a:gd name="T52" fmla="*/ 1754 w 2448"/>
+                  <a:gd name="T53" fmla="*/ 120 h 2440"/>
+                  <a:gd name="T54" fmla="*/ 1500 w 2448"/>
+                  <a:gd name="T55" fmla="*/ 31 h 2440"/>
+                  <a:gd name="T56" fmla="*/ 1224 w 2448"/>
+                  <a:gd name="T57" fmla="*/ 0 h 2440"/>
+                  <a:gd name="T58" fmla="*/ 1060 w 2448"/>
+                  <a:gd name="T59" fmla="*/ 2286 h 2440"/>
+                  <a:gd name="T60" fmla="*/ 827 w 2448"/>
+                  <a:gd name="T61" fmla="*/ 2224 h 2440"/>
+                  <a:gd name="T62" fmla="*/ 620 w 2448"/>
+                  <a:gd name="T63" fmla="*/ 2114 h 2440"/>
+                  <a:gd name="T64" fmla="*/ 441 w 2448"/>
+                  <a:gd name="T65" fmla="*/ 1965 h 2440"/>
+                  <a:gd name="T66" fmla="*/ 299 w 2448"/>
+                  <a:gd name="T67" fmla="*/ 1779 h 2440"/>
+                  <a:gd name="T68" fmla="*/ 198 w 2448"/>
+                  <a:gd name="T69" fmla="*/ 1566 h 2440"/>
+                  <a:gd name="T70" fmla="*/ 147 w 2448"/>
+                  <a:gd name="T71" fmla="*/ 1330 h 2440"/>
+                  <a:gd name="T72" fmla="*/ 147 w 2448"/>
+                  <a:gd name="T73" fmla="*/ 1110 h 2440"/>
+                  <a:gd name="T74" fmla="*/ 198 w 2448"/>
+                  <a:gd name="T75" fmla="*/ 874 h 2440"/>
+                  <a:gd name="T76" fmla="*/ 299 w 2448"/>
+                  <a:gd name="T77" fmla="*/ 661 h 2440"/>
+                  <a:gd name="T78" fmla="*/ 441 w 2448"/>
+                  <a:gd name="T79" fmla="*/ 475 h 2440"/>
+                  <a:gd name="T80" fmla="*/ 620 w 2448"/>
+                  <a:gd name="T81" fmla="*/ 325 h 2440"/>
+                  <a:gd name="T82" fmla="*/ 827 w 2448"/>
+                  <a:gd name="T83" fmla="*/ 215 h 2440"/>
+                  <a:gd name="T84" fmla="*/ 1060 w 2448"/>
+                  <a:gd name="T85" fmla="*/ 153 h 2440"/>
+                  <a:gd name="T86" fmla="*/ 1279 w 2448"/>
+                  <a:gd name="T87" fmla="*/ 142 h 2440"/>
+                  <a:gd name="T88" fmla="*/ 1520 w 2448"/>
+                  <a:gd name="T89" fmla="*/ 181 h 2440"/>
+                  <a:gd name="T90" fmla="*/ 1740 w 2448"/>
+                  <a:gd name="T91" fmla="*/ 271 h 2440"/>
+                  <a:gd name="T92" fmla="*/ 1932 w 2448"/>
+                  <a:gd name="T93" fmla="*/ 404 h 2440"/>
+                  <a:gd name="T94" fmla="*/ 2091 w 2448"/>
+                  <a:gd name="T95" fmla="*/ 575 h 2440"/>
+                  <a:gd name="T96" fmla="*/ 2211 w 2448"/>
+                  <a:gd name="T97" fmla="*/ 776 h 2440"/>
+                  <a:gd name="T98" fmla="*/ 2285 w 2448"/>
+                  <a:gd name="T99" fmla="*/ 1002 h 2440"/>
+                  <a:gd name="T100" fmla="*/ 2306 w 2448"/>
+                  <a:gd name="T101" fmla="*/ 1219 h 2440"/>
+                  <a:gd name="T102" fmla="*/ 2278 w 2448"/>
+                  <a:gd name="T103" fmla="*/ 1463 h 2440"/>
+                  <a:gd name="T104" fmla="*/ 2199 w 2448"/>
+                  <a:gd name="T105" fmla="*/ 1688 h 2440"/>
+                  <a:gd name="T106" fmla="*/ 2075 w 2448"/>
+                  <a:gd name="T107" fmla="*/ 1886 h 2440"/>
+                  <a:gd name="T108" fmla="*/ 1913 w 2448"/>
+                  <a:gd name="T109" fmla="*/ 2053 h 2440"/>
+                  <a:gd name="T110" fmla="*/ 1716 w 2448"/>
+                  <a:gd name="T111" fmla="*/ 2181 h 2440"/>
+                  <a:gd name="T112" fmla="*/ 1494 w 2448"/>
+                  <a:gd name="T113" fmla="*/ 2265 h 2440"/>
+                  <a:gd name="T114" fmla="*/ 1252 w 2448"/>
+                  <a:gd name="T115" fmla="*/ 2299 h 2440"/>
+                </a:gdLst>
+                <a:ahLst/>
+                <a:cxnLst>
+                  <a:cxn ang="0">
+                    <a:pos x="T0" y="T1"/>
+                  </a:cxn>
+                  <a:cxn ang="0">
+                    <a:pos x="T2" y="T3"/>
+                  </a:cxn>
+                  <a:cxn ang="0">
+                    <a:pos x="T4" y="T5"/>
+                  </a:cxn>
+                  <a:cxn ang="0">
+                    <a:pos x="T6" y="T7"/>
+                  </a:cxn>
+                  <a:cxn ang="0">
+                    <a:pos x="T8" y="T9"/>
+                  </a:cxn>
+                  <a:cxn ang="0">
+                    <a:pos x="T10" y="T11"/>
+                  </a:cxn>
+                  <a:cxn ang="0">
+                    <a:pos x="T12" y="T13"/>
+                  </a:cxn>
+                  <a:cxn ang="0">
+                    <a:pos x="T14" y="T15"/>
+                  </a:cxn>
+                  <a:cxn ang="0">
+                    <a:pos x="T16" y="T17"/>
+                  </a:cxn>
+                  <a:cxn ang="0">
+                    <a:pos x="T18" y="T19"/>
+                  </a:cxn>
+                  <a:cxn ang="0">
+                    <a:pos x="T20" y="T21"/>
+                  </a:cxn>
+                  <a:cxn ang="0">
+                    <a:pos x="T22" y="T23"/>
+                  </a:cxn>
+                  <a:cxn ang="0">
+                    <a:pos x="T24" y="T25"/>
+                  </a:cxn>
+                  <a:cxn ang="0">
+                    <a:pos x="T26" y="T27"/>
+                  </a:cxn>
+                  <a:cxn ang="0">
+                    <a:pos x="T28" y="T29"/>
+                  </a:cxn>
+                  <a:cxn ang="0">
+                    <a:pos x="T30" y="T31"/>
+                  </a:cxn>
+                  <a:cxn ang="0">
+                    <a:pos x="T32" y="T33"/>
+                  </a:cxn>
+                  <a:cxn ang="0">
+                    <a:pos x="T34" y="T35"/>
+                  </a:cxn>
+                  <a:cxn ang="0">
+                    <a:pos x="T36" y="T37"/>
+                  </a:cxn>
+                  <a:cxn ang="0">
+                    <a:pos x="T38" y="T39"/>
+                  </a:cxn>
+                  <a:cxn ang="0">
+                    <a:pos x="T40" y="T41"/>
+                  </a:cxn>
+                  <a:cxn ang="0">
+                    <a:pos x="T42" y="T43"/>
+                  </a:cxn>
+                  <a:cxn ang="0">
+                    <a:pos x="T44" y="T45"/>
+                  </a:cxn>
+                  <a:cxn ang="0">
+                    <a:pos x="T46" y="T47"/>
+                  </a:cxn>
+                  <a:cxn ang="0">
+                    <a:pos x="T48" y="T49"/>
+                  </a:cxn>
+                  <a:cxn ang="0">
+                    <a:pos x="T50" y="T51"/>
+                  </a:cxn>
+                  <a:cxn ang="0">
+                    <a:pos x="T52" y="T53"/>
+                  </a:cxn>
+                  <a:cxn ang="0">
+                    <a:pos x="T54" y="T55"/>
+                  </a:cxn>
+                  <a:cxn ang="0">
+                    <a:pos x="T56" y="T57"/>
+                  </a:cxn>
+                  <a:cxn ang="0">
+                    <a:pos x="T58" y="T59"/>
+                  </a:cxn>
+                  <a:cxn ang="0">
+                    <a:pos x="T60" y="T61"/>
+                  </a:cxn>
+                  <a:cxn ang="0">
+                    <a:pos x="T62" y="T63"/>
+                  </a:cxn>
+                  <a:cxn ang="0">
+                    <a:pos x="T64" y="T65"/>
+                  </a:cxn>
+                  <a:cxn ang="0">
+                    <a:pos x="T66" y="T67"/>
+                  </a:cxn>
+                  <a:cxn ang="0">
+                    <a:pos x="T68" y="T69"/>
+                  </a:cxn>
+                  <a:cxn ang="0">
+                    <a:pos x="T70" y="T71"/>
+                  </a:cxn>
+                  <a:cxn ang="0">
+                    <a:pos x="T72" y="T73"/>
+                  </a:cxn>
+                  <a:cxn ang="0">
+                    <a:pos x="T74" y="T75"/>
+                  </a:cxn>
+                  <a:cxn ang="0">
+                    <a:pos x="T76" y="T77"/>
+                  </a:cxn>
+                  <a:cxn ang="0">
+                    <a:pos x="T78" y="T79"/>
+                  </a:cxn>
+                  <a:cxn ang="0">
+                    <a:pos x="T80" y="T81"/>
+                  </a:cxn>
+                  <a:cxn ang="0">
+                    <a:pos x="T82" y="T83"/>
+                  </a:cxn>
+                  <a:cxn ang="0">
+                    <a:pos x="T84" y="T85"/>
+                  </a:cxn>
+                  <a:cxn ang="0">
+                    <a:pos x="T86" y="T87"/>
+                  </a:cxn>
+                  <a:cxn ang="0">
+                    <a:pos x="T88" y="T89"/>
+                  </a:cxn>
+                  <a:cxn ang="0">
+                    <a:pos x="T90" y="T91"/>
+                  </a:cxn>
+                  <a:cxn ang="0">
+                    <a:pos x="T92" y="T93"/>
+                  </a:cxn>
+                  <a:cxn ang="0">
+                    <a:pos x="T94" y="T95"/>
+                  </a:cxn>
+                  <a:cxn ang="0">
+                    <a:pos x="T96" y="T97"/>
+                  </a:cxn>
+                  <a:cxn ang="0">
+                    <a:pos x="T98" y="T99"/>
+                  </a:cxn>
+                  <a:cxn ang="0">
+                    <a:pos x="T100" y="T101"/>
+                  </a:cxn>
+                  <a:cxn ang="0">
+                    <a:pos x="T102" y="T103"/>
+                  </a:cxn>
+                  <a:cxn ang="0">
+                    <a:pos x="T104" y="T105"/>
+                  </a:cxn>
+                  <a:cxn ang="0">
+                    <a:pos x="T106" y="T107"/>
+                  </a:cxn>
+                  <a:cxn ang="0">
+                    <a:pos x="T108" y="T109"/>
+                  </a:cxn>
+                  <a:cxn ang="0">
+                    <a:pos x="T110" y="T111"/>
+                  </a:cxn>
+                  <a:cxn ang="0">
+                    <a:pos x="T112" y="T113"/>
+                  </a:cxn>
+                  <a:cxn ang="0">
+                    <a:pos x="T114" y="T115"/>
+                  </a:cxn>
+                </a:cxnLst>
+                <a:rect l="0" t="0" r="r" b="b"/>
+                <a:pathLst>
+                  <a:path w="2448" h="2440">
+                    <a:moveTo>
+                      <a:pt x="1224" y="0"/>
+                    </a:moveTo>
+                    <a:lnTo>
+                      <a:pt x="1224" y="0"/>
+                    </a:lnTo>
+                    <a:lnTo>
+                      <a:pt x="1192" y="0"/>
+                    </a:lnTo>
+                    <a:lnTo>
+                      <a:pt x="1161" y="1"/>
+                    </a:lnTo>
+                    <a:lnTo>
+                      <a:pt x="1130" y="3"/>
+                    </a:lnTo>
+                    <a:lnTo>
+                      <a:pt x="1099" y="6"/>
+                    </a:lnTo>
+                    <a:lnTo>
+                      <a:pt x="1069" y="9"/>
+                    </a:lnTo>
+                    <a:lnTo>
+                      <a:pt x="1038" y="13"/>
+                    </a:lnTo>
+                    <a:lnTo>
+                      <a:pt x="1008" y="18"/>
+                    </a:lnTo>
+                    <a:lnTo>
+                      <a:pt x="977" y="25"/>
+                    </a:lnTo>
+                    <a:lnTo>
+                      <a:pt x="948" y="31"/>
+                    </a:lnTo>
+                    <a:lnTo>
+                      <a:pt x="919" y="38"/>
+                    </a:lnTo>
+                    <a:lnTo>
+                      <a:pt x="889" y="46"/>
+                    </a:lnTo>
+                    <a:lnTo>
+                      <a:pt x="860" y="54"/>
+                    </a:lnTo>
+                    <a:lnTo>
+                      <a:pt x="832" y="64"/>
+                    </a:lnTo>
+                    <a:lnTo>
+                      <a:pt x="804" y="74"/>
+                    </a:lnTo>
+                    <a:lnTo>
+                      <a:pt x="776" y="84"/>
+                    </a:lnTo>
+                    <a:lnTo>
+                      <a:pt x="748" y="95"/>
+                    </a:lnTo>
+                    <a:lnTo>
+                      <a:pt x="720" y="108"/>
+                    </a:lnTo>
+                    <a:lnTo>
+                      <a:pt x="694" y="120"/>
+                    </a:lnTo>
+                    <a:lnTo>
+                      <a:pt x="667" y="133"/>
+                    </a:lnTo>
+                    <a:lnTo>
+                      <a:pt x="641" y="148"/>
+                    </a:lnTo>
+                    <a:lnTo>
+                      <a:pt x="616" y="162"/>
+                    </a:lnTo>
+                    <a:lnTo>
+                      <a:pt x="590" y="176"/>
+                    </a:lnTo>
+                    <a:lnTo>
+                      <a:pt x="565" y="193"/>
+                    </a:lnTo>
+                    <a:lnTo>
+                      <a:pt x="541" y="208"/>
+                    </a:lnTo>
+                    <a:lnTo>
+                      <a:pt x="516" y="225"/>
+                    </a:lnTo>
+                    <a:lnTo>
+                      <a:pt x="492" y="243"/>
+                    </a:lnTo>
+                    <a:lnTo>
+                      <a:pt x="469" y="260"/>
+                    </a:lnTo>
+                    <a:lnTo>
+                      <a:pt x="446" y="279"/>
+                    </a:lnTo>
+                    <a:lnTo>
+                      <a:pt x="423" y="297"/>
+                    </a:lnTo>
+                    <a:lnTo>
+                      <a:pt x="402" y="317"/>
+                    </a:lnTo>
+                    <a:lnTo>
+                      <a:pt x="380" y="337"/>
+                    </a:lnTo>
+                    <a:lnTo>
+                      <a:pt x="360" y="358"/>
+                    </a:lnTo>
+                    <a:lnTo>
+                      <a:pt x="339" y="378"/>
+                    </a:lnTo>
+                    <a:lnTo>
+                      <a:pt x="319" y="400"/>
+                    </a:lnTo>
+                    <a:lnTo>
+                      <a:pt x="299" y="422"/>
+                    </a:lnTo>
+                    <a:lnTo>
+                      <a:pt x="281" y="444"/>
+                    </a:lnTo>
+                    <a:lnTo>
+                      <a:pt x="262" y="467"/>
+                    </a:lnTo>
+                    <a:lnTo>
+                      <a:pt x="244" y="490"/>
+                    </a:lnTo>
+                    <a:lnTo>
+                      <a:pt x="226" y="514"/>
+                    </a:lnTo>
+                    <a:lnTo>
+                      <a:pt x="210" y="538"/>
+                    </a:lnTo>
+                    <a:lnTo>
+                      <a:pt x="193" y="563"/>
+                    </a:lnTo>
+                    <a:lnTo>
+                      <a:pt x="178" y="587"/>
+                    </a:lnTo>
+                    <a:lnTo>
+                      <a:pt x="162" y="613"/>
+                    </a:lnTo>
+                    <a:lnTo>
+                      <a:pt x="148" y="638"/>
+                    </a:lnTo>
+                    <a:lnTo>
+                      <a:pt x="135" y="665"/>
+                    </a:lnTo>
+                    <a:lnTo>
+                      <a:pt x="121" y="692"/>
+                    </a:lnTo>
+                    <a:lnTo>
+                      <a:pt x="109" y="718"/>
+                    </a:lnTo>
+                    <a:lnTo>
+                      <a:pt x="97" y="745"/>
+                    </a:lnTo>
+                    <a:lnTo>
+                      <a:pt x="85" y="773"/>
+                    </a:lnTo>
+                    <a:lnTo>
+                      <a:pt x="75" y="800"/>
+                    </a:lnTo>
+                    <a:lnTo>
+                      <a:pt x="65" y="829"/>
+                    </a:lnTo>
+                    <a:lnTo>
+                      <a:pt x="55" y="858"/>
+                    </a:lnTo>
+                    <a:lnTo>
+                      <a:pt x="47" y="886"/>
+                    </a:lnTo>
+                    <a:lnTo>
+                      <a:pt x="39" y="915"/>
+                    </a:lnTo>
+                    <a:lnTo>
+                      <a:pt x="32" y="945"/>
+                    </a:lnTo>
+                    <a:lnTo>
+                      <a:pt x="26" y="975"/>
+                    </a:lnTo>
+                    <a:lnTo>
+                      <a:pt x="20" y="1004"/>
+                    </a:lnTo>
+                    <a:lnTo>
+                      <a:pt x="14" y="1034"/>
+                    </a:lnTo>
+                    <a:lnTo>
+                      <a:pt x="10" y="1065"/>
+                    </a:lnTo>
+                    <a:lnTo>
+                      <a:pt x="7" y="1095"/>
+                    </a:lnTo>
+                    <a:lnTo>
+                      <a:pt x="4" y="1126"/>
+                    </a:lnTo>
+                    <a:lnTo>
+                      <a:pt x="2" y="1157"/>
+                    </a:lnTo>
+                    <a:lnTo>
+                      <a:pt x="1" y="1189"/>
+                    </a:lnTo>
+                    <a:lnTo>
+                      <a:pt x="0" y="1219"/>
+                    </a:lnTo>
+                    <a:lnTo>
+                      <a:pt x="0" y="1219"/>
+                    </a:lnTo>
+                    <a:lnTo>
+                      <a:pt x="1" y="1251"/>
+                    </a:lnTo>
+                    <a:lnTo>
+                      <a:pt x="2" y="1283"/>
+                    </a:lnTo>
+                    <a:lnTo>
+                      <a:pt x="4" y="1314"/>
+                    </a:lnTo>
+                    <a:lnTo>
+                      <a:pt x="7" y="1345"/>
+                    </a:lnTo>
+                    <a:lnTo>
+                      <a:pt x="10" y="1375"/>
+                    </a:lnTo>
+                    <a:lnTo>
+                      <a:pt x="14" y="1405"/>
+                    </a:lnTo>
+                    <a:lnTo>
+                      <a:pt x="20" y="1436"/>
+                    </a:lnTo>
+                    <a:lnTo>
+                      <a:pt x="26" y="1465"/>
+                    </a:lnTo>
+                    <a:lnTo>
+                      <a:pt x="32" y="1495"/>
+                    </a:lnTo>
+                    <a:lnTo>
+                      <a:pt x="39" y="1525"/>
+                    </a:lnTo>
+                    <a:lnTo>
+                      <a:pt x="47" y="1554"/>
+                    </a:lnTo>
+                    <a:lnTo>
+                      <a:pt x="55" y="1582"/>
+                    </a:lnTo>
+                    <a:lnTo>
+                      <a:pt x="65" y="1611"/>
+                    </a:lnTo>
+                    <a:lnTo>
+                      <a:pt x="75" y="1639"/>
+                    </a:lnTo>
+                    <a:lnTo>
+                      <a:pt x="85" y="1666"/>
+                    </a:lnTo>
+                    <a:lnTo>
+                      <a:pt x="97" y="1694"/>
+                    </a:lnTo>
+                    <a:lnTo>
+                      <a:pt x="109" y="1722"/>
+                    </a:lnTo>
+                    <a:lnTo>
+                      <a:pt x="121" y="1748"/>
+                    </a:lnTo>
+                    <a:lnTo>
+                      <a:pt x="135" y="1775"/>
+                    </a:lnTo>
+                    <a:lnTo>
+                      <a:pt x="148" y="1801"/>
+                    </a:lnTo>
+                    <a:lnTo>
+                      <a:pt x="162" y="1827"/>
+                    </a:lnTo>
+                    <a:lnTo>
+                      <a:pt x="178" y="1852"/>
+                    </a:lnTo>
+                    <a:lnTo>
+                      <a:pt x="193" y="1877"/>
+                    </a:lnTo>
+                    <a:lnTo>
+                      <a:pt x="210" y="1902"/>
+                    </a:lnTo>
+                    <a:lnTo>
+                      <a:pt x="226" y="1926"/>
+                    </a:lnTo>
+                    <a:lnTo>
+                      <a:pt x="244" y="1949"/>
+                    </a:lnTo>
+                    <a:lnTo>
+                      <a:pt x="262" y="1973"/>
+                    </a:lnTo>
+                    <a:lnTo>
+                      <a:pt x="281" y="1995"/>
+                    </a:lnTo>
+                    <a:lnTo>
+                      <a:pt x="299" y="2018"/>
+                    </a:lnTo>
+                    <a:lnTo>
+                      <a:pt x="319" y="2039"/>
+                    </a:lnTo>
+                    <a:lnTo>
+                      <a:pt x="339" y="2061"/>
+                    </a:lnTo>
+                    <a:lnTo>
+                      <a:pt x="360" y="2082"/>
+                    </a:lnTo>
+                    <a:lnTo>
+                      <a:pt x="380" y="2103"/>
+                    </a:lnTo>
+                    <a:lnTo>
+                      <a:pt x="402" y="2122"/>
+                    </a:lnTo>
+                    <a:lnTo>
+                      <a:pt x="423" y="2142"/>
+                    </a:lnTo>
+                    <a:lnTo>
+                      <a:pt x="446" y="2161"/>
+                    </a:lnTo>
+                    <a:lnTo>
+                      <a:pt x="469" y="2180"/>
+                    </a:lnTo>
+                    <a:lnTo>
+                      <a:pt x="492" y="2197"/>
+                    </a:lnTo>
+                    <a:lnTo>
+                      <a:pt x="516" y="2215"/>
+                    </a:lnTo>
+                    <a:lnTo>
+                      <a:pt x="541" y="2231"/>
+                    </a:lnTo>
+                    <a:lnTo>
+                      <a:pt x="565" y="2247"/>
+                    </a:lnTo>
+                    <a:lnTo>
+                      <a:pt x="590" y="2263"/>
+                    </a:lnTo>
+                    <a:lnTo>
+                      <a:pt x="616" y="2278"/>
+                    </a:lnTo>
+                    <a:lnTo>
+                      <a:pt x="641" y="2292"/>
+                    </a:lnTo>
+                    <a:lnTo>
+                      <a:pt x="667" y="2307"/>
+                    </a:lnTo>
+                    <a:lnTo>
+                      <a:pt x="694" y="2319"/>
+                    </a:lnTo>
+                    <a:lnTo>
+                      <a:pt x="720" y="2332"/>
+                    </a:lnTo>
+                    <a:lnTo>
+                      <a:pt x="748" y="2344"/>
+                    </a:lnTo>
+                    <a:lnTo>
+                      <a:pt x="776" y="2355"/>
+                    </a:lnTo>
+                    <a:lnTo>
+                      <a:pt x="804" y="2366"/>
+                    </a:lnTo>
+                    <a:lnTo>
+                      <a:pt x="832" y="2375"/>
+                    </a:lnTo>
+                    <a:lnTo>
+                      <a:pt x="860" y="2385"/>
+                    </a:lnTo>
+                    <a:lnTo>
+                      <a:pt x="889" y="2394"/>
+                    </a:lnTo>
+                    <a:lnTo>
+                      <a:pt x="919" y="2401"/>
+                    </a:lnTo>
+                    <a:lnTo>
+                      <a:pt x="948" y="2408"/>
+                    </a:lnTo>
+                    <a:lnTo>
+                      <a:pt x="977" y="2415"/>
+                    </a:lnTo>
+                    <a:lnTo>
+                      <a:pt x="1008" y="2421"/>
+                    </a:lnTo>
+                    <a:lnTo>
+                      <a:pt x="1038" y="2426"/>
+                    </a:lnTo>
+                    <a:lnTo>
+                      <a:pt x="1069" y="2430"/>
+                    </a:lnTo>
+                    <a:lnTo>
+                      <a:pt x="1099" y="2434"/>
+                    </a:lnTo>
+                    <a:lnTo>
+                      <a:pt x="1130" y="2436"/>
+                    </a:lnTo>
+                    <a:lnTo>
+                      <a:pt x="1161" y="2438"/>
+                    </a:lnTo>
+                    <a:lnTo>
+                      <a:pt x="1192" y="2440"/>
+                    </a:lnTo>
+                    <a:lnTo>
+                      <a:pt x="1224" y="2440"/>
+                    </a:lnTo>
+                    <a:lnTo>
+                      <a:pt x="1224" y="2440"/>
+                    </a:lnTo>
+                    <a:lnTo>
+                      <a:pt x="1256" y="2440"/>
+                    </a:lnTo>
+                    <a:lnTo>
+                      <a:pt x="1287" y="2438"/>
+                    </a:lnTo>
+                    <a:lnTo>
+                      <a:pt x="1318" y="2436"/>
+                    </a:lnTo>
+                    <a:lnTo>
+                      <a:pt x="1349" y="2434"/>
+                    </a:lnTo>
+                    <a:lnTo>
+                      <a:pt x="1379" y="2430"/>
+                    </a:lnTo>
+                    <a:lnTo>
+                      <a:pt x="1410" y="2426"/>
+                    </a:lnTo>
+                    <a:lnTo>
+                      <a:pt x="1440" y="2421"/>
+                    </a:lnTo>
+                    <a:lnTo>
+                      <a:pt x="1471" y="2415"/>
+                    </a:lnTo>
+                    <a:lnTo>
+                      <a:pt x="1500" y="2408"/>
+                    </a:lnTo>
+                    <a:lnTo>
+                      <a:pt x="1529" y="2401"/>
+                    </a:lnTo>
+                    <a:lnTo>
+                      <a:pt x="1559" y="2394"/>
+                    </a:lnTo>
+                    <a:lnTo>
+                      <a:pt x="1588" y="2385"/>
+                    </a:lnTo>
+                    <a:lnTo>
+                      <a:pt x="1616" y="2375"/>
+                    </a:lnTo>
+                    <a:lnTo>
+                      <a:pt x="1644" y="2366"/>
+                    </a:lnTo>
+                    <a:lnTo>
+                      <a:pt x="1672" y="2355"/>
+                    </a:lnTo>
+                    <a:lnTo>
+                      <a:pt x="1700" y="2344"/>
+                    </a:lnTo>
+                    <a:lnTo>
+                      <a:pt x="1728" y="2332"/>
+                    </a:lnTo>
+                    <a:lnTo>
+                      <a:pt x="1754" y="2319"/>
+                    </a:lnTo>
+                    <a:lnTo>
+                      <a:pt x="1781" y="2307"/>
+                    </a:lnTo>
+                    <a:lnTo>
+                      <a:pt x="1807" y="2292"/>
+                    </a:lnTo>
+                    <a:lnTo>
+                      <a:pt x="1832" y="2278"/>
+                    </a:lnTo>
+                    <a:lnTo>
+                      <a:pt x="1858" y="2263"/>
+                    </a:lnTo>
+                    <a:lnTo>
+                      <a:pt x="1883" y="2247"/>
+                    </a:lnTo>
+                    <a:lnTo>
+                      <a:pt x="1907" y="2231"/>
+                    </a:lnTo>
+                    <a:lnTo>
+                      <a:pt x="1932" y="2215"/>
+                    </a:lnTo>
+                    <a:lnTo>
+                      <a:pt x="1956" y="2197"/>
+                    </a:lnTo>
+                    <a:lnTo>
+                      <a:pt x="1979" y="2180"/>
+                    </a:lnTo>
+                    <a:lnTo>
+                      <a:pt x="2002" y="2161"/>
+                    </a:lnTo>
+                    <a:lnTo>
+                      <a:pt x="2025" y="2142"/>
+                    </a:lnTo>
+                    <a:lnTo>
+                      <a:pt x="2046" y="2122"/>
+                    </a:lnTo>
+                    <a:lnTo>
+                      <a:pt x="2068" y="2103"/>
+                    </a:lnTo>
+                    <a:lnTo>
+                      <a:pt x="2088" y="2082"/>
+                    </a:lnTo>
+                    <a:lnTo>
+                      <a:pt x="2109" y="2061"/>
+                    </a:lnTo>
+                    <a:lnTo>
+                      <a:pt x="2129" y="2039"/>
+                    </a:lnTo>
+                    <a:lnTo>
+                      <a:pt x="2149" y="2018"/>
+                    </a:lnTo>
+                    <a:lnTo>
+                      <a:pt x="2167" y="1995"/>
+                    </a:lnTo>
+                    <a:lnTo>
+                      <a:pt x="2186" y="1973"/>
+                    </a:lnTo>
+                    <a:lnTo>
+                      <a:pt x="2204" y="1949"/>
+                    </a:lnTo>
+                    <a:lnTo>
+                      <a:pt x="2222" y="1926"/>
+                    </a:lnTo>
+                    <a:lnTo>
+                      <a:pt x="2238" y="1902"/>
+                    </a:lnTo>
+                    <a:lnTo>
+                      <a:pt x="2255" y="1877"/>
+                    </a:lnTo>
+                    <a:lnTo>
+                      <a:pt x="2270" y="1852"/>
+                    </a:lnTo>
+                    <a:lnTo>
+                      <a:pt x="2286" y="1827"/>
+                    </a:lnTo>
+                    <a:lnTo>
+                      <a:pt x="2300" y="1801"/>
+                    </a:lnTo>
+                    <a:lnTo>
+                      <a:pt x="2313" y="1775"/>
+                    </a:lnTo>
+                    <a:lnTo>
+                      <a:pt x="2327" y="1748"/>
+                    </a:lnTo>
+                    <a:lnTo>
+                      <a:pt x="2339" y="1722"/>
+                    </a:lnTo>
+                    <a:lnTo>
+                      <a:pt x="2351" y="1694"/>
+                    </a:lnTo>
+                    <a:lnTo>
+                      <a:pt x="2363" y="1666"/>
+                    </a:lnTo>
+                    <a:lnTo>
+                      <a:pt x="2373" y="1639"/>
+                    </a:lnTo>
+                    <a:lnTo>
+                      <a:pt x="2383" y="1611"/>
+                    </a:lnTo>
+                    <a:lnTo>
+                      <a:pt x="2393" y="1582"/>
+                    </a:lnTo>
+                    <a:lnTo>
+                      <a:pt x="2401" y="1554"/>
+                    </a:lnTo>
+                    <a:lnTo>
+                      <a:pt x="2409" y="1525"/>
+                    </a:lnTo>
+                    <a:lnTo>
+                      <a:pt x="2416" y="1495"/>
+                    </a:lnTo>
+                    <a:lnTo>
+                      <a:pt x="2422" y="1465"/>
+                    </a:lnTo>
+                    <a:lnTo>
+                      <a:pt x="2428" y="1436"/>
+                    </a:lnTo>
+                    <a:lnTo>
+                      <a:pt x="2434" y="1405"/>
+                    </a:lnTo>
+                    <a:lnTo>
+                      <a:pt x="2438" y="1375"/>
+                    </a:lnTo>
+                    <a:lnTo>
+                      <a:pt x="2441" y="1345"/>
+                    </a:lnTo>
+                    <a:lnTo>
+                      <a:pt x="2444" y="1314"/>
+                    </a:lnTo>
+                    <a:lnTo>
+                      <a:pt x="2446" y="1283"/>
+                    </a:lnTo>
+                    <a:lnTo>
+                      <a:pt x="2447" y="1251"/>
+                    </a:lnTo>
+                    <a:lnTo>
+                      <a:pt x="2448" y="1219"/>
+                    </a:lnTo>
+                    <a:lnTo>
+                      <a:pt x="2448" y="1219"/>
+                    </a:lnTo>
+                    <a:lnTo>
+                      <a:pt x="2447" y="1189"/>
+                    </a:lnTo>
+                    <a:lnTo>
+                      <a:pt x="2446" y="1157"/>
+                    </a:lnTo>
+                    <a:lnTo>
+                      <a:pt x="2444" y="1126"/>
+                    </a:lnTo>
+                    <a:lnTo>
+                      <a:pt x="2441" y="1095"/>
+                    </a:lnTo>
+                    <a:lnTo>
+                      <a:pt x="2438" y="1065"/>
+                    </a:lnTo>
+                    <a:lnTo>
+                      <a:pt x="2434" y="1034"/>
+                    </a:lnTo>
+                    <a:lnTo>
+                      <a:pt x="2428" y="1004"/>
+                    </a:lnTo>
+                    <a:lnTo>
+                      <a:pt x="2422" y="975"/>
+                    </a:lnTo>
+                    <a:lnTo>
+                      <a:pt x="2416" y="945"/>
+                    </a:lnTo>
+                    <a:lnTo>
+                      <a:pt x="2409" y="915"/>
+                    </a:lnTo>
+                    <a:lnTo>
+                      <a:pt x="2401" y="886"/>
+                    </a:lnTo>
+                    <a:lnTo>
+                      <a:pt x="2393" y="858"/>
+                    </a:lnTo>
+                    <a:lnTo>
+                      <a:pt x="2383" y="829"/>
+                    </a:lnTo>
+                    <a:lnTo>
+                      <a:pt x="2373" y="800"/>
+                    </a:lnTo>
+                    <a:lnTo>
+                      <a:pt x="2363" y="773"/>
+                    </a:lnTo>
+                    <a:lnTo>
+                      <a:pt x="2351" y="745"/>
+                    </a:lnTo>
+                    <a:lnTo>
+                      <a:pt x="2339" y="718"/>
+                    </a:lnTo>
+                    <a:lnTo>
+                      <a:pt x="2327" y="692"/>
+                    </a:lnTo>
+                    <a:lnTo>
+                      <a:pt x="2313" y="665"/>
+                    </a:lnTo>
+                    <a:lnTo>
+                      <a:pt x="2300" y="638"/>
+                    </a:lnTo>
+                    <a:lnTo>
+                      <a:pt x="2286" y="613"/>
+                    </a:lnTo>
+                    <a:lnTo>
+                      <a:pt x="2270" y="587"/>
+                    </a:lnTo>
+                    <a:lnTo>
+                      <a:pt x="2255" y="563"/>
+                    </a:lnTo>
+                    <a:lnTo>
+                      <a:pt x="2238" y="538"/>
+                    </a:lnTo>
+                    <a:lnTo>
+                      <a:pt x="2222" y="514"/>
+                    </a:lnTo>
+                    <a:lnTo>
+                      <a:pt x="2204" y="490"/>
+                    </a:lnTo>
+                    <a:lnTo>
+                      <a:pt x="2186" y="467"/>
+                    </a:lnTo>
+                    <a:lnTo>
+                      <a:pt x="2167" y="444"/>
+                    </a:lnTo>
+                    <a:lnTo>
+                      <a:pt x="2149" y="422"/>
+                    </a:lnTo>
+                    <a:lnTo>
+                      <a:pt x="2129" y="400"/>
+                    </a:lnTo>
+                    <a:lnTo>
+                      <a:pt x="2109" y="378"/>
+                    </a:lnTo>
+                    <a:lnTo>
+                      <a:pt x="2088" y="358"/>
+                    </a:lnTo>
+                    <a:lnTo>
+                      <a:pt x="2068" y="337"/>
+                    </a:lnTo>
+                    <a:lnTo>
+                      <a:pt x="2046" y="317"/>
+                    </a:lnTo>
+                    <a:lnTo>
+                      <a:pt x="2025" y="297"/>
+                    </a:lnTo>
+                    <a:lnTo>
+                      <a:pt x="2002" y="279"/>
+                    </a:lnTo>
+                    <a:lnTo>
+                      <a:pt x="1979" y="260"/>
+                    </a:lnTo>
+                    <a:lnTo>
+                      <a:pt x="1956" y="243"/>
+                    </a:lnTo>
+                    <a:lnTo>
+                      <a:pt x="1932" y="225"/>
+                    </a:lnTo>
+                    <a:lnTo>
+                      <a:pt x="1907" y="208"/>
+                    </a:lnTo>
+                    <a:lnTo>
+                      <a:pt x="1883" y="193"/>
+                    </a:lnTo>
+                    <a:lnTo>
+                      <a:pt x="1858" y="176"/>
+                    </a:lnTo>
+                    <a:lnTo>
+                      <a:pt x="1832" y="162"/>
+                    </a:lnTo>
+                    <a:lnTo>
+                      <a:pt x="1807" y="148"/>
+                    </a:lnTo>
+                    <a:lnTo>
+                      <a:pt x="1781" y="133"/>
+                    </a:lnTo>
+                    <a:lnTo>
+                      <a:pt x="1754" y="120"/>
+                    </a:lnTo>
+                    <a:lnTo>
+                      <a:pt x="1728" y="108"/>
+                    </a:lnTo>
+                    <a:lnTo>
+                      <a:pt x="1700" y="95"/>
+                    </a:lnTo>
+                    <a:lnTo>
+                      <a:pt x="1672" y="84"/>
+                    </a:lnTo>
+                    <a:lnTo>
+                      <a:pt x="1644" y="74"/>
+                    </a:lnTo>
+                    <a:lnTo>
+                      <a:pt x="1616" y="64"/>
+                    </a:lnTo>
+                    <a:lnTo>
+                      <a:pt x="1588" y="54"/>
+                    </a:lnTo>
+                    <a:lnTo>
+                      <a:pt x="1559" y="46"/>
+                    </a:lnTo>
+                    <a:lnTo>
+                      <a:pt x="1529" y="38"/>
+                    </a:lnTo>
+                    <a:lnTo>
+                      <a:pt x="1500" y="31"/>
+                    </a:lnTo>
+                    <a:lnTo>
+                      <a:pt x="1471" y="25"/>
+                    </a:lnTo>
+                    <a:lnTo>
+                      <a:pt x="1440" y="18"/>
+                    </a:lnTo>
+                    <a:lnTo>
+                      <a:pt x="1410" y="13"/>
+                    </a:lnTo>
+                    <a:lnTo>
+                      <a:pt x="1379" y="9"/>
+                    </a:lnTo>
+                    <a:lnTo>
+                      <a:pt x="1349" y="6"/>
+                    </a:lnTo>
+                    <a:lnTo>
+                      <a:pt x="1318" y="3"/>
+                    </a:lnTo>
+                    <a:lnTo>
+                      <a:pt x="1287" y="1"/>
+                    </a:lnTo>
+                    <a:lnTo>
+                      <a:pt x="1256" y="0"/>
+                    </a:lnTo>
+                    <a:lnTo>
+                      <a:pt x="1224" y="0"/>
+                    </a:lnTo>
+                    <a:lnTo>
+                      <a:pt x="1224" y="0"/>
+                    </a:lnTo>
+                    <a:close/>
+                    <a:moveTo>
+                      <a:pt x="1224" y="2300"/>
+                    </a:moveTo>
+                    <a:lnTo>
+                      <a:pt x="1224" y="2300"/>
+                    </a:lnTo>
+                    <a:lnTo>
+                      <a:pt x="1196" y="2299"/>
+                    </a:lnTo>
+                    <a:lnTo>
+                      <a:pt x="1169" y="2298"/>
+                    </a:lnTo>
+                    <a:lnTo>
+                      <a:pt x="1141" y="2297"/>
+                    </a:lnTo>
+                    <a:lnTo>
+                      <a:pt x="1113" y="2293"/>
+                    </a:lnTo>
+                    <a:lnTo>
+                      <a:pt x="1086" y="2290"/>
+                    </a:lnTo>
+                    <a:lnTo>
+                      <a:pt x="1060" y="2286"/>
+                    </a:lnTo>
+                    <a:lnTo>
+                      <a:pt x="1033" y="2282"/>
+                    </a:lnTo>
+                    <a:lnTo>
+                      <a:pt x="1006" y="2277"/>
+                    </a:lnTo>
+                    <a:lnTo>
+                      <a:pt x="979" y="2272"/>
+                    </a:lnTo>
+                    <a:lnTo>
+                      <a:pt x="954" y="2265"/>
+                    </a:lnTo>
+                    <a:lnTo>
+                      <a:pt x="928" y="2259"/>
+                    </a:lnTo>
+                    <a:lnTo>
+                      <a:pt x="902" y="2250"/>
+                    </a:lnTo>
+                    <a:lnTo>
+                      <a:pt x="878" y="2242"/>
+                    </a:lnTo>
+                    <a:lnTo>
+                      <a:pt x="852" y="2234"/>
+                    </a:lnTo>
+                    <a:lnTo>
+                      <a:pt x="827" y="2224"/>
+                    </a:lnTo>
+                    <a:lnTo>
+                      <a:pt x="803" y="2215"/>
+                    </a:lnTo>
+                    <a:lnTo>
+                      <a:pt x="779" y="2203"/>
+                    </a:lnTo>
+                    <a:lnTo>
+                      <a:pt x="755" y="2193"/>
+                    </a:lnTo>
+                    <a:lnTo>
+                      <a:pt x="732" y="2181"/>
+                    </a:lnTo>
+                    <a:lnTo>
+                      <a:pt x="708" y="2168"/>
+                    </a:lnTo>
+                    <a:lnTo>
+                      <a:pt x="685" y="2156"/>
+                    </a:lnTo>
+                    <a:lnTo>
+                      <a:pt x="663" y="2143"/>
+                    </a:lnTo>
+                    <a:lnTo>
+                      <a:pt x="641" y="2128"/>
+                    </a:lnTo>
+                    <a:lnTo>
+                      <a:pt x="620" y="2114"/>
+                    </a:lnTo>
+                    <a:lnTo>
+                      <a:pt x="598" y="2100"/>
+                    </a:lnTo>
+                    <a:lnTo>
+                      <a:pt x="577" y="2084"/>
+                    </a:lnTo>
+                    <a:lnTo>
+                      <a:pt x="556" y="2069"/>
+                    </a:lnTo>
+                    <a:lnTo>
+                      <a:pt x="535" y="2053"/>
+                    </a:lnTo>
+                    <a:lnTo>
+                      <a:pt x="516" y="2035"/>
+                    </a:lnTo>
+                    <a:lnTo>
+                      <a:pt x="496" y="2019"/>
+                    </a:lnTo>
+                    <a:lnTo>
+                      <a:pt x="478" y="2000"/>
+                    </a:lnTo>
+                    <a:lnTo>
+                      <a:pt x="459" y="1983"/>
+                    </a:lnTo>
+                    <a:lnTo>
+                      <a:pt x="441" y="1965"/>
+                    </a:lnTo>
+                    <a:lnTo>
+                      <a:pt x="423" y="1945"/>
+                    </a:lnTo>
+                    <a:lnTo>
+                      <a:pt x="406" y="1926"/>
+                    </a:lnTo>
+                    <a:lnTo>
+                      <a:pt x="390" y="1906"/>
+                    </a:lnTo>
+                    <a:lnTo>
+                      <a:pt x="373" y="1886"/>
+                    </a:lnTo>
+                    <a:lnTo>
+                      <a:pt x="357" y="1865"/>
+                    </a:lnTo>
+                    <a:lnTo>
+                      <a:pt x="341" y="1845"/>
+                    </a:lnTo>
+                    <a:lnTo>
+                      <a:pt x="327" y="1823"/>
+                    </a:lnTo>
+                    <a:lnTo>
+                      <a:pt x="312" y="1802"/>
+                    </a:lnTo>
+                    <a:lnTo>
+                      <a:pt x="299" y="1779"/>
+                    </a:lnTo>
+                    <a:lnTo>
+                      <a:pt x="286" y="1756"/>
+                    </a:lnTo>
+                    <a:lnTo>
+                      <a:pt x="272" y="1734"/>
+                    </a:lnTo>
+                    <a:lnTo>
+                      <a:pt x="260" y="1710"/>
+                    </a:lnTo>
+                    <a:lnTo>
+                      <a:pt x="249" y="1688"/>
+                    </a:lnTo>
+                    <a:lnTo>
+                      <a:pt x="237" y="1663"/>
+                    </a:lnTo>
+                    <a:lnTo>
+                      <a:pt x="227" y="1640"/>
+                    </a:lnTo>
+                    <a:lnTo>
+                      <a:pt x="217" y="1615"/>
+                    </a:lnTo>
+                    <a:lnTo>
+                      <a:pt x="208" y="1590"/>
+                    </a:lnTo>
+                    <a:lnTo>
+                      <a:pt x="198" y="1566"/>
+                    </a:lnTo>
+                    <a:lnTo>
+                      <a:pt x="190" y="1540"/>
+                    </a:lnTo>
+                    <a:lnTo>
+                      <a:pt x="183" y="1515"/>
+                    </a:lnTo>
+                    <a:lnTo>
+                      <a:pt x="176" y="1489"/>
+                    </a:lnTo>
+                    <a:lnTo>
+                      <a:pt x="170" y="1463"/>
+                    </a:lnTo>
+                    <a:lnTo>
+                      <a:pt x="163" y="1437"/>
+                    </a:lnTo>
+                    <a:lnTo>
+                      <a:pt x="158" y="1411"/>
+                    </a:lnTo>
+                    <a:lnTo>
+                      <a:pt x="154" y="1384"/>
+                    </a:lnTo>
+                    <a:lnTo>
+                      <a:pt x="150" y="1357"/>
+                    </a:lnTo>
+                    <a:lnTo>
+                      <a:pt x="147" y="1330"/>
+                    </a:lnTo>
+                    <a:lnTo>
+                      <a:pt x="145" y="1302"/>
+                    </a:lnTo>
+                    <a:lnTo>
+                      <a:pt x="143" y="1275"/>
+                    </a:lnTo>
+                    <a:lnTo>
+                      <a:pt x="142" y="1248"/>
+                    </a:lnTo>
+                    <a:lnTo>
+                      <a:pt x="142" y="1219"/>
+                    </a:lnTo>
+                    <a:lnTo>
+                      <a:pt x="142" y="1219"/>
+                    </a:lnTo>
+                    <a:lnTo>
+                      <a:pt x="142" y="1192"/>
+                    </a:lnTo>
+                    <a:lnTo>
+                      <a:pt x="143" y="1164"/>
+                    </a:lnTo>
+                    <a:lnTo>
+                      <a:pt x="145" y="1136"/>
+                    </a:lnTo>
+                    <a:lnTo>
+                      <a:pt x="147" y="1110"/>
+                    </a:lnTo>
+                    <a:lnTo>
+                      <a:pt x="150" y="1082"/>
+                    </a:lnTo>
+                    <a:lnTo>
+                      <a:pt x="154" y="1056"/>
+                    </a:lnTo>
+                    <a:lnTo>
+                      <a:pt x="158" y="1029"/>
+                    </a:lnTo>
+                    <a:lnTo>
+                      <a:pt x="163" y="1002"/>
+                    </a:lnTo>
+                    <a:lnTo>
+                      <a:pt x="170" y="977"/>
+                    </a:lnTo>
+                    <a:lnTo>
+                      <a:pt x="176" y="950"/>
+                    </a:lnTo>
+                    <a:lnTo>
+                      <a:pt x="183" y="924"/>
+                    </a:lnTo>
+                    <a:lnTo>
+                      <a:pt x="190" y="899"/>
+                    </a:lnTo>
+                    <a:lnTo>
+                      <a:pt x="198" y="874"/>
+                    </a:lnTo>
+                    <a:lnTo>
+                      <a:pt x="208" y="850"/>
+                    </a:lnTo>
+                    <a:lnTo>
+                      <a:pt x="217" y="825"/>
+                    </a:lnTo>
+                    <a:lnTo>
+                      <a:pt x="227" y="800"/>
+                    </a:lnTo>
+                    <a:lnTo>
+                      <a:pt x="237" y="776"/>
+                    </a:lnTo>
+                    <a:lnTo>
+                      <a:pt x="249" y="752"/>
+                    </a:lnTo>
+                    <a:lnTo>
+                      <a:pt x="260" y="729"/>
+                    </a:lnTo>
+                    <a:lnTo>
+                      <a:pt x="272" y="706"/>
+                    </a:lnTo>
+                    <a:lnTo>
+                      <a:pt x="286" y="684"/>
+                    </a:lnTo>
+                    <a:lnTo>
+                      <a:pt x="299" y="661"/>
+                    </a:lnTo>
+                    <a:lnTo>
+                      <a:pt x="312" y="638"/>
+                    </a:lnTo>
+                    <a:lnTo>
+                      <a:pt x="327" y="617"/>
+                    </a:lnTo>
+                    <a:lnTo>
+                      <a:pt x="341" y="595"/>
+                    </a:lnTo>
+                    <a:lnTo>
+                      <a:pt x="357" y="575"/>
+                    </a:lnTo>
+                    <a:lnTo>
+                      <a:pt x="373" y="553"/>
+                    </a:lnTo>
+                    <a:lnTo>
+                      <a:pt x="390" y="534"/>
+                    </a:lnTo>
+                    <a:lnTo>
+                      <a:pt x="406" y="513"/>
+                    </a:lnTo>
+                    <a:lnTo>
+                      <a:pt x="423" y="495"/>
+                    </a:lnTo>
+                    <a:lnTo>
+                      <a:pt x="441" y="475"/>
+                    </a:lnTo>
+                    <a:lnTo>
+                      <a:pt x="459" y="457"/>
+                    </a:lnTo>
+                    <a:lnTo>
+                      <a:pt x="478" y="439"/>
+                    </a:lnTo>
+                    <a:lnTo>
+                      <a:pt x="496" y="421"/>
+                    </a:lnTo>
+                    <a:lnTo>
+                      <a:pt x="516" y="404"/>
+                    </a:lnTo>
+                    <a:lnTo>
+                      <a:pt x="535" y="387"/>
+                    </a:lnTo>
+                    <a:lnTo>
+                      <a:pt x="556" y="371"/>
+                    </a:lnTo>
+                    <a:lnTo>
+                      <a:pt x="577" y="356"/>
+                    </a:lnTo>
+                    <a:lnTo>
+                      <a:pt x="598" y="340"/>
+                    </a:lnTo>
+                    <a:lnTo>
+                      <a:pt x="620" y="325"/>
+                    </a:lnTo>
+                    <a:lnTo>
+                      <a:pt x="641" y="311"/>
+                    </a:lnTo>
+                    <a:lnTo>
+                      <a:pt x="663" y="297"/>
+                    </a:lnTo>
+                    <a:lnTo>
+                      <a:pt x="685" y="284"/>
+                    </a:lnTo>
+                    <a:lnTo>
+                      <a:pt x="708" y="271"/>
+                    </a:lnTo>
+                    <a:lnTo>
+                      <a:pt x="732" y="259"/>
+                    </a:lnTo>
+                    <a:lnTo>
+                      <a:pt x="755" y="247"/>
+                    </a:lnTo>
+                    <a:lnTo>
+                      <a:pt x="779" y="236"/>
+                    </a:lnTo>
+                    <a:lnTo>
+                      <a:pt x="803" y="225"/>
+                    </a:lnTo>
+                    <a:lnTo>
+                      <a:pt x="827" y="215"/>
+                    </a:lnTo>
+                    <a:lnTo>
+                      <a:pt x="852" y="206"/>
+                    </a:lnTo>
+                    <a:lnTo>
+                      <a:pt x="878" y="198"/>
+                    </a:lnTo>
+                    <a:lnTo>
+                      <a:pt x="902" y="190"/>
+                    </a:lnTo>
+                    <a:lnTo>
+                      <a:pt x="928" y="181"/>
+                    </a:lnTo>
+                    <a:lnTo>
+                      <a:pt x="954" y="174"/>
+                    </a:lnTo>
+                    <a:lnTo>
+                      <a:pt x="979" y="168"/>
+                    </a:lnTo>
+                    <a:lnTo>
+                      <a:pt x="1006" y="163"/>
+                    </a:lnTo>
+                    <a:lnTo>
+                      <a:pt x="1033" y="158"/>
+                    </a:lnTo>
+                    <a:lnTo>
+                      <a:pt x="1060" y="153"/>
+                    </a:lnTo>
+                    <a:lnTo>
+                      <a:pt x="1086" y="150"/>
+                    </a:lnTo>
+                    <a:lnTo>
+                      <a:pt x="1113" y="147"/>
+                    </a:lnTo>
+                    <a:lnTo>
+                      <a:pt x="1141" y="143"/>
+                    </a:lnTo>
+                    <a:lnTo>
+                      <a:pt x="1169" y="142"/>
+                    </a:lnTo>
+                    <a:lnTo>
+                      <a:pt x="1196" y="140"/>
+                    </a:lnTo>
+                    <a:lnTo>
+                      <a:pt x="1224" y="140"/>
+                    </a:lnTo>
+                    <a:lnTo>
+                      <a:pt x="1224" y="140"/>
+                    </a:lnTo>
+                    <a:lnTo>
+                      <a:pt x="1252" y="140"/>
+                    </a:lnTo>
+                    <a:lnTo>
+                      <a:pt x="1279" y="142"/>
+                    </a:lnTo>
+                    <a:lnTo>
+                      <a:pt x="1307" y="143"/>
+                    </a:lnTo>
+                    <a:lnTo>
+                      <a:pt x="1335" y="147"/>
+                    </a:lnTo>
+                    <a:lnTo>
+                      <a:pt x="1362" y="150"/>
+                    </a:lnTo>
+                    <a:lnTo>
+                      <a:pt x="1388" y="153"/>
+                    </a:lnTo>
+                    <a:lnTo>
+                      <a:pt x="1415" y="158"/>
+                    </a:lnTo>
+                    <a:lnTo>
+                      <a:pt x="1442" y="163"/>
+                    </a:lnTo>
+                    <a:lnTo>
+                      <a:pt x="1469" y="168"/>
+                    </a:lnTo>
+                    <a:lnTo>
+                      <a:pt x="1494" y="174"/>
+                    </a:lnTo>
+                    <a:lnTo>
+                      <a:pt x="1520" y="181"/>
+                    </a:lnTo>
+                    <a:lnTo>
+                      <a:pt x="1546" y="190"/>
+                    </a:lnTo>
+                    <a:lnTo>
+                      <a:pt x="1570" y="198"/>
+                    </a:lnTo>
+                    <a:lnTo>
+                      <a:pt x="1596" y="206"/>
+                    </a:lnTo>
+                    <a:lnTo>
+                      <a:pt x="1621" y="215"/>
+                    </a:lnTo>
+                    <a:lnTo>
+                      <a:pt x="1645" y="225"/>
+                    </a:lnTo>
+                    <a:lnTo>
+                      <a:pt x="1669" y="236"/>
+                    </a:lnTo>
+                    <a:lnTo>
+                      <a:pt x="1693" y="247"/>
+                    </a:lnTo>
+                    <a:lnTo>
+                      <a:pt x="1716" y="259"/>
+                    </a:lnTo>
+                    <a:lnTo>
+                      <a:pt x="1740" y="271"/>
+                    </a:lnTo>
+                    <a:lnTo>
+                      <a:pt x="1763" y="284"/>
+                    </a:lnTo>
+                    <a:lnTo>
+                      <a:pt x="1785" y="297"/>
+                    </a:lnTo>
+                    <a:lnTo>
+                      <a:pt x="1807" y="311"/>
+                    </a:lnTo>
+                    <a:lnTo>
+                      <a:pt x="1828" y="325"/>
+                    </a:lnTo>
+                    <a:lnTo>
+                      <a:pt x="1850" y="340"/>
+                    </a:lnTo>
+                    <a:lnTo>
+                      <a:pt x="1871" y="356"/>
+                    </a:lnTo>
+                    <a:lnTo>
+                      <a:pt x="1892" y="371"/>
+                    </a:lnTo>
+                    <a:lnTo>
+                      <a:pt x="1913" y="387"/>
+                    </a:lnTo>
+                    <a:lnTo>
+                      <a:pt x="1932" y="404"/>
+                    </a:lnTo>
+                    <a:lnTo>
+                      <a:pt x="1952" y="421"/>
+                    </a:lnTo>
+                    <a:lnTo>
+                      <a:pt x="1970" y="439"/>
+                    </a:lnTo>
+                    <a:lnTo>
+                      <a:pt x="1989" y="457"/>
+                    </a:lnTo>
+                    <a:lnTo>
+                      <a:pt x="2007" y="475"/>
+                    </a:lnTo>
+                    <a:lnTo>
+                      <a:pt x="2025" y="495"/>
+                    </a:lnTo>
+                    <a:lnTo>
+                      <a:pt x="2042" y="513"/>
+                    </a:lnTo>
+                    <a:lnTo>
+                      <a:pt x="2058" y="534"/>
+                    </a:lnTo>
+                    <a:lnTo>
+                      <a:pt x="2075" y="554"/>
+                    </a:lnTo>
+                    <a:lnTo>
+                      <a:pt x="2091" y="575"/>
+                    </a:lnTo>
+                    <a:lnTo>
+                      <a:pt x="2107" y="595"/>
+                    </a:lnTo>
+                    <a:lnTo>
+                      <a:pt x="2121" y="617"/>
+                    </a:lnTo>
+                    <a:lnTo>
+                      <a:pt x="2136" y="638"/>
+                    </a:lnTo>
+                    <a:lnTo>
+                      <a:pt x="2149" y="661"/>
+                    </a:lnTo>
+                    <a:lnTo>
+                      <a:pt x="2162" y="684"/>
+                    </a:lnTo>
+                    <a:lnTo>
+                      <a:pt x="2176" y="706"/>
+                    </a:lnTo>
+                    <a:lnTo>
+                      <a:pt x="2188" y="729"/>
+                    </a:lnTo>
+                    <a:lnTo>
+                      <a:pt x="2199" y="752"/>
+                    </a:lnTo>
+                    <a:lnTo>
+                      <a:pt x="2211" y="776"/>
+                    </a:lnTo>
+                    <a:lnTo>
+                      <a:pt x="2221" y="800"/>
+                    </a:lnTo>
+                    <a:lnTo>
+                      <a:pt x="2231" y="825"/>
+                    </a:lnTo>
+                    <a:lnTo>
+                      <a:pt x="2240" y="850"/>
+                    </a:lnTo>
+                    <a:lnTo>
+                      <a:pt x="2250" y="874"/>
+                    </a:lnTo>
+                    <a:lnTo>
+                      <a:pt x="2258" y="900"/>
+                    </a:lnTo>
+                    <a:lnTo>
+                      <a:pt x="2265" y="924"/>
+                    </a:lnTo>
+                    <a:lnTo>
+                      <a:pt x="2272" y="950"/>
+                    </a:lnTo>
+                    <a:lnTo>
+                      <a:pt x="2278" y="977"/>
+                    </a:lnTo>
+                    <a:lnTo>
+                      <a:pt x="2285" y="1002"/>
+                    </a:lnTo>
+                    <a:lnTo>
+                      <a:pt x="2290" y="1029"/>
+                    </a:lnTo>
+                    <a:lnTo>
+                      <a:pt x="2294" y="1056"/>
+                    </a:lnTo>
+                    <a:lnTo>
+                      <a:pt x="2298" y="1082"/>
+                    </a:lnTo>
+                    <a:lnTo>
+                      <a:pt x="2301" y="1110"/>
+                    </a:lnTo>
+                    <a:lnTo>
+                      <a:pt x="2303" y="1136"/>
+                    </a:lnTo>
+                    <a:lnTo>
+                      <a:pt x="2305" y="1164"/>
+                    </a:lnTo>
+                    <a:lnTo>
+                      <a:pt x="2306" y="1192"/>
+                    </a:lnTo>
+                    <a:lnTo>
+                      <a:pt x="2306" y="1219"/>
+                    </a:lnTo>
+                    <a:lnTo>
+                      <a:pt x="2306" y="1219"/>
+                    </a:lnTo>
+                    <a:lnTo>
+                      <a:pt x="2306" y="1248"/>
+                    </a:lnTo>
+                    <a:lnTo>
+                      <a:pt x="2305" y="1275"/>
+                    </a:lnTo>
+                    <a:lnTo>
+                      <a:pt x="2303" y="1302"/>
+                    </a:lnTo>
+                    <a:lnTo>
+                      <a:pt x="2301" y="1330"/>
+                    </a:lnTo>
+                    <a:lnTo>
+                      <a:pt x="2298" y="1357"/>
+                    </a:lnTo>
+                    <a:lnTo>
+                      <a:pt x="2294" y="1384"/>
+                    </a:lnTo>
+                    <a:lnTo>
+                      <a:pt x="2290" y="1411"/>
+                    </a:lnTo>
+                    <a:lnTo>
+                      <a:pt x="2285" y="1437"/>
+                    </a:lnTo>
+                    <a:lnTo>
+                      <a:pt x="2278" y="1463"/>
+                    </a:lnTo>
+                    <a:lnTo>
+                      <a:pt x="2272" y="1489"/>
+                    </a:lnTo>
+                    <a:lnTo>
+                      <a:pt x="2265" y="1515"/>
+                    </a:lnTo>
+                    <a:lnTo>
+                      <a:pt x="2258" y="1540"/>
+                    </a:lnTo>
+                    <a:lnTo>
+                      <a:pt x="2250" y="1566"/>
+                    </a:lnTo>
+                    <a:lnTo>
+                      <a:pt x="2240" y="1590"/>
+                    </a:lnTo>
+                    <a:lnTo>
+                      <a:pt x="2231" y="1615"/>
+                    </a:lnTo>
+                    <a:lnTo>
+                      <a:pt x="2221" y="1640"/>
+                    </a:lnTo>
+                    <a:lnTo>
+                      <a:pt x="2211" y="1663"/>
+                    </a:lnTo>
+                    <a:lnTo>
+                      <a:pt x="2199" y="1688"/>
+                    </a:lnTo>
+                    <a:lnTo>
+                      <a:pt x="2188" y="1710"/>
+                    </a:lnTo>
+                    <a:lnTo>
+                      <a:pt x="2176" y="1734"/>
+                    </a:lnTo>
+                    <a:lnTo>
+                      <a:pt x="2162" y="1756"/>
+                    </a:lnTo>
+                    <a:lnTo>
+                      <a:pt x="2149" y="1779"/>
+                    </a:lnTo>
+                    <a:lnTo>
+                      <a:pt x="2136" y="1802"/>
+                    </a:lnTo>
+                    <a:lnTo>
+                      <a:pt x="2121" y="1823"/>
+                    </a:lnTo>
+                    <a:lnTo>
+                      <a:pt x="2107" y="1845"/>
+                    </a:lnTo>
+                    <a:lnTo>
+                      <a:pt x="2091" y="1865"/>
+                    </a:lnTo>
+                    <a:lnTo>
+                      <a:pt x="2075" y="1886"/>
+                    </a:lnTo>
+                    <a:lnTo>
+                      <a:pt x="2058" y="1906"/>
+                    </a:lnTo>
+                    <a:lnTo>
+                      <a:pt x="2042" y="1926"/>
+                    </a:lnTo>
+                    <a:lnTo>
+                      <a:pt x="2025" y="1945"/>
+                    </a:lnTo>
+                    <a:lnTo>
+                      <a:pt x="2007" y="1965"/>
+                    </a:lnTo>
+                    <a:lnTo>
+                      <a:pt x="1989" y="1983"/>
+                    </a:lnTo>
+                    <a:lnTo>
+                      <a:pt x="1970" y="2000"/>
+                    </a:lnTo>
+                    <a:lnTo>
+                      <a:pt x="1952" y="2019"/>
+                    </a:lnTo>
+                    <a:lnTo>
+                      <a:pt x="1932" y="2035"/>
+                    </a:lnTo>
+                    <a:lnTo>
+                      <a:pt x="1913" y="2053"/>
+                    </a:lnTo>
+                    <a:lnTo>
+                      <a:pt x="1892" y="2069"/>
+                    </a:lnTo>
+                    <a:lnTo>
+                      <a:pt x="1871" y="2084"/>
+                    </a:lnTo>
+                    <a:lnTo>
+                      <a:pt x="1850" y="2100"/>
+                    </a:lnTo>
+                    <a:lnTo>
+                      <a:pt x="1828" y="2114"/>
+                    </a:lnTo>
+                    <a:lnTo>
+                      <a:pt x="1807" y="2128"/>
+                    </a:lnTo>
+                    <a:lnTo>
+                      <a:pt x="1785" y="2143"/>
+                    </a:lnTo>
+                    <a:lnTo>
+                      <a:pt x="1763" y="2156"/>
+                    </a:lnTo>
+                    <a:lnTo>
+                      <a:pt x="1740" y="2168"/>
+                    </a:lnTo>
+                    <a:lnTo>
+                      <a:pt x="1716" y="2181"/>
+                    </a:lnTo>
+                    <a:lnTo>
+                      <a:pt x="1693" y="2193"/>
+                    </a:lnTo>
+                    <a:lnTo>
+                      <a:pt x="1669" y="2203"/>
+                    </a:lnTo>
+                    <a:lnTo>
+                      <a:pt x="1645" y="2215"/>
+                    </a:lnTo>
+                    <a:lnTo>
+                      <a:pt x="1621" y="2224"/>
+                    </a:lnTo>
+                    <a:lnTo>
+                      <a:pt x="1596" y="2234"/>
+                    </a:lnTo>
+                    <a:lnTo>
+                      <a:pt x="1570" y="2242"/>
+                    </a:lnTo>
+                    <a:lnTo>
+                      <a:pt x="1546" y="2250"/>
+                    </a:lnTo>
+                    <a:lnTo>
+                      <a:pt x="1520" y="2259"/>
+                    </a:lnTo>
+                    <a:lnTo>
+                      <a:pt x="1494" y="2265"/>
+                    </a:lnTo>
+                    <a:lnTo>
+                      <a:pt x="1469" y="2272"/>
+                    </a:lnTo>
+                    <a:lnTo>
+                      <a:pt x="1442" y="2277"/>
+                    </a:lnTo>
+                    <a:lnTo>
+                      <a:pt x="1415" y="2282"/>
+                    </a:lnTo>
+                    <a:lnTo>
+                      <a:pt x="1388" y="2286"/>
+                    </a:lnTo>
+                    <a:lnTo>
+                      <a:pt x="1362" y="2290"/>
+                    </a:lnTo>
+                    <a:lnTo>
+                      <a:pt x="1335" y="2293"/>
+                    </a:lnTo>
+                    <a:lnTo>
+                      <a:pt x="1307" y="2297"/>
+                    </a:lnTo>
+                    <a:lnTo>
+                      <a:pt x="1279" y="2298"/>
+                    </a:lnTo>
+                    <a:lnTo>
+                      <a:pt x="1252" y="2299"/>
+                    </a:lnTo>
+                    <a:lnTo>
+                      <a:pt x="1224" y="2300"/>
+                    </a:lnTo>
+                    <a:lnTo>
+                      <a:pt x="1224" y="2300"/>
+                    </a:lnTo>
+                    <a:close/>
+                  </a:path>
+                </a:pathLst>
+              </a:custGeom>
+              <a:solidFill>
+                <a:schemeClr val="bg1"/>
+              </a:solidFill>
+              <a:ln w="9525">
+                <a:noFill/>
+                <a:round/>
+                <a:headEnd/>
+                <a:tailEnd/>
+              </a:ln>
+            </p:spPr>
+            <p:txBody>
+              <a:bodyPr vert="horz" wrap="square" lIns="91440" tIns="45720" rIns="91440" bIns="45720" numCol="1" anchor="t" anchorCtr="0" compatLnSpc="1">
+                <a:prstTxWarp prst="textNoShape">
+                  <a:avLst/>
+                </a:prstTxWarp>
+              </a:bodyPr>
+              <a:lstStyle>
+                <a:defPPr>
+                  <a:defRPr lang="de-DE"/>
+                </a:defPPr>
+                <a:lvl1pPr algn="l" rtl="0" fontAlgn="base">
+                  <a:spcBef>
+                    <a:spcPct val="0"/>
+                  </a:spcBef>
+                  <a:spcAft>
+                    <a:spcPct val="0"/>
+                  </a:spcAft>
+                  <a:defRPr sz="2000" kern="1200">
+                    <a:solidFill>
+                      <a:schemeClr val="tx1"/>
+                    </a:solidFill>
+                    <a:latin typeface="Arial" pitchFamily="34" charset="0"/>
+                    <a:ea typeface="ヒラギノ角ゴ Pro W3"/>
+                    <a:cs typeface="ヒラギノ角ゴ Pro W3"/>
+                  </a:defRPr>
+                </a:lvl1pPr>
+                <a:lvl2pPr marL="457200" algn="l" rtl="0" fontAlgn="base">
+                  <a:spcBef>
+                    <a:spcPct val="0"/>
+                  </a:spcBef>
+                  <a:spcAft>
+                    <a:spcPct val="0"/>
+                  </a:spcAft>
+                  <a:defRPr sz="2000" kern="1200">
+                    <a:solidFill>
+                      <a:schemeClr val="tx1"/>
+                    </a:solidFill>
+                    <a:latin typeface="Arial" pitchFamily="34" charset="0"/>
+                    <a:ea typeface="ヒラギノ角ゴ Pro W3"/>
+                    <a:cs typeface="ヒラギノ角ゴ Pro W3"/>
+                  </a:defRPr>
+                </a:lvl2pPr>
+                <a:lvl3pPr marL="914400" algn="l" rtl="0" fontAlgn="base">
+                  <a:spcBef>
+                    <a:spcPct val="0"/>
+                  </a:spcBef>
+                  <a:spcAft>
+                    <a:spcPct val="0"/>
+                  </a:spcAft>
+                  <a:defRPr sz="2000" kern="1200">
+                    <a:solidFill>
+                      <a:schemeClr val="tx1"/>
+                    </a:solidFill>
+                    <a:latin typeface="Arial" pitchFamily="34" charset="0"/>
+                    <a:ea typeface="ヒラギノ角ゴ Pro W3"/>
+                    <a:cs typeface="ヒラギノ角ゴ Pro W3"/>
+                  </a:defRPr>
+                </a:lvl3pPr>
+                <a:lvl4pPr marL="1371600" algn="l" rtl="0" fontAlgn="base">
+                  <a:spcBef>
+                    <a:spcPct val="0"/>
+                  </a:spcBef>
+                  <a:spcAft>
+                    <a:spcPct val="0"/>
+                  </a:spcAft>
+                  <a:defRPr sz="2000" kern="1200">
+                    <a:solidFill>
+                      <a:schemeClr val="tx1"/>
+                    </a:solidFill>
+                    <a:latin typeface="Arial" pitchFamily="34" charset="0"/>
+                    <a:ea typeface="ヒラギノ角ゴ Pro W3"/>
+                    <a:cs typeface="ヒラギノ角ゴ Pro W3"/>
+                  </a:defRPr>
+                </a:lvl4pPr>
+                <a:lvl5pPr marL="1828800" algn="l" rtl="0" fontAlgn="base">
+                  <a:spcBef>
+                    <a:spcPct val="0"/>
+                  </a:spcBef>
+                  <a:spcAft>
+                    <a:spcPct val="0"/>
+                  </a:spcAft>
+                  <a:defRPr sz="2000" kern="1200">
+                    <a:solidFill>
+                      <a:schemeClr val="tx1"/>
+                    </a:solidFill>
+                    <a:latin typeface="Arial" pitchFamily="34" charset="0"/>
+                    <a:ea typeface="ヒラギノ角ゴ Pro W3"/>
+                    <a:cs typeface="ヒラギノ角ゴ Pro W3"/>
+                  </a:defRPr>
+                </a:lvl5pPr>
+                <a:lvl6pPr marL="2286000" algn="l" defTabSz="914400" rtl="0" eaLnBrk="1" latinLnBrk="0" hangingPunct="1">
+                  <a:defRPr sz="2000" kern="1200">
+                    <a:solidFill>
+                      <a:schemeClr val="tx1"/>
+                    </a:solidFill>
+                    <a:latin typeface="Arial" pitchFamily="34" charset="0"/>
+                    <a:ea typeface="ヒラギノ角ゴ Pro W3"/>
+                    <a:cs typeface="ヒラギノ角ゴ Pro W3"/>
+                  </a:defRPr>
+                </a:lvl6pPr>
+                <a:lvl7pPr marL="2743200" algn="l" defTabSz="914400" rtl="0" eaLnBrk="1" latinLnBrk="0" hangingPunct="1">
+                  <a:defRPr sz="2000" kern="1200">
+                    <a:solidFill>
+                      <a:schemeClr val="tx1"/>
+                    </a:solidFill>
+                    <a:latin typeface="Arial" pitchFamily="34" charset="0"/>
+                    <a:ea typeface="ヒラギノ角ゴ Pro W3"/>
+                    <a:cs typeface="ヒラギノ角ゴ Pro W3"/>
+                  </a:defRPr>
+                </a:lvl7pPr>
+                <a:lvl8pPr marL="3200400" algn="l" defTabSz="914400" rtl="0" eaLnBrk="1" latinLnBrk="0" hangingPunct="1">
+                  <a:defRPr sz="2000" kern="1200">
+                    <a:solidFill>
+                      <a:schemeClr val="tx1"/>
+                    </a:solidFill>
+                    <a:latin typeface="Arial" pitchFamily="34" charset="0"/>
+                    <a:ea typeface="ヒラギノ角ゴ Pro W3"/>
+                    <a:cs typeface="ヒラギノ角ゴ Pro W3"/>
+                  </a:defRPr>
+                </a:lvl8pPr>
+                <a:lvl9pPr marL="3657600" algn="l" defTabSz="914400" rtl="0" eaLnBrk="1" latinLnBrk="0" hangingPunct="1">
+                  <a:defRPr sz="2000" kern="1200">
+                    <a:solidFill>
+                      <a:schemeClr val="tx1"/>
+                    </a:solidFill>
+                    <a:latin typeface="Arial" pitchFamily="34" charset="0"/>
+                    <a:ea typeface="ヒラギノ角ゴ Pro W3"/>
+                    <a:cs typeface="ヒラギノ角ゴ Pro W3"/>
+                  </a:defRPr>
+                </a:lvl9pPr>
+              </a:lstStyle>
+              <a:p>
+                <a:endParaRPr lang="de-DE"/>
+              </a:p>
+            </p:txBody>
+          </p:sp>
+          <p:sp>
+            <p:nvSpPr>
+              <p:cNvPr id="24" name="Freeform 6"/>
+              <p:cNvSpPr>
+                <a:spLocks/>
+              </p:cNvSpPr>
+              <p:nvPr/>
+            </p:nvSpPr>
+            <p:spPr bwMode="auto">
+              <a:xfrm>
+                <a:off x="715247" y="4748678"/>
+                <a:ext cx="105387" cy="190644"/>
+              </a:xfrm>
+              <a:custGeom>
+                <a:avLst/>
+                <a:gdLst>
+                  <a:gd name="T0" fmla="*/ 121 w 715"/>
+                  <a:gd name="T1" fmla="*/ 20 h 1286"/>
+                  <a:gd name="T2" fmla="*/ 109 w 715"/>
+                  <a:gd name="T3" fmla="*/ 11 h 1286"/>
+                  <a:gd name="T4" fmla="*/ 97 w 715"/>
+                  <a:gd name="T5" fmla="*/ 5 h 1286"/>
+                  <a:gd name="T6" fmla="*/ 84 w 715"/>
+                  <a:gd name="T7" fmla="*/ 1 h 1286"/>
+                  <a:gd name="T8" fmla="*/ 70 w 715"/>
+                  <a:gd name="T9" fmla="*/ 0 h 1286"/>
+                  <a:gd name="T10" fmla="*/ 57 w 715"/>
+                  <a:gd name="T11" fmla="*/ 1 h 1286"/>
+                  <a:gd name="T12" fmla="*/ 43 w 715"/>
+                  <a:gd name="T13" fmla="*/ 5 h 1286"/>
+                  <a:gd name="T14" fmla="*/ 31 w 715"/>
+                  <a:gd name="T15" fmla="*/ 11 h 1286"/>
+                  <a:gd name="T16" fmla="*/ 21 w 715"/>
+                  <a:gd name="T17" fmla="*/ 20 h 1286"/>
+                  <a:gd name="T18" fmla="*/ 16 w 715"/>
+                  <a:gd name="T19" fmla="*/ 26 h 1286"/>
+                  <a:gd name="T20" fmla="*/ 8 w 715"/>
+                  <a:gd name="T21" fmla="*/ 38 h 1286"/>
+                  <a:gd name="T22" fmla="*/ 2 w 715"/>
+                  <a:gd name="T23" fmla="*/ 50 h 1286"/>
+                  <a:gd name="T24" fmla="*/ 0 w 715"/>
+                  <a:gd name="T25" fmla="*/ 63 h 1286"/>
+                  <a:gd name="T26" fmla="*/ 0 w 715"/>
+                  <a:gd name="T27" fmla="*/ 77 h 1286"/>
+                  <a:gd name="T28" fmla="*/ 2 w 715"/>
+                  <a:gd name="T29" fmla="*/ 90 h 1286"/>
+                  <a:gd name="T30" fmla="*/ 8 w 715"/>
+                  <a:gd name="T31" fmla="*/ 103 h 1286"/>
+                  <a:gd name="T32" fmla="*/ 16 w 715"/>
+                  <a:gd name="T33" fmla="*/ 115 h 1286"/>
+                  <a:gd name="T34" fmla="*/ 545 w 715"/>
+                  <a:gd name="T35" fmla="*/ 642 h 1286"/>
+                  <a:gd name="T36" fmla="*/ 21 w 715"/>
+                  <a:gd name="T37" fmla="*/ 1165 h 1286"/>
+                  <a:gd name="T38" fmla="*/ 12 w 715"/>
+                  <a:gd name="T39" fmla="*/ 1176 h 1286"/>
+                  <a:gd name="T40" fmla="*/ 5 w 715"/>
+                  <a:gd name="T41" fmla="*/ 1189 h 1286"/>
+                  <a:gd name="T42" fmla="*/ 1 w 715"/>
+                  <a:gd name="T43" fmla="*/ 1202 h 1286"/>
+                  <a:gd name="T44" fmla="*/ 0 w 715"/>
+                  <a:gd name="T45" fmla="*/ 1215 h 1286"/>
+                  <a:gd name="T46" fmla="*/ 1 w 715"/>
+                  <a:gd name="T47" fmla="*/ 1229 h 1286"/>
+                  <a:gd name="T48" fmla="*/ 5 w 715"/>
+                  <a:gd name="T49" fmla="*/ 1242 h 1286"/>
+                  <a:gd name="T50" fmla="*/ 12 w 715"/>
+                  <a:gd name="T51" fmla="*/ 1254 h 1286"/>
+                  <a:gd name="T52" fmla="*/ 21 w 715"/>
+                  <a:gd name="T53" fmla="*/ 1265 h 1286"/>
+                  <a:gd name="T54" fmla="*/ 26 w 715"/>
+                  <a:gd name="T55" fmla="*/ 1270 h 1286"/>
+                  <a:gd name="T56" fmla="*/ 37 w 715"/>
+                  <a:gd name="T57" fmla="*/ 1278 h 1286"/>
+                  <a:gd name="T58" fmla="*/ 51 w 715"/>
+                  <a:gd name="T59" fmla="*/ 1283 h 1286"/>
+                  <a:gd name="T60" fmla="*/ 64 w 715"/>
+                  <a:gd name="T61" fmla="*/ 1285 h 1286"/>
+                  <a:gd name="T62" fmla="*/ 70 w 715"/>
+                  <a:gd name="T63" fmla="*/ 1286 h 1286"/>
+                  <a:gd name="T64" fmla="*/ 84 w 715"/>
+                  <a:gd name="T65" fmla="*/ 1284 h 1286"/>
+                  <a:gd name="T66" fmla="*/ 97 w 715"/>
+                  <a:gd name="T67" fmla="*/ 1281 h 1286"/>
+                  <a:gd name="T68" fmla="*/ 109 w 715"/>
+                  <a:gd name="T69" fmla="*/ 1274 h 1286"/>
+                  <a:gd name="T70" fmla="*/ 121 w 715"/>
+                  <a:gd name="T71" fmla="*/ 1265 h 1286"/>
+                  <a:gd name="T72" fmla="*/ 694 w 715"/>
+                  <a:gd name="T73" fmla="*/ 693 h 1286"/>
+                  <a:gd name="T74" fmla="*/ 703 w 715"/>
+                  <a:gd name="T75" fmla="*/ 681 h 1286"/>
+                  <a:gd name="T76" fmla="*/ 709 w 715"/>
+                  <a:gd name="T77" fmla="*/ 669 h 1286"/>
+                  <a:gd name="T78" fmla="*/ 714 w 715"/>
+                  <a:gd name="T79" fmla="*/ 656 h 1286"/>
+                  <a:gd name="T80" fmla="*/ 715 w 715"/>
+                  <a:gd name="T81" fmla="*/ 642 h 1286"/>
+                  <a:gd name="T82" fmla="*/ 714 w 715"/>
+                  <a:gd name="T83" fmla="*/ 629 h 1286"/>
+                  <a:gd name="T84" fmla="*/ 709 w 715"/>
+                  <a:gd name="T85" fmla="*/ 617 h 1286"/>
+                  <a:gd name="T86" fmla="*/ 703 w 715"/>
+                  <a:gd name="T87" fmla="*/ 605 h 1286"/>
+                  <a:gd name="T88" fmla="*/ 694 w 715"/>
+                  <a:gd name="T89" fmla="*/ 593 h 1286"/>
+                </a:gdLst>
+                <a:ahLst/>
+                <a:cxnLst>
+                  <a:cxn ang="0">
+                    <a:pos x="T0" y="T1"/>
+                  </a:cxn>
+                  <a:cxn ang="0">
+                    <a:pos x="T2" y="T3"/>
+                  </a:cxn>
+                  <a:cxn ang="0">
+                    <a:pos x="T4" y="T5"/>
+                  </a:cxn>
+                  <a:cxn ang="0">
+                    <a:pos x="T6" y="T7"/>
+                  </a:cxn>
+                  <a:cxn ang="0">
+                    <a:pos x="T8" y="T9"/>
+                  </a:cxn>
+                  <a:cxn ang="0">
+                    <a:pos x="T10" y="T11"/>
+                  </a:cxn>
+                  <a:cxn ang="0">
+                    <a:pos x="T12" y="T13"/>
+                  </a:cxn>
+                  <a:cxn ang="0">
+                    <a:pos x="T14" y="T15"/>
+                  </a:cxn>
+                  <a:cxn ang="0">
+                    <a:pos x="T16" y="T17"/>
+                  </a:cxn>
+                  <a:cxn ang="0">
+                    <a:pos x="T18" y="T19"/>
+                  </a:cxn>
+                  <a:cxn ang="0">
+                    <a:pos x="T20" y="T21"/>
+                  </a:cxn>
+                  <a:cxn ang="0">
+                    <a:pos x="T22" y="T23"/>
+                  </a:cxn>
+                  <a:cxn ang="0">
+                    <a:pos x="T24" y="T25"/>
+                  </a:cxn>
+                  <a:cxn ang="0">
+                    <a:pos x="T26" y="T27"/>
+                  </a:cxn>
+                  <a:cxn ang="0">
+                    <a:pos x="T28" y="T29"/>
+                  </a:cxn>
+                  <a:cxn ang="0">
+                    <a:pos x="T30" y="T31"/>
+                  </a:cxn>
+                  <a:cxn ang="0">
+                    <a:pos x="T32" y="T33"/>
+                  </a:cxn>
+                  <a:cxn ang="0">
+                    <a:pos x="T34" y="T35"/>
+                  </a:cxn>
+                  <a:cxn ang="0">
+                    <a:pos x="T36" y="T37"/>
+                  </a:cxn>
+                  <a:cxn ang="0">
+                    <a:pos x="T38" y="T39"/>
+                  </a:cxn>
+                  <a:cxn ang="0">
+                    <a:pos x="T40" y="T41"/>
+                  </a:cxn>
+                  <a:cxn ang="0">
+                    <a:pos x="T42" y="T43"/>
+                  </a:cxn>
+                  <a:cxn ang="0">
+                    <a:pos x="T44" y="T45"/>
+                  </a:cxn>
+                  <a:cxn ang="0">
+                    <a:pos x="T46" y="T47"/>
+                  </a:cxn>
+                  <a:cxn ang="0">
+                    <a:pos x="T48" y="T49"/>
+                  </a:cxn>
+                  <a:cxn ang="0">
+                    <a:pos x="T50" y="T51"/>
+                  </a:cxn>
+                  <a:cxn ang="0">
+                    <a:pos x="T52" y="T53"/>
+                  </a:cxn>
+                  <a:cxn ang="0">
+                    <a:pos x="T54" y="T55"/>
+                  </a:cxn>
+                  <a:cxn ang="0">
+                    <a:pos x="T56" y="T57"/>
+                  </a:cxn>
+                  <a:cxn ang="0">
+                    <a:pos x="T58" y="T59"/>
+                  </a:cxn>
+                  <a:cxn ang="0">
+                    <a:pos x="T60" y="T61"/>
+                  </a:cxn>
+                  <a:cxn ang="0">
+                    <a:pos x="T62" y="T63"/>
+                  </a:cxn>
+                  <a:cxn ang="0">
+                    <a:pos x="T64" y="T65"/>
+                  </a:cxn>
+                  <a:cxn ang="0">
+                    <a:pos x="T66" y="T67"/>
+                  </a:cxn>
+                  <a:cxn ang="0">
+                    <a:pos x="T68" y="T69"/>
+                  </a:cxn>
+                  <a:cxn ang="0">
+                    <a:pos x="T70" y="T71"/>
+                  </a:cxn>
+                  <a:cxn ang="0">
+                    <a:pos x="T72" y="T73"/>
+                  </a:cxn>
+                  <a:cxn ang="0">
+                    <a:pos x="T74" y="T75"/>
+                  </a:cxn>
+                  <a:cxn ang="0">
+                    <a:pos x="T76" y="T77"/>
+                  </a:cxn>
+                  <a:cxn ang="0">
+                    <a:pos x="T78" y="T79"/>
+                  </a:cxn>
+                  <a:cxn ang="0">
+                    <a:pos x="T80" y="T81"/>
+                  </a:cxn>
+                  <a:cxn ang="0">
+                    <a:pos x="T82" y="T83"/>
+                  </a:cxn>
+                  <a:cxn ang="0">
+                    <a:pos x="T84" y="T85"/>
+                  </a:cxn>
+                  <a:cxn ang="0">
+                    <a:pos x="T86" y="T87"/>
+                  </a:cxn>
+                  <a:cxn ang="0">
+                    <a:pos x="T88" y="T89"/>
+                  </a:cxn>
+                </a:cxnLst>
+                <a:rect l="0" t="0" r="r" b="b"/>
+                <a:pathLst>
+                  <a:path w="715" h="1286">
+                    <a:moveTo>
+                      <a:pt x="121" y="20"/>
+                    </a:moveTo>
+                    <a:lnTo>
+                      <a:pt x="121" y="20"/>
+                    </a:lnTo>
+                    <a:lnTo>
+                      <a:pt x="115" y="16"/>
+                    </a:lnTo>
+                    <a:lnTo>
+                      <a:pt x="109" y="11"/>
+                    </a:lnTo>
+                    <a:lnTo>
+                      <a:pt x="103" y="8"/>
+                    </a:lnTo>
+                    <a:lnTo>
+                      <a:pt x="97" y="5"/>
+                    </a:lnTo>
+                    <a:lnTo>
+                      <a:pt x="91" y="3"/>
+                    </a:lnTo>
+                    <a:lnTo>
+                      <a:pt x="84" y="1"/>
+                    </a:lnTo>
+                    <a:lnTo>
+                      <a:pt x="77" y="0"/>
+                    </a:lnTo>
+                    <a:lnTo>
+                      <a:pt x="70" y="0"/>
+                    </a:lnTo>
+                    <a:lnTo>
+                      <a:pt x="64" y="0"/>
+                    </a:lnTo>
+                    <a:lnTo>
+                      <a:pt x="57" y="1"/>
+                    </a:lnTo>
+                    <a:lnTo>
+                      <a:pt x="51" y="3"/>
+                    </a:lnTo>
+                    <a:lnTo>
+                      <a:pt x="43" y="5"/>
+                    </a:lnTo>
+                    <a:lnTo>
+                      <a:pt x="37" y="8"/>
+                    </a:lnTo>
+                    <a:lnTo>
+                      <a:pt x="31" y="11"/>
+                    </a:lnTo>
+                    <a:lnTo>
+                      <a:pt x="26" y="16"/>
+                    </a:lnTo>
+                    <a:lnTo>
+                      <a:pt x="21" y="20"/>
+                    </a:lnTo>
+                    <a:lnTo>
+                      <a:pt x="21" y="20"/>
+                    </a:lnTo>
+                    <a:lnTo>
+                      <a:pt x="16" y="26"/>
+                    </a:lnTo>
+                    <a:lnTo>
+                      <a:pt x="12" y="32"/>
+                    </a:lnTo>
+                    <a:lnTo>
+                      <a:pt x="8" y="38"/>
+                    </a:lnTo>
+                    <a:lnTo>
+                      <a:pt x="5" y="44"/>
+                    </a:lnTo>
+                    <a:lnTo>
+                      <a:pt x="2" y="50"/>
+                    </a:lnTo>
+                    <a:lnTo>
+                      <a:pt x="1" y="57"/>
+                    </a:lnTo>
+                    <a:lnTo>
+                      <a:pt x="0" y="63"/>
+                    </a:lnTo>
+                    <a:lnTo>
+                      <a:pt x="0" y="71"/>
+                    </a:lnTo>
+                    <a:lnTo>
+                      <a:pt x="0" y="77"/>
+                    </a:lnTo>
+                    <a:lnTo>
+                      <a:pt x="1" y="84"/>
+                    </a:lnTo>
+                    <a:lnTo>
+                      <a:pt x="2" y="90"/>
+                    </a:lnTo>
+                    <a:lnTo>
+                      <a:pt x="5" y="97"/>
+                    </a:lnTo>
+                    <a:lnTo>
+                      <a:pt x="8" y="103"/>
+                    </a:lnTo>
+                    <a:lnTo>
+                      <a:pt x="12" y="110"/>
+                    </a:lnTo>
+                    <a:lnTo>
+                      <a:pt x="16" y="115"/>
+                    </a:lnTo>
+                    <a:lnTo>
+                      <a:pt x="21" y="120"/>
+                    </a:lnTo>
+                    <a:lnTo>
+                      <a:pt x="545" y="642"/>
+                    </a:lnTo>
+                    <a:lnTo>
+                      <a:pt x="21" y="1165"/>
+                    </a:lnTo>
+                    <a:lnTo>
+                      <a:pt x="21" y="1165"/>
+                    </a:lnTo>
+                    <a:lnTo>
+                      <a:pt x="16" y="1171"/>
+                    </a:lnTo>
+                    <a:lnTo>
+                      <a:pt x="12" y="1176"/>
+                    </a:lnTo>
+                    <a:lnTo>
+                      <a:pt x="8" y="1183"/>
+                    </a:lnTo>
+                    <a:lnTo>
+                      <a:pt x="5" y="1189"/>
+                    </a:lnTo>
+                    <a:lnTo>
+                      <a:pt x="2" y="1195"/>
+                    </a:lnTo>
+                    <a:lnTo>
+                      <a:pt x="1" y="1202"/>
+                    </a:lnTo>
+                    <a:lnTo>
+                      <a:pt x="0" y="1208"/>
+                    </a:lnTo>
+                    <a:lnTo>
+                      <a:pt x="0" y="1215"/>
+                    </a:lnTo>
+                    <a:lnTo>
+                      <a:pt x="0" y="1221"/>
+                    </a:lnTo>
+                    <a:lnTo>
+                      <a:pt x="1" y="1229"/>
+                    </a:lnTo>
+                    <a:lnTo>
+                      <a:pt x="2" y="1235"/>
+                    </a:lnTo>
+                    <a:lnTo>
+                      <a:pt x="5" y="1242"/>
+                    </a:lnTo>
+                    <a:lnTo>
+                      <a:pt x="8" y="1248"/>
+                    </a:lnTo>
+                    <a:lnTo>
+                      <a:pt x="12" y="1254"/>
+                    </a:lnTo>
+                    <a:lnTo>
+                      <a:pt x="16" y="1259"/>
+                    </a:lnTo>
+                    <a:lnTo>
+                      <a:pt x="21" y="1265"/>
+                    </a:lnTo>
+                    <a:lnTo>
+                      <a:pt x="21" y="1265"/>
+                    </a:lnTo>
+                    <a:lnTo>
+                      <a:pt x="26" y="1270"/>
+                    </a:lnTo>
+                    <a:lnTo>
+                      <a:pt x="31" y="1274"/>
+                    </a:lnTo>
+                    <a:lnTo>
+                      <a:pt x="37" y="1278"/>
+                    </a:lnTo>
+                    <a:lnTo>
+                      <a:pt x="43" y="1281"/>
+                    </a:lnTo>
+                    <a:lnTo>
+                      <a:pt x="51" y="1283"/>
+                    </a:lnTo>
+                    <a:lnTo>
+                      <a:pt x="57" y="1284"/>
+                    </a:lnTo>
+                    <a:lnTo>
+                      <a:pt x="64" y="1285"/>
+                    </a:lnTo>
+                    <a:lnTo>
+                      <a:pt x="70" y="1286"/>
+                    </a:lnTo>
+                    <a:lnTo>
+                      <a:pt x="70" y="1286"/>
+                    </a:lnTo>
+                    <a:lnTo>
+                      <a:pt x="77" y="1285"/>
+                    </a:lnTo>
+                    <a:lnTo>
+                      <a:pt x="84" y="1284"/>
+                    </a:lnTo>
+                    <a:lnTo>
+                      <a:pt x="91" y="1283"/>
+                    </a:lnTo>
+                    <a:lnTo>
+                      <a:pt x="97" y="1281"/>
+                    </a:lnTo>
+                    <a:lnTo>
+                      <a:pt x="103" y="1278"/>
+                    </a:lnTo>
+                    <a:lnTo>
+                      <a:pt x="109" y="1274"/>
+                    </a:lnTo>
+                    <a:lnTo>
+                      <a:pt x="115" y="1270"/>
+                    </a:lnTo>
+                    <a:lnTo>
+                      <a:pt x="121" y="1265"/>
+                    </a:lnTo>
+                    <a:lnTo>
+                      <a:pt x="694" y="693"/>
+                    </a:lnTo>
+                    <a:lnTo>
+                      <a:pt x="694" y="693"/>
+                    </a:lnTo>
+                    <a:lnTo>
+                      <a:pt x="699" y="688"/>
+                    </a:lnTo>
+                    <a:lnTo>
+                      <a:pt x="703" y="681"/>
+                    </a:lnTo>
+                    <a:lnTo>
+                      <a:pt x="707" y="675"/>
+                    </a:lnTo>
+                    <a:lnTo>
+                      <a:pt x="709" y="669"/>
+                    </a:lnTo>
+                    <a:lnTo>
+                      <a:pt x="713" y="663"/>
+                    </a:lnTo>
+                    <a:lnTo>
+                      <a:pt x="714" y="656"/>
+                    </a:lnTo>
+                    <a:lnTo>
+                      <a:pt x="715" y="650"/>
+                    </a:lnTo>
+                    <a:lnTo>
+                      <a:pt x="715" y="642"/>
+                    </a:lnTo>
+                    <a:lnTo>
+                      <a:pt x="715" y="636"/>
+                    </a:lnTo>
+                    <a:lnTo>
+                      <a:pt x="714" y="629"/>
+                    </a:lnTo>
+                    <a:lnTo>
+                      <a:pt x="713" y="623"/>
+                    </a:lnTo>
+                    <a:lnTo>
+                      <a:pt x="709" y="617"/>
+                    </a:lnTo>
+                    <a:lnTo>
+                      <a:pt x="707" y="610"/>
+                    </a:lnTo>
+                    <a:lnTo>
+                      <a:pt x="703" y="605"/>
+                    </a:lnTo>
+                    <a:lnTo>
+                      <a:pt x="699" y="598"/>
+                    </a:lnTo>
+                    <a:lnTo>
+                      <a:pt x="694" y="593"/>
+                    </a:lnTo>
+                    <a:lnTo>
+                      <a:pt x="121" y="20"/>
+                    </a:lnTo>
+                    <a:close/>
+                  </a:path>
+                </a:pathLst>
+              </a:custGeom>
+              <a:solidFill>
+                <a:schemeClr val="bg1"/>
+              </a:solidFill>
+              <a:ln w="9525">
+                <a:noFill/>
+                <a:round/>
+                <a:headEnd/>
+                <a:tailEnd/>
+              </a:ln>
+            </p:spPr>
+            <p:txBody>
+              <a:bodyPr vert="horz" wrap="square" lIns="91440" tIns="45720" rIns="91440" bIns="45720" numCol="1" anchor="t" anchorCtr="0" compatLnSpc="1">
+                <a:prstTxWarp prst="textNoShape">
+                  <a:avLst/>
+                </a:prstTxWarp>
+              </a:bodyPr>
+              <a:lstStyle>
+                <a:defPPr>
+                  <a:defRPr lang="de-DE"/>
+                </a:defPPr>
+                <a:lvl1pPr algn="l" rtl="0" fontAlgn="base">
+                  <a:spcBef>
+                    <a:spcPct val="0"/>
+                  </a:spcBef>
+                  <a:spcAft>
+                    <a:spcPct val="0"/>
+                  </a:spcAft>
+                  <a:defRPr sz="2000" kern="1200">
+                    <a:solidFill>
+                      <a:schemeClr val="tx1"/>
+                    </a:solidFill>
+                    <a:latin typeface="Arial" pitchFamily="34" charset="0"/>
+                    <a:ea typeface="ヒラギノ角ゴ Pro W3"/>
+                    <a:cs typeface="ヒラギノ角ゴ Pro W3"/>
+                  </a:defRPr>
+                </a:lvl1pPr>
+                <a:lvl2pPr marL="457200" algn="l" rtl="0" fontAlgn="base">
+                  <a:spcBef>
+                    <a:spcPct val="0"/>
+                  </a:spcBef>
+                  <a:spcAft>
+                    <a:spcPct val="0"/>
+                  </a:spcAft>
+                  <a:defRPr sz="2000" kern="1200">
+                    <a:solidFill>
+                      <a:schemeClr val="tx1"/>
+                    </a:solidFill>
+                    <a:latin typeface="Arial" pitchFamily="34" charset="0"/>
+                    <a:ea typeface="ヒラギノ角ゴ Pro W3"/>
+                    <a:cs typeface="ヒラギノ角ゴ Pro W3"/>
+                  </a:defRPr>
+                </a:lvl2pPr>
+                <a:lvl3pPr marL="914400" algn="l" rtl="0" fontAlgn="base">
+                  <a:spcBef>
+                    <a:spcPct val="0"/>
+                  </a:spcBef>
+                  <a:spcAft>
+                    <a:spcPct val="0"/>
+                  </a:spcAft>
+                  <a:defRPr sz="2000" kern="1200">
+                    <a:solidFill>
+                      <a:schemeClr val="tx1"/>
+                    </a:solidFill>
+                    <a:latin typeface="Arial" pitchFamily="34" charset="0"/>
+                    <a:ea typeface="ヒラギノ角ゴ Pro W3"/>
+                    <a:cs typeface="ヒラギノ角ゴ Pro W3"/>
+                  </a:defRPr>
+                </a:lvl3pPr>
+                <a:lvl4pPr marL="1371600" algn="l" rtl="0" fontAlgn="base">
+                  <a:spcBef>
+                    <a:spcPct val="0"/>
+                  </a:spcBef>
+                  <a:spcAft>
+                    <a:spcPct val="0"/>
+                  </a:spcAft>
+                  <a:defRPr sz="2000" kern="1200">
+                    <a:solidFill>
+                      <a:schemeClr val="tx1"/>
+                    </a:solidFill>
+                    <a:latin typeface="Arial" pitchFamily="34" charset="0"/>
+                    <a:ea typeface="ヒラギノ角ゴ Pro W3"/>
+                    <a:cs typeface="ヒラギノ角ゴ Pro W3"/>
+                  </a:defRPr>
+                </a:lvl4pPr>
+                <a:lvl5pPr marL="1828800" algn="l" rtl="0" fontAlgn="base">
+                  <a:spcBef>
+                    <a:spcPct val="0"/>
+                  </a:spcBef>
+                  <a:spcAft>
+                    <a:spcPct val="0"/>
+                  </a:spcAft>
+                  <a:defRPr sz="2000" kern="1200">
+                    <a:solidFill>
+                      <a:schemeClr val="tx1"/>
+                    </a:solidFill>
+                    <a:latin typeface="Arial" pitchFamily="34" charset="0"/>
+                    <a:ea typeface="ヒラギノ角ゴ Pro W3"/>
+                    <a:cs typeface="ヒラギノ角ゴ Pro W3"/>
+                  </a:defRPr>
+                </a:lvl5pPr>
+                <a:lvl6pPr marL="2286000" algn="l" defTabSz="914400" rtl="0" eaLnBrk="1" latinLnBrk="0" hangingPunct="1">
+                  <a:defRPr sz="2000" kern="1200">
+                    <a:solidFill>
+                      <a:schemeClr val="tx1"/>
+                    </a:solidFill>
+                    <a:latin typeface="Arial" pitchFamily="34" charset="0"/>
+                    <a:ea typeface="ヒラギノ角ゴ Pro W3"/>
+                    <a:cs typeface="ヒラギノ角ゴ Pro W3"/>
+                  </a:defRPr>
+                </a:lvl6pPr>
+                <a:lvl7pPr marL="2743200" algn="l" defTabSz="914400" rtl="0" eaLnBrk="1" latinLnBrk="0" hangingPunct="1">
+                  <a:defRPr sz="2000" kern="1200">
+                    <a:solidFill>
+                      <a:schemeClr val="tx1"/>
+                    </a:solidFill>
+                    <a:latin typeface="Arial" pitchFamily="34" charset="0"/>
+                    <a:ea typeface="ヒラギノ角ゴ Pro W3"/>
+                    <a:cs typeface="ヒラギノ角ゴ Pro W3"/>
+                  </a:defRPr>
+                </a:lvl7pPr>
+                <a:lvl8pPr marL="3200400" algn="l" defTabSz="914400" rtl="0" eaLnBrk="1" latinLnBrk="0" hangingPunct="1">
+                  <a:defRPr sz="2000" kern="1200">
+                    <a:solidFill>
+                      <a:schemeClr val="tx1"/>
+                    </a:solidFill>
+                    <a:latin typeface="Arial" pitchFamily="34" charset="0"/>
+                    <a:ea typeface="ヒラギノ角ゴ Pro W3"/>
+                    <a:cs typeface="ヒラギノ角ゴ Pro W3"/>
+                  </a:defRPr>
+                </a:lvl8pPr>
+                <a:lvl9pPr marL="3657600" algn="l" defTabSz="914400" rtl="0" eaLnBrk="1" latinLnBrk="0" hangingPunct="1">
+                  <a:defRPr sz="2000" kern="1200">
+                    <a:solidFill>
+                      <a:schemeClr val="tx1"/>
+                    </a:solidFill>
+                    <a:latin typeface="Arial" pitchFamily="34" charset="0"/>
+                    <a:ea typeface="ヒラギノ角ゴ Pro W3"/>
+                    <a:cs typeface="ヒラギノ角ゴ Pro W3"/>
+                  </a:defRPr>
+                </a:lvl9pPr>
+              </a:lstStyle>
+              <a:p>
+                <a:endParaRPr lang="de-DE"/>
+              </a:p>
+            </p:txBody>
+          </p:sp>
+        </p:grpSp>
+      </p:grpSp>
+    </p:spTree>
+    <p:extLst>
+      <p:ext uri="{BB962C8B-B14F-4D97-AF65-F5344CB8AC3E}">
+        <p14:creationId xmlns:p14="http://schemas.microsoft.com/office/powerpoint/2010/main" val="2056713386"/>
+      </p:ext>
+    </p:extLst>
+  </p:cSld>
+  <p:clrMapOvr>
+    <a:masterClrMapping/>
+  </p:clrMapOvr>
+</p:sld>
+</file>
+
+<file path=ppt/slides/slide23.xml><?xml version="1.0" encoding="utf-8"?>
+<p:sld xmlns:a="http://schemas.openxmlformats.org/drawingml/2006/main" xmlns:r="http://schemas.openxmlformats.org/officeDocument/2006/relationships" xmlns:p="http://schemas.openxmlformats.org/presentationml/2006/main">
+  <p:cSld>
+    <p:spTree>
+      <p:nvGrpSpPr>
+        <p:cNvPr id="1" name=""/>
+        <p:cNvGrpSpPr/>
+        <p:nvPr/>
+      </p:nvGrpSpPr>
+      <p:grpSpPr>
+        <a:xfrm>
+          <a:off x="0" y="0"/>
+          <a:ext cx="0" cy="0"/>
+          <a:chOff x="0" y="0"/>
+          <a:chExt cx="0" cy="0"/>
+        </a:xfrm>
+      </p:grpSpPr>
+      <p:sp>
+        <p:nvSpPr>
+          <p:cNvPr id="2" name="Titel 1"/>
+          <p:cNvSpPr>
+            <a:spLocks noGrp="1"/>
+          </p:cNvSpPr>
+          <p:nvPr>
+            <p:ph type="title"/>
+          </p:nvPr>
+        </p:nvSpPr>
+        <p:spPr/>
+        <p:txBody>
+          <a:bodyPr/>
+          <a:lstStyle/>
+          <a:p>
+            <a:r>
+              <a:rPr lang="de-DE" dirty="0" smtClean="0"/>
+              <a:t>Zukünftige Möglichkeiten für spätere Praktikumsgruppen</a:t>
+            </a:r>
+            <a:endParaRPr lang="de-DE" dirty="0"/>
+          </a:p>
+        </p:txBody>
+      </p:sp>
+      <p:sp>
+        <p:nvSpPr>
+          <p:cNvPr id="4" name="Foliennummernplatzhalter 3"/>
+          <p:cNvSpPr>
+            <a:spLocks noGrp="1"/>
+          </p:cNvSpPr>
+          <p:nvPr>
+            <p:ph type="sldNum" sz="quarter" idx="12"/>
+          </p:nvPr>
+        </p:nvSpPr>
+        <p:spPr/>
+        <p:txBody>
+          <a:bodyPr/>
+          <a:lstStyle/>
+          <a:p>
+            <a:fld id="{88051181-3DEF-484A-8434-F25831745C76}" type="slidenum">
+              <a:rPr lang="de-DE" smtClean="0"/>
+              <a:pPr/>
+              <a:t>23</a:t>
+            </a:fld>
+            <a:endParaRPr lang="de-DE" dirty="0"/>
+          </a:p>
+        </p:txBody>
+      </p:sp>
+      <p:sp>
+        <p:nvSpPr>
+          <p:cNvPr id="5" name="Rectangle 2"/>
+          <p:cNvSpPr>
+            <a:spLocks noChangeArrowheads="1"/>
+          </p:cNvSpPr>
+          <p:nvPr/>
+        </p:nvSpPr>
+        <p:spPr bwMode="auto">
+          <a:xfrm>
+            <a:off x="2001043" y="1961910"/>
+            <a:ext cx="4464050" cy="2235200"/>
+          </a:xfrm>
+          <a:prstGeom prst="rect">
+            <a:avLst/>
+          </a:prstGeom>
+          <a:solidFill>
+            <a:schemeClr val="bg2"/>
+          </a:solidFill>
+          <a:ln w="19050">
+            <a:solidFill>
+              <a:schemeClr val="bg2"/>
+            </a:solidFill>
+            <a:miter lim="800000"/>
+            <a:headEnd/>
+            <a:tailEnd/>
+          </a:ln>
+        </p:spPr>
+        <p:txBody>
+          <a:bodyPr wrap="square" lIns="72000" tIns="36000" rIns="1080000" bIns="36000" rtlCol="0" anchor="t">
+            <a:noAutofit/>
+          </a:bodyPr>
+          <a:lstStyle>
+            <a:defPPr>
+              <a:defRPr lang="de-DE"/>
+            </a:defPPr>
+            <a:lvl1pPr algn="l" rtl="0" fontAlgn="base">
+              <a:spcBef>
+                <a:spcPct val="0"/>
+              </a:spcBef>
+              <a:spcAft>
+                <a:spcPct val="0"/>
+              </a:spcAft>
+              <a:defRPr sz="2000" kern="1200">
+                <a:solidFill>
+                  <a:schemeClr val="tx1"/>
+                </a:solidFill>
+                <a:latin typeface="Arial" pitchFamily="34" charset="0"/>
+                <a:ea typeface="ヒラギノ角ゴ Pro W3"/>
+                <a:cs typeface="ヒラギノ角ゴ Pro W3"/>
+              </a:defRPr>
+            </a:lvl1pPr>
+            <a:lvl2pPr marL="457200" algn="l" rtl="0" fontAlgn="base">
+              <a:spcBef>
+                <a:spcPct val="0"/>
+              </a:spcBef>
+              <a:spcAft>
+                <a:spcPct val="0"/>
+              </a:spcAft>
+              <a:defRPr sz="2000" kern="1200">
+                <a:solidFill>
+                  <a:schemeClr val="tx1"/>
+                </a:solidFill>
+                <a:latin typeface="Arial" pitchFamily="34" charset="0"/>
+                <a:ea typeface="ヒラギノ角ゴ Pro W3"/>
+                <a:cs typeface="ヒラギノ角ゴ Pro W3"/>
+              </a:defRPr>
+            </a:lvl2pPr>
+            <a:lvl3pPr marL="914400" algn="l" rtl="0" fontAlgn="base">
+              <a:spcBef>
+                <a:spcPct val="0"/>
+              </a:spcBef>
+              <a:spcAft>
+                <a:spcPct val="0"/>
+              </a:spcAft>
+              <a:defRPr sz="2000" kern="1200">
+                <a:solidFill>
+                  <a:schemeClr val="tx1"/>
+                </a:solidFill>
+                <a:latin typeface="Arial" pitchFamily="34" charset="0"/>
+                <a:ea typeface="ヒラギノ角ゴ Pro W3"/>
+                <a:cs typeface="ヒラギノ角ゴ Pro W3"/>
+              </a:defRPr>
+            </a:lvl3pPr>
+            <a:lvl4pPr marL="1371600" algn="l" rtl="0" fontAlgn="base">
+              <a:spcBef>
+                <a:spcPct val="0"/>
+              </a:spcBef>
+              <a:spcAft>
+                <a:spcPct val="0"/>
+              </a:spcAft>
+              <a:defRPr sz="2000" kern="1200">
+                <a:solidFill>
+                  <a:schemeClr val="tx1"/>
+                </a:solidFill>
+                <a:latin typeface="Arial" pitchFamily="34" charset="0"/>
+                <a:ea typeface="ヒラギノ角ゴ Pro W3"/>
+                <a:cs typeface="ヒラギノ角ゴ Pro W3"/>
+              </a:defRPr>
+            </a:lvl4pPr>
+            <a:lvl5pPr marL="1828800" algn="l" rtl="0" fontAlgn="base">
+              <a:spcBef>
+                <a:spcPct val="0"/>
+              </a:spcBef>
+              <a:spcAft>
+                <a:spcPct val="0"/>
+              </a:spcAft>
+              <a:defRPr sz="2000" kern="1200">
+                <a:solidFill>
+                  <a:schemeClr val="tx1"/>
+                </a:solidFill>
+                <a:latin typeface="Arial" pitchFamily="34" charset="0"/>
+                <a:ea typeface="ヒラギノ角ゴ Pro W3"/>
+                <a:cs typeface="ヒラギノ角ゴ Pro W3"/>
+              </a:defRPr>
+            </a:lvl5pPr>
+            <a:lvl6pPr marL="2286000" algn="l" defTabSz="914400" rtl="0" eaLnBrk="1" latinLnBrk="0" hangingPunct="1">
+              <a:defRPr sz="2000" kern="1200">
+                <a:solidFill>
+                  <a:schemeClr val="tx1"/>
+                </a:solidFill>
+                <a:latin typeface="Arial" pitchFamily="34" charset="0"/>
+                <a:ea typeface="ヒラギノ角ゴ Pro W3"/>
+                <a:cs typeface="ヒラギノ角ゴ Pro W3"/>
+              </a:defRPr>
+            </a:lvl6pPr>
+            <a:lvl7pPr marL="2743200" algn="l" defTabSz="914400" rtl="0" eaLnBrk="1" latinLnBrk="0" hangingPunct="1">
+              <a:defRPr sz="2000" kern="1200">
+                <a:solidFill>
+                  <a:schemeClr val="tx1"/>
+                </a:solidFill>
+                <a:latin typeface="Arial" pitchFamily="34" charset="0"/>
+                <a:ea typeface="ヒラギノ角ゴ Pro W3"/>
+                <a:cs typeface="ヒラギノ角ゴ Pro W3"/>
+              </a:defRPr>
+            </a:lvl7pPr>
+            <a:lvl8pPr marL="3200400" algn="l" defTabSz="914400" rtl="0" eaLnBrk="1" latinLnBrk="0" hangingPunct="1">
+              <a:defRPr sz="2000" kern="1200">
+                <a:solidFill>
+                  <a:schemeClr val="tx1"/>
+                </a:solidFill>
+                <a:latin typeface="Arial" pitchFamily="34" charset="0"/>
+                <a:ea typeface="ヒラギノ角ゴ Pro W3"/>
+                <a:cs typeface="ヒラギノ角ゴ Pro W3"/>
+              </a:defRPr>
+            </a:lvl8pPr>
+            <a:lvl9pPr marL="3657600" algn="l" defTabSz="914400" rtl="0" eaLnBrk="1" latinLnBrk="0" hangingPunct="1">
+              <a:defRPr sz="2000" kern="1200">
+                <a:solidFill>
+                  <a:schemeClr val="tx1"/>
+                </a:solidFill>
+                <a:latin typeface="Arial" pitchFamily="34" charset="0"/>
+                <a:ea typeface="ヒラギノ角ゴ Pro W3"/>
+                <a:cs typeface="ヒラギノ角ゴ Pro W3"/>
+              </a:defRPr>
+            </a:lvl9pPr>
+          </a:lstStyle>
+          <a:p>
+            <a:pPr marL="252000" indent="-180000" defTabSz="762000" eaLnBrk="0" hangingPunct="0">
+              <a:lnSpc>
+                <a:spcPct val="90000"/>
+              </a:lnSpc>
+              <a:spcBef>
+                <a:spcPts val="200"/>
+              </a:spcBef>
+              <a:spcAft>
+                <a:spcPts val="200"/>
+              </a:spcAft>
+              <a:buClr>
+                <a:srgbClr val="007348"/>
+              </a:buClr>
+              <a:buFont typeface="Wingdings" pitchFamily="2" charset="2"/>
+              <a:buChar char="§"/>
+              <a:defRPr/>
+            </a:pPr>
+            <a:r>
+              <a:rPr lang="de-DE" sz="1400" dirty="0" smtClean="0"/>
+              <a:t>Roboter erkennt Kidnapping Situation</a:t>
+            </a:r>
+            <a:endParaRPr lang="de-DE" sz="1400" dirty="0"/>
+          </a:p>
+          <a:p>
+            <a:pPr marL="252000" indent="-180000" defTabSz="762000" eaLnBrk="0" hangingPunct="0">
+              <a:lnSpc>
+                <a:spcPct val="90000"/>
+              </a:lnSpc>
+              <a:spcBef>
+                <a:spcPts val="200"/>
+              </a:spcBef>
+              <a:spcAft>
+                <a:spcPts val="200"/>
+              </a:spcAft>
+              <a:buClr>
+                <a:srgbClr val="007348"/>
+              </a:buClr>
+              <a:buFont typeface="Wingdings" pitchFamily="2" charset="2"/>
+              <a:buChar char="§"/>
+              <a:defRPr/>
+            </a:pPr>
+            <a:r>
+              <a:rPr lang="de-DE" sz="1400" dirty="0" smtClean="0"/>
+              <a:t>Roboter kann nach Markern suchen</a:t>
+            </a:r>
+          </a:p>
+          <a:p>
+            <a:pPr marL="709200" lvl="1" indent="-180000" defTabSz="762000" eaLnBrk="0" hangingPunct="0">
+              <a:lnSpc>
+                <a:spcPct val="90000"/>
+              </a:lnSpc>
+              <a:spcBef>
+                <a:spcPts val="200"/>
+              </a:spcBef>
+              <a:spcAft>
+                <a:spcPts val="200"/>
+              </a:spcAft>
+              <a:buClr>
+                <a:srgbClr val="007348"/>
+              </a:buClr>
+              <a:buFont typeface="Wingdings" pitchFamily="2" charset="2"/>
+              <a:buChar char="§"/>
+              <a:defRPr/>
+            </a:pPr>
+            <a:r>
+              <a:rPr lang="de-DE" sz="1400" dirty="0" smtClean="0"/>
+              <a:t>-&gt; </a:t>
+            </a:r>
+            <a:r>
+              <a:rPr lang="de-DE" sz="1400" dirty="0" err="1" smtClean="0"/>
+              <a:t>Recovery</a:t>
+            </a:r>
+            <a:endParaRPr lang="de-DE" sz="1400" dirty="0"/>
+          </a:p>
+          <a:p>
+            <a:pPr marL="252000" indent="-180000" defTabSz="762000" eaLnBrk="0" hangingPunct="0">
+              <a:lnSpc>
+                <a:spcPct val="90000"/>
+              </a:lnSpc>
+              <a:spcBef>
+                <a:spcPts val="200"/>
+              </a:spcBef>
+              <a:spcAft>
+                <a:spcPts val="200"/>
+              </a:spcAft>
+              <a:buClr>
+                <a:srgbClr val="007348"/>
+              </a:buClr>
+              <a:buFont typeface="Wingdings" pitchFamily="2" charset="2"/>
+              <a:buChar char="§"/>
+              <a:defRPr/>
+            </a:pPr>
+            <a:r>
+              <a:rPr lang="de-DE" sz="1400" dirty="0" smtClean="0"/>
+              <a:t>Datenfusion von </a:t>
+            </a:r>
+            <a:r>
+              <a:rPr lang="de-DE" sz="1400" dirty="0" err="1" smtClean="0"/>
+              <a:t>Map</a:t>
+            </a:r>
+            <a:r>
+              <a:rPr lang="de-DE" sz="1400" dirty="0" smtClean="0"/>
+              <a:t> und Kinect</a:t>
+            </a:r>
+          </a:p>
+          <a:p>
+            <a:pPr marL="252000" indent="-180000" defTabSz="762000" eaLnBrk="0" hangingPunct="0">
+              <a:lnSpc>
+                <a:spcPct val="90000"/>
+              </a:lnSpc>
+              <a:spcBef>
+                <a:spcPts val="200"/>
+              </a:spcBef>
+              <a:spcAft>
+                <a:spcPts val="200"/>
+              </a:spcAft>
+              <a:buClr>
+                <a:srgbClr val="007348"/>
+              </a:buClr>
+              <a:buFont typeface="Wingdings" pitchFamily="2" charset="2"/>
+              <a:buChar char="§"/>
+              <a:defRPr/>
+            </a:pPr>
+            <a:r>
+              <a:rPr lang="de-DE" sz="1400" dirty="0" smtClean="0"/>
+              <a:t>Erkennung von künstlichen Markern an vorgegebenen Positionen</a:t>
+            </a:r>
+          </a:p>
+          <a:p>
+            <a:pPr marL="252000" indent="-180000" defTabSz="762000" eaLnBrk="0" hangingPunct="0">
+              <a:lnSpc>
+                <a:spcPct val="90000"/>
+              </a:lnSpc>
+              <a:spcBef>
+                <a:spcPts val="200"/>
+              </a:spcBef>
+              <a:spcAft>
+                <a:spcPts val="200"/>
+              </a:spcAft>
+              <a:buClr>
+                <a:srgbClr val="007348"/>
+              </a:buClr>
+              <a:buFont typeface="Wingdings" pitchFamily="2" charset="2"/>
+              <a:buChar char="§"/>
+              <a:defRPr/>
+            </a:pPr>
+            <a:r>
+              <a:rPr lang="de-DE" sz="1400" dirty="0" smtClean="0"/>
+              <a:t>Folgen der Marker mit dem „Kopf“ des Roboters</a:t>
+            </a:r>
+            <a:endParaRPr lang="de-DE" sz="1400" dirty="0"/>
+          </a:p>
+        </p:txBody>
+      </p:sp>
+      <p:sp>
+        <p:nvSpPr>
+          <p:cNvPr id="6" name="Rectangle 2"/>
+          <p:cNvSpPr>
+            <a:spLocks noChangeArrowheads="1"/>
+          </p:cNvSpPr>
+          <p:nvPr/>
+        </p:nvSpPr>
+        <p:spPr bwMode="auto">
+          <a:xfrm>
+            <a:off x="5582443" y="3489085"/>
+            <a:ext cx="4608513" cy="2235200"/>
+          </a:xfrm>
+          <a:prstGeom prst="rect">
+            <a:avLst/>
+          </a:prstGeom>
+          <a:solidFill>
+            <a:schemeClr val="bg2"/>
+          </a:solidFill>
+          <a:ln w="19050">
+            <a:solidFill>
+              <a:schemeClr val="bg2"/>
+            </a:solidFill>
+            <a:miter lim="800000"/>
+            <a:headEnd/>
+            <a:tailEnd/>
+          </a:ln>
+        </p:spPr>
+        <p:txBody>
+          <a:bodyPr wrap="square" lIns="72000" tIns="36000" rIns="0" bIns="36000" rtlCol="0" anchor="t">
+            <a:noAutofit/>
+          </a:bodyPr>
+          <a:lstStyle>
+            <a:defPPr>
+              <a:defRPr lang="de-DE"/>
+            </a:defPPr>
+            <a:lvl1pPr algn="l" rtl="0" fontAlgn="base">
+              <a:spcBef>
+                <a:spcPct val="0"/>
+              </a:spcBef>
+              <a:spcAft>
+                <a:spcPct val="0"/>
+              </a:spcAft>
+              <a:defRPr sz="2000" kern="1200">
+                <a:solidFill>
+                  <a:schemeClr val="tx1"/>
+                </a:solidFill>
+                <a:latin typeface="Arial" pitchFamily="34" charset="0"/>
+                <a:ea typeface="ヒラギノ角ゴ Pro W3"/>
+                <a:cs typeface="ヒラギノ角ゴ Pro W3"/>
+              </a:defRPr>
+            </a:lvl1pPr>
+            <a:lvl2pPr marL="457200" algn="l" rtl="0" fontAlgn="base">
+              <a:spcBef>
+                <a:spcPct val="0"/>
+              </a:spcBef>
+              <a:spcAft>
+                <a:spcPct val="0"/>
+              </a:spcAft>
+              <a:defRPr sz="2000" kern="1200">
+                <a:solidFill>
+                  <a:schemeClr val="tx1"/>
+                </a:solidFill>
+                <a:latin typeface="Arial" pitchFamily="34" charset="0"/>
+                <a:ea typeface="ヒラギノ角ゴ Pro W3"/>
+                <a:cs typeface="ヒラギノ角ゴ Pro W3"/>
+              </a:defRPr>
+            </a:lvl2pPr>
+            <a:lvl3pPr marL="914400" algn="l" rtl="0" fontAlgn="base">
+              <a:spcBef>
+                <a:spcPct val="0"/>
+              </a:spcBef>
+              <a:spcAft>
+                <a:spcPct val="0"/>
+              </a:spcAft>
+              <a:defRPr sz="2000" kern="1200">
+                <a:solidFill>
+                  <a:schemeClr val="tx1"/>
+                </a:solidFill>
+                <a:latin typeface="Arial" pitchFamily="34" charset="0"/>
+                <a:ea typeface="ヒラギノ角ゴ Pro W3"/>
+                <a:cs typeface="ヒラギノ角ゴ Pro W3"/>
+              </a:defRPr>
+            </a:lvl3pPr>
+            <a:lvl4pPr marL="1371600" algn="l" rtl="0" fontAlgn="base">
+              <a:spcBef>
+                <a:spcPct val="0"/>
+              </a:spcBef>
+              <a:spcAft>
+                <a:spcPct val="0"/>
+              </a:spcAft>
+              <a:defRPr sz="2000" kern="1200">
+                <a:solidFill>
+                  <a:schemeClr val="tx1"/>
+                </a:solidFill>
+                <a:latin typeface="Arial" pitchFamily="34" charset="0"/>
+                <a:ea typeface="ヒラギノ角ゴ Pro W3"/>
+                <a:cs typeface="ヒラギノ角ゴ Pro W3"/>
+              </a:defRPr>
+            </a:lvl4pPr>
+            <a:lvl5pPr marL="1828800" algn="l" rtl="0" fontAlgn="base">
+              <a:spcBef>
+                <a:spcPct val="0"/>
+              </a:spcBef>
+              <a:spcAft>
+                <a:spcPct val="0"/>
+              </a:spcAft>
+              <a:defRPr sz="2000" kern="1200">
+                <a:solidFill>
+                  <a:schemeClr val="tx1"/>
+                </a:solidFill>
+                <a:latin typeface="Arial" pitchFamily="34" charset="0"/>
+                <a:ea typeface="ヒラギノ角ゴ Pro W3"/>
+                <a:cs typeface="ヒラギノ角ゴ Pro W3"/>
+              </a:defRPr>
+            </a:lvl5pPr>
+            <a:lvl6pPr marL="2286000" algn="l" defTabSz="914400" rtl="0" eaLnBrk="1" latinLnBrk="0" hangingPunct="1">
+              <a:defRPr sz="2000" kern="1200">
+                <a:solidFill>
+                  <a:schemeClr val="tx1"/>
+                </a:solidFill>
+                <a:latin typeface="Arial" pitchFamily="34" charset="0"/>
+                <a:ea typeface="ヒラギノ角ゴ Pro W3"/>
+                <a:cs typeface="ヒラギノ角ゴ Pro W3"/>
+              </a:defRPr>
+            </a:lvl6pPr>
+            <a:lvl7pPr marL="2743200" algn="l" defTabSz="914400" rtl="0" eaLnBrk="1" latinLnBrk="0" hangingPunct="1">
+              <a:defRPr sz="2000" kern="1200">
+                <a:solidFill>
+                  <a:schemeClr val="tx1"/>
+                </a:solidFill>
+                <a:latin typeface="Arial" pitchFamily="34" charset="0"/>
+                <a:ea typeface="ヒラギノ角ゴ Pro W3"/>
+                <a:cs typeface="ヒラギノ角ゴ Pro W3"/>
+              </a:defRPr>
+            </a:lvl7pPr>
+            <a:lvl8pPr marL="3200400" algn="l" defTabSz="914400" rtl="0" eaLnBrk="1" latinLnBrk="0" hangingPunct="1">
+              <a:defRPr sz="2000" kern="1200">
+                <a:solidFill>
+                  <a:schemeClr val="tx1"/>
+                </a:solidFill>
+                <a:latin typeface="Arial" pitchFamily="34" charset="0"/>
+                <a:ea typeface="ヒラギノ角ゴ Pro W3"/>
+                <a:cs typeface="ヒラギノ角ゴ Pro W3"/>
+              </a:defRPr>
+            </a:lvl8pPr>
+            <a:lvl9pPr marL="3657600" algn="l" defTabSz="914400" rtl="0" eaLnBrk="1" latinLnBrk="0" hangingPunct="1">
+              <a:defRPr sz="2000" kern="1200">
+                <a:solidFill>
+                  <a:schemeClr val="tx1"/>
+                </a:solidFill>
+                <a:latin typeface="Arial" pitchFamily="34" charset="0"/>
+                <a:ea typeface="ヒラギノ角ゴ Pro W3"/>
+                <a:cs typeface="ヒラギノ角ゴ Pro W3"/>
+              </a:defRPr>
+            </a:lvl9pPr>
+          </a:lstStyle>
+          <a:p>
+            <a:pPr marL="252000" indent="-180000" defTabSz="762000" eaLnBrk="0" hangingPunct="0">
+              <a:lnSpc>
+                <a:spcPct val="90000"/>
+              </a:lnSpc>
+              <a:spcBef>
+                <a:spcPts val="200"/>
+              </a:spcBef>
+              <a:spcAft>
+                <a:spcPts val="200"/>
+              </a:spcAft>
+              <a:buClr>
+                <a:srgbClr val="007348"/>
+              </a:buClr>
+              <a:buFont typeface="Wingdings" pitchFamily="2" charset="2"/>
+              <a:buChar char="§"/>
+              <a:defRPr/>
+            </a:pPr>
+            <a:r>
+              <a:rPr lang="de-DE" sz="1400" dirty="0" smtClean="0"/>
+              <a:t>Integration von Kidnapping Logik in bestehende „Arbeitsaufgaben“</a:t>
+            </a:r>
+          </a:p>
+          <a:p>
+            <a:pPr marL="709200" lvl="1" indent="-180000" defTabSz="762000" eaLnBrk="0" hangingPunct="0">
+              <a:lnSpc>
+                <a:spcPct val="90000"/>
+              </a:lnSpc>
+              <a:spcBef>
+                <a:spcPts val="200"/>
+              </a:spcBef>
+              <a:spcAft>
+                <a:spcPts val="200"/>
+              </a:spcAft>
+              <a:buClr>
+                <a:srgbClr val="007348"/>
+              </a:buClr>
+              <a:buFont typeface="Wingdings" pitchFamily="2" charset="2"/>
+              <a:buChar char="§"/>
+              <a:defRPr/>
+            </a:pPr>
+            <a:r>
+              <a:rPr lang="de-DE" sz="1400" dirty="0" smtClean="0"/>
+              <a:t>Kinect nicht voll für Kidnapping Erkennung einsetzen</a:t>
+            </a:r>
+          </a:p>
+          <a:p>
+            <a:pPr marL="709200" lvl="1" indent="-180000" defTabSz="762000" eaLnBrk="0" hangingPunct="0">
+              <a:lnSpc>
+                <a:spcPct val="90000"/>
+              </a:lnSpc>
+              <a:spcBef>
+                <a:spcPts val="200"/>
+              </a:spcBef>
+              <a:spcAft>
+                <a:spcPts val="200"/>
+              </a:spcAft>
+              <a:buClr>
+                <a:srgbClr val="007348"/>
+              </a:buClr>
+              <a:buFont typeface="Wingdings" pitchFamily="2" charset="2"/>
+              <a:buChar char="§"/>
+              <a:defRPr/>
+            </a:pPr>
+            <a:r>
+              <a:rPr lang="de-DE" sz="1400" dirty="0" smtClean="0"/>
+              <a:t>Als Service im Hintergrund</a:t>
+            </a:r>
+            <a:endParaRPr lang="de-DE" sz="1400" dirty="0"/>
+          </a:p>
+          <a:p>
+            <a:pPr marL="252000" indent="-180000" defTabSz="762000" eaLnBrk="0" hangingPunct="0">
+              <a:lnSpc>
+                <a:spcPct val="90000"/>
+              </a:lnSpc>
+              <a:spcBef>
+                <a:spcPts val="200"/>
+              </a:spcBef>
+              <a:spcAft>
+                <a:spcPts val="200"/>
+              </a:spcAft>
+              <a:buClr>
+                <a:srgbClr val="007348"/>
+              </a:buClr>
+              <a:buFont typeface="Wingdings" pitchFamily="2" charset="2"/>
+              <a:buChar char="§"/>
+              <a:defRPr/>
+            </a:pPr>
+            <a:r>
+              <a:rPr lang="de-DE" sz="1400" dirty="0" smtClean="0"/>
+              <a:t>Erkennung von natürlichen Markern wie z.B</a:t>
+            </a:r>
+            <a:r>
+              <a:rPr lang="de-DE" sz="1400" dirty="0" smtClean="0"/>
+              <a:t>. Türschilder</a:t>
+            </a:r>
+            <a:endParaRPr lang="de-DE" sz="1400" dirty="0"/>
+          </a:p>
+          <a:p>
+            <a:pPr marL="252000" indent="-180000" defTabSz="762000" eaLnBrk="0" hangingPunct="0">
+              <a:lnSpc>
+                <a:spcPct val="90000"/>
+              </a:lnSpc>
+              <a:spcBef>
+                <a:spcPts val="200"/>
+              </a:spcBef>
+              <a:spcAft>
+                <a:spcPts val="200"/>
+              </a:spcAft>
+              <a:buClr>
+                <a:srgbClr val="007348"/>
+              </a:buClr>
+              <a:buFont typeface="Wingdings" pitchFamily="2" charset="2"/>
+              <a:buChar char="§"/>
+              <a:defRPr/>
+            </a:pPr>
+            <a:r>
+              <a:rPr lang="de-DE" sz="1400" dirty="0" smtClean="0"/>
+              <a:t>Einbindung weiterer Positionssensoren</a:t>
+            </a:r>
+          </a:p>
+          <a:p>
+            <a:pPr marL="252000" indent="-180000" defTabSz="762000" eaLnBrk="0" hangingPunct="0">
+              <a:lnSpc>
+                <a:spcPct val="90000"/>
+              </a:lnSpc>
+              <a:spcBef>
+                <a:spcPts val="200"/>
+              </a:spcBef>
+              <a:spcAft>
+                <a:spcPts val="200"/>
+              </a:spcAft>
+              <a:buClr>
+                <a:srgbClr val="007348"/>
+              </a:buClr>
+              <a:buFont typeface="Wingdings" pitchFamily="2" charset="2"/>
+              <a:buChar char="§"/>
+              <a:defRPr/>
+            </a:pPr>
+            <a:r>
+              <a:rPr lang="de-DE" sz="1400" dirty="0" smtClean="0"/>
+              <a:t>Zentrale </a:t>
+            </a:r>
+            <a:r>
+              <a:rPr lang="de-DE" sz="1400" dirty="0" err="1" smtClean="0"/>
+              <a:t>Markerdatenbank</a:t>
+            </a:r>
+            <a:r>
+              <a:rPr lang="de-DE" sz="1400" dirty="0" smtClean="0"/>
+              <a:t> fürs FZI</a:t>
+            </a:r>
+            <a:endParaRPr lang="de-DE" sz="1400" dirty="0"/>
+          </a:p>
+          <a:p>
+            <a:pPr marL="252000" indent="-180000" defTabSz="762000" eaLnBrk="0" hangingPunct="0">
+              <a:lnSpc>
+                <a:spcPct val="90000"/>
+              </a:lnSpc>
+              <a:spcBef>
+                <a:spcPts val="200"/>
+              </a:spcBef>
+              <a:spcAft>
+                <a:spcPts val="200"/>
+              </a:spcAft>
+              <a:buClr>
+                <a:schemeClr val="accent1"/>
+              </a:buClr>
+              <a:buFont typeface="Wingdings" pitchFamily="2" charset="2"/>
+              <a:buChar char="§"/>
+              <a:defRPr/>
+            </a:pPr>
+            <a:endParaRPr lang="de-DE" sz="1400" dirty="0"/>
+          </a:p>
+        </p:txBody>
+      </p:sp>
+      <p:sp>
+        <p:nvSpPr>
+          <p:cNvPr id="7" name="Rectangle 4"/>
+          <p:cNvSpPr>
+            <a:spLocks noChangeArrowheads="1"/>
+          </p:cNvSpPr>
+          <p:nvPr/>
+        </p:nvSpPr>
+        <p:spPr bwMode="auto">
+          <a:xfrm>
+            <a:off x="2001043" y="1601548"/>
+            <a:ext cx="4464050" cy="360362"/>
+          </a:xfrm>
+          <a:prstGeom prst="rect">
+            <a:avLst/>
+          </a:prstGeom>
+          <a:solidFill>
+            <a:schemeClr val="accent3">
+              <a:lumMod val="50000"/>
+            </a:schemeClr>
+          </a:solidFill>
+          <a:ln w="19050">
+            <a:solidFill>
+              <a:schemeClr val="accent3">
+                <a:lumMod val="50000"/>
+              </a:schemeClr>
+            </a:solidFill>
+            <a:miter lim="800000"/>
+            <a:headEnd/>
+            <a:tailEnd/>
+          </a:ln>
+        </p:spPr>
+        <p:txBody>
+          <a:bodyPr wrap="none" lIns="0" tIns="0" rIns="0" bIns="0" anchor="ctr"/>
+          <a:lstStyle>
+            <a:defPPr>
+              <a:defRPr lang="de-DE"/>
+            </a:defPPr>
+            <a:lvl1pPr algn="l" rtl="0" fontAlgn="base">
+              <a:spcBef>
+                <a:spcPct val="0"/>
+              </a:spcBef>
+              <a:spcAft>
+                <a:spcPct val="0"/>
+              </a:spcAft>
+              <a:defRPr sz="2000" kern="1200">
+                <a:solidFill>
+                  <a:schemeClr val="tx1"/>
+                </a:solidFill>
+                <a:latin typeface="Arial" pitchFamily="34" charset="0"/>
+                <a:ea typeface="ヒラギノ角ゴ Pro W3"/>
+                <a:cs typeface="ヒラギノ角ゴ Pro W3"/>
+              </a:defRPr>
+            </a:lvl1pPr>
+            <a:lvl2pPr marL="457200" algn="l" rtl="0" fontAlgn="base">
+              <a:spcBef>
+                <a:spcPct val="0"/>
+              </a:spcBef>
+              <a:spcAft>
+                <a:spcPct val="0"/>
+              </a:spcAft>
+              <a:defRPr sz="2000" kern="1200">
+                <a:solidFill>
+                  <a:schemeClr val="tx1"/>
+                </a:solidFill>
+                <a:latin typeface="Arial" pitchFamily="34" charset="0"/>
+                <a:ea typeface="ヒラギノ角ゴ Pro W3"/>
+                <a:cs typeface="ヒラギノ角ゴ Pro W3"/>
+              </a:defRPr>
+            </a:lvl2pPr>
+            <a:lvl3pPr marL="914400" algn="l" rtl="0" fontAlgn="base">
+              <a:spcBef>
+                <a:spcPct val="0"/>
+              </a:spcBef>
+              <a:spcAft>
+                <a:spcPct val="0"/>
+              </a:spcAft>
+              <a:defRPr sz="2000" kern="1200">
+                <a:solidFill>
+                  <a:schemeClr val="tx1"/>
+                </a:solidFill>
+                <a:latin typeface="Arial" pitchFamily="34" charset="0"/>
+                <a:ea typeface="ヒラギノ角ゴ Pro W3"/>
+                <a:cs typeface="ヒラギノ角ゴ Pro W3"/>
+              </a:defRPr>
+            </a:lvl3pPr>
+            <a:lvl4pPr marL="1371600" algn="l" rtl="0" fontAlgn="base">
+              <a:spcBef>
+                <a:spcPct val="0"/>
+              </a:spcBef>
+              <a:spcAft>
+                <a:spcPct val="0"/>
+              </a:spcAft>
+              <a:defRPr sz="2000" kern="1200">
+                <a:solidFill>
+                  <a:schemeClr val="tx1"/>
+                </a:solidFill>
+                <a:latin typeface="Arial" pitchFamily="34" charset="0"/>
+                <a:ea typeface="ヒラギノ角ゴ Pro W3"/>
+                <a:cs typeface="ヒラギノ角ゴ Pro W3"/>
+              </a:defRPr>
+            </a:lvl4pPr>
+            <a:lvl5pPr marL="1828800" algn="l" rtl="0" fontAlgn="base">
+              <a:spcBef>
+                <a:spcPct val="0"/>
+              </a:spcBef>
+              <a:spcAft>
+                <a:spcPct val="0"/>
+              </a:spcAft>
+              <a:defRPr sz="2000" kern="1200">
+                <a:solidFill>
+                  <a:schemeClr val="tx1"/>
+                </a:solidFill>
+                <a:latin typeface="Arial" pitchFamily="34" charset="0"/>
+                <a:ea typeface="ヒラギノ角ゴ Pro W3"/>
+                <a:cs typeface="ヒラギノ角ゴ Pro W3"/>
+              </a:defRPr>
+            </a:lvl5pPr>
+            <a:lvl6pPr marL="2286000" algn="l" defTabSz="914400" rtl="0" eaLnBrk="1" latinLnBrk="0" hangingPunct="1">
+              <a:defRPr sz="2000" kern="1200">
+                <a:solidFill>
+                  <a:schemeClr val="tx1"/>
+                </a:solidFill>
+                <a:latin typeface="Arial" pitchFamily="34" charset="0"/>
+                <a:ea typeface="ヒラギノ角ゴ Pro W3"/>
+                <a:cs typeface="ヒラギノ角ゴ Pro W3"/>
+              </a:defRPr>
+            </a:lvl6pPr>
+            <a:lvl7pPr marL="2743200" algn="l" defTabSz="914400" rtl="0" eaLnBrk="1" latinLnBrk="0" hangingPunct="1">
+              <a:defRPr sz="2000" kern="1200">
+                <a:solidFill>
+                  <a:schemeClr val="tx1"/>
+                </a:solidFill>
+                <a:latin typeface="Arial" pitchFamily="34" charset="0"/>
+                <a:ea typeface="ヒラギノ角ゴ Pro W3"/>
+                <a:cs typeface="ヒラギノ角ゴ Pro W3"/>
+              </a:defRPr>
+            </a:lvl7pPr>
+            <a:lvl8pPr marL="3200400" algn="l" defTabSz="914400" rtl="0" eaLnBrk="1" latinLnBrk="0" hangingPunct="1">
+              <a:defRPr sz="2000" kern="1200">
+                <a:solidFill>
+                  <a:schemeClr val="tx1"/>
+                </a:solidFill>
+                <a:latin typeface="Arial" pitchFamily="34" charset="0"/>
+                <a:ea typeface="ヒラギノ角ゴ Pro W3"/>
+                <a:cs typeface="ヒラギノ角ゴ Pro W3"/>
+              </a:defRPr>
+            </a:lvl8pPr>
+            <a:lvl9pPr marL="3657600" algn="l" defTabSz="914400" rtl="0" eaLnBrk="1" latinLnBrk="0" hangingPunct="1">
+              <a:defRPr sz="2000" kern="1200">
+                <a:solidFill>
+                  <a:schemeClr val="tx1"/>
+                </a:solidFill>
+                <a:latin typeface="Arial" pitchFamily="34" charset="0"/>
+                <a:ea typeface="ヒラギノ角ゴ Pro W3"/>
+                <a:cs typeface="ヒラギノ角ゴ Pro W3"/>
+              </a:defRPr>
+            </a:lvl9pPr>
+          </a:lstStyle>
+          <a:p>
+            <a:pPr algn="ctr" eaLnBrk="0" hangingPunct="0">
+              <a:lnSpc>
+                <a:spcPct val="90000"/>
+              </a:lnSpc>
+              <a:buClr>
+                <a:srgbClr val="FE6400"/>
+              </a:buClr>
+              <a:defRPr/>
+            </a:pPr>
+            <a:r>
+              <a:rPr lang="de-DE" sz="1600" dirty="0" smtClean="0">
+                <a:solidFill>
+                  <a:schemeClr val="bg1"/>
+                </a:solidFill>
+                <a:latin typeface="Arial" charset="0"/>
+                <a:ea typeface="ヒラギノ角ゴ Pro W3" charset="-128"/>
+                <a:cs typeface="+mn-cs"/>
+              </a:rPr>
+              <a:t>Umgesetzt während des Praktikums</a:t>
+            </a:r>
+            <a:endParaRPr lang="de-DE" sz="1600" dirty="0">
+              <a:solidFill>
+                <a:schemeClr val="bg1"/>
+              </a:solidFill>
+              <a:latin typeface="Arial" charset="0"/>
+              <a:ea typeface="ヒラギノ角ゴ Pro W3" charset="-128"/>
+              <a:cs typeface="+mn-cs"/>
+            </a:endParaRPr>
+          </a:p>
+        </p:txBody>
+      </p:sp>
+      <p:sp>
+        <p:nvSpPr>
+          <p:cNvPr id="8" name="Rectangle 6"/>
+          <p:cNvSpPr>
+            <a:spLocks noChangeArrowheads="1"/>
+          </p:cNvSpPr>
+          <p:nvPr/>
+        </p:nvSpPr>
+        <p:spPr bwMode="auto">
+          <a:xfrm>
+            <a:off x="5582443" y="3130310"/>
+            <a:ext cx="4608513" cy="360363"/>
+          </a:xfrm>
+          <a:prstGeom prst="rect">
+            <a:avLst/>
+          </a:prstGeom>
+          <a:solidFill>
+            <a:schemeClr val="accent3">
+              <a:lumMod val="50000"/>
+            </a:schemeClr>
+          </a:solidFill>
+          <a:ln w="19050">
+            <a:solidFill>
+              <a:schemeClr val="accent3">
+                <a:lumMod val="50000"/>
+              </a:schemeClr>
+            </a:solidFill>
+            <a:miter lim="800000"/>
+            <a:headEnd/>
+            <a:tailEnd/>
+          </a:ln>
+        </p:spPr>
+        <p:txBody>
+          <a:bodyPr wrap="none" lIns="0" tIns="0" rIns="0" bIns="0" anchor="ctr"/>
+          <a:lstStyle>
+            <a:defPPr>
+              <a:defRPr lang="de-DE"/>
+            </a:defPPr>
+            <a:lvl1pPr algn="l" rtl="0" fontAlgn="base">
+              <a:spcBef>
+                <a:spcPct val="0"/>
+              </a:spcBef>
+              <a:spcAft>
+                <a:spcPct val="0"/>
+              </a:spcAft>
+              <a:defRPr sz="2000" kern="1200">
+                <a:solidFill>
+                  <a:schemeClr val="tx1"/>
+                </a:solidFill>
+                <a:latin typeface="Arial" pitchFamily="34" charset="0"/>
+                <a:ea typeface="ヒラギノ角ゴ Pro W3"/>
+                <a:cs typeface="ヒラギノ角ゴ Pro W3"/>
+              </a:defRPr>
+            </a:lvl1pPr>
+            <a:lvl2pPr marL="457200" algn="l" rtl="0" fontAlgn="base">
+              <a:spcBef>
+                <a:spcPct val="0"/>
+              </a:spcBef>
+              <a:spcAft>
+                <a:spcPct val="0"/>
+              </a:spcAft>
+              <a:defRPr sz="2000" kern="1200">
+                <a:solidFill>
+                  <a:schemeClr val="tx1"/>
+                </a:solidFill>
+                <a:latin typeface="Arial" pitchFamily="34" charset="0"/>
+                <a:ea typeface="ヒラギノ角ゴ Pro W3"/>
+                <a:cs typeface="ヒラギノ角ゴ Pro W3"/>
+              </a:defRPr>
+            </a:lvl2pPr>
+            <a:lvl3pPr marL="914400" algn="l" rtl="0" fontAlgn="base">
+              <a:spcBef>
+                <a:spcPct val="0"/>
+              </a:spcBef>
+              <a:spcAft>
+                <a:spcPct val="0"/>
+              </a:spcAft>
+              <a:defRPr sz="2000" kern="1200">
+                <a:solidFill>
+                  <a:schemeClr val="tx1"/>
+                </a:solidFill>
+                <a:latin typeface="Arial" pitchFamily="34" charset="0"/>
+                <a:ea typeface="ヒラギノ角ゴ Pro W3"/>
+                <a:cs typeface="ヒラギノ角ゴ Pro W3"/>
+              </a:defRPr>
+            </a:lvl3pPr>
+            <a:lvl4pPr marL="1371600" algn="l" rtl="0" fontAlgn="base">
+              <a:spcBef>
+                <a:spcPct val="0"/>
+              </a:spcBef>
+              <a:spcAft>
+                <a:spcPct val="0"/>
+              </a:spcAft>
+              <a:defRPr sz="2000" kern="1200">
+                <a:solidFill>
+                  <a:schemeClr val="tx1"/>
+                </a:solidFill>
+                <a:latin typeface="Arial" pitchFamily="34" charset="0"/>
+                <a:ea typeface="ヒラギノ角ゴ Pro W3"/>
+                <a:cs typeface="ヒラギノ角ゴ Pro W3"/>
+              </a:defRPr>
+            </a:lvl4pPr>
+            <a:lvl5pPr marL="1828800" algn="l" rtl="0" fontAlgn="base">
+              <a:spcBef>
+                <a:spcPct val="0"/>
+              </a:spcBef>
+              <a:spcAft>
+                <a:spcPct val="0"/>
+              </a:spcAft>
+              <a:defRPr sz="2000" kern="1200">
+                <a:solidFill>
+                  <a:schemeClr val="tx1"/>
+                </a:solidFill>
+                <a:latin typeface="Arial" pitchFamily="34" charset="0"/>
+                <a:ea typeface="ヒラギノ角ゴ Pro W3"/>
+                <a:cs typeface="ヒラギノ角ゴ Pro W3"/>
+              </a:defRPr>
+            </a:lvl5pPr>
+            <a:lvl6pPr marL="2286000" algn="l" defTabSz="914400" rtl="0" eaLnBrk="1" latinLnBrk="0" hangingPunct="1">
+              <a:defRPr sz="2000" kern="1200">
+                <a:solidFill>
+                  <a:schemeClr val="tx1"/>
+                </a:solidFill>
+                <a:latin typeface="Arial" pitchFamily="34" charset="0"/>
+                <a:ea typeface="ヒラギノ角ゴ Pro W3"/>
+                <a:cs typeface="ヒラギノ角ゴ Pro W3"/>
+              </a:defRPr>
+            </a:lvl6pPr>
+            <a:lvl7pPr marL="2743200" algn="l" defTabSz="914400" rtl="0" eaLnBrk="1" latinLnBrk="0" hangingPunct="1">
+              <a:defRPr sz="2000" kern="1200">
+                <a:solidFill>
+                  <a:schemeClr val="tx1"/>
+                </a:solidFill>
+                <a:latin typeface="Arial" pitchFamily="34" charset="0"/>
+                <a:ea typeface="ヒラギノ角ゴ Pro W3"/>
+                <a:cs typeface="ヒラギノ角ゴ Pro W3"/>
+              </a:defRPr>
+            </a:lvl7pPr>
+            <a:lvl8pPr marL="3200400" algn="l" defTabSz="914400" rtl="0" eaLnBrk="1" latinLnBrk="0" hangingPunct="1">
+              <a:defRPr sz="2000" kern="1200">
+                <a:solidFill>
+                  <a:schemeClr val="tx1"/>
+                </a:solidFill>
+                <a:latin typeface="Arial" pitchFamily="34" charset="0"/>
+                <a:ea typeface="ヒラギノ角ゴ Pro W3"/>
+                <a:cs typeface="ヒラギノ角ゴ Pro W3"/>
+              </a:defRPr>
+            </a:lvl8pPr>
+            <a:lvl9pPr marL="3657600" algn="l" defTabSz="914400" rtl="0" eaLnBrk="1" latinLnBrk="0" hangingPunct="1">
+              <a:defRPr sz="2000" kern="1200">
+                <a:solidFill>
+                  <a:schemeClr val="tx1"/>
+                </a:solidFill>
+                <a:latin typeface="Arial" pitchFamily="34" charset="0"/>
+                <a:ea typeface="ヒラギノ角ゴ Pro W3"/>
+                <a:cs typeface="ヒラギノ角ゴ Pro W3"/>
+              </a:defRPr>
+            </a:lvl9pPr>
+          </a:lstStyle>
+          <a:p>
+            <a:pPr algn="ctr" eaLnBrk="0" hangingPunct="0">
+              <a:lnSpc>
+                <a:spcPct val="90000"/>
+              </a:lnSpc>
+              <a:buClr>
+                <a:srgbClr val="FE6400"/>
+              </a:buClr>
+              <a:defRPr/>
+            </a:pPr>
+            <a:r>
+              <a:rPr lang="de-DE" sz="1600" dirty="0" smtClean="0">
+                <a:solidFill>
+                  <a:schemeClr val="bg1"/>
+                </a:solidFill>
+                <a:latin typeface="Arial" charset="0"/>
+                <a:ea typeface="ヒラギノ角ゴ Pro W3" charset="-128"/>
+                <a:cs typeface="+mn-cs"/>
+              </a:rPr>
+              <a:t>Zukünftige Aufgaben</a:t>
+            </a:r>
+            <a:endParaRPr lang="de-DE" sz="1600" dirty="0">
+              <a:solidFill>
+                <a:schemeClr val="bg1"/>
+              </a:solidFill>
+              <a:latin typeface="Arial" charset="0"/>
+              <a:ea typeface="ヒラギノ角ゴ Pro W3" charset="-128"/>
+              <a:cs typeface="+mn-cs"/>
+            </a:endParaRPr>
+          </a:p>
+        </p:txBody>
+      </p:sp>
+      <p:sp>
+        <p:nvSpPr>
+          <p:cNvPr id="9" name="AutoShape 7"/>
+          <p:cNvSpPr>
+            <a:spLocks noChangeArrowheads="1"/>
+          </p:cNvSpPr>
+          <p:nvPr/>
+        </p:nvSpPr>
+        <p:spPr bwMode="auto">
+          <a:xfrm rot="18111562" flipH="1">
+            <a:off x="4736306" y="3249373"/>
+            <a:ext cx="1905000" cy="1905000"/>
+          </a:xfrm>
+          <a:custGeom>
+            <a:avLst/>
+            <a:gdLst>
+              <a:gd name="T0" fmla="*/ 2147483647 w 21600"/>
+              <a:gd name="T1" fmla="*/ 2147483647 h 21600"/>
+              <a:gd name="T2" fmla="*/ 2147483647 w 21600"/>
+              <a:gd name="T3" fmla="*/ 2147483647 h 21600"/>
+              <a:gd name="T4" fmla="*/ 2147483647 w 21600"/>
+              <a:gd name="T5" fmla="*/ 2147483647 h 21600"/>
+              <a:gd name="T6" fmla="*/ 2147483647 w 21600"/>
+              <a:gd name="T7" fmla="*/ 2147483647 h 21600"/>
+              <a:gd name="T8" fmla="*/ 2147483647 w 21600"/>
+              <a:gd name="T9" fmla="*/ 2147483647 h 21600"/>
+              <a:gd name="T10" fmla="*/ 2147483647 w 21600"/>
+              <a:gd name="T11" fmla="*/ 2147483647 h 21600"/>
+              <a:gd name="T12" fmla="*/ 0 60000 65536"/>
+              <a:gd name="T13" fmla="*/ 0 60000 65536"/>
+              <a:gd name="T14" fmla="*/ 0 60000 65536"/>
+              <a:gd name="T15" fmla="*/ 0 60000 65536"/>
+              <a:gd name="T16" fmla="*/ 0 60000 65536"/>
+              <a:gd name="T17" fmla="*/ 0 60000 65536"/>
+              <a:gd name="T18" fmla="*/ 3163 w 21600"/>
+              <a:gd name="T19" fmla="*/ 3163 h 21600"/>
+              <a:gd name="T20" fmla="*/ 18437 w 21600"/>
+              <a:gd name="T21" fmla="*/ 18437 h 21600"/>
+            </a:gdLst>
+            <a:ahLst/>
+            <a:cxnLst>
+              <a:cxn ang="T12">
+                <a:pos x="T0" y="T1"/>
+              </a:cxn>
+              <a:cxn ang="T13">
+                <a:pos x="T2" y="T3"/>
+              </a:cxn>
+              <a:cxn ang="T14">
+                <a:pos x="T4" y="T5"/>
+              </a:cxn>
+              <a:cxn ang="T15">
+                <a:pos x="T6" y="T7"/>
+              </a:cxn>
+              <a:cxn ang="T16">
+                <a:pos x="T8" y="T9"/>
+              </a:cxn>
+              <a:cxn ang="T17">
+                <a:pos x="T10" y="T11"/>
+              </a:cxn>
+            </a:cxnLst>
+            <a:rect l="T18" t="T19" r="T20" b="T21"/>
+            <a:pathLst>
+              <a:path w="21600" h="21600">
+                <a:moveTo>
+                  <a:pt x="16200" y="10800"/>
+                </a:moveTo>
+                <a:cubicBezTo>
+                  <a:pt x="16200" y="8933"/>
+                  <a:pt x="15235" y="7198"/>
+                  <a:pt x="13650" y="6213"/>
+                </a:cubicBezTo>
+                <a:lnTo>
+                  <a:pt x="16500" y="1626"/>
+                </a:lnTo>
+                <a:cubicBezTo>
+                  <a:pt x="19671" y="3597"/>
+                  <a:pt x="21599" y="7066"/>
+                  <a:pt x="21600" y="10799"/>
+                </a:cubicBezTo>
+                <a:lnTo>
+                  <a:pt x="21600" y="10800"/>
+                </a:lnTo>
+                <a:lnTo>
+                  <a:pt x="24300" y="10800"/>
+                </a:lnTo>
+                <a:lnTo>
+                  <a:pt x="18900" y="16200"/>
+                </a:lnTo>
+                <a:lnTo>
+                  <a:pt x="13500" y="10800"/>
+                </a:lnTo>
+                <a:lnTo>
+                  <a:pt x="16200" y="10800"/>
+                </a:lnTo>
+                <a:close/>
+              </a:path>
+            </a:pathLst>
+          </a:custGeom>
+          <a:solidFill>
+            <a:srgbClr val="007348"/>
+          </a:solidFill>
+          <a:ln w="19050">
+            <a:solidFill>
+              <a:srgbClr val="007348"/>
+            </a:solidFill>
+            <a:miter lim="800000"/>
+            <a:headEnd/>
+            <a:tailEnd/>
+          </a:ln>
+        </p:spPr>
+        <p:txBody>
+          <a:bodyPr wrap="none" lIns="0" tIns="0" rIns="0" bIns="0" anchor="ctr"/>
+          <a:lstStyle>
+            <a:defPPr>
+              <a:defRPr lang="de-DE"/>
+            </a:defPPr>
+            <a:lvl1pPr algn="l" rtl="0" fontAlgn="base">
+              <a:spcBef>
+                <a:spcPct val="0"/>
+              </a:spcBef>
+              <a:spcAft>
+                <a:spcPct val="0"/>
+              </a:spcAft>
+              <a:defRPr sz="2000" kern="1200">
+                <a:solidFill>
+                  <a:schemeClr val="tx1"/>
+                </a:solidFill>
+                <a:latin typeface="Arial" pitchFamily="34" charset="0"/>
+                <a:ea typeface="ヒラギノ角ゴ Pro W3"/>
+                <a:cs typeface="ヒラギノ角ゴ Pro W3"/>
+              </a:defRPr>
+            </a:lvl1pPr>
+            <a:lvl2pPr marL="457200" algn="l" rtl="0" fontAlgn="base">
+              <a:spcBef>
+                <a:spcPct val="0"/>
+              </a:spcBef>
+              <a:spcAft>
+                <a:spcPct val="0"/>
+              </a:spcAft>
+              <a:defRPr sz="2000" kern="1200">
+                <a:solidFill>
+                  <a:schemeClr val="tx1"/>
+                </a:solidFill>
+                <a:latin typeface="Arial" pitchFamily="34" charset="0"/>
+                <a:ea typeface="ヒラギノ角ゴ Pro W3"/>
+                <a:cs typeface="ヒラギノ角ゴ Pro W3"/>
+              </a:defRPr>
+            </a:lvl2pPr>
+            <a:lvl3pPr marL="914400" algn="l" rtl="0" fontAlgn="base">
+              <a:spcBef>
+                <a:spcPct val="0"/>
+              </a:spcBef>
+              <a:spcAft>
+                <a:spcPct val="0"/>
+              </a:spcAft>
+              <a:defRPr sz="2000" kern="1200">
+                <a:solidFill>
+                  <a:schemeClr val="tx1"/>
+                </a:solidFill>
+                <a:latin typeface="Arial" pitchFamily="34" charset="0"/>
+                <a:ea typeface="ヒラギノ角ゴ Pro W3"/>
+                <a:cs typeface="ヒラギノ角ゴ Pro W3"/>
+              </a:defRPr>
+            </a:lvl3pPr>
+            <a:lvl4pPr marL="1371600" algn="l" rtl="0" fontAlgn="base">
+              <a:spcBef>
+                <a:spcPct val="0"/>
+              </a:spcBef>
+              <a:spcAft>
+                <a:spcPct val="0"/>
+              </a:spcAft>
+              <a:defRPr sz="2000" kern="1200">
+                <a:solidFill>
+                  <a:schemeClr val="tx1"/>
+                </a:solidFill>
+                <a:latin typeface="Arial" pitchFamily="34" charset="0"/>
+                <a:ea typeface="ヒラギノ角ゴ Pro W3"/>
+                <a:cs typeface="ヒラギノ角ゴ Pro W3"/>
+              </a:defRPr>
+            </a:lvl4pPr>
+            <a:lvl5pPr marL="1828800" algn="l" rtl="0" fontAlgn="base">
+              <a:spcBef>
+                <a:spcPct val="0"/>
+              </a:spcBef>
+              <a:spcAft>
+                <a:spcPct val="0"/>
+              </a:spcAft>
+              <a:defRPr sz="2000" kern="1200">
+                <a:solidFill>
+                  <a:schemeClr val="tx1"/>
+                </a:solidFill>
+                <a:latin typeface="Arial" pitchFamily="34" charset="0"/>
+                <a:ea typeface="ヒラギノ角ゴ Pro W3"/>
+                <a:cs typeface="ヒラギノ角ゴ Pro W3"/>
+              </a:defRPr>
+            </a:lvl5pPr>
+            <a:lvl6pPr marL="2286000" algn="l" defTabSz="914400" rtl="0" eaLnBrk="1" latinLnBrk="0" hangingPunct="1">
+              <a:defRPr sz="2000" kern="1200">
+                <a:solidFill>
+                  <a:schemeClr val="tx1"/>
+                </a:solidFill>
+                <a:latin typeface="Arial" pitchFamily="34" charset="0"/>
+                <a:ea typeface="ヒラギノ角ゴ Pro W3"/>
+                <a:cs typeface="ヒラギノ角ゴ Pro W3"/>
+              </a:defRPr>
+            </a:lvl6pPr>
+            <a:lvl7pPr marL="2743200" algn="l" defTabSz="914400" rtl="0" eaLnBrk="1" latinLnBrk="0" hangingPunct="1">
+              <a:defRPr sz="2000" kern="1200">
+                <a:solidFill>
+                  <a:schemeClr val="tx1"/>
+                </a:solidFill>
+                <a:latin typeface="Arial" pitchFamily="34" charset="0"/>
+                <a:ea typeface="ヒラギノ角ゴ Pro W3"/>
+                <a:cs typeface="ヒラギノ角ゴ Pro W3"/>
+              </a:defRPr>
+            </a:lvl7pPr>
+            <a:lvl8pPr marL="3200400" algn="l" defTabSz="914400" rtl="0" eaLnBrk="1" latinLnBrk="0" hangingPunct="1">
+              <a:defRPr sz="2000" kern="1200">
+                <a:solidFill>
+                  <a:schemeClr val="tx1"/>
+                </a:solidFill>
+                <a:latin typeface="Arial" pitchFamily="34" charset="0"/>
+                <a:ea typeface="ヒラギノ角ゴ Pro W3"/>
+                <a:cs typeface="ヒラギノ角ゴ Pro W3"/>
+              </a:defRPr>
+            </a:lvl8pPr>
+            <a:lvl9pPr marL="3657600" algn="l" defTabSz="914400" rtl="0" eaLnBrk="1" latinLnBrk="0" hangingPunct="1">
+              <a:defRPr sz="2000" kern="1200">
+                <a:solidFill>
+                  <a:schemeClr val="tx1"/>
+                </a:solidFill>
+                <a:latin typeface="Arial" pitchFamily="34" charset="0"/>
+                <a:ea typeface="ヒラギノ角ゴ Pro W3"/>
+                <a:cs typeface="ヒラギノ角ゴ Pro W3"/>
+              </a:defRPr>
+            </a:lvl9pPr>
+          </a:lstStyle>
+          <a:p>
+            <a:endParaRPr lang="de-DE"/>
+          </a:p>
+        </p:txBody>
+      </p:sp>
+      <p:sp>
+        <p:nvSpPr>
+          <p:cNvPr id="10" name="AutoShape 8"/>
+          <p:cNvSpPr>
+            <a:spLocks noChangeArrowheads="1"/>
+          </p:cNvSpPr>
+          <p:nvPr/>
+        </p:nvSpPr>
+        <p:spPr bwMode="auto">
+          <a:xfrm rot="-1924775">
+            <a:off x="5509418" y="2173048"/>
+            <a:ext cx="1930400" cy="1928812"/>
+          </a:xfrm>
+          <a:custGeom>
+            <a:avLst/>
+            <a:gdLst>
+              <a:gd name="T0" fmla="*/ 2147483647 w 21600"/>
+              <a:gd name="T1" fmla="*/ 2147483647 h 21600"/>
+              <a:gd name="T2" fmla="*/ 2147483647 w 21600"/>
+              <a:gd name="T3" fmla="*/ 2147483647 h 21600"/>
+              <a:gd name="T4" fmla="*/ 2147483647 w 21600"/>
+              <a:gd name="T5" fmla="*/ 2147483647 h 21600"/>
+              <a:gd name="T6" fmla="*/ 2147483647 w 21600"/>
+              <a:gd name="T7" fmla="*/ 2147483647 h 21600"/>
+              <a:gd name="T8" fmla="*/ 2147483647 w 21600"/>
+              <a:gd name="T9" fmla="*/ 2147483647 h 21600"/>
+              <a:gd name="T10" fmla="*/ 2147483647 w 21600"/>
+              <a:gd name="T11" fmla="*/ 2147483647 h 21600"/>
+              <a:gd name="T12" fmla="*/ 0 60000 65536"/>
+              <a:gd name="T13" fmla="*/ 0 60000 65536"/>
+              <a:gd name="T14" fmla="*/ 0 60000 65536"/>
+              <a:gd name="T15" fmla="*/ 0 60000 65536"/>
+              <a:gd name="T16" fmla="*/ 0 60000 65536"/>
+              <a:gd name="T17" fmla="*/ 0 60000 65536"/>
+              <a:gd name="T18" fmla="*/ 3163 w 21600"/>
+              <a:gd name="T19" fmla="*/ 3163 h 21600"/>
+              <a:gd name="T20" fmla="*/ 18437 w 21600"/>
+              <a:gd name="T21" fmla="*/ 18437 h 21600"/>
+            </a:gdLst>
+            <a:ahLst/>
+            <a:cxnLst>
+              <a:cxn ang="T12">
+                <a:pos x="T0" y="T1"/>
+              </a:cxn>
+              <a:cxn ang="T13">
+                <a:pos x="T2" y="T3"/>
+              </a:cxn>
+              <a:cxn ang="T14">
+                <a:pos x="T4" y="T5"/>
+              </a:cxn>
+              <a:cxn ang="T15">
+                <a:pos x="T6" y="T7"/>
+              </a:cxn>
+              <a:cxn ang="T16">
+                <a:pos x="T8" y="T9"/>
+              </a:cxn>
+              <a:cxn ang="T17">
+                <a:pos x="T10" y="T11"/>
+              </a:cxn>
+            </a:cxnLst>
+            <a:rect l="T18" t="T19" r="T20" b="T21"/>
+            <a:pathLst>
+              <a:path w="21600" h="21600">
+                <a:moveTo>
+                  <a:pt x="16200" y="10800"/>
+                </a:moveTo>
+                <a:cubicBezTo>
+                  <a:pt x="16200" y="8933"/>
+                  <a:pt x="15235" y="7198"/>
+                  <a:pt x="13650" y="6213"/>
+                </a:cubicBezTo>
+                <a:lnTo>
+                  <a:pt x="16500" y="1626"/>
+                </a:lnTo>
+                <a:cubicBezTo>
+                  <a:pt x="19671" y="3597"/>
+                  <a:pt x="21599" y="7066"/>
+                  <a:pt x="21600" y="10799"/>
+                </a:cubicBezTo>
+                <a:lnTo>
+                  <a:pt x="21600" y="10800"/>
+                </a:lnTo>
+                <a:lnTo>
+                  <a:pt x="24300" y="10800"/>
+                </a:lnTo>
+                <a:lnTo>
+                  <a:pt x="18900" y="16200"/>
+                </a:lnTo>
+                <a:lnTo>
+                  <a:pt x="13500" y="10800"/>
+                </a:lnTo>
+                <a:lnTo>
+                  <a:pt x="16200" y="10800"/>
+                </a:lnTo>
+                <a:close/>
+              </a:path>
+            </a:pathLst>
+          </a:custGeom>
+          <a:solidFill>
+            <a:srgbClr val="007348"/>
+          </a:solidFill>
+          <a:ln w="19050">
+            <a:solidFill>
+              <a:srgbClr val="007348"/>
+            </a:solidFill>
+            <a:miter lim="800000"/>
+            <a:headEnd/>
+            <a:tailEnd/>
+          </a:ln>
+        </p:spPr>
+        <p:txBody>
+          <a:bodyPr wrap="none" lIns="0" tIns="0" rIns="0" bIns="0" anchor="ctr"/>
+          <a:lstStyle>
+            <a:defPPr>
+              <a:defRPr lang="de-DE"/>
+            </a:defPPr>
+            <a:lvl1pPr algn="l" rtl="0" fontAlgn="base">
+              <a:spcBef>
+                <a:spcPct val="0"/>
+              </a:spcBef>
+              <a:spcAft>
+                <a:spcPct val="0"/>
+              </a:spcAft>
+              <a:defRPr sz="2000" kern="1200">
+                <a:solidFill>
+                  <a:schemeClr val="tx1"/>
+                </a:solidFill>
+                <a:latin typeface="Arial" pitchFamily="34" charset="0"/>
+                <a:ea typeface="ヒラギノ角ゴ Pro W3"/>
+                <a:cs typeface="ヒラギノ角ゴ Pro W3"/>
+              </a:defRPr>
+            </a:lvl1pPr>
+            <a:lvl2pPr marL="457200" algn="l" rtl="0" fontAlgn="base">
+              <a:spcBef>
+                <a:spcPct val="0"/>
+              </a:spcBef>
+              <a:spcAft>
+                <a:spcPct val="0"/>
+              </a:spcAft>
+              <a:defRPr sz="2000" kern="1200">
+                <a:solidFill>
+                  <a:schemeClr val="tx1"/>
+                </a:solidFill>
+                <a:latin typeface="Arial" pitchFamily="34" charset="0"/>
+                <a:ea typeface="ヒラギノ角ゴ Pro W3"/>
+                <a:cs typeface="ヒラギノ角ゴ Pro W3"/>
+              </a:defRPr>
+            </a:lvl2pPr>
+            <a:lvl3pPr marL="914400" algn="l" rtl="0" fontAlgn="base">
+              <a:spcBef>
+                <a:spcPct val="0"/>
+              </a:spcBef>
+              <a:spcAft>
+                <a:spcPct val="0"/>
+              </a:spcAft>
+              <a:defRPr sz="2000" kern="1200">
+                <a:solidFill>
+                  <a:schemeClr val="tx1"/>
+                </a:solidFill>
+                <a:latin typeface="Arial" pitchFamily="34" charset="0"/>
+                <a:ea typeface="ヒラギノ角ゴ Pro W3"/>
+                <a:cs typeface="ヒラギノ角ゴ Pro W3"/>
+              </a:defRPr>
+            </a:lvl3pPr>
+            <a:lvl4pPr marL="1371600" algn="l" rtl="0" fontAlgn="base">
+              <a:spcBef>
+                <a:spcPct val="0"/>
+              </a:spcBef>
+              <a:spcAft>
+                <a:spcPct val="0"/>
+              </a:spcAft>
+              <a:defRPr sz="2000" kern="1200">
+                <a:solidFill>
+                  <a:schemeClr val="tx1"/>
+                </a:solidFill>
+                <a:latin typeface="Arial" pitchFamily="34" charset="0"/>
+                <a:ea typeface="ヒラギノ角ゴ Pro W3"/>
+                <a:cs typeface="ヒラギノ角ゴ Pro W3"/>
+              </a:defRPr>
+            </a:lvl4pPr>
+            <a:lvl5pPr marL="1828800" algn="l" rtl="0" fontAlgn="base">
+              <a:spcBef>
+                <a:spcPct val="0"/>
+              </a:spcBef>
+              <a:spcAft>
+                <a:spcPct val="0"/>
+              </a:spcAft>
+              <a:defRPr sz="2000" kern="1200">
+                <a:solidFill>
+                  <a:schemeClr val="tx1"/>
+                </a:solidFill>
+                <a:latin typeface="Arial" pitchFamily="34" charset="0"/>
+                <a:ea typeface="ヒラギノ角ゴ Pro W3"/>
+                <a:cs typeface="ヒラギノ角ゴ Pro W3"/>
+              </a:defRPr>
+            </a:lvl5pPr>
+            <a:lvl6pPr marL="2286000" algn="l" defTabSz="914400" rtl="0" eaLnBrk="1" latinLnBrk="0" hangingPunct="1">
+              <a:defRPr sz="2000" kern="1200">
+                <a:solidFill>
+                  <a:schemeClr val="tx1"/>
+                </a:solidFill>
+                <a:latin typeface="Arial" pitchFamily="34" charset="0"/>
+                <a:ea typeface="ヒラギノ角ゴ Pro W3"/>
+                <a:cs typeface="ヒラギノ角ゴ Pro W3"/>
+              </a:defRPr>
+            </a:lvl6pPr>
+            <a:lvl7pPr marL="2743200" algn="l" defTabSz="914400" rtl="0" eaLnBrk="1" latinLnBrk="0" hangingPunct="1">
+              <a:defRPr sz="2000" kern="1200">
+                <a:solidFill>
+                  <a:schemeClr val="tx1"/>
+                </a:solidFill>
+                <a:latin typeface="Arial" pitchFamily="34" charset="0"/>
+                <a:ea typeface="ヒラギノ角ゴ Pro W3"/>
+                <a:cs typeface="ヒラギノ角ゴ Pro W3"/>
+              </a:defRPr>
+            </a:lvl7pPr>
+            <a:lvl8pPr marL="3200400" algn="l" defTabSz="914400" rtl="0" eaLnBrk="1" latinLnBrk="0" hangingPunct="1">
+              <a:defRPr sz="2000" kern="1200">
+                <a:solidFill>
+                  <a:schemeClr val="tx1"/>
+                </a:solidFill>
+                <a:latin typeface="Arial" pitchFamily="34" charset="0"/>
+                <a:ea typeface="ヒラギノ角ゴ Pro W3"/>
+                <a:cs typeface="ヒラギノ角ゴ Pro W3"/>
+              </a:defRPr>
+            </a:lvl8pPr>
+            <a:lvl9pPr marL="3657600" algn="l" defTabSz="914400" rtl="0" eaLnBrk="1" latinLnBrk="0" hangingPunct="1">
+              <a:defRPr sz="2000" kern="1200">
+                <a:solidFill>
+                  <a:schemeClr val="tx1"/>
+                </a:solidFill>
+                <a:latin typeface="Arial" pitchFamily="34" charset="0"/>
+                <a:ea typeface="ヒラギノ角ゴ Pro W3"/>
+                <a:cs typeface="ヒラギノ角ゴ Pro W3"/>
+              </a:defRPr>
+            </a:lvl9pPr>
+          </a:lstStyle>
+          <a:p>
+            <a:endParaRPr lang="de-DE"/>
+          </a:p>
+        </p:txBody>
+      </p:sp>
+    </p:spTree>
+    <p:extLst>
+      <p:ext uri="{BB962C8B-B14F-4D97-AF65-F5344CB8AC3E}">
+        <p14:creationId xmlns:p14="http://schemas.microsoft.com/office/powerpoint/2010/main" val="1458816283"/>
+      </p:ext>
+    </p:extLst>
+  </p:cSld>
+  <p:clrMapOvr>
+    <a:masterClrMapping/>
+  </p:clrMapOvr>
+</p:sld>
+</file>
+
 <file path=ppt/slides/slide3.xml><?xml version="1.0" encoding="utf-8"?>
 <p:sld xmlns:a="http://schemas.openxmlformats.org/drawingml/2006/main" xmlns:r="http://schemas.openxmlformats.org/officeDocument/2006/relationships" xmlns:p="http://schemas.openxmlformats.org/presentationml/2006/main">
   <p:cSld>
@@ -25121,6 +31326,13 @@
   <p:clrMapOvr>
     <a:masterClrMapping/>
   </p:clrMapOvr>
+  <p:timing>
+    <p:tnLst>
+      <p:par>
+        <p:cTn id="1" dur="indefinite" restart="never" nodeType="tmRoot"/>
+      </p:par>
+    </p:tnLst>
+  </p:timing>
 </p:sld>
 </file>
 

--- a/robprak1516-presentation.pptx
+++ b/robprak1516-presentation.pptx
@@ -1,6 +1,6 @@
 
 <file path=ppt/presentation.xml><?xml version="1.0" encoding="utf-8"?>
-<p:presentation xmlns:a="http://schemas.openxmlformats.org/drawingml/2006/main" xmlns:r="http://schemas.openxmlformats.org/officeDocument/2006/relationships" xmlns:p="http://schemas.openxmlformats.org/presentationml/2006/main" showSpecialPlsOnTitleSld="0" saveSubsetFonts="1">
+<p:presentation xmlns:a="http://schemas.openxmlformats.org/drawingml/2006/main" xmlns:r="http://schemas.openxmlformats.org/officeDocument/2006/relationships" xmlns:p="http://schemas.openxmlformats.org/presentationml/2006/main" firstSlideNum="0" showSpecialPlsOnTitleSld="0" saveSubsetFonts="1">
   <p:sldMasterIdLst>
     <p:sldMasterId id="2147483648" r:id="rId1"/>
   </p:sldMasterIdLst>
@@ -16,12 +16,12 @@
     <p:sldId id="264" r:id="rId7"/>
     <p:sldId id="292" r:id="rId8"/>
     <p:sldId id="293" r:id="rId9"/>
-    <p:sldId id="294" r:id="rId10"/>
+    <p:sldId id="303" r:id="rId10"/>
     <p:sldId id="295" r:id="rId11"/>
-    <p:sldId id="296" r:id="rId12"/>
+    <p:sldId id="302" r:id="rId12"/>
     <p:sldId id="286" r:id="rId13"/>
-    <p:sldId id="298" r:id="rId14"/>
-    <p:sldId id="299" r:id="rId15"/>
+    <p:sldId id="300" r:id="rId14"/>
+    <p:sldId id="301" r:id="rId15"/>
     <p:sldId id="277" r:id="rId16"/>
     <p:sldId id="265" r:id="rId17"/>
     <p:sldId id="266" r:id="rId18"/>
@@ -564,7 +564,7 @@
           <a:p>
             <a:fld id="{EC5D6A57-0462-4896-8270-C647D8407408}" type="slidenum">
               <a:rPr lang="de-DE" smtClean="0"/>
-              <a:t>3</a:t>
+              <a:t>2</a:t>
             </a:fld>
             <a:endParaRPr lang="de-DE"/>
           </a:p>
@@ -648,7 +648,7 @@
           <a:p>
             <a:fld id="{EC5D6A57-0462-4896-8270-C647D8407408}" type="slidenum">
               <a:rPr lang="de-DE" smtClean="0"/>
-              <a:t>30</a:t>
+              <a:t>29</a:t>
             </a:fld>
             <a:endParaRPr lang="de-DE"/>
           </a:p>
@@ -736,7 +736,7 @@
           <a:p>
             <a:fld id="{EC5D6A57-0462-4896-8270-C647D8407408}" type="slidenum">
               <a:rPr lang="de-DE" smtClean="0"/>
-              <a:t>31</a:t>
+              <a:t>30</a:t>
             </a:fld>
             <a:endParaRPr lang="de-DE"/>
           </a:p>
@@ -858,7 +858,7 @@
           <a:p>
             <a:fld id="{EC5D6A57-0462-4896-8270-C647D8407408}" type="slidenum">
               <a:rPr lang="de-DE" smtClean="0"/>
-              <a:t>20</a:t>
+              <a:t>19</a:t>
             </a:fld>
             <a:endParaRPr lang="de-DE"/>
           </a:p>
@@ -954,7 +954,7 @@
           <a:p>
             <a:fld id="{EC5D6A57-0462-4896-8270-C647D8407408}" type="slidenum">
               <a:rPr lang="de-DE" smtClean="0"/>
-              <a:t>21</a:t>
+              <a:t>20</a:t>
             </a:fld>
             <a:endParaRPr lang="de-DE"/>
           </a:p>
@@ -1060,7 +1060,7 @@
           <a:p>
             <a:fld id="{EC5D6A57-0462-4896-8270-C647D8407408}" type="slidenum">
               <a:rPr lang="de-DE" smtClean="0"/>
-              <a:t>22</a:t>
+              <a:t>21</a:t>
             </a:fld>
             <a:endParaRPr lang="de-DE"/>
           </a:p>
@@ -1173,7 +1173,7 @@
           <a:p>
             <a:fld id="{EC5D6A57-0462-4896-8270-C647D8407408}" type="slidenum">
               <a:rPr lang="de-DE" smtClean="0"/>
-              <a:t>23</a:t>
+              <a:t>22</a:t>
             </a:fld>
             <a:endParaRPr lang="de-DE"/>
           </a:p>
@@ -1277,7 +1277,7 @@
           <a:p>
             <a:fld id="{EC5D6A57-0462-4896-8270-C647D8407408}" type="slidenum">
               <a:rPr lang="de-DE" smtClean="0"/>
-              <a:t>24</a:t>
+              <a:t>23</a:t>
             </a:fld>
             <a:endParaRPr lang="de-DE"/>
           </a:p>
@@ -1380,7 +1380,7 @@
           <a:p>
             <a:fld id="{EC5D6A57-0462-4896-8270-C647D8407408}" type="slidenum">
               <a:rPr lang="de-DE" smtClean="0"/>
-              <a:t>25</a:t>
+              <a:t>24</a:t>
             </a:fld>
             <a:endParaRPr lang="de-DE"/>
           </a:p>
@@ -1478,7 +1478,7 @@
           <a:p>
             <a:fld id="{EC5D6A57-0462-4896-8270-C647D8407408}" type="slidenum">
               <a:rPr lang="de-DE" smtClean="0"/>
-              <a:t>26</a:t>
+              <a:t>25</a:t>
             </a:fld>
             <a:endParaRPr lang="de-DE"/>
           </a:p>
@@ -1593,7 +1593,7 @@
           <a:p>
             <a:fld id="{EC5D6A57-0462-4896-8270-C647D8407408}" type="slidenum">
               <a:rPr lang="de-DE" smtClean="0"/>
-              <a:t>27</a:t>
+              <a:t>26</a:t>
             </a:fld>
             <a:endParaRPr lang="de-DE"/>
           </a:p>
@@ -2292,12 +2292,12 @@
       </p:sp>
       <p:sp>
         <p:nvSpPr>
-          <p:cNvPr id="6" name="Foliennummernplatzhalter 5"/>
+          <p:cNvPr id="7" name="Foliennummernplatzhalter 5"/>
           <p:cNvSpPr>
             <a:spLocks noGrp="1"/>
           </p:cNvSpPr>
           <p:nvPr>
-            <p:ph type="sldNum" sz="quarter" idx="12"/>
+            <p:ph type="sldNum" sz="quarter" idx="4"/>
           </p:nvPr>
         </p:nvSpPr>
         <p:spPr>
@@ -2323,7 +2323,7 @@
             </a:lvl1pPr>
           </a:lstStyle>
           <a:p>
-            <a:fld id="{88051181-3DEF-484A-8434-F25831745C76}" type="slidenum">
+            <a:fld id="{5F169D08-9325-4915-9F9B-D4854A2E2446}" type="slidenum">
               <a:rPr lang="de-DE" smtClean="0"/>
               <a:pPr/>
               <a:t>‹Nr.›</a:t>
@@ -2406,18 +2406,18 @@
       </p:sp>
       <p:sp>
         <p:nvSpPr>
-          <p:cNvPr id="5" name="Foliennummernplatzhalter 4"/>
+          <p:cNvPr id="6" name="Foliennummernplatzhalter 5"/>
           <p:cNvSpPr>
             <a:spLocks noGrp="1"/>
           </p:cNvSpPr>
           <p:nvPr>
-            <p:ph type="sldNum" sz="quarter" idx="12"/>
+            <p:ph type="sldNum" sz="quarter" idx="4"/>
           </p:nvPr>
         </p:nvSpPr>
         <p:spPr>
           <a:xfrm>
-            <a:off x="11769212" y="6459794"/>
-            <a:ext cx="422787" cy="398206"/>
+            <a:off x="11779044" y="6459794"/>
+            <a:ext cx="412956" cy="398206"/>
           </a:xfrm>
           <a:prstGeom prst="rect">
             <a:avLst/>
@@ -2427,7 +2427,7 @@
           <a:bodyPr anchor="ctr" anchorCtr="0"/>
           <a:lstStyle>
             <a:lvl1pPr>
-              <a:defRPr lang="de-DE" sz="900" smtClean="0">
+              <a:defRPr sz="900">
                 <a:solidFill>
                   <a:srgbClr val="868889"/>
                 </a:solidFill>
@@ -2437,7 +2437,7 @@
             </a:lvl1pPr>
           </a:lstStyle>
           <a:p>
-            <a:fld id="{88051181-3DEF-484A-8434-F25831745C76}" type="slidenum">
+            <a:fld id="{5F169D08-9325-4915-9F9B-D4854A2E2446}" type="slidenum">
               <a:rPr lang="de-DE" smtClean="0"/>
               <a:pPr/>
               <a:t>‹Nr.›</a:t>
@@ -2476,6 +2476,48 @@
           <a:chExt cx="0" cy="0"/>
         </a:xfrm>
       </p:grpSpPr>
+      <p:sp>
+        <p:nvSpPr>
+          <p:cNvPr id="3" name="Foliennummernplatzhalter 5"/>
+          <p:cNvSpPr>
+            <a:spLocks noGrp="1"/>
+          </p:cNvSpPr>
+          <p:nvPr>
+            <p:ph type="sldNum" sz="quarter" idx="4"/>
+          </p:nvPr>
+        </p:nvSpPr>
+        <p:spPr>
+          <a:xfrm>
+            <a:off x="11779044" y="6459794"/>
+            <a:ext cx="412956" cy="398206"/>
+          </a:xfrm>
+          <a:prstGeom prst="rect">
+            <a:avLst/>
+          </a:prstGeom>
+        </p:spPr>
+        <p:txBody>
+          <a:bodyPr anchor="ctr" anchorCtr="0"/>
+          <a:lstStyle>
+            <a:lvl1pPr>
+              <a:defRPr sz="900">
+                <a:solidFill>
+                  <a:srgbClr val="868889"/>
+                </a:solidFill>
+                <a:latin typeface="Arial" panose="020B0604020202020204" pitchFamily="34" charset="0"/>
+                <a:cs typeface="Arial" panose="020B0604020202020204" pitchFamily="34" charset="0"/>
+              </a:defRPr>
+            </a:lvl1pPr>
+          </a:lstStyle>
+          <a:p>
+            <a:fld id="{5F169D08-9325-4915-9F9B-D4854A2E2446}" type="slidenum">
+              <a:rPr lang="de-DE" smtClean="0"/>
+              <a:pPr/>
+              <a:t>‹Nr.›</a:t>
+            </a:fld>
+            <a:endParaRPr lang="de-DE" dirty="0"/>
+          </a:p>
+        </p:txBody>
+      </p:sp>
     </p:spTree>
     <p:extLst>
       <p:ext uri="{BB962C8B-B14F-4D97-AF65-F5344CB8AC3E}">
@@ -3537,7 +3579,7 @@
                 </a:solidFill>
                 <a:latin typeface="Arial"/>
               </a:rPr>
-              <a:t>10</a:t>
+              <a:t>9</a:t>
             </a:fld>
             <a:endParaRPr/>
           </a:p>
@@ -3641,19 +3683,19 @@
           <a:lstStyle/>
           <a:p>
             <a:r>
-              <a:rPr lang="de-DE" dirty="0" smtClean="0"/>
+              <a:rPr lang="de-DE" dirty="0"/>
               <a:t>Die Implementierung besitzt die zwei ROS Nodes </a:t>
             </a:r>
             <a:r>
-              <a:rPr lang="de-DE" dirty="0" err="1" smtClean="0"/>
+              <a:rPr lang="de-DE" dirty="0" err="1"/>
               <a:t>Marker_Broadcaster</a:t>
             </a:r>
             <a:r>
-              <a:rPr lang="de-DE" dirty="0" smtClean="0"/>
+              <a:rPr lang="de-DE" dirty="0"/>
               <a:t> und </a:t>
             </a:r>
             <a:r>
-              <a:rPr lang="de-DE" dirty="0" err="1" smtClean="0"/>
+              <a:rPr lang="de-DE" dirty="0" err="1"/>
               <a:t>Localizer</a:t>
             </a:r>
             <a:endParaRPr lang="de-DE" dirty="0"/>
@@ -3662,7 +3704,31 @@
       </p:sp>
       <p:sp>
         <p:nvSpPr>
-          <p:cNvPr id="3" name="Rectangle 8"/>
+          <p:cNvPr id="3" name="Foliennummernplatzhalter 2"/>
+          <p:cNvSpPr>
+            <a:spLocks noGrp="1"/>
+          </p:cNvSpPr>
+          <p:nvPr>
+            <p:ph type="sldNum" sz="quarter" idx="4"/>
+          </p:nvPr>
+        </p:nvSpPr>
+        <p:spPr/>
+        <p:txBody>
+          <a:bodyPr/>
+          <a:lstStyle/>
+          <a:p>
+            <a:fld id="{5F169D08-9325-4915-9F9B-D4854A2E2446}" type="slidenum">
+              <a:rPr lang="de-DE" smtClean="0"/>
+              <a:pPr/>
+              <a:t>10</a:t>
+            </a:fld>
+            <a:endParaRPr lang="de-DE" dirty="0"/>
+          </a:p>
+        </p:txBody>
+      </p:sp>
+      <p:sp>
+        <p:nvSpPr>
+          <p:cNvPr id="4" name="Rectangle 8"/>
           <p:cNvSpPr>
             <a:spLocks noChangeArrowheads="1"/>
           </p:cNvSpPr>
@@ -3882,7 +3948,7 @@
       </p:sp>
       <p:sp>
         <p:nvSpPr>
-          <p:cNvPr id="4" name="Rectangle 11"/>
+          <p:cNvPr id="5" name="Rectangle 11"/>
           <p:cNvSpPr>
             <a:spLocks noChangeArrowheads="1"/>
           </p:cNvSpPr>
@@ -4070,7 +4136,7 @@
       </p:sp>
       <p:sp>
         <p:nvSpPr>
-          <p:cNvPr id="5" name="Rectangle 8"/>
+          <p:cNvPr id="6" name="Rectangle 8"/>
           <p:cNvSpPr>
             <a:spLocks noChangeArrowheads="1"/>
           </p:cNvSpPr>
@@ -4422,7 +4488,7 @@
       </p:sp>
       <p:sp>
         <p:nvSpPr>
-          <p:cNvPr id="6" name="Rectangle 11"/>
+          <p:cNvPr id="7" name="Rectangle 11"/>
           <p:cNvSpPr>
             <a:spLocks noChangeArrowheads="1"/>
           </p:cNvSpPr>
@@ -4603,20 +4669,13 @@
     </p:spTree>
     <p:extLst>
       <p:ext uri="{BB962C8B-B14F-4D97-AF65-F5344CB8AC3E}">
-        <p14:creationId xmlns:p14="http://schemas.microsoft.com/office/powerpoint/2010/main" val="161524888"/>
+        <p14:creationId xmlns:p14="http://schemas.microsoft.com/office/powerpoint/2010/main" val="1941116140"/>
       </p:ext>
     </p:extLst>
   </p:cSld>
   <p:clrMapOvr>
     <a:masterClrMapping/>
   </p:clrMapOvr>
-  <p:timing>
-    <p:tnLst>
-      <p:par>
-        <p:cTn id="1" dur="indefinite" restart="never" nodeType="tmRoot"/>
-      </p:par>
-    </p:tnLst>
-  </p:timing>
 </p:sld>
 </file>
 
@@ -4713,7 +4772,7 @@
                 </a:solidFill>
                 <a:latin typeface="Arial"/>
               </a:rPr>
-              <a:t>12</a:t>
+              <a:t>11</a:t>
             </a:fld>
             <a:endParaRPr/>
           </a:p>
@@ -4803,7 +4862,7 @@
       </p:grpSpPr>
       <p:sp>
         <p:nvSpPr>
-          <p:cNvPr id="2" name="Titel 1"/>
+          <p:cNvPr id="3" name="Titel 2"/>
           <p:cNvSpPr>
             <a:spLocks noGrp="1"/>
           </p:cNvSpPr>
@@ -4817,16 +4876,39 @@
           <a:lstStyle/>
           <a:p>
             <a:r>
-              <a:rPr lang="de-DE" dirty="0" smtClean="0"/>
+              <a:rPr lang="de-DE" dirty="0"/>
               <a:t>Während der Umsetzung wurden die folgenden Probleme gelöst</a:t>
             </a:r>
+          </a:p>
+        </p:txBody>
+      </p:sp>
+      <p:sp>
+        <p:nvSpPr>
+          <p:cNvPr id="2" name="Foliennummernplatzhalter 1"/>
+          <p:cNvSpPr>
+            <a:spLocks noGrp="1"/>
+          </p:cNvSpPr>
+          <p:nvPr>
+            <p:ph type="sldNum" sz="quarter" idx="4"/>
+          </p:nvPr>
+        </p:nvSpPr>
+        <p:spPr/>
+        <p:txBody>
+          <a:bodyPr/>
+          <a:lstStyle/>
+          <a:p>
+            <a:fld id="{5F169D08-9325-4915-9F9B-D4854A2E2446}" type="slidenum">
+              <a:rPr lang="de-DE" smtClean="0"/>
+              <a:pPr/>
+              <a:t>12</a:t>
+            </a:fld>
             <a:endParaRPr lang="de-DE" dirty="0"/>
           </a:p>
         </p:txBody>
       </p:sp>
       <p:sp>
         <p:nvSpPr>
-          <p:cNvPr id="16" name="Rectangle 3"/>
+          <p:cNvPr id="4" name="Rectangle 3"/>
           <p:cNvSpPr>
             <a:spLocks noChangeArrowheads="1"/>
           </p:cNvSpPr>
@@ -5003,7 +5085,7 @@
       </p:sp>
       <p:sp>
         <p:nvSpPr>
-          <p:cNvPr id="17" name="Rectangle 4"/>
+          <p:cNvPr id="5" name="Rectangle 4"/>
           <p:cNvSpPr>
             <a:spLocks noChangeArrowheads="1"/>
           </p:cNvSpPr>
@@ -5178,7 +5260,7 @@
       </p:sp>
       <p:sp>
         <p:nvSpPr>
-          <p:cNvPr id="18" name="Rectangle 5"/>
+          <p:cNvPr id="6" name="Rectangle 5"/>
           <p:cNvSpPr>
             <a:spLocks noChangeArrowheads="1"/>
           </p:cNvSpPr>
@@ -5353,7 +5435,7 @@
       </p:sp>
       <p:sp>
         <p:nvSpPr>
-          <p:cNvPr id="19" name="Rectangle 6"/>
+          <p:cNvPr id="7" name="Rectangle 6"/>
           <p:cNvSpPr>
             <a:spLocks noChangeArrowheads="1"/>
           </p:cNvSpPr>
@@ -5528,7 +5610,7 @@
       </p:sp>
       <p:sp>
         <p:nvSpPr>
-          <p:cNvPr id="21" name="AutoShape 8"/>
+          <p:cNvPr id="8" name="AutoShape 8"/>
           <p:cNvSpPr>
             <a:spLocks noChangeArrowheads="1"/>
           </p:cNvSpPr>
@@ -5738,7 +5820,7 @@
       </p:sp>
       <p:sp>
         <p:nvSpPr>
-          <p:cNvPr id="22" name="AutoShape 9"/>
+          <p:cNvPr id="9" name="AutoShape 9"/>
           <p:cNvSpPr>
             <a:spLocks noChangeArrowheads="1"/>
           </p:cNvSpPr>
@@ -5946,7 +6028,7 @@
       </p:sp>
       <p:sp>
         <p:nvSpPr>
-          <p:cNvPr id="23" name="AutoShape 10"/>
+          <p:cNvPr id="10" name="AutoShape 10"/>
           <p:cNvSpPr>
             <a:spLocks noChangeArrowheads="1"/>
           </p:cNvSpPr>
@@ -6136,7 +6218,7 @@
       </p:sp>
       <p:sp>
         <p:nvSpPr>
-          <p:cNvPr id="24" name="AutoShape 11"/>
+          <p:cNvPr id="11" name="AutoShape 11"/>
           <p:cNvSpPr>
             <a:spLocks noChangeArrowheads="1"/>
           </p:cNvSpPr>
@@ -6331,20 +6413,13 @@
     </p:spTree>
     <p:extLst>
       <p:ext uri="{BB962C8B-B14F-4D97-AF65-F5344CB8AC3E}">
-        <p14:creationId xmlns:p14="http://schemas.microsoft.com/office/powerpoint/2010/main" val="2368909247"/>
+        <p14:creationId xmlns:p14="http://schemas.microsoft.com/office/powerpoint/2010/main" val="2160020800"/>
       </p:ext>
     </p:extLst>
   </p:cSld>
   <p:clrMapOvr>
     <a:masterClrMapping/>
   </p:clrMapOvr>
-  <p:timing>
-    <p:tnLst>
-      <p:par>
-        <p:cTn id="1" dur="indefinite" restart="never" nodeType="tmRoot"/>
-      </p:par>
-    </p:tnLst>
-  </p:timing>
 </p:sld>
 </file>
 
@@ -6367,7 +6442,53 @@
       </p:grpSpPr>
       <p:sp>
         <p:nvSpPr>
-          <p:cNvPr id="2" name="Rectangle 3"/>
+          <p:cNvPr id="2" name="Titel 1"/>
+          <p:cNvSpPr>
+            <a:spLocks noGrp="1"/>
+          </p:cNvSpPr>
+          <p:nvPr>
+            <p:ph type="title"/>
+          </p:nvPr>
+        </p:nvSpPr>
+        <p:spPr/>
+        <p:txBody>
+          <a:bodyPr/>
+          <a:lstStyle/>
+          <a:p>
+            <a:r>
+              <a:rPr lang="de-DE" dirty="0"/>
+              <a:t>Folgende Tests wurden durchgeführt um die Ergebnisse zu überprüfen</a:t>
+            </a:r>
+          </a:p>
+        </p:txBody>
+      </p:sp>
+      <p:sp>
+        <p:nvSpPr>
+          <p:cNvPr id="3" name="Foliennummernplatzhalter 2"/>
+          <p:cNvSpPr>
+            <a:spLocks noGrp="1"/>
+          </p:cNvSpPr>
+          <p:nvPr>
+            <p:ph type="sldNum" sz="quarter" idx="4"/>
+          </p:nvPr>
+        </p:nvSpPr>
+        <p:spPr/>
+        <p:txBody>
+          <a:bodyPr/>
+          <a:lstStyle/>
+          <a:p>
+            <a:fld id="{5F169D08-9325-4915-9F9B-D4854A2E2446}" type="slidenum">
+              <a:rPr lang="de-DE" smtClean="0"/>
+              <a:pPr/>
+              <a:t>13</a:t>
+            </a:fld>
+            <a:endParaRPr lang="de-DE" dirty="0"/>
+          </a:p>
+        </p:txBody>
+      </p:sp>
+      <p:sp>
+        <p:nvSpPr>
+          <p:cNvPr id="4" name="Rectangle 3"/>
           <p:cNvSpPr>
             <a:spLocks noChangeArrowheads="1"/>
           </p:cNvSpPr>
@@ -6544,7 +6665,7 @@
       </p:sp>
       <p:sp>
         <p:nvSpPr>
-          <p:cNvPr id="3" name="Rectangle 4"/>
+          <p:cNvPr id="5" name="Rectangle 4"/>
           <p:cNvSpPr>
             <a:spLocks noChangeArrowheads="1"/>
           </p:cNvSpPr>
@@ -6719,7 +6840,7 @@
       </p:sp>
       <p:sp>
         <p:nvSpPr>
-          <p:cNvPr id="4" name="Rectangle 5"/>
+          <p:cNvPr id="6" name="Rectangle 5"/>
           <p:cNvSpPr>
             <a:spLocks noChangeArrowheads="1"/>
           </p:cNvSpPr>
@@ -6894,7 +7015,7 @@
       </p:sp>
       <p:sp>
         <p:nvSpPr>
-          <p:cNvPr id="5" name="AutoShape 8"/>
+          <p:cNvPr id="7" name="AutoShape 8"/>
           <p:cNvSpPr>
             <a:spLocks noChangeArrowheads="1"/>
           </p:cNvSpPr>
@@ -7078,7 +7199,7 @@
       </p:sp>
       <p:sp>
         <p:nvSpPr>
-          <p:cNvPr id="6" name="AutoShape 9"/>
+          <p:cNvPr id="8" name="AutoShape 9"/>
           <p:cNvSpPr>
             <a:spLocks noChangeArrowheads="1"/>
           </p:cNvSpPr>
@@ -7262,7 +7383,7 @@
       </p:sp>
       <p:sp>
         <p:nvSpPr>
-          <p:cNvPr id="7" name="AutoShape 10"/>
+          <p:cNvPr id="9" name="AutoShape 10"/>
           <p:cNvSpPr>
             <a:spLocks noChangeArrowheads="1"/>
           </p:cNvSpPr>
@@ -7444,46 +7565,16 @@
           </a:p>
         </p:txBody>
       </p:sp>
-      <p:sp>
-        <p:nvSpPr>
-          <p:cNvPr id="8" name="Titel 7"/>
-          <p:cNvSpPr>
-            <a:spLocks noGrp="1"/>
-          </p:cNvSpPr>
-          <p:nvPr>
-            <p:ph type="title"/>
-          </p:nvPr>
-        </p:nvSpPr>
-        <p:spPr/>
-        <p:txBody>
-          <a:bodyPr/>
-          <a:lstStyle/>
-          <a:p>
-            <a:r>
-              <a:rPr lang="de-DE" dirty="0" smtClean="0"/>
-              <a:t>Folgende Tests wurden durchgeführt um die Ergebnisse zu überprüfen</a:t>
-            </a:r>
-            <a:endParaRPr lang="de-DE" dirty="0"/>
-          </a:p>
-        </p:txBody>
-      </p:sp>
     </p:spTree>
     <p:extLst>
       <p:ext uri="{BB962C8B-B14F-4D97-AF65-F5344CB8AC3E}">
-        <p14:creationId xmlns:p14="http://schemas.microsoft.com/office/powerpoint/2010/main" val="748851910"/>
+        <p14:creationId xmlns:p14="http://schemas.microsoft.com/office/powerpoint/2010/main" val="1364519035"/>
       </p:ext>
     </p:extLst>
   </p:cSld>
   <p:clrMapOvr>
     <a:masterClrMapping/>
   </p:clrMapOvr>
-  <p:timing>
-    <p:tnLst>
-      <p:par>
-        <p:cTn id="1" dur="indefinite" restart="never" nodeType="tmRoot"/>
-      </p:par>
-    </p:tnLst>
-  </p:timing>
 </p:sld>
 </file>
 
@@ -7534,17 +7625,25 @@
             <a:spLocks noGrp="1"/>
           </p:cNvSpPr>
           <p:nvPr>
-            <p:ph type="sldNum" sz="quarter" idx="12"/>
+            <p:ph type="sldNum" sz="quarter" idx="4"/>
           </p:nvPr>
         </p:nvSpPr>
-        <p:spPr/>
+        <p:spPr>
+          <a:xfrm>
+            <a:off x="11779044" y="6459794"/>
+            <a:ext cx="412956" cy="398206"/>
+          </a:xfrm>
+          <a:prstGeom prst="rect">
+            <a:avLst/>
+          </a:prstGeom>
+        </p:spPr>
         <p:txBody>
           <a:bodyPr/>
           <a:lstStyle/>
           <a:p>
             <a:fld id="{88051181-3DEF-484A-8434-F25831745C76}" type="slidenum">
               <a:rPr lang="de-DE" smtClean="0"/>
-              <a:t>15</a:t>
+              <a:t>14</a:t>
             </a:fld>
             <a:endParaRPr lang="de-DE"/>
           </a:p>
@@ -8518,17 +8617,25 @@
             <a:spLocks noGrp="1"/>
           </p:cNvSpPr>
           <p:nvPr>
-            <p:ph type="sldNum" sz="quarter" idx="12"/>
+            <p:ph type="sldNum" sz="quarter" idx="4"/>
           </p:nvPr>
         </p:nvSpPr>
-        <p:spPr/>
+        <p:spPr>
+          <a:xfrm>
+            <a:off x="11779044" y="6459794"/>
+            <a:ext cx="412956" cy="398206"/>
+          </a:xfrm>
+          <a:prstGeom prst="rect">
+            <a:avLst/>
+          </a:prstGeom>
+        </p:spPr>
         <p:txBody>
           <a:bodyPr/>
           <a:lstStyle/>
           <a:p>
             <a:fld id="{88051181-3DEF-484A-8434-F25831745C76}" type="slidenum">
               <a:rPr lang="de-DE" smtClean="0"/>
-              <a:t>16</a:t>
+              <a:t>15</a:t>
             </a:fld>
             <a:endParaRPr lang="de-DE"/>
           </a:p>
@@ -10531,17 +10638,25 @@
             <a:spLocks noGrp="1"/>
           </p:cNvSpPr>
           <p:nvPr>
-            <p:ph type="sldNum" sz="quarter" idx="12"/>
+            <p:ph type="sldNum" sz="quarter" idx="4"/>
           </p:nvPr>
         </p:nvSpPr>
-        <p:spPr/>
+        <p:spPr>
+          <a:xfrm>
+            <a:off x="11779044" y="6459794"/>
+            <a:ext cx="412956" cy="398206"/>
+          </a:xfrm>
+          <a:prstGeom prst="rect">
+            <a:avLst/>
+          </a:prstGeom>
+        </p:spPr>
         <p:txBody>
           <a:bodyPr/>
           <a:lstStyle/>
           <a:p>
             <a:fld id="{88051181-3DEF-484A-8434-F25831745C76}" type="slidenum">
               <a:rPr lang="de-DE" smtClean="0"/>
-              <a:t>17</a:t>
+              <a:t>16</a:t>
             </a:fld>
             <a:endParaRPr lang="de-DE"/>
           </a:p>
@@ -12603,17 +12718,25 @@
             <a:spLocks noGrp="1"/>
           </p:cNvSpPr>
           <p:nvPr>
-            <p:ph type="sldNum" sz="quarter" idx="12"/>
+            <p:ph type="sldNum" sz="quarter" idx="4"/>
           </p:nvPr>
         </p:nvSpPr>
-        <p:spPr/>
+        <p:spPr>
+          <a:xfrm>
+            <a:off x="11779044" y="6459794"/>
+            <a:ext cx="412956" cy="398206"/>
+          </a:xfrm>
+          <a:prstGeom prst="rect">
+            <a:avLst/>
+          </a:prstGeom>
+        </p:spPr>
         <p:txBody>
           <a:bodyPr/>
           <a:lstStyle/>
           <a:p>
             <a:fld id="{88051181-3DEF-484A-8434-F25831745C76}" type="slidenum">
               <a:rPr lang="de-DE" smtClean="0"/>
-              <a:t>18</a:t>
+              <a:t>17</a:t>
             </a:fld>
             <a:endParaRPr lang="de-DE"/>
           </a:p>
@@ -14898,17 +15021,25 @@
             <a:spLocks noGrp="1"/>
           </p:cNvSpPr>
           <p:nvPr>
-            <p:ph type="sldNum" sz="quarter" idx="12"/>
+            <p:ph type="sldNum" sz="quarter" idx="4"/>
           </p:nvPr>
         </p:nvSpPr>
-        <p:spPr/>
+        <p:spPr>
+          <a:xfrm>
+            <a:off x="11779044" y="6459794"/>
+            <a:ext cx="412956" cy="398206"/>
+          </a:xfrm>
+          <a:prstGeom prst="rect">
+            <a:avLst/>
+          </a:prstGeom>
+        </p:spPr>
         <p:txBody>
           <a:bodyPr/>
           <a:lstStyle/>
           <a:p>
             <a:fld id="{88051181-3DEF-484A-8434-F25831745C76}" type="slidenum">
               <a:rPr lang="de-DE" smtClean="0"/>
-              <a:t>19</a:t>
+              <a:t>18</a:t>
             </a:fld>
             <a:endParaRPr lang="de-DE"/>
           </a:p>
@@ -16912,17 +17043,25 @@
             <a:spLocks noGrp="1"/>
           </p:cNvSpPr>
           <p:nvPr>
-            <p:ph type="sldNum" sz="quarter" idx="12"/>
+            <p:ph type="sldNum" sz="quarter" idx="4"/>
           </p:nvPr>
         </p:nvSpPr>
-        <p:spPr/>
+        <p:spPr>
+          <a:xfrm>
+            <a:off x="11779044" y="6459794"/>
+            <a:ext cx="412956" cy="398206"/>
+          </a:xfrm>
+          <a:prstGeom prst="rect">
+            <a:avLst/>
+          </a:prstGeom>
+        </p:spPr>
         <p:txBody>
           <a:bodyPr/>
           <a:lstStyle/>
           <a:p>
             <a:fld id="{88051181-3DEF-484A-8434-F25831745C76}" type="slidenum">
               <a:rPr lang="de-DE" smtClean="0"/>
-              <a:t>2</a:t>
+              <a:t>1</a:t>
             </a:fld>
             <a:endParaRPr lang="de-DE"/>
           </a:p>
@@ -17891,10 +18030,18 @@
             <a:spLocks noGrp="1"/>
           </p:cNvSpPr>
           <p:nvPr>
-            <p:ph type="sldNum" sz="quarter" idx="12"/>
+            <p:ph type="sldNum" sz="quarter" idx="4"/>
           </p:nvPr>
         </p:nvSpPr>
-        <p:spPr/>
+        <p:spPr>
+          <a:xfrm>
+            <a:off x="11779044" y="6459794"/>
+            <a:ext cx="412956" cy="398206"/>
+          </a:xfrm>
+          <a:prstGeom prst="rect">
+            <a:avLst/>
+          </a:prstGeom>
+        </p:spPr>
         <p:txBody>
           <a:bodyPr/>
           <a:lstStyle/>
@@ -17902,7 +18049,7 @@
             <a:fld id="{88051181-3DEF-484A-8434-F25831745C76}" type="slidenum">
               <a:rPr lang="de-DE" smtClean="0"/>
               <a:pPr/>
-              <a:t>20</a:t>
+              <a:t>19</a:t>
             </a:fld>
             <a:endParaRPr lang="de-DE" dirty="0"/>
           </a:p>
@@ -18507,10 +18654,18 @@
             <a:spLocks noGrp="1"/>
           </p:cNvSpPr>
           <p:nvPr>
-            <p:ph type="sldNum" sz="quarter" idx="12"/>
+            <p:ph type="sldNum" sz="quarter" idx="4"/>
           </p:nvPr>
         </p:nvSpPr>
-        <p:spPr/>
+        <p:spPr>
+          <a:xfrm>
+            <a:off x="11779044" y="6459794"/>
+            <a:ext cx="412956" cy="398206"/>
+          </a:xfrm>
+          <a:prstGeom prst="rect">
+            <a:avLst/>
+          </a:prstGeom>
+        </p:spPr>
         <p:txBody>
           <a:bodyPr/>
           <a:lstStyle/>
@@ -18518,7 +18673,7 @@
             <a:fld id="{88051181-3DEF-484A-8434-F25831745C76}" type="slidenum">
               <a:rPr lang="de-DE" smtClean="0"/>
               <a:pPr/>
-              <a:t>21</a:t>
+              <a:t>20</a:t>
             </a:fld>
             <a:endParaRPr lang="de-DE" dirty="0"/>
           </a:p>
@@ -19246,10 +19401,18 @@
             <a:spLocks noGrp="1"/>
           </p:cNvSpPr>
           <p:nvPr>
-            <p:ph type="sldNum" sz="quarter" idx="12"/>
+            <p:ph type="sldNum" sz="quarter" idx="4"/>
           </p:nvPr>
         </p:nvSpPr>
-        <p:spPr/>
+        <p:spPr>
+          <a:xfrm>
+            <a:off x="11779044" y="6459794"/>
+            <a:ext cx="412956" cy="398206"/>
+          </a:xfrm>
+          <a:prstGeom prst="rect">
+            <a:avLst/>
+          </a:prstGeom>
+        </p:spPr>
         <p:txBody>
           <a:bodyPr/>
           <a:lstStyle/>
@@ -19257,7 +19420,7 @@
             <a:fld id="{88051181-3DEF-484A-8434-F25831745C76}" type="slidenum">
               <a:rPr lang="de-DE" smtClean="0"/>
               <a:pPr/>
-              <a:t>22</a:t>
+              <a:t>21</a:t>
             </a:fld>
             <a:endParaRPr lang="de-DE" dirty="0"/>
           </a:p>
@@ -20326,10 +20489,18 @@
             <a:spLocks noGrp="1"/>
           </p:cNvSpPr>
           <p:nvPr>
-            <p:ph type="sldNum" sz="quarter" idx="12"/>
+            <p:ph type="sldNum" sz="quarter" idx="4"/>
           </p:nvPr>
         </p:nvSpPr>
-        <p:spPr/>
+        <p:spPr>
+          <a:xfrm>
+            <a:off x="11779044" y="6459794"/>
+            <a:ext cx="412956" cy="398206"/>
+          </a:xfrm>
+          <a:prstGeom prst="rect">
+            <a:avLst/>
+          </a:prstGeom>
+        </p:spPr>
         <p:txBody>
           <a:bodyPr/>
           <a:lstStyle/>
@@ -20337,7 +20508,7 @@
             <a:fld id="{88051181-3DEF-484A-8434-F25831745C76}" type="slidenum">
               <a:rPr lang="de-DE" smtClean="0"/>
               <a:pPr/>
-              <a:t>23</a:t>
+              <a:t>22</a:t>
             </a:fld>
             <a:endParaRPr lang="de-DE" dirty="0"/>
           </a:p>
@@ -21750,10 +21921,18 @@
             <a:spLocks noGrp="1"/>
           </p:cNvSpPr>
           <p:nvPr>
-            <p:ph type="sldNum" sz="quarter" idx="12"/>
+            <p:ph type="sldNum" sz="quarter" idx="4"/>
           </p:nvPr>
         </p:nvSpPr>
-        <p:spPr/>
+        <p:spPr>
+          <a:xfrm>
+            <a:off x="11779044" y="6459794"/>
+            <a:ext cx="412956" cy="398206"/>
+          </a:xfrm>
+          <a:prstGeom prst="rect">
+            <a:avLst/>
+          </a:prstGeom>
+        </p:spPr>
         <p:txBody>
           <a:bodyPr/>
           <a:lstStyle/>
@@ -21761,7 +21940,7 @@
             <a:fld id="{88051181-3DEF-484A-8434-F25831745C76}" type="slidenum">
               <a:rPr lang="de-DE" smtClean="0"/>
               <a:pPr/>
-              <a:t>24</a:t>
+              <a:t>23</a:t>
             </a:fld>
             <a:endParaRPr lang="de-DE" dirty="0"/>
           </a:p>
@@ -23517,10 +23696,18 @@
             <a:spLocks noGrp="1"/>
           </p:cNvSpPr>
           <p:nvPr>
-            <p:ph type="sldNum" sz="quarter" idx="12"/>
+            <p:ph type="sldNum" sz="quarter" idx="4"/>
           </p:nvPr>
         </p:nvSpPr>
-        <p:spPr/>
+        <p:spPr>
+          <a:xfrm>
+            <a:off x="11779044" y="6459794"/>
+            <a:ext cx="412956" cy="398206"/>
+          </a:xfrm>
+          <a:prstGeom prst="rect">
+            <a:avLst/>
+          </a:prstGeom>
+        </p:spPr>
         <p:txBody>
           <a:bodyPr/>
           <a:lstStyle/>
@@ -23528,7 +23715,7 @@
             <a:fld id="{88051181-3DEF-484A-8434-F25831745C76}" type="slidenum">
               <a:rPr lang="de-DE" smtClean="0"/>
               <a:pPr/>
-              <a:t>25</a:t>
+              <a:t>24</a:t>
             </a:fld>
             <a:endParaRPr lang="de-DE" dirty="0"/>
           </a:p>
@@ -25657,10 +25844,18 @@
             <a:spLocks noGrp="1"/>
           </p:cNvSpPr>
           <p:nvPr>
-            <p:ph type="sldNum" sz="quarter" idx="12"/>
+            <p:ph type="sldNum" sz="quarter" idx="4"/>
           </p:nvPr>
         </p:nvSpPr>
-        <p:spPr/>
+        <p:spPr>
+          <a:xfrm>
+            <a:off x="11779044" y="6459794"/>
+            <a:ext cx="412956" cy="398206"/>
+          </a:xfrm>
+          <a:prstGeom prst="rect">
+            <a:avLst/>
+          </a:prstGeom>
+        </p:spPr>
         <p:txBody>
           <a:bodyPr/>
           <a:lstStyle/>
@@ -25668,7 +25863,7 @@
             <a:fld id="{88051181-3DEF-484A-8434-F25831745C76}" type="slidenum">
               <a:rPr lang="de-DE" smtClean="0"/>
               <a:pPr/>
-              <a:t>26</a:t>
+              <a:t>25</a:t>
             </a:fld>
             <a:endParaRPr lang="de-DE" dirty="0"/>
           </a:p>
@@ -28122,10 +28317,18 @@
             <a:spLocks noGrp="1"/>
           </p:cNvSpPr>
           <p:nvPr>
-            <p:ph type="sldNum" sz="quarter" idx="12"/>
+            <p:ph type="sldNum" sz="quarter" idx="4"/>
           </p:nvPr>
         </p:nvSpPr>
-        <p:spPr/>
+        <p:spPr>
+          <a:xfrm>
+            <a:off x="11779044" y="6459794"/>
+            <a:ext cx="412956" cy="398206"/>
+          </a:xfrm>
+          <a:prstGeom prst="rect">
+            <a:avLst/>
+          </a:prstGeom>
+        </p:spPr>
         <p:txBody>
           <a:bodyPr/>
           <a:lstStyle/>
@@ -28133,7 +28336,7 @@
             <a:fld id="{88051181-3DEF-484A-8434-F25831745C76}" type="slidenum">
               <a:rPr lang="de-DE" smtClean="0"/>
               <a:pPr/>
-              <a:t>27</a:t>
+              <a:t>26</a:t>
             </a:fld>
             <a:endParaRPr lang="de-DE" dirty="0"/>
           </a:p>
@@ -30930,17 +31133,25 @@
             <a:spLocks noGrp="1"/>
           </p:cNvSpPr>
           <p:nvPr>
-            <p:ph type="sldNum" sz="quarter" idx="12"/>
+            <p:ph type="sldNum" sz="quarter" idx="4"/>
           </p:nvPr>
         </p:nvSpPr>
-        <p:spPr/>
+        <p:spPr>
+          <a:xfrm>
+            <a:off x="11779044" y="6459794"/>
+            <a:ext cx="412956" cy="398206"/>
+          </a:xfrm>
+          <a:prstGeom prst="rect">
+            <a:avLst/>
+          </a:prstGeom>
+        </p:spPr>
         <p:txBody>
           <a:bodyPr/>
           <a:lstStyle/>
           <a:p>
             <a:fld id="{88051181-3DEF-484A-8434-F25831745C76}" type="slidenum">
               <a:rPr lang="de-DE" smtClean="0"/>
-              <a:t>28</a:t>
+              <a:t>27</a:t>
             </a:fld>
             <a:endParaRPr lang="de-DE"/>
           </a:p>
@@ -31914,17 +32125,25 @@
             <a:spLocks noGrp="1"/>
           </p:cNvSpPr>
           <p:nvPr>
-            <p:ph type="sldNum" sz="quarter" idx="12"/>
+            <p:ph type="sldNum" sz="quarter" idx="4"/>
           </p:nvPr>
         </p:nvSpPr>
-        <p:spPr/>
+        <p:spPr>
+          <a:xfrm>
+            <a:off x="11779044" y="6459794"/>
+            <a:ext cx="412956" cy="398206"/>
+          </a:xfrm>
+          <a:prstGeom prst="rect">
+            <a:avLst/>
+          </a:prstGeom>
+        </p:spPr>
         <p:txBody>
           <a:bodyPr/>
           <a:lstStyle/>
           <a:p>
             <a:fld id="{88051181-3DEF-484A-8434-F25831745C76}" type="slidenum">
               <a:rPr lang="de-DE" smtClean="0"/>
-              <a:t>29</a:t>
+              <a:t>28</a:t>
             </a:fld>
             <a:endParaRPr lang="de-DE"/>
           </a:p>
@@ -32890,10 +33109,18 @@
             <a:spLocks noGrp="1"/>
           </p:cNvSpPr>
           <p:nvPr>
-            <p:ph type="sldNum" sz="quarter" idx="12"/>
+            <p:ph type="sldNum" sz="quarter" idx="4"/>
           </p:nvPr>
         </p:nvSpPr>
-        <p:spPr/>
+        <p:spPr>
+          <a:xfrm>
+            <a:off x="11779044" y="6459794"/>
+            <a:ext cx="412956" cy="398206"/>
+          </a:xfrm>
+          <a:prstGeom prst="rect">
+            <a:avLst/>
+          </a:prstGeom>
+        </p:spPr>
         <p:txBody>
           <a:bodyPr/>
           <a:lstStyle/>
@@ -32901,7 +33128,7 @@
             <a:fld id="{88051181-3DEF-484A-8434-F25831745C76}" type="slidenum">
               <a:rPr lang="de-DE" smtClean="0"/>
               <a:pPr/>
-              <a:t>3</a:t>
+              <a:t>2</a:t>
             </a:fld>
             <a:endParaRPr lang="de-DE" dirty="0"/>
           </a:p>
@@ -34521,10 +34748,18 @@
             <a:spLocks noGrp="1"/>
           </p:cNvSpPr>
           <p:nvPr>
-            <p:ph type="sldNum" sz="quarter" idx="12"/>
+            <p:ph type="sldNum" sz="quarter" idx="4"/>
           </p:nvPr>
         </p:nvSpPr>
-        <p:spPr/>
+        <p:spPr>
+          <a:xfrm>
+            <a:off x="11779044" y="6459794"/>
+            <a:ext cx="412956" cy="398206"/>
+          </a:xfrm>
+          <a:prstGeom prst="rect">
+            <a:avLst/>
+          </a:prstGeom>
+        </p:spPr>
         <p:txBody>
           <a:bodyPr/>
           <a:lstStyle/>
@@ -34532,7 +34767,7 @@
             <a:fld id="{88051181-3DEF-484A-8434-F25831745C76}" type="slidenum">
               <a:rPr lang="de-DE" smtClean="0"/>
               <a:pPr/>
-              <a:t>30</a:t>
+              <a:t>29</a:t>
             </a:fld>
             <a:endParaRPr lang="de-DE" dirty="0"/>
           </a:p>
@@ -38972,10 +39207,18 @@
             <a:spLocks noGrp="1"/>
           </p:cNvSpPr>
           <p:nvPr>
-            <p:ph type="sldNum" sz="quarter" idx="12"/>
+            <p:ph type="sldNum" sz="quarter" idx="4"/>
           </p:nvPr>
         </p:nvSpPr>
-        <p:spPr/>
+        <p:spPr>
+          <a:xfrm>
+            <a:off x="11779044" y="6459794"/>
+            <a:ext cx="412956" cy="398206"/>
+          </a:xfrm>
+          <a:prstGeom prst="rect">
+            <a:avLst/>
+          </a:prstGeom>
+        </p:spPr>
         <p:txBody>
           <a:bodyPr/>
           <a:lstStyle/>
@@ -38983,7 +39226,7 @@
             <a:fld id="{88051181-3DEF-484A-8434-F25831745C76}" type="slidenum">
               <a:rPr lang="de-DE" smtClean="0"/>
               <a:pPr/>
-              <a:t>31</a:t>
+              <a:t>30</a:t>
             </a:fld>
             <a:endParaRPr lang="de-DE" dirty="0"/>
           </a:p>
@@ -40559,17 +40802,25 @@
             <a:spLocks noGrp="1"/>
           </p:cNvSpPr>
           <p:nvPr>
-            <p:ph type="sldNum" sz="quarter" idx="12"/>
+            <p:ph type="sldNum" sz="quarter" idx="4"/>
           </p:nvPr>
         </p:nvSpPr>
-        <p:spPr/>
+        <p:spPr>
+          <a:xfrm>
+            <a:off x="11779044" y="6459794"/>
+            <a:ext cx="412956" cy="398206"/>
+          </a:xfrm>
+          <a:prstGeom prst="rect">
+            <a:avLst/>
+          </a:prstGeom>
+        </p:spPr>
         <p:txBody>
           <a:bodyPr/>
           <a:lstStyle/>
           <a:p>
             <a:fld id="{88051181-3DEF-484A-8434-F25831745C76}" type="slidenum">
               <a:rPr lang="de-DE" smtClean="0"/>
-              <a:t>4</a:t>
+              <a:t>3</a:t>
             </a:fld>
             <a:endParaRPr lang="de-DE"/>
           </a:p>
@@ -41543,17 +41794,25 @@
             <a:spLocks noGrp="1"/>
           </p:cNvSpPr>
           <p:nvPr>
-            <p:ph type="sldNum" sz="quarter" idx="12"/>
+            <p:ph type="sldNum" sz="quarter" idx="4"/>
           </p:nvPr>
         </p:nvSpPr>
-        <p:spPr/>
+        <p:spPr>
+          <a:xfrm>
+            <a:off x="11779044" y="6459794"/>
+            <a:ext cx="412956" cy="398206"/>
+          </a:xfrm>
+          <a:prstGeom prst="rect">
+            <a:avLst/>
+          </a:prstGeom>
+        </p:spPr>
         <p:txBody>
           <a:bodyPr/>
           <a:lstStyle/>
           <a:p>
             <a:fld id="{88051181-3DEF-484A-8434-F25831745C76}" type="slidenum">
               <a:rPr lang="de-DE" smtClean="0"/>
-              <a:t>5</a:t>
+              <a:t>4</a:t>
             </a:fld>
             <a:endParaRPr lang="de-DE"/>
           </a:p>
@@ -43543,17 +43802,25 @@
             <a:spLocks noGrp="1"/>
           </p:cNvSpPr>
           <p:nvPr>
-            <p:ph type="sldNum" sz="quarter" idx="12"/>
+            <p:ph type="sldNum" sz="quarter" idx="4"/>
           </p:nvPr>
         </p:nvSpPr>
-        <p:spPr/>
+        <p:spPr>
+          <a:xfrm>
+            <a:off x="11779044" y="6459794"/>
+            <a:ext cx="412956" cy="398206"/>
+          </a:xfrm>
+          <a:prstGeom prst="rect">
+            <a:avLst/>
+          </a:prstGeom>
+        </p:spPr>
         <p:txBody>
           <a:bodyPr/>
           <a:lstStyle/>
           <a:p>
             <a:fld id="{88051181-3DEF-484A-8434-F25831745C76}" type="slidenum">
               <a:rPr lang="de-DE" smtClean="0"/>
-              <a:t>6</a:t>
+              <a:t>5</a:t>
             </a:fld>
             <a:endParaRPr lang="de-DE"/>
           </a:p>
@@ -44511,10 +44778,18 @@
             <a:spLocks noGrp="1"/>
           </p:cNvSpPr>
           <p:nvPr>
-            <p:ph type="sldNum" sz="quarter" idx="12"/>
+            <p:ph type="sldNum" sz="quarter" idx="4"/>
           </p:nvPr>
         </p:nvSpPr>
-        <p:spPr/>
+        <p:spPr>
+          <a:xfrm>
+            <a:off x="11769212" y="6459794"/>
+            <a:ext cx="422787" cy="398206"/>
+          </a:xfrm>
+          <a:prstGeom prst="rect">
+            <a:avLst/>
+          </a:prstGeom>
+        </p:spPr>
         <p:txBody>
           <a:bodyPr/>
           <a:lstStyle/>
@@ -44522,7 +44797,7 @@
             <a:fld id="{88051181-3DEF-484A-8434-F25831745C76}" type="slidenum">
               <a:rPr lang="de-DE" smtClean="0"/>
               <a:pPr/>
-              <a:t>7</a:t>
+              <a:t>6</a:t>
             </a:fld>
             <a:endParaRPr lang="de-DE" dirty="0"/>
           </a:p>
@@ -45902,7 +46177,47 @@
             </a:pPr>
             <a:r>
               <a:rPr lang="de-DE" sz="1400" dirty="0" smtClean="0"/>
-              <a:t>Synthetische Marker an vorgegebenen Stellen</a:t>
+              <a:t>Synthetische Marker an vorgegebenen Stellen erkennen</a:t>
+            </a:r>
+          </a:p>
+          <a:p>
+            <a:pPr marL="252000" indent="-180000" eaLnBrk="0" hangingPunct="0">
+              <a:spcBef>
+                <a:spcPts val="200"/>
+              </a:spcBef>
+              <a:spcAft>
+                <a:spcPts val="200"/>
+              </a:spcAft>
+              <a:buClr>
+                <a:srgbClr val="007348"/>
+              </a:buClr>
+              <a:buFont typeface="Wingdings" pitchFamily="2" charset="2"/>
+              <a:buChar char="§"/>
+              <a:defRPr/>
+            </a:pPr>
+            <a:r>
+              <a:rPr lang="de-DE" sz="1400" dirty="0" smtClean="0"/>
+              <a:t>Konvertieren in Welt Koordinaten</a:t>
+            </a:r>
+          </a:p>
+          <a:p>
+            <a:pPr marL="252000" indent="-180000" eaLnBrk="0" hangingPunct="0">
+              <a:spcBef>
+                <a:spcPts val="200"/>
+              </a:spcBef>
+              <a:spcAft>
+                <a:spcPts val="200"/>
+              </a:spcAft>
+              <a:buClr>
+                <a:srgbClr val="007348"/>
+              </a:buClr>
+              <a:buFont typeface="Wingdings" pitchFamily="2" charset="2"/>
+              <a:buChar char="§"/>
+              <a:defRPr/>
+            </a:pPr>
+            <a:r>
+              <a:rPr lang="de-DE" sz="1400" dirty="0" smtClean="0"/>
+              <a:t>Daten veröffentlichen</a:t>
             </a:r>
             <a:endParaRPr lang="de-DE" sz="1400" dirty="0"/>
           </a:p>
@@ -46420,10 +46735,18 @@
             <a:spLocks noGrp="1"/>
           </p:cNvSpPr>
           <p:nvPr>
-            <p:ph type="sldNum" sz="quarter" idx="12"/>
+            <p:ph type="sldNum" sz="quarter" idx="4"/>
           </p:nvPr>
         </p:nvSpPr>
-        <p:spPr/>
+        <p:spPr>
+          <a:xfrm>
+            <a:off x="11769212" y="6459794"/>
+            <a:ext cx="422787" cy="398206"/>
+          </a:xfrm>
+          <a:prstGeom prst="rect">
+            <a:avLst/>
+          </a:prstGeom>
+        </p:spPr>
         <p:txBody>
           <a:bodyPr/>
           <a:lstStyle/>
@@ -46431,7 +46754,7 @@
             <a:fld id="{88051181-3DEF-484A-8434-F25831745C76}" type="slidenum">
               <a:rPr lang="de-DE" smtClean="0"/>
               <a:pPr/>
-              <a:t>8</a:t>
+              <a:t>7</a:t>
             </a:fld>
             <a:endParaRPr lang="de-DE" dirty="0"/>
           </a:p>
@@ -48308,16 +48631,39 @@
           <a:lstStyle/>
           <a:p>
             <a:r>
-              <a:rPr lang="de-DE" dirty="0" smtClean="0"/>
+              <a:rPr lang="de-DE" dirty="0"/>
               <a:t>Das Vision Modul ist durch eine Vielzahl von Topics mit den anderen Gruppen verbunden</a:t>
             </a:r>
+          </a:p>
+        </p:txBody>
+      </p:sp>
+      <p:sp>
+        <p:nvSpPr>
+          <p:cNvPr id="3" name="Foliennummernplatzhalter 2"/>
+          <p:cNvSpPr>
+            <a:spLocks noGrp="1"/>
+          </p:cNvSpPr>
+          <p:nvPr>
+            <p:ph type="sldNum" sz="quarter" idx="4"/>
+          </p:nvPr>
+        </p:nvSpPr>
+        <p:spPr/>
+        <p:txBody>
+          <a:bodyPr/>
+          <a:lstStyle/>
+          <a:p>
+            <a:fld id="{5F169D08-9325-4915-9F9B-D4854A2E2446}" type="slidenum">
+              <a:rPr lang="de-DE" smtClean="0"/>
+              <a:pPr/>
+              <a:t>8</a:t>
+            </a:fld>
             <a:endParaRPr lang="de-DE" dirty="0"/>
           </a:p>
         </p:txBody>
       </p:sp>
       <p:sp>
         <p:nvSpPr>
-          <p:cNvPr id="3" name="AutoShape 4"/>
+          <p:cNvPr id="4" name="AutoShape 4"/>
           <p:cNvSpPr>
             <a:spLocks noChangeArrowheads="1"/>
           </p:cNvSpPr>
@@ -48563,7 +48909,7 @@
       </p:sp>
       <p:sp>
         <p:nvSpPr>
-          <p:cNvPr id="4" name="AutoShape 5"/>
+          <p:cNvPr id="5" name="AutoShape 5"/>
           <p:cNvSpPr>
             <a:spLocks noChangeArrowheads="1"/>
           </p:cNvSpPr>
@@ -48786,7 +49132,7 @@
       </p:sp>
       <p:sp>
         <p:nvSpPr>
-          <p:cNvPr id="5" name="Rectangle 6"/>
+          <p:cNvPr id="6" name="Rectangle 6"/>
           <p:cNvSpPr>
             <a:spLocks noChangeArrowheads="1"/>
           </p:cNvSpPr>
@@ -48963,7 +49309,7 @@
       </p:sp>
       <p:sp>
         <p:nvSpPr>
-          <p:cNvPr id="6" name="Rectangle 7"/>
+          <p:cNvPr id="7" name="Rectangle 7"/>
           <p:cNvSpPr>
             <a:spLocks noChangeArrowheads="1"/>
           </p:cNvSpPr>
@@ -49141,20 +49487,13 @@
     </p:spTree>
     <p:extLst>
       <p:ext uri="{BB962C8B-B14F-4D97-AF65-F5344CB8AC3E}">
-        <p14:creationId xmlns:p14="http://schemas.microsoft.com/office/powerpoint/2010/main" val="2555787152"/>
+        <p14:creationId xmlns:p14="http://schemas.microsoft.com/office/powerpoint/2010/main" val="2009662725"/>
       </p:ext>
     </p:extLst>
   </p:cSld>
   <p:clrMapOvr>
     <a:masterClrMapping/>
   </p:clrMapOvr>
-  <p:timing>
-    <p:tnLst>
-      <p:par>
-        <p:cTn id="1" dur="indefinite" restart="never" nodeType="tmRoot"/>
-      </p:par>
-    </p:tnLst>
-  </p:timing>
 </p:sld>
 </file>
 
